--- a/Video_Covers.pptx
+++ b/Video_Covers.pptx
@@ -4094,45 +4094,104 @@
         </p:nvSpPr>
         <p:spPr/>
         <p:txBody>
+          <a:bodyPr>
+            <a:normAutofit/>
+          </a:bodyPr>
+          <a:lstStyle/>
+          <a:p>
+            <a:pPr algn="ctr"/>
+            <a:r>
+              <a:rPr lang="zh-CN" altLang="en-US" sz="4800" dirty="0">
+                <a:latin typeface="华文隶书" panose="02010800040101010101" pitchFamily="2" charset="-122"/>
+                <a:ea typeface="华文隶书" panose="02010800040101010101" pitchFamily="2" charset="-122"/>
+              </a:rPr>
+              <a:t>让</a:t>
+            </a:r>
+            <a:r>
+              <a:rPr lang="en-US" altLang="zh-CN" sz="4800" dirty="0">
+                <a:latin typeface="华文隶书" panose="02010800040101010101" pitchFamily="2" charset="-122"/>
+                <a:ea typeface="华文隶书" panose="02010800040101010101" pitchFamily="2" charset="-122"/>
+              </a:rPr>
+              <a:t>Python</a:t>
+            </a:r>
+            <a:r>
+              <a:rPr lang="zh-CN" altLang="en-US" sz="4800" dirty="0">
+                <a:latin typeface="华文隶书" panose="02010800040101010101" pitchFamily="2" charset="-122"/>
+                <a:ea typeface="华文隶书" panose="02010800040101010101" pitchFamily="2" charset="-122"/>
+              </a:rPr>
+              <a:t>遇上</a:t>
+            </a:r>
+            <a:r>
+              <a:rPr lang="en-US" altLang="zh-CN" sz="4800" dirty="0">
+                <a:latin typeface="华文隶书" panose="02010800040101010101" pitchFamily="2" charset="-122"/>
+                <a:ea typeface="华文隶书" panose="02010800040101010101" pitchFamily="2" charset="-122"/>
+              </a:rPr>
+              <a:t>Office</a:t>
+            </a:r>
+            <a:br>
+              <a:rPr lang="en-US" altLang="zh-CN" sz="4800" dirty="0">
+                <a:latin typeface="华文隶书" panose="02010800040101010101" pitchFamily="2" charset="-122"/>
+                <a:ea typeface="华文隶书" panose="02010800040101010101" pitchFamily="2" charset="-122"/>
+              </a:rPr>
+            </a:br>
+            <a:br>
+              <a:rPr lang="en-US" altLang="zh-CN" sz="4800" dirty="0">
+                <a:latin typeface="华文隶书" panose="02010800040101010101" pitchFamily="2" charset="-122"/>
+                <a:ea typeface="华文隶书" panose="02010800040101010101" pitchFamily="2" charset="-122"/>
+              </a:rPr>
+            </a:br>
+            <a:r>
+              <a:rPr lang="en-US" altLang="zh-CN" sz="4800" dirty="0">
+                <a:latin typeface="华文隶书" panose="02010800040101010101" pitchFamily="2" charset="-122"/>
+                <a:ea typeface="华文隶书" panose="02010800040101010101" pitchFamily="2" charset="-122"/>
+              </a:rPr>
+              <a:t>(Python with Office)</a:t>
+            </a:r>
+            <a:endParaRPr lang="en-US" sz="4800" dirty="0">
+              <a:latin typeface="华文隶书" panose="02010800040101010101" pitchFamily="2" charset="-122"/>
+              <a:ea typeface="华文隶书" panose="02010800040101010101" pitchFamily="2" charset="-122"/>
+            </a:endParaRPr>
+          </a:p>
+        </p:txBody>
+      </p:sp>
+      <p:sp>
+        <p:nvSpPr>
+          <p:cNvPr id="3" name="Content Placeholder 2"/>
+          <p:cNvSpPr>
+            <a:spLocks noGrp="1"/>
+          </p:cNvSpPr>
+          <p:nvPr>
+            <p:ph type="subTitle" idx="1"/>
+          </p:nvPr>
+        </p:nvSpPr>
+        <p:spPr/>
+        <p:txBody>
           <a:bodyPr/>
           <a:lstStyle/>
           <a:p>
             <a:r>
-              <a:rPr lang="en-US" dirty="0"/>
-              <a:t>Recommending</a:t>
-            </a:r>
-            <a:br>
-              <a:rPr lang="en-US" dirty="0"/>
-            </a:br>
-            <a:r>
-              <a:rPr lang="en-US" dirty="0"/>
-              <a:t>a Strategy</a:t>
-            </a:r>
-          </a:p>
-        </p:txBody>
-      </p:sp>
-      <p:sp>
-        <p:nvSpPr>
-          <p:cNvPr id="3" name="Content Placeholder 2"/>
-          <p:cNvSpPr>
-            <a:spLocks noGrp="1"/>
-          </p:cNvSpPr>
-          <p:nvPr>
-            <p:ph type="subTitle" idx="1"/>
-          </p:nvPr>
-        </p:nvSpPr>
-        <p:spPr/>
-        <p:txBody>
-          <a:bodyPr/>
-          <a:lstStyle/>
-          <a:p>
-            <a:r>
-              <a:rPr lang="en-US" dirty="0"/>
-              <a:t>Ideas for today and tomorrow</a:t>
-            </a:r>
-          </a:p>
-          <a:p>
-            <a:endParaRPr lang="en-US" dirty="0"/>
+              <a:rPr lang="en-US">
+                <a:latin typeface="ADLaM Display" panose="020F0502020204030204" pitchFamily="2" charset="0"/>
+                <a:ea typeface="ADLaM Display" panose="020F0502020204030204" pitchFamily="2" charset="0"/>
+                <a:cs typeface="ADLaM Display" panose="020F0502020204030204" pitchFamily="2" charset="0"/>
+              </a:rPr>
+              <a:t>Opening </a:t>
+            </a:r>
+            <a:r>
+              <a:rPr lang="en-US" dirty="0">
+                <a:latin typeface="ADLaM Display" panose="020F0502020204030204" pitchFamily="2" charset="0"/>
+                <a:ea typeface="ADLaM Display" panose="020F0502020204030204" pitchFamily="2" charset="0"/>
+                <a:cs typeface="ADLaM Display" panose="020F0502020204030204" pitchFamily="2" charset="0"/>
+              </a:rPr>
+              <a:t>and Introduction</a:t>
+            </a:r>
+          </a:p>
+          <a:p>
+            <a:endParaRPr lang="en-US" dirty="0">
+              <a:latin typeface="ADLaM Display" panose="020F0502020204030204" pitchFamily="2" charset="0"/>
+              <a:ea typeface="ADLaM Display" panose="020F0502020204030204" pitchFamily="2" charset="0"/>
+              <a:cs typeface="ADLaM Display" panose="020F0502020204030204" pitchFamily="2" charset="0"/>
+            </a:endParaRPr>
           </a:p>
         </p:txBody>
       </p:sp>
@@ -4158,14 +4217,71 @@
         </p:blipFill>
         <p:spPr>
           <a:xfrm>
-            <a:off x="7174532" y="1080234"/>
-            <a:ext cx="2649344" cy="3860934"/>
+            <a:off x="7318548" y="804043"/>
+            <a:ext cx="2952328" cy="4302478"/>
           </a:xfrm>
           <a:prstGeom prst="rect">
             <a:avLst/>
           </a:prstGeom>
+          <a:ln>
+            <a:noFill/>
+          </a:ln>
+          <a:effectLst>
+            <a:outerShdw blurRad="292100" dist="139700" dir="2700000" algn="tl" rotWithShape="0">
+              <a:srgbClr val="333333">
+                <a:alpha val="65000"/>
+              </a:srgbClr>
+            </a:outerShdw>
+          </a:effectLst>
         </p:spPr>
       </p:pic>
+      <p:sp>
+        <p:nvSpPr>
+          <p:cNvPr id="2" name="TextBox 1">
+            <a:extLst>
+              <a:ext uri="{FF2B5EF4-FFF2-40B4-BE49-F238E27FC236}">
+                <a16:creationId xmlns:a16="http://schemas.microsoft.com/office/drawing/2014/main" id="{CAB2C784-DE74-68FC-7A84-3E6C5D164315}"/>
+              </a:ext>
+            </a:extLst>
+          </p:cNvPr>
+          <p:cNvSpPr txBox="1"/>
+          <p:nvPr/>
+        </p:nvSpPr>
+        <p:spPr>
+          <a:xfrm>
+            <a:off x="765820" y="5516156"/>
+            <a:ext cx="7951216" cy="523220"/>
+          </a:xfrm>
+          <a:prstGeom prst="rect">
+            <a:avLst/>
+          </a:prstGeom>
+          <a:solidFill>
+            <a:schemeClr val="bg1">
+              <a:lumMod val="95000"/>
+            </a:schemeClr>
+          </a:solidFill>
+          <a:ln>
+            <a:solidFill>
+              <a:schemeClr val="bg2"/>
+            </a:solidFill>
+          </a:ln>
+        </p:spPr>
+        <p:txBody>
+          <a:bodyPr wrap="none" rtlCol="0" anchor="ctr" anchorCtr="1">
+            <a:spAutoFit/>
+          </a:bodyPr>
+          <a:lstStyle/>
+          <a:p>
+            <a:r>
+              <a:rPr lang="en-US" sz="2800" dirty="0">
+                <a:hlinkClick r:id="rId4"/>
+              </a:rPr>
+              <a:t>https://github.com/yasenstar/python_with_office</a:t>
+            </a:r>
+            <a:endParaRPr lang="en-US" sz="2800" dirty="0"/>
+          </a:p>
+        </p:txBody>
+      </p:sp>
     </p:spTree>
     <p:extLst>
       <p:ext uri="{BB962C8B-B14F-4D97-AF65-F5344CB8AC3E}">

--- a/Video_Covers.pptx
+++ b/Video_Covers.pptx
@@ -5,13 +5,15 @@
     <p:sldMasterId id="2147483660" r:id="rId1"/>
   </p:sldMasterIdLst>
   <p:notesMasterIdLst>
-    <p:notesMasterId r:id="rId3"/>
+    <p:notesMasterId r:id="rId5"/>
   </p:notesMasterIdLst>
   <p:handoutMasterIdLst>
-    <p:handoutMasterId r:id="rId4"/>
+    <p:handoutMasterId r:id="rId6"/>
   </p:handoutMasterIdLst>
   <p:sldIdLst>
     <p:sldId id="257" r:id="rId2"/>
+    <p:sldId id="258" r:id="rId3"/>
+    <p:sldId id="259" r:id="rId4"/>
   </p:sldIdLst>
   <p:sldSz cx="12188825" cy="6858000"/>
   <p:notesSz cx="6858000" cy="9144000"/>
@@ -776,6 +778,174 @@
     <p:extLst>
       <p:ext uri="{BB962C8B-B14F-4D97-AF65-F5344CB8AC3E}">
         <p14:creationId xmlns:p14="http://schemas.microsoft.com/office/powerpoint/2010/main" val="2864014762"/>
+      </p:ext>
+    </p:extLst>
+  </p:cSld>
+  <p:clrMapOvr>
+    <a:masterClrMapping/>
+  </p:clrMapOvr>
+</p:notes>
+</file>
+
+<file path=ppt/notesSlides/notesSlide2.xml><?xml version="1.0" encoding="utf-8"?>
+<p:notes xmlns:a="http://schemas.openxmlformats.org/drawingml/2006/main" xmlns:r="http://schemas.openxmlformats.org/officeDocument/2006/relationships" xmlns:p="http://schemas.openxmlformats.org/presentationml/2006/main">
+  <p:cSld>
+    <p:spTree>
+      <p:nvGrpSpPr>
+        <p:cNvPr id="1" name=""/>
+        <p:cNvGrpSpPr/>
+        <p:nvPr/>
+      </p:nvGrpSpPr>
+      <p:grpSpPr>
+        <a:xfrm>
+          <a:off x="0" y="0"/>
+          <a:ext cx="0" cy="0"/>
+          <a:chOff x="0" y="0"/>
+          <a:chExt cx="0" cy="0"/>
+        </a:xfrm>
+      </p:grpSpPr>
+      <p:sp>
+        <p:nvSpPr>
+          <p:cNvPr id="2" name="Slide Image Placeholder 1"/>
+          <p:cNvSpPr>
+            <a:spLocks noGrp="1" noRot="1" noChangeAspect="1"/>
+          </p:cNvSpPr>
+          <p:nvPr>
+            <p:ph type="sldImg"/>
+          </p:nvPr>
+        </p:nvSpPr>
+        <p:spPr/>
+      </p:sp>
+      <p:sp>
+        <p:nvSpPr>
+          <p:cNvPr id="3" name="Notes Placeholder 2"/>
+          <p:cNvSpPr>
+            <a:spLocks noGrp="1"/>
+          </p:cNvSpPr>
+          <p:nvPr>
+            <p:ph type="body" idx="1"/>
+          </p:nvPr>
+        </p:nvSpPr>
+        <p:spPr/>
+        <p:txBody>
+          <a:bodyPr/>
+          <a:lstStyle/>
+          <a:p>
+            <a:endParaRPr lang="en-US" dirty="0"/>
+          </a:p>
+        </p:txBody>
+      </p:sp>
+      <p:sp>
+        <p:nvSpPr>
+          <p:cNvPr id="4" name="Slide Number Placeholder 3"/>
+          <p:cNvSpPr>
+            <a:spLocks noGrp="1"/>
+          </p:cNvSpPr>
+          <p:nvPr>
+            <p:ph type="sldNum" sz="quarter" idx="10"/>
+          </p:nvPr>
+        </p:nvSpPr>
+        <p:spPr/>
+        <p:txBody>
+          <a:bodyPr/>
+          <a:lstStyle/>
+          <a:p>
+            <a:fld id="{6BB98AFB-CB0D-4DFE-87B9-B4B0D0DE73CD}" type="slidenum">
+              <a:rPr lang="en-US" smtClean="0"/>
+              <a:t>2</a:t>
+            </a:fld>
+            <a:endParaRPr lang="en-US" dirty="0"/>
+          </a:p>
+        </p:txBody>
+      </p:sp>
+    </p:spTree>
+    <p:extLst>
+      <p:ext uri="{BB962C8B-B14F-4D97-AF65-F5344CB8AC3E}">
+        <p14:creationId xmlns:p14="http://schemas.microsoft.com/office/powerpoint/2010/main" val="3343015242"/>
+      </p:ext>
+    </p:extLst>
+  </p:cSld>
+  <p:clrMapOvr>
+    <a:masterClrMapping/>
+  </p:clrMapOvr>
+</p:notes>
+</file>
+
+<file path=ppt/notesSlides/notesSlide3.xml><?xml version="1.0" encoding="utf-8"?>
+<p:notes xmlns:a="http://schemas.openxmlformats.org/drawingml/2006/main" xmlns:r="http://schemas.openxmlformats.org/officeDocument/2006/relationships" xmlns:p="http://schemas.openxmlformats.org/presentationml/2006/main">
+  <p:cSld>
+    <p:spTree>
+      <p:nvGrpSpPr>
+        <p:cNvPr id="1" name=""/>
+        <p:cNvGrpSpPr/>
+        <p:nvPr/>
+      </p:nvGrpSpPr>
+      <p:grpSpPr>
+        <a:xfrm>
+          <a:off x="0" y="0"/>
+          <a:ext cx="0" cy="0"/>
+          <a:chOff x="0" y="0"/>
+          <a:chExt cx="0" cy="0"/>
+        </a:xfrm>
+      </p:grpSpPr>
+      <p:sp>
+        <p:nvSpPr>
+          <p:cNvPr id="2" name="Slide Image Placeholder 1"/>
+          <p:cNvSpPr>
+            <a:spLocks noGrp="1" noRot="1" noChangeAspect="1"/>
+          </p:cNvSpPr>
+          <p:nvPr>
+            <p:ph type="sldImg"/>
+          </p:nvPr>
+        </p:nvSpPr>
+        <p:spPr/>
+      </p:sp>
+      <p:sp>
+        <p:nvSpPr>
+          <p:cNvPr id="3" name="Notes Placeholder 2"/>
+          <p:cNvSpPr>
+            <a:spLocks noGrp="1"/>
+          </p:cNvSpPr>
+          <p:nvPr>
+            <p:ph type="body" idx="1"/>
+          </p:nvPr>
+        </p:nvSpPr>
+        <p:spPr/>
+        <p:txBody>
+          <a:bodyPr/>
+          <a:lstStyle/>
+          <a:p>
+            <a:endParaRPr lang="en-US" dirty="0"/>
+          </a:p>
+        </p:txBody>
+      </p:sp>
+      <p:sp>
+        <p:nvSpPr>
+          <p:cNvPr id="4" name="Slide Number Placeholder 3"/>
+          <p:cNvSpPr>
+            <a:spLocks noGrp="1"/>
+          </p:cNvSpPr>
+          <p:nvPr>
+            <p:ph type="sldNum" sz="quarter" idx="10"/>
+          </p:nvPr>
+        </p:nvSpPr>
+        <p:spPr/>
+        <p:txBody>
+          <a:bodyPr/>
+          <a:lstStyle/>
+          <a:p>
+            <a:fld id="{6BB98AFB-CB0D-4DFE-87B9-B4B0D0DE73CD}" type="slidenum">
+              <a:rPr lang="en-US" smtClean="0"/>
+              <a:t>3</a:t>
+            </a:fld>
+            <a:endParaRPr lang="en-US" dirty="0"/>
+          </a:p>
+        </p:txBody>
+      </p:sp>
+    </p:spTree>
+    <p:extLst>
+      <p:ext uri="{BB962C8B-B14F-4D97-AF65-F5344CB8AC3E}">
+        <p14:creationId xmlns:p14="http://schemas.microsoft.com/office/powerpoint/2010/main" val="318718707"/>
       </p:ext>
     </p:extLst>
   </p:cSld>
@@ -4286,6 +4456,694 @@
     <p:extLst>
       <p:ext uri="{BB962C8B-B14F-4D97-AF65-F5344CB8AC3E}">
         <p14:creationId xmlns:p14="http://schemas.microsoft.com/office/powerpoint/2010/main" val="3658128150"/>
+      </p:ext>
+    </p:extLst>
+  </p:cSld>
+  <p:clrMapOvr>
+    <a:masterClrMapping/>
+  </p:clrMapOvr>
+  <mc:AlternateContent xmlns:mc="http://schemas.openxmlformats.org/markup-compatibility/2006" xmlns:p14="http://schemas.microsoft.com/office/powerpoint/2010/main">
+    <mc:Choice Requires="p14">
+      <p:transition spd="med" p14:dur="700">
+        <p:fade/>
+      </p:transition>
+    </mc:Choice>
+    <mc:Fallback xmlns="">
+      <p:transition spd="med">
+        <p:fade/>
+      </p:transition>
+    </mc:Fallback>
+  </mc:AlternateContent>
+</p:sld>
+</file>
+
+<file path=ppt/slides/slide2.xml><?xml version="1.0" encoding="utf-8"?>
+<p:sld xmlns:a="http://schemas.openxmlformats.org/drawingml/2006/main" xmlns:r="http://schemas.openxmlformats.org/officeDocument/2006/relationships" xmlns:p="http://schemas.openxmlformats.org/presentationml/2006/main">
+  <p:cSld>
+    <p:spTree>
+      <p:nvGrpSpPr>
+        <p:cNvPr id="1" name=""/>
+        <p:cNvGrpSpPr/>
+        <p:nvPr/>
+      </p:nvGrpSpPr>
+      <p:grpSpPr>
+        <a:xfrm>
+          <a:off x="0" y="0"/>
+          <a:ext cx="0" cy="0"/>
+          <a:chOff x="0" y="0"/>
+          <a:chExt cx="0" cy="0"/>
+        </a:xfrm>
+      </p:grpSpPr>
+      <p:sp>
+        <p:nvSpPr>
+          <p:cNvPr id="4" name="Title 3"/>
+          <p:cNvSpPr>
+            <a:spLocks noGrp="1"/>
+          </p:cNvSpPr>
+          <p:nvPr>
+            <p:ph type="ctrTitle"/>
+          </p:nvPr>
+        </p:nvSpPr>
+        <p:spPr/>
+        <p:txBody>
+          <a:bodyPr>
+            <a:normAutofit/>
+          </a:bodyPr>
+          <a:lstStyle/>
+          <a:p>
+            <a:pPr algn="ctr"/>
+            <a:r>
+              <a:rPr lang="zh-CN" altLang="en-US" sz="4800" dirty="0">
+                <a:latin typeface="华文隶书" panose="02010800040101010101" pitchFamily="2" charset="-122"/>
+                <a:ea typeface="华文隶书" panose="02010800040101010101" pitchFamily="2" charset="-122"/>
+              </a:rPr>
+              <a:t>让</a:t>
+            </a:r>
+            <a:r>
+              <a:rPr lang="en-US" altLang="zh-CN" sz="4800" dirty="0">
+                <a:latin typeface="华文隶书" panose="02010800040101010101" pitchFamily="2" charset="-122"/>
+                <a:ea typeface="华文隶书" panose="02010800040101010101" pitchFamily="2" charset="-122"/>
+              </a:rPr>
+              <a:t>Python</a:t>
+            </a:r>
+            <a:r>
+              <a:rPr lang="zh-CN" altLang="en-US" sz="4800" dirty="0">
+                <a:latin typeface="华文隶书" panose="02010800040101010101" pitchFamily="2" charset="-122"/>
+                <a:ea typeface="华文隶书" panose="02010800040101010101" pitchFamily="2" charset="-122"/>
+              </a:rPr>
+              <a:t>遇上</a:t>
+            </a:r>
+            <a:r>
+              <a:rPr lang="en-US" altLang="zh-CN" sz="4800" dirty="0">
+                <a:latin typeface="华文隶书" panose="02010800040101010101" pitchFamily="2" charset="-122"/>
+                <a:ea typeface="华文隶书" panose="02010800040101010101" pitchFamily="2" charset="-122"/>
+              </a:rPr>
+              <a:t>Office</a:t>
+            </a:r>
+            <a:br>
+              <a:rPr lang="en-US" altLang="zh-CN" sz="4800" dirty="0">
+                <a:latin typeface="华文隶书" panose="02010800040101010101" pitchFamily="2" charset="-122"/>
+                <a:ea typeface="华文隶书" panose="02010800040101010101" pitchFamily="2" charset="-122"/>
+              </a:rPr>
+            </a:br>
+            <a:br>
+              <a:rPr lang="en-US" altLang="zh-CN" sz="4800" dirty="0">
+                <a:latin typeface="华文隶书" panose="02010800040101010101" pitchFamily="2" charset="-122"/>
+                <a:ea typeface="华文隶书" panose="02010800040101010101" pitchFamily="2" charset="-122"/>
+              </a:rPr>
+            </a:br>
+            <a:r>
+              <a:rPr lang="en-US" altLang="zh-CN" sz="4800" dirty="0">
+                <a:latin typeface="华文隶书" panose="02010800040101010101" pitchFamily="2" charset="-122"/>
+                <a:ea typeface="华文隶书" panose="02010800040101010101" pitchFamily="2" charset="-122"/>
+              </a:rPr>
+              <a:t>(Python with Office)</a:t>
+            </a:r>
+            <a:endParaRPr lang="en-US" sz="4800" dirty="0">
+              <a:latin typeface="华文隶书" panose="02010800040101010101" pitchFamily="2" charset="-122"/>
+              <a:ea typeface="华文隶书" panose="02010800040101010101" pitchFamily="2" charset="-122"/>
+            </a:endParaRPr>
+          </a:p>
+        </p:txBody>
+      </p:sp>
+      <p:sp>
+        <p:nvSpPr>
+          <p:cNvPr id="3" name="Content Placeholder 2"/>
+          <p:cNvSpPr>
+            <a:spLocks noGrp="1"/>
+          </p:cNvSpPr>
+          <p:nvPr>
+            <p:ph type="subTitle" idx="1"/>
+          </p:nvPr>
+        </p:nvSpPr>
+        <p:spPr>
+          <a:xfrm>
+            <a:off x="1065212" y="3403600"/>
+            <a:ext cx="5029201" cy="2185640"/>
+          </a:xfrm>
+        </p:spPr>
+        <p:txBody>
+          <a:bodyPr>
+            <a:normAutofit lnSpcReduction="10000"/>
+          </a:bodyPr>
+          <a:lstStyle/>
+          <a:p>
+            <a:r>
+              <a:rPr lang="en-US" sz="2800" dirty="0">
+                <a:latin typeface="ADLaM Display" panose="020F0502020204030204" pitchFamily="2" charset="0"/>
+                <a:ea typeface="ADLaM Display" panose="020F0502020204030204" pitchFamily="2" charset="0"/>
+                <a:cs typeface="ADLaM Display" panose="020F0502020204030204" pitchFamily="2" charset="0"/>
+              </a:rPr>
+              <a:t>Chapter 2 Data Structure </a:t>
+            </a:r>
+          </a:p>
+          <a:p>
+            <a:r>
+              <a:rPr lang="en-US" sz="2800" dirty="0">
+                <a:latin typeface="ADLaM Display" panose="020F0502020204030204" pitchFamily="2" charset="0"/>
+                <a:ea typeface="ADLaM Display" panose="020F0502020204030204" pitchFamily="2" charset="0"/>
+                <a:cs typeface="ADLaM Display" panose="020F0502020204030204" pitchFamily="2" charset="0"/>
+              </a:rPr>
+              <a:t>2.1 </a:t>
+            </a:r>
+            <a:r>
+              <a:rPr lang="en-US" altLang="zh-CN" sz="2800" dirty="0">
+                <a:latin typeface="ADLaM Display" panose="020F0502020204030204" pitchFamily="2" charset="0"/>
+                <a:ea typeface="ADLaM Display" panose="020F0502020204030204" pitchFamily="2" charset="0"/>
+                <a:cs typeface="ADLaM Display" panose="020F0502020204030204" pitchFamily="2" charset="0"/>
+              </a:rPr>
+              <a:t>Numeric Type</a:t>
+            </a:r>
+          </a:p>
+          <a:p>
+            <a:endParaRPr lang="en-US" sz="2800" dirty="0">
+              <a:latin typeface="ADLaM Display" panose="020F0502020204030204" pitchFamily="2" charset="0"/>
+              <a:ea typeface="ADLaM Display" panose="020F0502020204030204" pitchFamily="2" charset="0"/>
+              <a:cs typeface="ADLaM Display" panose="020F0502020204030204" pitchFamily="2" charset="0"/>
+            </a:endParaRPr>
+          </a:p>
+          <a:p>
+            <a:r>
+              <a:rPr lang="zh-CN" altLang="en-US" sz="2800" dirty="0">
+                <a:latin typeface="ADLaM Display" panose="020F0502020204030204" pitchFamily="2" charset="0"/>
+                <a:ea typeface="ADLaM Display" panose="020F0502020204030204" pitchFamily="2" charset="0"/>
+                <a:cs typeface="ADLaM Display" panose="020F0502020204030204" pitchFamily="2" charset="0"/>
+              </a:rPr>
+              <a:t>第二章 数据结构</a:t>
+            </a:r>
+            <a:endParaRPr lang="en-US" altLang="zh-CN" sz="2800" dirty="0">
+              <a:latin typeface="ADLaM Display" panose="020F0502020204030204" pitchFamily="2" charset="0"/>
+              <a:ea typeface="ADLaM Display" panose="020F0502020204030204" pitchFamily="2" charset="0"/>
+              <a:cs typeface="ADLaM Display" panose="020F0502020204030204" pitchFamily="2" charset="0"/>
+            </a:endParaRPr>
+          </a:p>
+          <a:p>
+            <a:r>
+              <a:rPr lang="en-US" sz="2800" dirty="0">
+                <a:latin typeface="ADLaM Display" panose="020F0502020204030204" pitchFamily="2" charset="0"/>
+                <a:ea typeface="ADLaM Display" panose="020F0502020204030204" pitchFamily="2" charset="0"/>
+                <a:cs typeface="ADLaM Display" panose="020F0502020204030204" pitchFamily="2" charset="0"/>
+              </a:rPr>
+              <a:t>2.1 </a:t>
+            </a:r>
+            <a:r>
+              <a:rPr lang="zh-CN" altLang="en-US" sz="2800" dirty="0">
+                <a:latin typeface="ADLaM Display" panose="020F0502020204030204" pitchFamily="2" charset="0"/>
+                <a:ea typeface="ADLaM Display" panose="020F0502020204030204" pitchFamily="2" charset="0"/>
+                <a:cs typeface="ADLaM Display" panose="020F0502020204030204" pitchFamily="2" charset="0"/>
+              </a:rPr>
+              <a:t>数字类型</a:t>
+            </a:r>
+            <a:endParaRPr lang="en-US" sz="2800" dirty="0">
+              <a:latin typeface="ADLaM Display" panose="020F0502020204030204" pitchFamily="2" charset="0"/>
+              <a:ea typeface="ADLaM Display" panose="020F0502020204030204" pitchFamily="2" charset="0"/>
+              <a:cs typeface="ADLaM Display" panose="020F0502020204030204" pitchFamily="2" charset="0"/>
+            </a:endParaRPr>
+          </a:p>
+          <a:p>
+            <a:endParaRPr lang="en-US" sz="2800" dirty="0">
+              <a:latin typeface="ADLaM Display" panose="020F0502020204030204" pitchFamily="2" charset="0"/>
+              <a:ea typeface="ADLaM Display" panose="020F0502020204030204" pitchFamily="2" charset="0"/>
+              <a:cs typeface="ADLaM Display" panose="020F0502020204030204" pitchFamily="2" charset="0"/>
+            </a:endParaRPr>
+          </a:p>
+        </p:txBody>
+      </p:sp>
+      <p:pic>
+        <p:nvPicPr>
+          <p:cNvPr id="5" name="Picture 4">
+            <a:extLst>
+              <a:ext uri="{FF2B5EF4-FFF2-40B4-BE49-F238E27FC236}">
+                <a16:creationId xmlns:a16="http://schemas.microsoft.com/office/drawing/2014/main" id="{4AD8B85C-B359-195F-B78C-C879AB7840B1}"/>
+              </a:ext>
+            </a:extLst>
+          </p:cNvPr>
+          <p:cNvPicPr>
+            <a:picLocks noChangeAspect="1"/>
+          </p:cNvPicPr>
+          <p:nvPr/>
+        </p:nvPicPr>
+        <p:blipFill>
+          <a:blip r:embed="rId3"/>
+          <a:stretch>
+            <a:fillRect/>
+          </a:stretch>
+        </p:blipFill>
+        <p:spPr>
+          <a:xfrm>
+            <a:off x="57601" y="1189856"/>
+            <a:ext cx="1068259" cy="1556792"/>
+          </a:xfrm>
+          <a:prstGeom prst="rect">
+            <a:avLst/>
+          </a:prstGeom>
+          <a:ln>
+            <a:noFill/>
+          </a:ln>
+          <a:effectLst>
+            <a:outerShdw blurRad="292100" dist="139700" dir="2700000" algn="tl" rotWithShape="0">
+              <a:srgbClr val="333333">
+                <a:alpha val="65000"/>
+              </a:srgbClr>
+            </a:outerShdw>
+          </a:effectLst>
+        </p:spPr>
+      </p:pic>
+      <p:sp>
+        <p:nvSpPr>
+          <p:cNvPr id="2" name="TextBox 1">
+            <a:extLst>
+              <a:ext uri="{FF2B5EF4-FFF2-40B4-BE49-F238E27FC236}">
+                <a16:creationId xmlns:a16="http://schemas.microsoft.com/office/drawing/2014/main" id="{CAB2C784-DE74-68FC-7A84-3E6C5D164315}"/>
+              </a:ext>
+            </a:extLst>
+          </p:cNvPr>
+          <p:cNvSpPr txBox="1"/>
+          <p:nvPr/>
+        </p:nvSpPr>
+        <p:spPr>
+          <a:xfrm>
+            <a:off x="405780" y="6139934"/>
+            <a:ext cx="7951216" cy="523220"/>
+          </a:xfrm>
+          <a:prstGeom prst="rect">
+            <a:avLst/>
+          </a:prstGeom>
+          <a:solidFill>
+            <a:schemeClr val="bg1">
+              <a:lumMod val="95000"/>
+            </a:schemeClr>
+          </a:solidFill>
+          <a:ln>
+            <a:solidFill>
+              <a:schemeClr val="bg2"/>
+            </a:solidFill>
+          </a:ln>
+        </p:spPr>
+        <p:txBody>
+          <a:bodyPr wrap="none" rtlCol="0" anchor="ctr" anchorCtr="1">
+            <a:spAutoFit/>
+          </a:bodyPr>
+          <a:lstStyle/>
+          <a:p>
+            <a:r>
+              <a:rPr lang="en-US" sz="2800" dirty="0">
+                <a:hlinkClick r:id="rId4"/>
+              </a:rPr>
+              <a:t>https://github.com/yasenstar/python_with_office</a:t>
+            </a:r>
+            <a:endParaRPr lang="en-US" sz="2800" dirty="0"/>
+          </a:p>
+        </p:txBody>
+      </p:sp>
+      <p:pic>
+        <p:nvPicPr>
+          <p:cNvPr id="7" name="Picture 6">
+            <a:extLst>
+              <a:ext uri="{FF2B5EF4-FFF2-40B4-BE49-F238E27FC236}">
+                <a16:creationId xmlns:a16="http://schemas.microsoft.com/office/drawing/2014/main" id="{3B6787F6-2691-8FF0-DD76-9A26EDBF1ECE}"/>
+              </a:ext>
+            </a:extLst>
+          </p:cNvPr>
+          <p:cNvPicPr>
+            <a:picLocks noChangeAspect="1"/>
+          </p:cNvPicPr>
+          <p:nvPr/>
+        </p:nvPicPr>
+        <p:blipFill>
+          <a:blip r:embed="rId5"/>
+          <a:stretch>
+            <a:fillRect/>
+          </a:stretch>
+        </p:blipFill>
+        <p:spPr>
+          <a:xfrm>
+            <a:off x="6238427" y="404664"/>
+            <a:ext cx="5439555" cy="5184576"/>
+          </a:xfrm>
+          <a:prstGeom prst="rect">
+            <a:avLst/>
+          </a:prstGeom>
+          <a:ln>
+            <a:noFill/>
+          </a:ln>
+          <a:effectLst>
+            <a:outerShdw blurRad="292100" dist="139700" dir="2700000" algn="tl" rotWithShape="0">
+              <a:srgbClr val="333333">
+                <a:alpha val="65000"/>
+              </a:srgbClr>
+            </a:outerShdw>
+          </a:effectLst>
+        </p:spPr>
+      </p:pic>
+    </p:spTree>
+    <p:extLst>
+      <p:ext uri="{BB962C8B-B14F-4D97-AF65-F5344CB8AC3E}">
+        <p14:creationId xmlns:p14="http://schemas.microsoft.com/office/powerpoint/2010/main" val="2396154423"/>
+      </p:ext>
+    </p:extLst>
+  </p:cSld>
+  <p:clrMapOvr>
+    <a:masterClrMapping/>
+  </p:clrMapOvr>
+  <mc:AlternateContent xmlns:mc="http://schemas.openxmlformats.org/markup-compatibility/2006" xmlns:p14="http://schemas.microsoft.com/office/powerpoint/2010/main">
+    <mc:Choice Requires="p14">
+      <p:transition spd="med" p14:dur="700">
+        <p:fade/>
+      </p:transition>
+    </mc:Choice>
+    <mc:Fallback xmlns="">
+      <p:transition spd="med">
+        <p:fade/>
+      </p:transition>
+    </mc:Fallback>
+  </mc:AlternateContent>
+</p:sld>
+</file>
+
+<file path=ppt/slides/slide3.xml><?xml version="1.0" encoding="utf-8"?>
+<p:sld xmlns:a="http://schemas.openxmlformats.org/drawingml/2006/main" xmlns:r="http://schemas.openxmlformats.org/officeDocument/2006/relationships" xmlns:p="http://schemas.openxmlformats.org/presentationml/2006/main">
+  <p:cSld>
+    <p:spTree>
+      <p:nvGrpSpPr>
+        <p:cNvPr id="1" name=""/>
+        <p:cNvGrpSpPr/>
+        <p:nvPr/>
+      </p:nvGrpSpPr>
+      <p:grpSpPr>
+        <a:xfrm>
+          <a:off x="0" y="0"/>
+          <a:ext cx="0" cy="0"/>
+          <a:chOff x="0" y="0"/>
+          <a:chExt cx="0" cy="0"/>
+        </a:xfrm>
+      </p:grpSpPr>
+      <p:sp>
+        <p:nvSpPr>
+          <p:cNvPr id="4" name="Title 3"/>
+          <p:cNvSpPr>
+            <a:spLocks noGrp="1"/>
+          </p:cNvSpPr>
+          <p:nvPr>
+            <p:ph type="ctrTitle"/>
+          </p:nvPr>
+        </p:nvSpPr>
+        <p:spPr/>
+        <p:txBody>
+          <a:bodyPr>
+            <a:normAutofit/>
+          </a:bodyPr>
+          <a:lstStyle/>
+          <a:p>
+            <a:pPr algn="ctr"/>
+            <a:r>
+              <a:rPr lang="zh-CN" altLang="en-US" sz="4800" dirty="0">
+                <a:latin typeface="华文隶书" panose="02010800040101010101" pitchFamily="2" charset="-122"/>
+                <a:ea typeface="华文隶书" panose="02010800040101010101" pitchFamily="2" charset="-122"/>
+              </a:rPr>
+              <a:t>让</a:t>
+            </a:r>
+            <a:r>
+              <a:rPr lang="en-US" altLang="zh-CN" sz="4800" dirty="0">
+                <a:latin typeface="华文隶书" panose="02010800040101010101" pitchFamily="2" charset="-122"/>
+                <a:ea typeface="华文隶书" panose="02010800040101010101" pitchFamily="2" charset="-122"/>
+              </a:rPr>
+              <a:t>Python</a:t>
+            </a:r>
+            <a:r>
+              <a:rPr lang="zh-CN" altLang="en-US" sz="4800" dirty="0">
+                <a:latin typeface="华文隶书" panose="02010800040101010101" pitchFamily="2" charset="-122"/>
+                <a:ea typeface="华文隶书" panose="02010800040101010101" pitchFamily="2" charset="-122"/>
+              </a:rPr>
+              <a:t>遇上</a:t>
+            </a:r>
+            <a:r>
+              <a:rPr lang="en-US" altLang="zh-CN" sz="4800" dirty="0">
+                <a:latin typeface="华文隶书" panose="02010800040101010101" pitchFamily="2" charset="-122"/>
+                <a:ea typeface="华文隶书" panose="02010800040101010101" pitchFamily="2" charset="-122"/>
+              </a:rPr>
+              <a:t>Office</a:t>
+            </a:r>
+            <a:br>
+              <a:rPr lang="en-US" altLang="zh-CN" sz="4800" dirty="0">
+                <a:latin typeface="华文隶书" panose="02010800040101010101" pitchFamily="2" charset="-122"/>
+                <a:ea typeface="华文隶书" panose="02010800040101010101" pitchFamily="2" charset="-122"/>
+              </a:rPr>
+            </a:br>
+            <a:br>
+              <a:rPr lang="en-US" altLang="zh-CN" sz="4800" dirty="0">
+                <a:latin typeface="华文隶书" panose="02010800040101010101" pitchFamily="2" charset="-122"/>
+                <a:ea typeface="华文隶书" panose="02010800040101010101" pitchFamily="2" charset="-122"/>
+              </a:rPr>
+            </a:br>
+            <a:r>
+              <a:rPr lang="en-US" altLang="zh-CN" sz="4800" dirty="0">
+                <a:latin typeface="华文隶书" panose="02010800040101010101" pitchFamily="2" charset="-122"/>
+                <a:ea typeface="华文隶书" panose="02010800040101010101" pitchFamily="2" charset="-122"/>
+              </a:rPr>
+              <a:t>(Python with Office)</a:t>
+            </a:r>
+            <a:endParaRPr lang="en-US" sz="4800" dirty="0">
+              <a:latin typeface="华文隶书" panose="02010800040101010101" pitchFamily="2" charset="-122"/>
+              <a:ea typeface="华文隶书" panose="02010800040101010101" pitchFamily="2" charset="-122"/>
+            </a:endParaRPr>
+          </a:p>
+        </p:txBody>
+      </p:sp>
+      <p:sp>
+        <p:nvSpPr>
+          <p:cNvPr id="3" name="Content Placeholder 2"/>
+          <p:cNvSpPr>
+            <a:spLocks noGrp="1"/>
+          </p:cNvSpPr>
+          <p:nvPr>
+            <p:ph type="subTitle" idx="1"/>
+          </p:nvPr>
+        </p:nvSpPr>
+        <p:spPr>
+          <a:xfrm>
+            <a:off x="1065212" y="3403600"/>
+            <a:ext cx="5029201" cy="2185640"/>
+          </a:xfrm>
+        </p:spPr>
+        <p:txBody>
+          <a:bodyPr>
+            <a:normAutofit lnSpcReduction="10000"/>
+          </a:bodyPr>
+          <a:lstStyle/>
+          <a:p>
+            <a:r>
+              <a:rPr lang="en-US" sz="2800" dirty="0">
+                <a:latin typeface="ADLaM Display" panose="020F0502020204030204" pitchFamily="2" charset="0"/>
+                <a:ea typeface="ADLaM Display" panose="020F0502020204030204" pitchFamily="2" charset="0"/>
+                <a:cs typeface="ADLaM Display" panose="020F0502020204030204" pitchFamily="2" charset="0"/>
+              </a:rPr>
+              <a:t>Chapter 2 Data Structure </a:t>
+            </a:r>
+          </a:p>
+          <a:p>
+            <a:r>
+              <a:rPr lang="en-US" sz="2800" dirty="0">
+                <a:latin typeface="ADLaM Display" panose="020F0502020204030204" pitchFamily="2" charset="0"/>
+                <a:ea typeface="ADLaM Display" panose="020F0502020204030204" pitchFamily="2" charset="0"/>
+                <a:cs typeface="ADLaM Display" panose="020F0502020204030204" pitchFamily="2" charset="0"/>
+              </a:rPr>
+              <a:t>2.2 </a:t>
+            </a:r>
+            <a:r>
+              <a:rPr lang="en-US" altLang="zh-CN" sz="2800" dirty="0">
+                <a:latin typeface="ADLaM Display" panose="020F0502020204030204" pitchFamily="2" charset="0"/>
+                <a:ea typeface="ADLaM Display" panose="020F0502020204030204" pitchFamily="2" charset="0"/>
+                <a:cs typeface="ADLaM Display" panose="020F0502020204030204" pitchFamily="2" charset="0"/>
+              </a:rPr>
+              <a:t>String Type</a:t>
+            </a:r>
+          </a:p>
+          <a:p>
+            <a:endParaRPr lang="en-US" sz="2800" dirty="0">
+              <a:latin typeface="ADLaM Display" panose="020F0502020204030204" pitchFamily="2" charset="0"/>
+              <a:ea typeface="ADLaM Display" panose="020F0502020204030204" pitchFamily="2" charset="0"/>
+              <a:cs typeface="ADLaM Display" panose="020F0502020204030204" pitchFamily="2" charset="0"/>
+            </a:endParaRPr>
+          </a:p>
+          <a:p>
+            <a:r>
+              <a:rPr lang="zh-CN" altLang="en-US" sz="2800" dirty="0">
+                <a:latin typeface="ADLaM Display" panose="020F0502020204030204" pitchFamily="2" charset="0"/>
+                <a:ea typeface="ADLaM Display" panose="020F0502020204030204" pitchFamily="2" charset="0"/>
+                <a:cs typeface="ADLaM Display" panose="020F0502020204030204" pitchFamily="2" charset="0"/>
+              </a:rPr>
+              <a:t>第二章 数据结构</a:t>
+            </a:r>
+            <a:endParaRPr lang="en-US" altLang="zh-CN" sz="2800" dirty="0">
+              <a:latin typeface="ADLaM Display" panose="020F0502020204030204" pitchFamily="2" charset="0"/>
+              <a:ea typeface="ADLaM Display" panose="020F0502020204030204" pitchFamily="2" charset="0"/>
+              <a:cs typeface="ADLaM Display" panose="020F0502020204030204" pitchFamily="2" charset="0"/>
+            </a:endParaRPr>
+          </a:p>
+          <a:p>
+            <a:r>
+              <a:rPr lang="en-US" sz="2800" dirty="0">
+                <a:latin typeface="ADLaM Display" panose="020F0502020204030204" pitchFamily="2" charset="0"/>
+                <a:ea typeface="ADLaM Display" panose="020F0502020204030204" pitchFamily="2" charset="0"/>
+                <a:cs typeface="ADLaM Display" panose="020F0502020204030204" pitchFamily="2" charset="0"/>
+              </a:rPr>
+              <a:t>2.2 </a:t>
+            </a:r>
+            <a:r>
+              <a:rPr lang="zh-CN" altLang="en-US" sz="2800" dirty="0">
+                <a:latin typeface="ADLaM Display" panose="020F0502020204030204" pitchFamily="2" charset="0"/>
+                <a:ea typeface="ADLaM Display" panose="020F0502020204030204" pitchFamily="2" charset="0"/>
+                <a:cs typeface="ADLaM Display" panose="020F0502020204030204" pitchFamily="2" charset="0"/>
+              </a:rPr>
+              <a:t>字符串</a:t>
+            </a:r>
+            <a:endParaRPr lang="en-US" sz="2800" dirty="0">
+              <a:latin typeface="ADLaM Display" panose="020F0502020204030204" pitchFamily="2" charset="0"/>
+              <a:ea typeface="ADLaM Display" panose="020F0502020204030204" pitchFamily="2" charset="0"/>
+              <a:cs typeface="ADLaM Display" panose="020F0502020204030204" pitchFamily="2" charset="0"/>
+            </a:endParaRPr>
+          </a:p>
+          <a:p>
+            <a:endParaRPr lang="en-US" sz="2800" dirty="0">
+              <a:latin typeface="ADLaM Display" panose="020F0502020204030204" pitchFamily="2" charset="0"/>
+              <a:ea typeface="ADLaM Display" panose="020F0502020204030204" pitchFamily="2" charset="0"/>
+              <a:cs typeface="ADLaM Display" panose="020F0502020204030204" pitchFamily="2" charset="0"/>
+            </a:endParaRPr>
+          </a:p>
+        </p:txBody>
+      </p:sp>
+      <p:pic>
+        <p:nvPicPr>
+          <p:cNvPr id="5" name="Picture 4">
+            <a:extLst>
+              <a:ext uri="{FF2B5EF4-FFF2-40B4-BE49-F238E27FC236}">
+                <a16:creationId xmlns:a16="http://schemas.microsoft.com/office/drawing/2014/main" id="{4AD8B85C-B359-195F-B78C-C879AB7840B1}"/>
+              </a:ext>
+            </a:extLst>
+          </p:cNvPr>
+          <p:cNvPicPr>
+            <a:picLocks noChangeAspect="1"/>
+          </p:cNvPicPr>
+          <p:nvPr/>
+        </p:nvPicPr>
+        <p:blipFill>
+          <a:blip r:embed="rId3"/>
+          <a:stretch>
+            <a:fillRect/>
+          </a:stretch>
+        </p:blipFill>
+        <p:spPr>
+          <a:xfrm>
+            <a:off x="57601" y="1189856"/>
+            <a:ext cx="1068259" cy="1556792"/>
+          </a:xfrm>
+          <a:prstGeom prst="rect">
+            <a:avLst/>
+          </a:prstGeom>
+          <a:ln>
+            <a:noFill/>
+          </a:ln>
+          <a:effectLst>
+            <a:outerShdw blurRad="292100" dist="139700" dir="2700000" algn="tl" rotWithShape="0">
+              <a:srgbClr val="333333">
+                <a:alpha val="65000"/>
+              </a:srgbClr>
+            </a:outerShdw>
+          </a:effectLst>
+        </p:spPr>
+      </p:pic>
+      <p:sp>
+        <p:nvSpPr>
+          <p:cNvPr id="2" name="TextBox 1">
+            <a:extLst>
+              <a:ext uri="{FF2B5EF4-FFF2-40B4-BE49-F238E27FC236}">
+                <a16:creationId xmlns:a16="http://schemas.microsoft.com/office/drawing/2014/main" id="{CAB2C784-DE74-68FC-7A84-3E6C5D164315}"/>
+              </a:ext>
+            </a:extLst>
+          </p:cNvPr>
+          <p:cNvSpPr txBox="1"/>
+          <p:nvPr/>
+        </p:nvSpPr>
+        <p:spPr>
+          <a:xfrm>
+            <a:off x="405780" y="6139934"/>
+            <a:ext cx="7951216" cy="523220"/>
+          </a:xfrm>
+          <a:prstGeom prst="rect">
+            <a:avLst/>
+          </a:prstGeom>
+          <a:solidFill>
+            <a:schemeClr val="bg1">
+              <a:lumMod val="95000"/>
+            </a:schemeClr>
+          </a:solidFill>
+          <a:ln>
+            <a:solidFill>
+              <a:schemeClr val="bg2"/>
+            </a:solidFill>
+          </a:ln>
+        </p:spPr>
+        <p:txBody>
+          <a:bodyPr wrap="none" rtlCol="0" anchor="ctr" anchorCtr="1">
+            <a:spAutoFit/>
+          </a:bodyPr>
+          <a:lstStyle/>
+          <a:p>
+            <a:r>
+              <a:rPr lang="en-US" sz="2800" dirty="0">
+                <a:hlinkClick r:id="rId4"/>
+              </a:rPr>
+              <a:t>https://github.com/yasenstar/python_with_office</a:t>
+            </a:r>
+            <a:endParaRPr lang="en-US" sz="2800" dirty="0"/>
+          </a:p>
+        </p:txBody>
+      </p:sp>
+      <p:pic>
+        <p:nvPicPr>
+          <p:cNvPr id="7" name="Picture 6">
+            <a:extLst>
+              <a:ext uri="{FF2B5EF4-FFF2-40B4-BE49-F238E27FC236}">
+                <a16:creationId xmlns:a16="http://schemas.microsoft.com/office/drawing/2014/main" id="{3B6787F6-2691-8FF0-DD76-9A26EDBF1ECE}"/>
+              </a:ext>
+            </a:extLst>
+          </p:cNvPr>
+          <p:cNvPicPr>
+            <a:picLocks noChangeAspect="1"/>
+          </p:cNvPicPr>
+          <p:nvPr/>
+        </p:nvPicPr>
+        <p:blipFill>
+          <a:blip r:embed="rId5"/>
+          <a:stretch>
+            <a:fillRect/>
+          </a:stretch>
+        </p:blipFill>
+        <p:spPr>
+          <a:xfrm>
+            <a:off x="6238427" y="404664"/>
+            <a:ext cx="5439555" cy="5184576"/>
+          </a:xfrm>
+          <a:prstGeom prst="rect">
+            <a:avLst/>
+          </a:prstGeom>
+          <a:ln>
+            <a:noFill/>
+          </a:ln>
+          <a:effectLst>
+            <a:outerShdw blurRad="292100" dist="139700" dir="2700000" algn="tl" rotWithShape="0">
+              <a:srgbClr val="333333">
+                <a:alpha val="65000"/>
+              </a:srgbClr>
+            </a:outerShdw>
+          </a:effectLst>
+        </p:spPr>
+      </p:pic>
+    </p:spTree>
+    <p:extLst>
+      <p:ext uri="{BB962C8B-B14F-4D97-AF65-F5344CB8AC3E}">
+        <p14:creationId xmlns:p14="http://schemas.microsoft.com/office/powerpoint/2010/main" val="4068248247"/>
       </p:ext>
     </p:extLst>
   </p:cSld>

--- a/Video_Covers.pptx
+++ b/Video_Covers.pptx
@@ -5,15 +5,16 @@
     <p:sldMasterId id="2147483660" r:id="rId1"/>
   </p:sldMasterIdLst>
   <p:notesMasterIdLst>
-    <p:notesMasterId r:id="rId5"/>
+    <p:notesMasterId r:id="rId6"/>
   </p:notesMasterIdLst>
   <p:handoutMasterIdLst>
-    <p:handoutMasterId r:id="rId6"/>
+    <p:handoutMasterId r:id="rId7"/>
   </p:handoutMasterIdLst>
   <p:sldIdLst>
     <p:sldId id="257" r:id="rId2"/>
     <p:sldId id="258" r:id="rId3"/>
     <p:sldId id="259" r:id="rId4"/>
+    <p:sldId id="260" r:id="rId5"/>
   </p:sldIdLst>
   <p:sldSz cx="12188825" cy="6858000"/>
   <p:notesSz cx="6858000" cy="9144000"/>
@@ -946,6 +947,90 @@
     <p:extLst>
       <p:ext uri="{BB962C8B-B14F-4D97-AF65-F5344CB8AC3E}">
         <p14:creationId xmlns:p14="http://schemas.microsoft.com/office/powerpoint/2010/main" val="318718707"/>
+      </p:ext>
+    </p:extLst>
+  </p:cSld>
+  <p:clrMapOvr>
+    <a:masterClrMapping/>
+  </p:clrMapOvr>
+</p:notes>
+</file>
+
+<file path=ppt/notesSlides/notesSlide4.xml><?xml version="1.0" encoding="utf-8"?>
+<p:notes xmlns:a="http://schemas.openxmlformats.org/drawingml/2006/main" xmlns:r="http://schemas.openxmlformats.org/officeDocument/2006/relationships" xmlns:p="http://schemas.openxmlformats.org/presentationml/2006/main">
+  <p:cSld>
+    <p:spTree>
+      <p:nvGrpSpPr>
+        <p:cNvPr id="1" name=""/>
+        <p:cNvGrpSpPr/>
+        <p:nvPr/>
+      </p:nvGrpSpPr>
+      <p:grpSpPr>
+        <a:xfrm>
+          <a:off x="0" y="0"/>
+          <a:ext cx="0" cy="0"/>
+          <a:chOff x="0" y="0"/>
+          <a:chExt cx="0" cy="0"/>
+        </a:xfrm>
+      </p:grpSpPr>
+      <p:sp>
+        <p:nvSpPr>
+          <p:cNvPr id="2" name="Slide Image Placeholder 1"/>
+          <p:cNvSpPr>
+            <a:spLocks noGrp="1" noRot="1" noChangeAspect="1"/>
+          </p:cNvSpPr>
+          <p:nvPr>
+            <p:ph type="sldImg"/>
+          </p:nvPr>
+        </p:nvSpPr>
+        <p:spPr/>
+      </p:sp>
+      <p:sp>
+        <p:nvSpPr>
+          <p:cNvPr id="3" name="Notes Placeholder 2"/>
+          <p:cNvSpPr>
+            <a:spLocks noGrp="1"/>
+          </p:cNvSpPr>
+          <p:nvPr>
+            <p:ph type="body" idx="1"/>
+          </p:nvPr>
+        </p:nvSpPr>
+        <p:spPr/>
+        <p:txBody>
+          <a:bodyPr/>
+          <a:lstStyle/>
+          <a:p>
+            <a:endParaRPr lang="en-US" dirty="0"/>
+          </a:p>
+        </p:txBody>
+      </p:sp>
+      <p:sp>
+        <p:nvSpPr>
+          <p:cNvPr id="4" name="Slide Number Placeholder 3"/>
+          <p:cNvSpPr>
+            <a:spLocks noGrp="1"/>
+          </p:cNvSpPr>
+          <p:nvPr>
+            <p:ph type="sldNum" sz="quarter" idx="10"/>
+          </p:nvPr>
+        </p:nvSpPr>
+        <p:spPr/>
+        <p:txBody>
+          <a:bodyPr/>
+          <a:lstStyle/>
+          <a:p>
+            <a:fld id="{6BB98AFB-CB0D-4DFE-87B9-B4B0D0DE73CD}" type="slidenum">
+              <a:rPr lang="en-US" smtClean="0"/>
+              <a:t>4</a:t>
+            </a:fld>
+            <a:endParaRPr lang="en-US" dirty="0"/>
+          </a:p>
+        </p:txBody>
+      </p:sp>
+    </p:spTree>
+    <p:extLst>
+      <p:ext uri="{BB962C8B-B14F-4D97-AF65-F5344CB8AC3E}">
+        <p14:creationId xmlns:p14="http://schemas.microsoft.com/office/powerpoint/2010/main" val="150836077"/>
       </p:ext>
     </p:extLst>
   </p:cSld>
@@ -5144,6 +5229,350 @@
     <p:extLst>
       <p:ext uri="{BB962C8B-B14F-4D97-AF65-F5344CB8AC3E}">
         <p14:creationId xmlns:p14="http://schemas.microsoft.com/office/powerpoint/2010/main" val="4068248247"/>
+      </p:ext>
+    </p:extLst>
+  </p:cSld>
+  <p:clrMapOvr>
+    <a:masterClrMapping/>
+  </p:clrMapOvr>
+  <mc:AlternateContent xmlns:mc="http://schemas.openxmlformats.org/markup-compatibility/2006" xmlns:p14="http://schemas.microsoft.com/office/powerpoint/2010/main">
+    <mc:Choice Requires="p14">
+      <p:transition spd="med" p14:dur="700">
+        <p:fade/>
+      </p:transition>
+    </mc:Choice>
+    <mc:Fallback xmlns="">
+      <p:transition spd="med">
+        <p:fade/>
+      </p:transition>
+    </mc:Fallback>
+  </mc:AlternateContent>
+</p:sld>
+</file>
+
+<file path=ppt/slides/slide4.xml><?xml version="1.0" encoding="utf-8"?>
+<p:sld xmlns:a="http://schemas.openxmlformats.org/drawingml/2006/main" xmlns:r="http://schemas.openxmlformats.org/officeDocument/2006/relationships" xmlns:p="http://schemas.openxmlformats.org/presentationml/2006/main">
+  <p:cSld>
+    <p:spTree>
+      <p:nvGrpSpPr>
+        <p:cNvPr id="1" name=""/>
+        <p:cNvGrpSpPr/>
+        <p:nvPr/>
+      </p:nvGrpSpPr>
+      <p:grpSpPr>
+        <a:xfrm>
+          <a:off x="0" y="0"/>
+          <a:ext cx="0" cy="0"/>
+          <a:chOff x="0" y="0"/>
+          <a:chExt cx="0" cy="0"/>
+        </a:xfrm>
+      </p:grpSpPr>
+      <p:sp>
+        <p:nvSpPr>
+          <p:cNvPr id="4" name="Title 3"/>
+          <p:cNvSpPr>
+            <a:spLocks noGrp="1"/>
+          </p:cNvSpPr>
+          <p:nvPr>
+            <p:ph type="ctrTitle"/>
+          </p:nvPr>
+        </p:nvSpPr>
+        <p:spPr/>
+        <p:txBody>
+          <a:bodyPr>
+            <a:normAutofit/>
+          </a:bodyPr>
+          <a:lstStyle/>
+          <a:p>
+            <a:pPr algn="ctr"/>
+            <a:r>
+              <a:rPr lang="zh-CN" altLang="en-US" sz="4800" dirty="0">
+                <a:latin typeface="华文隶书" panose="02010800040101010101" pitchFamily="2" charset="-122"/>
+                <a:ea typeface="华文隶书" panose="02010800040101010101" pitchFamily="2" charset="-122"/>
+              </a:rPr>
+              <a:t>让</a:t>
+            </a:r>
+            <a:r>
+              <a:rPr lang="en-US" altLang="zh-CN" sz="4800" dirty="0">
+                <a:latin typeface="华文隶书" panose="02010800040101010101" pitchFamily="2" charset="-122"/>
+                <a:ea typeface="华文隶书" panose="02010800040101010101" pitchFamily="2" charset="-122"/>
+              </a:rPr>
+              <a:t>Python</a:t>
+            </a:r>
+            <a:r>
+              <a:rPr lang="zh-CN" altLang="en-US" sz="4800" dirty="0">
+                <a:latin typeface="华文隶书" panose="02010800040101010101" pitchFamily="2" charset="-122"/>
+                <a:ea typeface="华文隶书" panose="02010800040101010101" pitchFamily="2" charset="-122"/>
+              </a:rPr>
+              <a:t>遇上</a:t>
+            </a:r>
+            <a:r>
+              <a:rPr lang="en-US" altLang="zh-CN" sz="4800" dirty="0">
+                <a:latin typeface="华文隶书" panose="02010800040101010101" pitchFamily="2" charset="-122"/>
+                <a:ea typeface="华文隶书" panose="02010800040101010101" pitchFamily="2" charset="-122"/>
+              </a:rPr>
+              <a:t>Office</a:t>
+            </a:r>
+            <a:br>
+              <a:rPr lang="en-US" altLang="zh-CN" sz="4800" dirty="0">
+                <a:latin typeface="华文隶书" panose="02010800040101010101" pitchFamily="2" charset="-122"/>
+                <a:ea typeface="华文隶书" panose="02010800040101010101" pitchFamily="2" charset="-122"/>
+              </a:rPr>
+            </a:br>
+            <a:br>
+              <a:rPr lang="en-US" altLang="zh-CN" sz="4800" dirty="0">
+                <a:latin typeface="华文隶书" panose="02010800040101010101" pitchFamily="2" charset="-122"/>
+                <a:ea typeface="华文隶书" panose="02010800040101010101" pitchFamily="2" charset="-122"/>
+              </a:rPr>
+            </a:br>
+            <a:r>
+              <a:rPr lang="en-US" altLang="zh-CN" sz="4800" dirty="0">
+                <a:latin typeface="华文隶书" panose="02010800040101010101" pitchFamily="2" charset="-122"/>
+                <a:ea typeface="华文隶书" panose="02010800040101010101" pitchFamily="2" charset="-122"/>
+              </a:rPr>
+              <a:t>(Python with Office)</a:t>
+            </a:r>
+            <a:endParaRPr lang="en-US" sz="4800" dirty="0">
+              <a:latin typeface="华文隶书" panose="02010800040101010101" pitchFamily="2" charset="-122"/>
+              <a:ea typeface="华文隶书" panose="02010800040101010101" pitchFamily="2" charset="-122"/>
+            </a:endParaRPr>
+          </a:p>
+        </p:txBody>
+      </p:sp>
+      <p:sp>
+        <p:nvSpPr>
+          <p:cNvPr id="3" name="Content Placeholder 2"/>
+          <p:cNvSpPr>
+            <a:spLocks noGrp="1"/>
+          </p:cNvSpPr>
+          <p:nvPr>
+            <p:ph type="subTitle" idx="1"/>
+          </p:nvPr>
+        </p:nvSpPr>
+        <p:spPr>
+          <a:xfrm>
+            <a:off x="1065212" y="3403600"/>
+            <a:ext cx="5029201" cy="2185640"/>
+          </a:xfrm>
+        </p:spPr>
+        <p:txBody>
+          <a:bodyPr>
+            <a:normAutofit lnSpcReduction="10000"/>
+          </a:bodyPr>
+          <a:lstStyle/>
+          <a:p>
+            <a:r>
+              <a:rPr lang="en-US" sz="2800" dirty="0">
+                <a:latin typeface="ADLaM Display" panose="020F0502020204030204" pitchFamily="2" charset="0"/>
+                <a:ea typeface="ADLaM Display" panose="020F0502020204030204" pitchFamily="2" charset="0"/>
+                <a:cs typeface="ADLaM Display" panose="020F0502020204030204" pitchFamily="2" charset="0"/>
+              </a:rPr>
+              <a:t>Chapter 2 Data Structure </a:t>
+            </a:r>
+          </a:p>
+          <a:p>
+            <a:r>
+              <a:rPr lang="en-US" sz="2800" dirty="0">
+                <a:latin typeface="ADLaM Display" panose="020F0502020204030204" pitchFamily="2" charset="0"/>
+                <a:ea typeface="ADLaM Display" panose="020F0502020204030204" pitchFamily="2" charset="0"/>
+                <a:cs typeface="ADLaM Display" panose="020F0502020204030204" pitchFamily="2" charset="0"/>
+              </a:rPr>
+              <a:t>2.3 </a:t>
+            </a:r>
+            <a:r>
+              <a:rPr lang="en-US" altLang="zh-CN" sz="2800" dirty="0">
+                <a:latin typeface="ADLaM Display" panose="020F0502020204030204" pitchFamily="2" charset="0"/>
+                <a:ea typeface="ADLaM Display" panose="020F0502020204030204" pitchFamily="2" charset="0"/>
+                <a:cs typeface="ADLaM Display" panose="020F0502020204030204" pitchFamily="2" charset="0"/>
+              </a:rPr>
+              <a:t>List</a:t>
+            </a:r>
+          </a:p>
+          <a:p>
+            <a:endParaRPr lang="en-US" sz="2800" dirty="0">
+              <a:latin typeface="ADLaM Display" panose="020F0502020204030204" pitchFamily="2" charset="0"/>
+              <a:ea typeface="ADLaM Display" panose="020F0502020204030204" pitchFamily="2" charset="0"/>
+              <a:cs typeface="ADLaM Display" panose="020F0502020204030204" pitchFamily="2" charset="0"/>
+            </a:endParaRPr>
+          </a:p>
+          <a:p>
+            <a:r>
+              <a:rPr lang="zh-CN" altLang="en-US" sz="2800" dirty="0">
+                <a:latin typeface="ADLaM Display" panose="020F0502020204030204" pitchFamily="2" charset="0"/>
+                <a:ea typeface="ADLaM Display" panose="020F0502020204030204" pitchFamily="2" charset="0"/>
+                <a:cs typeface="ADLaM Display" panose="020F0502020204030204" pitchFamily="2" charset="0"/>
+              </a:rPr>
+              <a:t>第二章 数据结构</a:t>
+            </a:r>
+            <a:endParaRPr lang="en-US" altLang="zh-CN" sz="2800" dirty="0">
+              <a:latin typeface="ADLaM Display" panose="020F0502020204030204" pitchFamily="2" charset="0"/>
+              <a:ea typeface="ADLaM Display" panose="020F0502020204030204" pitchFamily="2" charset="0"/>
+              <a:cs typeface="ADLaM Display" panose="020F0502020204030204" pitchFamily="2" charset="0"/>
+            </a:endParaRPr>
+          </a:p>
+          <a:p>
+            <a:r>
+              <a:rPr lang="en-US" sz="2800" dirty="0">
+                <a:latin typeface="ADLaM Display" panose="020F0502020204030204" pitchFamily="2" charset="0"/>
+                <a:ea typeface="ADLaM Display" panose="020F0502020204030204" pitchFamily="2" charset="0"/>
+                <a:cs typeface="ADLaM Display" panose="020F0502020204030204" pitchFamily="2" charset="0"/>
+              </a:rPr>
+              <a:t>2.3 </a:t>
+            </a:r>
+            <a:r>
+              <a:rPr lang="zh-CN" altLang="en-US" sz="2800" dirty="0">
+                <a:latin typeface="ADLaM Display" panose="020F0502020204030204" pitchFamily="2" charset="0"/>
+                <a:ea typeface="ADLaM Display" panose="020F0502020204030204" pitchFamily="2" charset="0"/>
+                <a:cs typeface="ADLaM Display" panose="020F0502020204030204" pitchFamily="2" charset="0"/>
+              </a:rPr>
+              <a:t>列表</a:t>
+            </a:r>
+            <a:endParaRPr lang="en-US" sz="2800" dirty="0">
+              <a:latin typeface="ADLaM Display" panose="020F0502020204030204" pitchFamily="2" charset="0"/>
+              <a:ea typeface="ADLaM Display" panose="020F0502020204030204" pitchFamily="2" charset="0"/>
+              <a:cs typeface="ADLaM Display" panose="020F0502020204030204" pitchFamily="2" charset="0"/>
+            </a:endParaRPr>
+          </a:p>
+          <a:p>
+            <a:endParaRPr lang="en-US" sz="2800" dirty="0">
+              <a:latin typeface="ADLaM Display" panose="020F0502020204030204" pitchFamily="2" charset="0"/>
+              <a:ea typeface="ADLaM Display" panose="020F0502020204030204" pitchFamily="2" charset="0"/>
+              <a:cs typeface="ADLaM Display" panose="020F0502020204030204" pitchFamily="2" charset="0"/>
+            </a:endParaRPr>
+          </a:p>
+        </p:txBody>
+      </p:sp>
+      <p:pic>
+        <p:nvPicPr>
+          <p:cNvPr id="5" name="Picture 4">
+            <a:extLst>
+              <a:ext uri="{FF2B5EF4-FFF2-40B4-BE49-F238E27FC236}">
+                <a16:creationId xmlns:a16="http://schemas.microsoft.com/office/drawing/2014/main" id="{4AD8B85C-B359-195F-B78C-C879AB7840B1}"/>
+              </a:ext>
+            </a:extLst>
+          </p:cNvPr>
+          <p:cNvPicPr>
+            <a:picLocks noChangeAspect="1"/>
+          </p:cNvPicPr>
+          <p:nvPr/>
+        </p:nvPicPr>
+        <p:blipFill>
+          <a:blip r:embed="rId3"/>
+          <a:stretch>
+            <a:fillRect/>
+          </a:stretch>
+        </p:blipFill>
+        <p:spPr>
+          <a:xfrm>
+            <a:off x="57601" y="1189856"/>
+            <a:ext cx="1068259" cy="1556792"/>
+          </a:xfrm>
+          <a:prstGeom prst="rect">
+            <a:avLst/>
+          </a:prstGeom>
+          <a:ln>
+            <a:noFill/>
+          </a:ln>
+          <a:effectLst>
+            <a:outerShdw blurRad="292100" dist="139700" dir="2700000" algn="tl" rotWithShape="0">
+              <a:srgbClr val="333333">
+                <a:alpha val="65000"/>
+              </a:srgbClr>
+            </a:outerShdw>
+          </a:effectLst>
+        </p:spPr>
+      </p:pic>
+      <p:sp>
+        <p:nvSpPr>
+          <p:cNvPr id="2" name="TextBox 1">
+            <a:extLst>
+              <a:ext uri="{FF2B5EF4-FFF2-40B4-BE49-F238E27FC236}">
+                <a16:creationId xmlns:a16="http://schemas.microsoft.com/office/drawing/2014/main" id="{CAB2C784-DE74-68FC-7A84-3E6C5D164315}"/>
+              </a:ext>
+            </a:extLst>
+          </p:cNvPr>
+          <p:cNvSpPr txBox="1"/>
+          <p:nvPr/>
+        </p:nvSpPr>
+        <p:spPr>
+          <a:xfrm>
+            <a:off x="405780" y="6139934"/>
+            <a:ext cx="7951216" cy="523220"/>
+          </a:xfrm>
+          <a:prstGeom prst="rect">
+            <a:avLst/>
+          </a:prstGeom>
+          <a:solidFill>
+            <a:schemeClr val="bg1">
+              <a:lumMod val="95000"/>
+            </a:schemeClr>
+          </a:solidFill>
+          <a:ln>
+            <a:solidFill>
+              <a:schemeClr val="bg2"/>
+            </a:solidFill>
+          </a:ln>
+        </p:spPr>
+        <p:txBody>
+          <a:bodyPr wrap="none" rtlCol="0" anchor="ctr" anchorCtr="1">
+            <a:spAutoFit/>
+          </a:bodyPr>
+          <a:lstStyle/>
+          <a:p>
+            <a:r>
+              <a:rPr lang="en-US" sz="2800" dirty="0">
+                <a:hlinkClick r:id="rId4"/>
+              </a:rPr>
+              <a:t>https://github.com/yasenstar/python_with_office</a:t>
+            </a:r>
+            <a:endParaRPr lang="en-US" sz="2800" dirty="0"/>
+          </a:p>
+        </p:txBody>
+      </p:sp>
+      <p:pic>
+        <p:nvPicPr>
+          <p:cNvPr id="8" name="Picture 7">
+            <a:extLst>
+              <a:ext uri="{FF2B5EF4-FFF2-40B4-BE49-F238E27FC236}">
+                <a16:creationId xmlns:a16="http://schemas.microsoft.com/office/drawing/2014/main" id="{EE36F6B9-1C93-C81E-AD71-A606C99913B4}"/>
+              </a:ext>
+            </a:extLst>
+          </p:cNvPr>
+          <p:cNvPicPr>
+            <a:picLocks noChangeAspect="1"/>
+          </p:cNvPicPr>
+          <p:nvPr/>
+        </p:nvPicPr>
+        <p:blipFill>
+          <a:blip r:embed="rId5"/>
+          <a:stretch>
+            <a:fillRect/>
+          </a:stretch>
+        </p:blipFill>
+        <p:spPr>
+          <a:xfrm>
+            <a:off x="6094412" y="719213"/>
+            <a:ext cx="5853012" cy="5013176"/>
+          </a:xfrm>
+          <a:prstGeom prst="rect">
+            <a:avLst/>
+          </a:prstGeom>
+          <a:ln>
+            <a:noFill/>
+          </a:ln>
+          <a:effectLst>
+            <a:outerShdw blurRad="292100" dist="139700" dir="2700000" algn="tl" rotWithShape="0">
+              <a:srgbClr val="333333">
+                <a:alpha val="65000"/>
+              </a:srgbClr>
+            </a:outerShdw>
+          </a:effectLst>
+        </p:spPr>
+      </p:pic>
+    </p:spTree>
+    <p:extLst>
+      <p:ext uri="{BB962C8B-B14F-4D97-AF65-F5344CB8AC3E}">
+        <p14:creationId xmlns:p14="http://schemas.microsoft.com/office/powerpoint/2010/main" val="2678052507"/>
       </p:ext>
     </p:extLst>
   </p:cSld>

--- a/Video_Covers.pptx
+++ b/Video_Covers.pptx
@@ -5,16 +5,17 @@
     <p:sldMasterId id="2147483660" r:id="rId1"/>
   </p:sldMasterIdLst>
   <p:notesMasterIdLst>
-    <p:notesMasterId r:id="rId6"/>
+    <p:notesMasterId r:id="rId7"/>
   </p:notesMasterIdLst>
   <p:handoutMasterIdLst>
-    <p:handoutMasterId r:id="rId7"/>
+    <p:handoutMasterId r:id="rId8"/>
   </p:handoutMasterIdLst>
   <p:sldIdLst>
     <p:sldId id="257" r:id="rId2"/>
     <p:sldId id="258" r:id="rId3"/>
     <p:sldId id="259" r:id="rId4"/>
     <p:sldId id="260" r:id="rId5"/>
+    <p:sldId id="261" r:id="rId6"/>
   </p:sldIdLst>
   <p:sldSz cx="12188825" cy="6858000"/>
   <p:notesSz cx="6858000" cy="9144000"/>
@@ -1031,6 +1032,90 @@
     <p:extLst>
       <p:ext uri="{BB962C8B-B14F-4D97-AF65-F5344CB8AC3E}">
         <p14:creationId xmlns:p14="http://schemas.microsoft.com/office/powerpoint/2010/main" val="150836077"/>
+      </p:ext>
+    </p:extLst>
+  </p:cSld>
+  <p:clrMapOvr>
+    <a:masterClrMapping/>
+  </p:clrMapOvr>
+</p:notes>
+</file>
+
+<file path=ppt/notesSlides/notesSlide5.xml><?xml version="1.0" encoding="utf-8"?>
+<p:notes xmlns:a="http://schemas.openxmlformats.org/drawingml/2006/main" xmlns:r="http://schemas.openxmlformats.org/officeDocument/2006/relationships" xmlns:p="http://schemas.openxmlformats.org/presentationml/2006/main">
+  <p:cSld>
+    <p:spTree>
+      <p:nvGrpSpPr>
+        <p:cNvPr id="1" name=""/>
+        <p:cNvGrpSpPr/>
+        <p:nvPr/>
+      </p:nvGrpSpPr>
+      <p:grpSpPr>
+        <a:xfrm>
+          <a:off x="0" y="0"/>
+          <a:ext cx="0" cy="0"/>
+          <a:chOff x="0" y="0"/>
+          <a:chExt cx="0" cy="0"/>
+        </a:xfrm>
+      </p:grpSpPr>
+      <p:sp>
+        <p:nvSpPr>
+          <p:cNvPr id="2" name="Slide Image Placeholder 1"/>
+          <p:cNvSpPr>
+            <a:spLocks noGrp="1" noRot="1" noChangeAspect="1"/>
+          </p:cNvSpPr>
+          <p:nvPr>
+            <p:ph type="sldImg"/>
+          </p:nvPr>
+        </p:nvSpPr>
+        <p:spPr/>
+      </p:sp>
+      <p:sp>
+        <p:nvSpPr>
+          <p:cNvPr id="3" name="Notes Placeholder 2"/>
+          <p:cNvSpPr>
+            <a:spLocks noGrp="1"/>
+          </p:cNvSpPr>
+          <p:nvPr>
+            <p:ph type="body" idx="1"/>
+          </p:nvPr>
+        </p:nvSpPr>
+        <p:spPr/>
+        <p:txBody>
+          <a:bodyPr/>
+          <a:lstStyle/>
+          <a:p>
+            <a:endParaRPr lang="en-US" dirty="0"/>
+          </a:p>
+        </p:txBody>
+      </p:sp>
+      <p:sp>
+        <p:nvSpPr>
+          <p:cNvPr id="4" name="Slide Number Placeholder 3"/>
+          <p:cNvSpPr>
+            <a:spLocks noGrp="1"/>
+          </p:cNvSpPr>
+          <p:nvPr>
+            <p:ph type="sldNum" sz="quarter" idx="10"/>
+          </p:nvPr>
+        </p:nvSpPr>
+        <p:spPr/>
+        <p:txBody>
+          <a:bodyPr/>
+          <a:lstStyle/>
+          <a:p>
+            <a:fld id="{6BB98AFB-CB0D-4DFE-87B9-B4B0D0DE73CD}" type="slidenum">
+              <a:rPr lang="en-US" smtClean="0"/>
+              <a:t>5</a:t>
+            </a:fld>
+            <a:endParaRPr lang="en-US" dirty="0"/>
+          </a:p>
+        </p:txBody>
+      </p:sp>
+    </p:spTree>
+    <p:extLst>
+      <p:ext uri="{BB962C8B-B14F-4D97-AF65-F5344CB8AC3E}">
+        <p14:creationId xmlns:p14="http://schemas.microsoft.com/office/powerpoint/2010/main" val="2930636943"/>
       </p:ext>
     </p:extLst>
   </p:cSld>
@@ -5573,6 +5658,350 @@
     <p:extLst>
       <p:ext uri="{BB962C8B-B14F-4D97-AF65-F5344CB8AC3E}">
         <p14:creationId xmlns:p14="http://schemas.microsoft.com/office/powerpoint/2010/main" val="2678052507"/>
+      </p:ext>
+    </p:extLst>
+  </p:cSld>
+  <p:clrMapOvr>
+    <a:masterClrMapping/>
+  </p:clrMapOvr>
+  <mc:AlternateContent xmlns:mc="http://schemas.openxmlformats.org/markup-compatibility/2006" xmlns:p14="http://schemas.microsoft.com/office/powerpoint/2010/main">
+    <mc:Choice Requires="p14">
+      <p:transition spd="med" p14:dur="700">
+        <p:fade/>
+      </p:transition>
+    </mc:Choice>
+    <mc:Fallback xmlns="">
+      <p:transition spd="med">
+        <p:fade/>
+      </p:transition>
+    </mc:Fallback>
+  </mc:AlternateContent>
+</p:sld>
+</file>
+
+<file path=ppt/slides/slide5.xml><?xml version="1.0" encoding="utf-8"?>
+<p:sld xmlns:a="http://schemas.openxmlformats.org/drawingml/2006/main" xmlns:r="http://schemas.openxmlformats.org/officeDocument/2006/relationships" xmlns:p="http://schemas.openxmlformats.org/presentationml/2006/main">
+  <p:cSld>
+    <p:spTree>
+      <p:nvGrpSpPr>
+        <p:cNvPr id="1" name=""/>
+        <p:cNvGrpSpPr/>
+        <p:nvPr/>
+      </p:nvGrpSpPr>
+      <p:grpSpPr>
+        <a:xfrm>
+          <a:off x="0" y="0"/>
+          <a:ext cx="0" cy="0"/>
+          <a:chOff x="0" y="0"/>
+          <a:chExt cx="0" cy="0"/>
+        </a:xfrm>
+      </p:grpSpPr>
+      <p:sp>
+        <p:nvSpPr>
+          <p:cNvPr id="4" name="Title 3"/>
+          <p:cNvSpPr>
+            <a:spLocks noGrp="1"/>
+          </p:cNvSpPr>
+          <p:nvPr>
+            <p:ph type="ctrTitle"/>
+          </p:nvPr>
+        </p:nvSpPr>
+        <p:spPr/>
+        <p:txBody>
+          <a:bodyPr>
+            <a:normAutofit/>
+          </a:bodyPr>
+          <a:lstStyle/>
+          <a:p>
+            <a:pPr algn="ctr"/>
+            <a:r>
+              <a:rPr lang="zh-CN" altLang="en-US" sz="4800" dirty="0">
+                <a:latin typeface="华文隶书" panose="02010800040101010101" pitchFamily="2" charset="-122"/>
+                <a:ea typeface="华文隶书" panose="02010800040101010101" pitchFamily="2" charset="-122"/>
+              </a:rPr>
+              <a:t>让</a:t>
+            </a:r>
+            <a:r>
+              <a:rPr lang="en-US" altLang="zh-CN" sz="4800" dirty="0">
+                <a:latin typeface="华文隶书" panose="02010800040101010101" pitchFamily="2" charset="-122"/>
+                <a:ea typeface="华文隶书" panose="02010800040101010101" pitchFamily="2" charset="-122"/>
+              </a:rPr>
+              <a:t>Python</a:t>
+            </a:r>
+            <a:r>
+              <a:rPr lang="zh-CN" altLang="en-US" sz="4800" dirty="0">
+                <a:latin typeface="华文隶书" panose="02010800040101010101" pitchFamily="2" charset="-122"/>
+                <a:ea typeface="华文隶书" panose="02010800040101010101" pitchFamily="2" charset="-122"/>
+              </a:rPr>
+              <a:t>遇上</a:t>
+            </a:r>
+            <a:r>
+              <a:rPr lang="en-US" altLang="zh-CN" sz="4800" dirty="0">
+                <a:latin typeface="华文隶书" panose="02010800040101010101" pitchFamily="2" charset="-122"/>
+                <a:ea typeface="华文隶书" panose="02010800040101010101" pitchFamily="2" charset="-122"/>
+              </a:rPr>
+              <a:t>Office</a:t>
+            </a:r>
+            <a:br>
+              <a:rPr lang="en-US" altLang="zh-CN" sz="4800" dirty="0">
+                <a:latin typeface="华文隶书" panose="02010800040101010101" pitchFamily="2" charset="-122"/>
+                <a:ea typeface="华文隶书" panose="02010800040101010101" pitchFamily="2" charset="-122"/>
+              </a:rPr>
+            </a:br>
+            <a:br>
+              <a:rPr lang="en-US" altLang="zh-CN" sz="4800" dirty="0">
+                <a:latin typeface="华文隶书" panose="02010800040101010101" pitchFamily="2" charset="-122"/>
+                <a:ea typeface="华文隶书" panose="02010800040101010101" pitchFamily="2" charset="-122"/>
+              </a:rPr>
+            </a:br>
+            <a:r>
+              <a:rPr lang="en-US" altLang="zh-CN" sz="4800" dirty="0">
+                <a:latin typeface="华文隶书" panose="02010800040101010101" pitchFamily="2" charset="-122"/>
+                <a:ea typeface="华文隶书" panose="02010800040101010101" pitchFamily="2" charset="-122"/>
+              </a:rPr>
+              <a:t>(Python with Office)</a:t>
+            </a:r>
+            <a:endParaRPr lang="en-US" sz="4800" dirty="0">
+              <a:latin typeface="华文隶书" panose="02010800040101010101" pitchFamily="2" charset="-122"/>
+              <a:ea typeface="华文隶书" panose="02010800040101010101" pitchFamily="2" charset="-122"/>
+            </a:endParaRPr>
+          </a:p>
+        </p:txBody>
+      </p:sp>
+      <p:sp>
+        <p:nvSpPr>
+          <p:cNvPr id="3" name="Content Placeholder 2"/>
+          <p:cNvSpPr>
+            <a:spLocks noGrp="1"/>
+          </p:cNvSpPr>
+          <p:nvPr>
+            <p:ph type="subTitle" idx="1"/>
+          </p:nvPr>
+        </p:nvSpPr>
+        <p:spPr>
+          <a:xfrm>
+            <a:off x="1065212" y="3403600"/>
+            <a:ext cx="5029201" cy="2185640"/>
+          </a:xfrm>
+        </p:spPr>
+        <p:txBody>
+          <a:bodyPr>
+            <a:normAutofit lnSpcReduction="10000"/>
+          </a:bodyPr>
+          <a:lstStyle/>
+          <a:p>
+            <a:r>
+              <a:rPr lang="en-US" sz="2800" dirty="0">
+                <a:latin typeface="ADLaM Display" panose="020F0502020204030204" pitchFamily="2" charset="0"/>
+                <a:ea typeface="ADLaM Display" panose="020F0502020204030204" pitchFamily="2" charset="0"/>
+                <a:cs typeface="ADLaM Display" panose="020F0502020204030204" pitchFamily="2" charset="0"/>
+              </a:rPr>
+              <a:t>Chapter 2 Data Structure </a:t>
+            </a:r>
+          </a:p>
+          <a:p>
+            <a:r>
+              <a:rPr lang="en-US" sz="2800" dirty="0">
+                <a:latin typeface="ADLaM Display" panose="020F0502020204030204" pitchFamily="2" charset="0"/>
+                <a:ea typeface="ADLaM Display" panose="020F0502020204030204" pitchFamily="2" charset="0"/>
+                <a:cs typeface="ADLaM Display" panose="020F0502020204030204" pitchFamily="2" charset="0"/>
+              </a:rPr>
+              <a:t>2.4 </a:t>
+            </a:r>
+            <a:r>
+              <a:rPr lang="en-US" altLang="zh-CN" sz="2800" dirty="0">
+                <a:latin typeface="ADLaM Display" panose="020F0502020204030204" pitchFamily="2" charset="0"/>
+                <a:ea typeface="ADLaM Display" panose="020F0502020204030204" pitchFamily="2" charset="0"/>
+                <a:cs typeface="ADLaM Display" panose="020F0502020204030204" pitchFamily="2" charset="0"/>
+              </a:rPr>
+              <a:t>Tuple</a:t>
+            </a:r>
+          </a:p>
+          <a:p>
+            <a:endParaRPr lang="en-US" sz="2800" dirty="0">
+              <a:latin typeface="ADLaM Display" panose="020F0502020204030204" pitchFamily="2" charset="0"/>
+              <a:ea typeface="ADLaM Display" panose="020F0502020204030204" pitchFamily="2" charset="0"/>
+              <a:cs typeface="ADLaM Display" panose="020F0502020204030204" pitchFamily="2" charset="0"/>
+            </a:endParaRPr>
+          </a:p>
+          <a:p>
+            <a:r>
+              <a:rPr lang="zh-CN" altLang="en-US" sz="2800" dirty="0">
+                <a:latin typeface="ADLaM Display" panose="020F0502020204030204" pitchFamily="2" charset="0"/>
+                <a:ea typeface="ADLaM Display" panose="020F0502020204030204" pitchFamily="2" charset="0"/>
+                <a:cs typeface="ADLaM Display" panose="020F0502020204030204" pitchFamily="2" charset="0"/>
+              </a:rPr>
+              <a:t>第二章 数据结构</a:t>
+            </a:r>
+            <a:endParaRPr lang="en-US" altLang="zh-CN" sz="2800" dirty="0">
+              <a:latin typeface="ADLaM Display" panose="020F0502020204030204" pitchFamily="2" charset="0"/>
+              <a:ea typeface="ADLaM Display" panose="020F0502020204030204" pitchFamily="2" charset="0"/>
+              <a:cs typeface="ADLaM Display" panose="020F0502020204030204" pitchFamily="2" charset="0"/>
+            </a:endParaRPr>
+          </a:p>
+          <a:p>
+            <a:r>
+              <a:rPr lang="en-US" sz="2800" dirty="0">
+                <a:latin typeface="ADLaM Display" panose="020F0502020204030204" pitchFamily="2" charset="0"/>
+                <a:ea typeface="ADLaM Display" panose="020F0502020204030204" pitchFamily="2" charset="0"/>
+                <a:cs typeface="ADLaM Display" panose="020F0502020204030204" pitchFamily="2" charset="0"/>
+              </a:rPr>
+              <a:t>2.4 </a:t>
+            </a:r>
+            <a:r>
+              <a:rPr lang="zh-CN" altLang="en-US" sz="2800" dirty="0">
+                <a:latin typeface="ADLaM Display" panose="020F0502020204030204" pitchFamily="2" charset="0"/>
+                <a:ea typeface="ADLaM Display" panose="020F0502020204030204" pitchFamily="2" charset="0"/>
+                <a:cs typeface="ADLaM Display" panose="020F0502020204030204" pitchFamily="2" charset="0"/>
+              </a:rPr>
+              <a:t>元组</a:t>
+            </a:r>
+            <a:endParaRPr lang="en-US" sz="2800" dirty="0">
+              <a:latin typeface="ADLaM Display" panose="020F0502020204030204" pitchFamily="2" charset="0"/>
+              <a:ea typeface="ADLaM Display" panose="020F0502020204030204" pitchFamily="2" charset="0"/>
+              <a:cs typeface="ADLaM Display" panose="020F0502020204030204" pitchFamily="2" charset="0"/>
+            </a:endParaRPr>
+          </a:p>
+          <a:p>
+            <a:endParaRPr lang="en-US" sz="2800" dirty="0">
+              <a:latin typeface="ADLaM Display" panose="020F0502020204030204" pitchFamily="2" charset="0"/>
+              <a:ea typeface="ADLaM Display" panose="020F0502020204030204" pitchFamily="2" charset="0"/>
+              <a:cs typeface="ADLaM Display" panose="020F0502020204030204" pitchFamily="2" charset="0"/>
+            </a:endParaRPr>
+          </a:p>
+        </p:txBody>
+      </p:sp>
+      <p:pic>
+        <p:nvPicPr>
+          <p:cNvPr id="5" name="Picture 4">
+            <a:extLst>
+              <a:ext uri="{FF2B5EF4-FFF2-40B4-BE49-F238E27FC236}">
+                <a16:creationId xmlns:a16="http://schemas.microsoft.com/office/drawing/2014/main" id="{4AD8B85C-B359-195F-B78C-C879AB7840B1}"/>
+              </a:ext>
+            </a:extLst>
+          </p:cNvPr>
+          <p:cNvPicPr>
+            <a:picLocks noChangeAspect="1"/>
+          </p:cNvPicPr>
+          <p:nvPr/>
+        </p:nvPicPr>
+        <p:blipFill>
+          <a:blip r:embed="rId3"/>
+          <a:stretch>
+            <a:fillRect/>
+          </a:stretch>
+        </p:blipFill>
+        <p:spPr>
+          <a:xfrm>
+            <a:off x="57601" y="1189856"/>
+            <a:ext cx="1068259" cy="1556792"/>
+          </a:xfrm>
+          <a:prstGeom prst="rect">
+            <a:avLst/>
+          </a:prstGeom>
+          <a:ln>
+            <a:noFill/>
+          </a:ln>
+          <a:effectLst>
+            <a:outerShdw blurRad="292100" dist="139700" dir="2700000" algn="tl" rotWithShape="0">
+              <a:srgbClr val="333333">
+                <a:alpha val="65000"/>
+              </a:srgbClr>
+            </a:outerShdw>
+          </a:effectLst>
+        </p:spPr>
+      </p:pic>
+      <p:sp>
+        <p:nvSpPr>
+          <p:cNvPr id="2" name="TextBox 1">
+            <a:extLst>
+              <a:ext uri="{FF2B5EF4-FFF2-40B4-BE49-F238E27FC236}">
+                <a16:creationId xmlns:a16="http://schemas.microsoft.com/office/drawing/2014/main" id="{CAB2C784-DE74-68FC-7A84-3E6C5D164315}"/>
+              </a:ext>
+            </a:extLst>
+          </p:cNvPr>
+          <p:cNvSpPr txBox="1"/>
+          <p:nvPr/>
+        </p:nvSpPr>
+        <p:spPr>
+          <a:xfrm>
+            <a:off x="405780" y="6139934"/>
+            <a:ext cx="7951216" cy="523220"/>
+          </a:xfrm>
+          <a:prstGeom prst="rect">
+            <a:avLst/>
+          </a:prstGeom>
+          <a:solidFill>
+            <a:schemeClr val="bg1">
+              <a:lumMod val="95000"/>
+            </a:schemeClr>
+          </a:solidFill>
+          <a:ln>
+            <a:solidFill>
+              <a:schemeClr val="bg2"/>
+            </a:solidFill>
+          </a:ln>
+        </p:spPr>
+        <p:txBody>
+          <a:bodyPr wrap="none" rtlCol="0" anchor="ctr" anchorCtr="1">
+            <a:spAutoFit/>
+          </a:bodyPr>
+          <a:lstStyle/>
+          <a:p>
+            <a:r>
+              <a:rPr lang="en-US" sz="2800" dirty="0">
+                <a:hlinkClick r:id="rId4"/>
+              </a:rPr>
+              <a:t>https://github.com/yasenstar/python_with_office</a:t>
+            </a:r>
+            <a:endParaRPr lang="en-US" sz="2800" dirty="0"/>
+          </a:p>
+        </p:txBody>
+      </p:sp>
+      <p:pic>
+        <p:nvPicPr>
+          <p:cNvPr id="7" name="Picture 6">
+            <a:extLst>
+              <a:ext uri="{FF2B5EF4-FFF2-40B4-BE49-F238E27FC236}">
+                <a16:creationId xmlns:a16="http://schemas.microsoft.com/office/drawing/2014/main" id="{EFA378EA-5F4D-2102-F243-0CBD94FCDEF6}"/>
+              </a:ext>
+            </a:extLst>
+          </p:cNvPr>
+          <p:cNvPicPr>
+            <a:picLocks noChangeAspect="1"/>
+          </p:cNvPicPr>
+          <p:nvPr/>
+        </p:nvPicPr>
+        <p:blipFill>
+          <a:blip r:embed="rId5"/>
+          <a:stretch>
+            <a:fillRect/>
+          </a:stretch>
+        </p:blipFill>
+        <p:spPr>
+          <a:xfrm>
+            <a:off x="6166420" y="1161365"/>
+            <a:ext cx="5876726" cy="4774840"/>
+          </a:xfrm>
+          <a:prstGeom prst="rect">
+            <a:avLst/>
+          </a:prstGeom>
+          <a:ln>
+            <a:noFill/>
+          </a:ln>
+          <a:effectLst>
+            <a:outerShdw blurRad="292100" dist="139700" dir="2700000" algn="tl" rotWithShape="0">
+              <a:srgbClr val="333333">
+                <a:alpha val="65000"/>
+              </a:srgbClr>
+            </a:outerShdw>
+          </a:effectLst>
+        </p:spPr>
+      </p:pic>
+    </p:spTree>
+    <p:extLst>
+      <p:ext uri="{BB962C8B-B14F-4D97-AF65-F5344CB8AC3E}">
+        <p14:creationId xmlns:p14="http://schemas.microsoft.com/office/powerpoint/2010/main" val="967501008"/>
       </p:ext>
     </p:extLst>
   </p:cSld>

--- a/Video_Covers.pptx
+++ b/Video_Covers.pptx
@@ -5,10 +5,10 @@
     <p:sldMasterId id="2147483660" r:id="rId1"/>
   </p:sldMasterIdLst>
   <p:notesMasterIdLst>
-    <p:notesMasterId r:id="rId7"/>
+    <p:notesMasterId r:id="rId9"/>
   </p:notesMasterIdLst>
   <p:handoutMasterIdLst>
-    <p:handoutMasterId r:id="rId8"/>
+    <p:handoutMasterId r:id="rId10"/>
   </p:handoutMasterIdLst>
   <p:sldIdLst>
     <p:sldId id="257" r:id="rId2"/>
@@ -16,6 +16,8 @@
     <p:sldId id="259" r:id="rId4"/>
     <p:sldId id="260" r:id="rId5"/>
     <p:sldId id="261" r:id="rId6"/>
+    <p:sldId id="262" r:id="rId7"/>
+    <p:sldId id="263" r:id="rId8"/>
   </p:sldIdLst>
   <p:sldSz cx="12188825" cy="6858000"/>
   <p:notesSz cx="6858000" cy="9144000"/>
@@ -278,7 +280,7 @@
           <a:p>
             <a:fld id="{24CE221E-83ED-4F6C-BA5F-3F9E6FDB6953}" type="datetimeFigureOut">
               <a:rPr lang="en-US"/>
-              <a:t>10/18/2023</a:t>
+              <a:t>10/19/2023</a:t>
             </a:fld>
             <a:endParaRPr dirty="0"/>
           </a:p>
@@ -443,7 +445,7 @@
           <a:p>
             <a:fld id="{97853E5F-CE67-483C-A264-F17AC70E9CA2}" type="datetimeFigureOut">
               <a:rPr lang="en-US"/>
-              <a:t>10/18/2023</a:t>
+              <a:t>10/19/2023</a:t>
             </a:fld>
             <a:endParaRPr dirty="0"/>
           </a:p>
@@ -1125,6 +1127,174 @@
 </p:notes>
 </file>
 
+<file path=ppt/notesSlides/notesSlide6.xml><?xml version="1.0" encoding="utf-8"?>
+<p:notes xmlns:a="http://schemas.openxmlformats.org/drawingml/2006/main" xmlns:r="http://schemas.openxmlformats.org/officeDocument/2006/relationships" xmlns:p="http://schemas.openxmlformats.org/presentationml/2006/main">
+  <p:cSld>
+    <p:spTree>
+      <p:nvGrpSpPr>
+        <p:cNvPr id="1" name=""/>
+        <p:cNvGrpSpPr/>
+        <p:nvPr/>
+      </p:nvGrpSpPr>
+      <p:grpSpPr>
+        <a:xfrm>
+          <a:off x="0" y="0"/>
+          <a:ext cx="0" cy="0"/>
+          <a:chOff x="0" y="0"/>
+          <a:chExt cx="0" cy="0"/>
+        </a:xfrm>
+      </p:grpSpPr>
+      <p:sp>
+        <p:nvSpPr>
+          <p:cNvPr id="2" name="Slide Image Placeholder 1"/>
+          <p:cNvSpPr>
+            <a:spLocks noGrp="1" noRot="1" noChangeAspect="1"/>
+          </p:cNvSpPr>
+          <p:nvPr>
+            <p:ph type="sldImg"/>
+          </p:nvPr>
+        </p:nvSpPr>
+        <p:spPr/>
+      </p:sp>
+      <p:sp>
+        <p:nvSpPr>
+          <p:cNvPr id="3" name="Notes Placeholder 2"/>
+          <p:cNvSpPr>
+            <a:spLocks noGrp="1"/>
+          </p:cNvSpPr>
+          <p:nvPr>
+            <p:ph type="body" idx="1"/>
+          </p:nvPr>
+        </p:nvSpPr>
+        <p:spPr/>
+        <p:txBody>
+          <a:bodyPr/>
+          <a:lstStyle/>
+          <a:p>
+            <a:endParaRPr lang="en-US" dirty="0"/>
+          </a:p>
+        </p:txBody>
+      </p:sp>
+      <p:sp>
+        <p:nvSpPr>
+          <p:cNvPr id="4" name="Slide Number Placeholder 3"/>
+          <p:cNvSpPr>
+            <a:spLocks noGrp="1"/>
+          </p:cNvSpPr>
+          <p:nvPr>
+            <p:ph type="sldNum" sz="quarter" idx="10"/>
+          </p:nvPr>
+        </p:nvSpPr>
+        <p:spPr/>
+        <p:txBody>
+          <a:bodyPr/>
+          <a:lstStyle/>
+          <a:p>
+            <a:fld id="{6BB98AFB-CB0D-4DFE-87B9-B4B0D0DE73CD}" type="slidenum">
+              <a:rPr lang="en-US" smtClean="0"/>
+              <a:t>6</a:t>
+            </a:fld>
+            <a:endParaRPr lang="en-US" dirty="0"/>
+          </a:p>
+        </p:txBody>
+      </p:sp>
+    </p:spTree>
+    <p:extLst>
+      <p:ext uri="{BB962C8B-B14F-4D97-AF65-F5344CB8AC3E}">
+        <p14:creationId xmlns:p14="http://schemas.microsoft.com/office/powerpoint/2010/main" val="3079784339"/>
+      </p:ext>
+    </p:extLst>
+  </p:cSld>
+  <p:clrMapOvr>
+    <a:masterClrMapping/>
+  </p:clrMapOvr>
+</p:notes>
+</file>
+
+<file path=ppt/notesSlides/notesSlide7.xml><?xml version="1.0" encoding="utf-8"?>
+<p:notes xmlns:a="http://schemas.openxmlformats.org/drawingml/2006/main" xmlns:r="http://schemas.openxmlformats.org/officeDocument/2006/relationships" xmlns:p="http://schemas.openxmlformats.org/presentationml/2006/main">
+  <p:cSld>
+    <p:spTree>
+      <p:nvGrpSpPr>
+        <p:cNvPr id="1" name=""/>
+        <p:cNvGrpSpPr/>
+        <p:nvPr/>
+      </p:nvGrpSpPr>
+      <p:grpSpPr>
+        <a:xfrm>
+          <a:off x="0" y="0"/>
+          <a:ext cx="0" cy="0"/>
+          <a:chOff x="0" y="0"/>
+          <a:chExt cx="0" cy="0"/>
+        </a:xfrm>
+      </p:grpSpPr>
+      <p:sp>
+        <p:nvSpPr>
+          <p:cNvPr id="2" name="Slide Image Placeholder 1"/>
+          <p:cNvSpPr>
+            <a:spLocks noGrp="1" noRot="1" noChangeAspect="1"/>
+          </p:cNvSpPr>
+          <p:nvPr>
+            <p:ph type="sldImg"/>
+          </p:nvPr>
+        </p:nvSpPr>
+        <p:spPr/>
+      </p:sp>
+      <p:sp>
+        <p:nvSpPr>
+          <p:cNvPr id="3" name="Notes Placeholder 2"/>
+          <p:cNvSpPr>
+            <a:spLocks noGrp="1"/>
+          </p:cNvSpPr>
+          <p:nvPr>
+            <p:ph type="body" idx="1"/>
+          </p:nvPr>
+        </p:nvSpPr>
+        <p:spPr/>
+        <p:txBody>
+          <a:bodyPr/>
+          <a:lstStyle/>
+          <a:p>
+            <a:endParaRPr lang="en-US" dirty="0"/>
+          </a:p>
+        </p:txBody>
+      </p:sp>
+      <p:sp>
+        <p:nvSpPr>
+          <p:cNvPr id="4" name="Slide Number Placeholder 3"/>
+          <p:cNvSpPr>
+            <a:spLocks noGrp="1"/>
+          </p:cNvSpPr>
+          <p:nvPr>
+            <p:ph type="sldNum" sz="quarter" idx="10"/>
+          </p:nvPr>
+        </p:nvSpPr>
+        <p:spPr/>
+        <p:txBody>
+          <a:bodyPr/>
+          <a:lstStyle/>
+          <a:p>
+            <a:fld id="{6BB98AFB-CB0D-4DFE-87B9-B4B0D0DE73CD}" type="slidenum">
+              <a:rPr lang="en-US" smtClean="0"/>
+              <a:t>7</a:t>
+            </a:fld>
+            <a:endParaRPr lang="en-US" dirty="0"/>
+          </a:p>
+        </p:txBody>
+      </p:sp>
+    </p:spTree>
+    <p:extLst>
+      <p:ext uri="{BB962C8B-B14F-4D97-AF65-F5344CB8AC3E}">
+        <p14:creationId xmlns:p14="http://schemas.microsoft.com/office/powerpoint/2010/main" val="3134536586"/>
+      </p:ext>
+    </p:extLst>
+  </p:cSld>
+  <p:clrMapOvr>
+    <a:masterClrMapping/>
+  </p:clrMapOvr>
+</p:notes>
+</file>
+
 <file path=ppt/slideLayouts/slideLayout1.xml><?xml version="1.0" encoding="utf-8"?>
 <p:sldLayout xmlns:a="http://schemas.openxmlformats.org/drawingml/2006/main" xmlns:r="http://schemas.openxmlformats.org/officeDocument/2006/relationships" xmlns:p="http://schemas.openxmlformats.org/presentationml/2006/main" type="title" preserve="1">
   <p:cSld name="Title Slide">
@@ -1371,7 +1541,7 @@
           <a:p>
             <a:fld id="{3E0FA9E5-6744-4841-888F-9E7CC0C2B7EC}" type="datetimeFigureOut">
               <a:rPr lang="en-US" smtClean="0"/>
-              <a:t>10/18/2023</a:t>
+              <a:t>10/19/2023</a:t>
             </a:fld>
             <a:endParaRPr lang="en-US" dirty="0"/>
           </a:p>
@@ -1561,7 +1731,7 @@
           <a:p>
             <a:fld id="{3E0FA9E5-6744-4841-888F-9E7CC0C2B7EC}" type="datetimeFigureOut">
               <a:rPr lang="en-US" smtClean="0"/>
-              <a:t>10/18/2023</a:t>
+              <a:t>10/19/2023</a:t>
             </a:fld>
             <a:endParaRPr lang="en-US" dirty="0"/>
           </a:p>
@@ -1756,7 +1926,7 @@
           <a:p>
             <a:fld id="{3E0FA9E5-6744-4841-888F-9E7CC0C2B7EC}" type="datetimeFigureOut">
               <a:rPr lang="en-US" smtClean="0"/>
-              <a:t>10/18/2023</a:t>
+              <a:t>10/19/2023</a:t>
             </a:fld>
             <a:endParaRPr lang="en-US" dirty="0"/>
           </a:p>
@@ -1941,7 +2111,7 @@
           <a:p>
             <a:fld id="{3E0FA9E5-6744-4841-888F-9E7CC0C2B7EC}" type="datetimeFigureOut">
               <a:rPr lang="en-US" smtClean="0"/>
-              <a:t>10/18/2023</a:t>
+              <a:t>10/19/2023</a:t>
             </a:fld>
             <a:endParaRPr lang="en-US" dirty="0"/>
           </a:p>
@@ -2210,7 +2380,7 @@
           <a:p>
             <a:fld id="{3E0FA9E5-6744-4841-888F-9E7CC0C2B7EC}" type="datetimeFigureOut">
               <a:rPr lang="en-US" smtClean="0"/>
-              <a:t>10/18/2023</a:t>
+              <a:t>10/19/2023</a:t>
             </a:fld>
             <a:endParaRPr lang="en-US" dirty="0"/>
           </a:p>
@@ -2517,7 +2687,7 @@
           <a:p>
             <a:fld id="{3E0FA9E5-6744-4841-888F-9E7CC0C2B7EC}" type="datetimeFigureOut">
               <a:rPr lang="en-US" smtClean="0"/>
-              <a:t>10/18/2023</a:t>
+              <a:t>10/19/2023</a:t>
             </a:fld>
             <a:endParaRPr lang="en-US" dirty="0"/>
           </a:p>
@@ -2973,7 +3143,7 @@
           <a:p>
             <a:fld id="{3E0FA9E5-6744-4841-888F-9E7CC0C2B7EC}" type="datetimeFigureOut">
               <a:rPr lang="en-US" smtClean="0"/>
-              <a:t>10/18/2023</a:t>
+              <a:t>10/19/2023</a:t>
             </a:fld>
             <a:endParaRPr lang="en-US" dirty="0"/>
           </a:p>
@@ -3106,7 +3276,7 @@
           <a:p>
             <a:fld id="{3E0FA9E5-6744-4841-888F-9E7CC0C2B7EC}" type="datetimeFigureOut">
               <a:rPr lang="en-US" smtClean="0"/>
-              <a:t>10/18/2023</a:t>
+              <a:t>10/19/2023</a:t>
             </a:fld>
             <a:endParaRPr lang="en-US" dirty="0"/>
           </a:p>
@@ -3216,7 +3386,7 @@
           <a:p>
             <a:fld id="{3E0FA9E5-6744-4841-888F-9E7CC0C2B7EC}" type="datetimeFigureOut">
               <a:rPr lang="en-US" smtClean="0"/>
-              <a:t>10/18/2023</a:t>
+              <a:t>10/19/2023</a:t>
             </a:fld>
             <a:endParaRPr lang="en-US" dirty="0"/>
           </a:p>
@@ -3527,7 +3697,7 @@
           <a:p>
             <a:fld id="{3E0FA9E5-6744-4841-888F-9E7CC0C2B7EC}" type="datetimeFigureOut">
               <a:rPr lang="en-US" smtClean="0"/>
-              <a:t>10/18/2023</a:t>
+              <a:t>10/19/2023</a:t>
             </a:fld>
             <a:endParaRPr lang="en-US" dirty="0"/>
           </a:p>
@@ -4004,7 +4174,7 @@
             <a:fld id="{3E0FA9E5-6744-4841-888F-9E7CC0C2B7EC}" type="datetimeFigureOut">
               <a:rPr lang="en-US" smtClean="0"/>
               <a:pPr/>
-              <a:t>10/18/2023</a:t>
+              <a:t>10/19/2023</a:t>
             </a:fld>
             <a:endParaRPr lang="en-US" dirty="0"/>
           </a:p>
@@ -6002,6 +6172,735 @@
     <p:extLst>
       <p:ext uri="{BB962C8B-B14F-4D97-AF65-F5344CB8AC3E}">
         <p14:creationId xmlns:p14="http://schemas.microsoft.com/office/powerpoint/2010/main" val="967501008"/>
+      </p:ext>
+    </p:extLst>
+  </p:cSld>
+  <p:clrMapOvr>
+    <a:masterClrMapping/>
+  </p:clrMapOvr>
+  <mc:AlternateContent xmlns:mc="http://schemas.openxmlformats.org/markup-compatibility/2006" xmlns:p14="http://schemas.microsoft.com/office/powerpoint/2010/main">
+    <mc:Choice Requires="p14">
+      <p:transition spd="med" p14:dur="700">
+        <p:fade/>
+      </p:transition>
+    </mc:Choice>
+    <mc:Fallback xmlns="">
+      <p:transition spd="med">
+        <p:fade/>
+      </p:transition>
+    </mc:Fallback>
+  </mc:AlternateContent>
+</p:sld>
+</file>
+
+<file path=ppt/slides/slide6.xml><?xml version="1.0" encoding="utf-8"?>
+<p:sld xmlns:a="http://schemas.openxmlformats.org/drawingml/2006/main" xmlns:r="http://schemas.openxmlformats.org/officeDocument/2006/relationships" xmlns:p="http://schemas.openxmlformats.org/presentationml/2006/main">
+  <p:cSld>
+    <p:spTree>
+      <p:nvGrpSpPr>
+        <p:cNvPr id="1" name=""/>
+        <p:cNvGrpSpPr/>
+        <p:nvPr/>
+      </p:nvGrpSpPr>
+      <p:grpSpPr>
+        <a:xfrm>
+          <a:off x="0" y="0"/>
+          <a:ext cx="0" cy="0"/>
+          <a:chOff x="0" y="0"/>
+          <a:chExt cx="0" cy="0"/>
+        </a:xfrm>
+      </p:grpSpPr>
+      <p:sp>
+        <p:nvSpPr>
+          <p:cNvPr id="4" name="Title 3"/>
+          <p:cNvSpPr>
+            <a:spLocks noGrp="1"/>
+          </p:cNvSpPr>
+          <p:nvPr>
+            <p:ph type="ctrTitle"/>
+          </p:nvPr>
+        </p:nvSpPr>
+        <p:spPr/>
+        <p:txBody>
+          <a:bodyPr>
+            <a:normAutofit/>
+          </a:bodyPr>
+          <a:lstStyle/>
+          <a:p>
+            <a:pPr algn="ctr"/>
+            <a:r>
+              <a:rPr lang="zh-CN" altLang="en-US" sz="4800" dirty="0">
+                <a:latin typeface="华文隶书" panose="02010800040101010101" pitchFamily="2" charset="-122"/>
+                <a:ea typeface="华文隶书" panose="02010800040101010101" pitchFamily="2" charset="-122"/>
+              </a:rPr>
+              <a:t>让</a:t>
+            </a:r>
+            <a:r>
+              <a:rPr lang="en-US" altLang="zh-CN" sz="4800" dirty="0">
+                <a:latin typeface="华文隶书" panose="02010800040101010101" pitchFamily="2" charset="-122"/>
+                <a:ea typeface="华文隶书" panose="02010800040101010101" pitchFamily="2" charset="-122"/>
+              </a:rPr>
+              <a:t>Python</a:t>
+            </a:r>
+            <a:r>
+              <a:rPr lang="zh-CN" altLang="en-US" sz="4800" dirty="0">
+                <a:latin typeface="华文隶书" panose="02010800040101010101" pitchFamily="2" charset="-122"/>
+                <a:ea typeface="华文隶书" panose="02010800040101010101" pitchFamily="2" charset="-122"/>
+              </a:rPr>
+              <a:t>遇上</a:t>
+            </a:r>
+            <a:r>
+              <a:rPr lang="en-US" altLang="zh-CN" sz="4800" dirty="0">
+                <a:latin typeface="华文隶书" panose="02010800040101010101" pitchFamily="2" charset="-122"/>
+                <a:ea typeface="华文隶书" panose="02010800040101010101" pitchFamily="2" charset="-122"/>
+              </a:rPr>
+              <a:t>Office</a:t>
+            </a:r>
+            <a:br>
+              <a:rPr lang="en-US" altLang="zh-CN" sz="4800" dirty="0">
+                <a:latin typeface="华文隶书" panose="02010800040101010101" pitchFamily="2" charset="-122"/>
+                <a:ea typeface="华文隶书" panose="02010800040101010101" pitchFamily="2" charset="-122"/>
+              </a:rPr>
+            </a:br>
+            <a:br>
+              <a:rPr lang="en-US" altLang="zh-CN" sz="4800" dirty="0">
+                <a:latin typeface="华文隶书" panose="02010800040101010101" pitchFamily="2" charset="-122"/>
+                <a:ea typeface="华文隶书" panose="02010800040101010101" pitchFamily="2" charset="-122"/>
+              </a:rPr>
+            </a:br>
+            <a:r>
+              <a:rPr lang="en-US" altLang="zh-CN" sz="4800" dirty="0">
+                <a:latin typeface="华文隶书" panose="02010800040101010101" pitchFamily="2" charset="-122"/>
+                <a:ea typeface="华文隶书" panose="02010800040101010101" pitchFamily="2" charset="-122"/>
+              </a:rPr>
+              <a:t>(Python with Office)</a:t>
+            </a:r>
+            <a:endParaRPr lang="en-US" sz="4800" dirty="0">
+              <a:latin typeface="华文隶书" panose="02010800040101010101" pitchFamily="2" charset="-122"/>
+              <a:ea typeface="华文隶书" panose="02010800040101010101" pitchFamily="2" charset="-122"/>
+            </a:endParaRPr>
+          </a:p>
+        </p:txBody>
+      </p:sp>
+      <p:sp>
+        <p:nvSpPr>
+          <p:cNvPr id="3" name="Content Placeholder 2"/>
+          <p:cNvSpPr>
+            <a:spLocks noGrp="1"/>
+          </p:cNvSpPr>
+          <p:nvPr>
+            <p:ph type="subTitle" idx="1"/>
+          </p:nvPr>
+        </p:nvSpPr>
+        <p:spPr>
+          <a:xfrm>
+            <a:off x="1065212" y="3403600"/>
+            <a:ext cx="5029201" cy="2185640"/>
+          </a:xfrm>
+        </p:spPr>
+        <p:txBody>
+          <a:bodyPr>
+            <a:normAutofit lnSpcReduction="10000"/>
+          </a:bodyPr>
+          <a:lstStyle/>
+          <a:p>
+            <a:r>
+              <a:rPr lang="en-US" sz="2800" dirty="0">
+                <a:latin typeface="ADLaM Display" panose="020F0502020204030204" pitchFamily="2" charset="0"/>
+                <a:ea typeface="ADLaM Display" panose="020F0502020204030204" pitchFamily="2" charset="0"/>
+                <a:cs typeface="ADLaM Display" panose="020F0502020204030204" pitchFamily="2" charset="0"/>
+              </a:rPr>
+              <a:t>Chapter 2 Data Structure </a:t>
+            </a:r>
+          </a:p>
+          <a:p>
+            <a:r>
+              <a:rPr lang="en-US" sz="2800" dirty="0">
+                <a:latin typeface="ADLaM Display" panose="020F0502020204030204" pitchFamily="2" charset="0"/>
+                <a:ea typeface="ADLaM Display" panose="020F0502020204030204" pitchFamily="2" charset="0"/>
+                <a:cs typeface="ADLaM Display" panose="020F0502020204030204" pitchFamily="2" charset="0"/>
+              </a:rPr>
+              <a:t>2.5 </a:t>
+            </a:r>
+            <a:r>
+              <a:rPr lang="en-US" altLang="zh-CN" sz="2800" dirty="0">
+                <a:latin typeface="ADLaM Display" panose="020F0502020204030204" pitchFamily="2" charset="0"/>
+                <a:ea typeface="ADLaM Display" panose="020F0502020204030204" pitchFamily="2" charset="0"/>
+                <a:cs typeface="ADLaM Display" panose="020F0502020204030204" pitchFamily="2" charset="0"/>
+              </a:rPr>
+              <a:t>Dictionary</a:t>
+            </a:r>
+          </a:p>
+          <a:p>
+            <a:endParaRPr lang="en-US" sz="2800" dirty="0">
+              <a:latin typeface="ADLaM Display" panose="020F0502020204030204" pitchFamily="2" charset="0"/>
+              <a:ea typeface="ADLaM Display" panose="020F0502020204030204" pitchFamily="2" charset="0"/>
+              <a:cs typeface="ADLaM Display" panose="020F0502020204030204" pitchFamily="2" charset="0"/>
+            </a:endParaRPr>
+          </a:p>
+          <a:p>
+            <a:r>
+              <a:rPr lang="zh-CN" altLang="en-US" sz="2800" dirty="0">
+                <a:latin typeface="ADLaM Display" panose="020F0502020204030204" pitchFamily="2" charset="0"/>
+                <a:ea typeface="ADLaM Display" panose="020F0502020204030204" pitchFamily="2" charset="0"/>
+                <a:cs typeface="ADLaM Display" panose="020F0502020204030204" pitchFamily="2" charset="0"/>
+              </a:rPr>
+              <a:t>第二章 数据结构</a:t>
+            </a:r>
+            <a:endParaRPr lang="en-US" altLang="zh-CN" sz="2800" dirty="0">
+              <a:latin typeface="ADLaM Display" panose="020F0502020204030204" pitchFamily="2" charset="0"/>
+              <a:ea typeface="ADLaM Display" panose="020F0502020204030204" pitchFamily="2" charset="0"/>
+              <a:cs typeface="ADLaM Display" panose="020F0502020204030204" pitchFamily="2" charset="0"/>
+            </a:endParaRPr>
+          </a:p>
+          <a:p>
+            <a:r>
+              <a:rPr lang="en-US" sz="2800" dirty="0">
+                <a:latin typeface="ADLaM Display" panose="020F0502020204030204" pitchFamily="2" charset="0"/>
+                <a:ea typeface="ADLaM Display" panose="020F0502020204030204" pitchFamily="2" charset="0"/>
+                <a:cs typeface="ADLaM Display" panose="020F0502020204030204" pitchFamily="2" charset="0"/>
+              </a:rPr>
+              <a:t>2.5 </a:t>
+            </a:r>
+            <a:r>
+              <a:rPr lang="zh-CN" altLang="en-US" sz="2800" dirty="0">
+                <a:latin typeface="ADLaM Display" panose="020F0502020204030204" pitchFamily="2" charset="0"/>
+                <a:ea typeface="ADLaM Display" panose="020F0502020204030204" pitchFamily="2" charset="0"/>
+                <a:cs typeface="ADLaM Display" panose="020F0502020204030204" pitchFamily="2" charset="0"/>
+              </a:rPr>
+              <a:t>字典</a:t>
+            </a:r>
+            <a:endParaRPr lang="en-US" sz="2800" dirty="0">
+              <a:latin typeface="ADLaM Display" panose="020F0502020204030204" pitchFamily="2" charset="0"/>
+              <a:ea typeface="ADLaM Display" panose="020F0502020204030204" pitchFamily="2" charset="0"/>
+              <a:cs typeface="ADLaM Display" panose="020F0502020204030204" pitchFamily="2" charset="0"/>
+            </a:endParaRPr>
+          </a:p>
+          <a:p>
+            <a:endParaRPr lang="en-US" sz="2800" dirty="0">
+              <a:latin typeface="ADLaM Display" panose="020F0502020204030204" pitchFamily="2" charset="0"/>
+              <a:ea typeface="ADLaM Display" panose="020F0502020204030204" pitchFamily="2" charset="0"/>
+              <a:cs typeface="ADLaM Display" panose="020F0502020204030204" pitchFamily="2" charset="0"/>
+            </a:endParaRPr>
+          </a:p>
+        </p:txBody>
+      </p:sp>
+      <p:pic>
+        <p:nvPicPr>
+          <p:cNvPr id="5" name="Picture 4">
+            <a:extLst>
+              <a:ext uri="{FF2B5EF4-FFF2-40B4-BE49-F238E27FC236}">
+                <a16:creationId xmlns:a16="http://schemas.microsoft.com/office/drawing/2014/main" id="{4AD8B85C-B359-195F-B78C-C879AB7840B1}"/>
+              </a:ext>
+            </a:extLst>
+          </p:cNvPr>
+          <p:cNvPicPr>
+            <a:picLocks noChangeAspect="1"/>
+          </p:cNvPicPr>
+          <p:nvPr/>
+        </p:nvPicPr>
+        <p:blipFill>
+          <a:blip r:embed="rId3"/>
+          <a:stretch>
+            <a:fillRect/>
+          </a:stretch>
+        </p:blipFill>
+        <p:spPr>
+          <a:xfrm>
+            <a:off x="57601" y="1189856"/>
+            <a:ext cx="1068259" cy="1556792"/>
+          </a:xfrm>
+          <a:prstGeom prst="rect">
+            <a:avLst/>
+          </a:prstGeom>
+          <a:ln>
+            <a:noFill/>
+          </a:ln>
+          <a:effectLst>
+            <a:outerShdw blurRad="292100" dist="139700" dir="2700000" algn="tl" rotWithShape="0">
+              <a:srgbClr val="333333">
+                <a:alpha val="65000"/>
+              </a:srgbClr>
+            </a:outerShdw>
+          </a:effectLst>
+        </p:spPr>
+      </p:pic>
+      <p:sp>
+        <p:nvSpPr>
+          <p:cNvPr id="2" name="TextBox 1">
+            <a:extLst>
+              <a:ext uri="{FF2B5EF4-FFF2-40B4-BE49-F238E27FC236}">
+                <a16:creationId xmlns:a16="http://schemas.microsoft.com/office/drawing/2014/main" id="{CAB2C784-DE74-68FC-7A84-3E6C5D164315}"/>
+              </a:ext>
+            </a:extLst>
+          </p:cNvPr>
+          <p:cNvSpPr txBox="1"/>
+          <p:nvPr/>
+        </p:nvSpPr>
+        <p:spPr>
+          <a:xfrm>
+            <a:off x="405780" y="6139934"/>
+            <a:ext cx="7951216" cy="523220"/>
+          </a:xfrm>
+          <a:prstGeom prst="rect">
+            <a:avLst/>
+          </a:prstGeom>
+          <a:solidFill>
+            <a:schemeClr val="bg1">
+              <a:lumMod val="95000"/>
+            </a:schemeClr>
+          </a:solidFill>
+          <a:ln>
+            <a:solidFill>
+              <a:schemeClr val="bg2"/>
+            </a:solidFill>
+          </a:ln>
+        </p:spPr>
+        <p:txBody>
+          <a:bodyPr wrap="none" rtlCol="0" anchor="ctr" anchorCtr="1">
+            <a:spAutoFit/>
+          </a:bodyPr>
+          <a:lstStyle/>
+          <a:p>
+            <a:r>
+              <a:rPr lang="en-US" sz="2800" dirty="0">
+                <a:hlinkClick r:id="rId4"/>
+              </a:rPr>
+              <a:t>https://github.com/yasenstar/python_with_office</a:t>
+            </a:r>
+            <a:endParaRPr lang="en-US" sz="2800" dirty="0"/>
+          </a:p>
+        </p:txBody>
+      </p:sp>
+      <p:pic>
+        <p:nvPicPr>
+          <p:cNvPr id="8" name="Picture 7">
+            <a:extLst>
+              <a:ext uri="{FF2B5EF4-FFF2-40B4-BE49-F238E27FC236}">
+                <a16:creationId xmlns:a16="http://schemas.microsoft.com/office/drawing/2014/main" id="{02393969-D0FA-B2A3-E5C0-CBBEA19C744B}"/>
+              </a:ext>
+            </a:extLst>
+          </p:cNvPr>
+          <p:cNvPicPr>
+            <a:picLocks noChangeAspect="1"/>
+          </p:cNvPicPr>
+          <p:nvPr/>
+        </p:nvPicPr>
+        <p:blipFill>
+          <a:blip r:embed="rId5"/>
+          <a:stretch>
+            <a:fillRect/>
+          </a:stretch>
+        </p:blipFill>
+        <p:spPr>
+          <a:xfrm>
+            <a:off x="6094413" y="1488151"/>
+            <a:ext cx="5904656" cy="4019045"/>
+          </a:xfrm>
+          <a:prstGeom prst="rect">
+            <a:avLst/>
+          </a:prstGeom>
+          <a:ln>
+            <a:noFill/>
+          </a:ln>
+          <a:effectLst>
+            <a:outerShdw blurRad="292100" dist="139700" dir="2700000" algn="tl" rotWithShape="0">
+              <a:srgbClr val="333333">
+                <a:alpha val="65000"/>
+              </a:srgbClr>
+            </a:outerShdw>
+          </a:effectLst>
+        </p:spPr>
+      </p:pic>
+    </p:spTree>
+    <p:extLst>
+      <p:ext uri="{BB962C8B-B14F-4D97-AF65-F5344CB8AC3E}">
+        <p14:creationId xmlns:p14="http://schemas.microsoft.com/office/powerpoint/2010/main" val="3487134038"/>
+      </p:ext>
+    </p:extLst>
+  </p:cSld>
+  <p:clrMapOvr>
+    <a:masterClrMapping/>
+  </p:clrMapOvr>
+  <mc:AlternateContent xmlns:mc="http://schemas.openxmlformats.org/markup-compatibility/2006" xmlns:p14="http://schemas.microsoft.com/office/powerpoint/2010/main">
+    <mc:Choice Requires="p14">
+      <p:transition spd="med" p14:dur="700">
+        <p:fade/>
+      </p:transition>
+    </mc:Choice>
+    <mc:Fallback xmlns="">
+      <p:transition spd="med">
+        <p:fade/>
+      </p:transition>
+    </mc:Fallback>
+  </mc:AlternateContent>
+</p:sld>
+</file>
+
+<file path=ppt/slides/slide7.xml><?xml version="1.0" encoding="utf-8"?>
+<p:sld xmlns:a="http://schemas.openxmlformats.org/drawingml/2006/main" xmlns:r="http://schemas.openxmlformats.org/officeDocument/2006/relationships" xmlns:p="http://schemas.openxmlformats.org/presentationml/2006/main">
+  <p:cSld>
+    <p:spTree>
+      <p:nvGrpSpPr>
+        <p:cNvPr id="1" name=""/>
+        <p:cNvGrpSpPr/>
+        <p:nvPr/>
+      </p:nvGrpSpPr>
+      <p:grpSpPr>
+        <a:xfrm>
+          <a:off x="0" y="0"/>
+          <a:ext cx="0" cy="0"/>
+          <a:chOff x="0" y="0"/>
+          <a:chExt cx="0" cy="0"/>
+        </a:xfrm>
+      </p:grpSpPr>
+      <p:sp>
+        <p:nvSpPr>
+          <p:cNvPr id="4" name="Title 3"/>
+          <p:cNvSpPr>
+            <a:spLocks noGrp="1"/>
+          </p:cNvSpPr>
+          <p:nvPr>
+            <p:ph type="ctrTitle"/>
+          </p:nvPr>
+        </p:nvSpPr>
+        <p:spPr/>
+        <p:txBody>
+          <a:bodyPr>
+            <a:normAutofit/>
+          </a:bodyPr>
+          <a:lstStyle/>
+          <a:p>
+            <a:pPr algn="ctr"/>
+            <a:r>
+              <a:rPr lang="zh-CN" altLang="en-US" sz="4800" dirty="0">
+                <a:latin typeface="华文隶书" panose="02010800040101010101" pitchFamily="2" charset="-122"/>
+                <a:ea typeface="华文隶书" panose="02010800040101010101" pitchFamily="2" charset="-122"/>
+              </a:rPr>
+              <a:t>让</a:t>
+            </a:r>
+            <a:r>
+              <a:rPr lang="en-US" altLang="zh-CN" sz="4800" dirty="0">
+                <a:latin typeface="华文隶书" panose="02010800040101010101" pitchFamily="2" charset="-122"/>
+                <a:ea typeface="华文隶书" panose="02010800040101010101" pitchFamily="2" charset="-122"/>
+              </a:rPr>
+              <a:t>Python</a:t>
+            </a:r>
+            <a:r>
+              <a:rPr lang="zh-CN" altLang="en-US" sz="4800" dirty="0">
+                <a:latin typeface="华文隶书" panose="02010800040101010101" pitchFamily="2" charset="-122"/>
+                <a:ea typeface="华文隶书" panose="02010800040101010101" pitchFamily="2" charset="-122"/>
+              </a:rPr>
+              <a:t>遇上</a:t>
+            </a:r>
+            <a:r>
+              <a:rPr lang="en-US" altLang="zh-CN" sz="4800" dirty="0">
+                <a:latin typeface="华文隶书" panose="02010800040101010101" pitchFamily="2" charset="-122"/>
+                <a:ea typeface="华文隶书" panose="02010800040101010101" pitchFamily="2" charset="-122"/>
+              </a:rPr>
+              <a:t>Office</a:t>
+            </a:r>
+            <a:br>
+              <a:rPr lang="en-US" altLang="zh-CN" sz="4800" dirty="0">
+                <a:latin typeface="华文隶书" panose="02010800040101010101" pitchFamily="2" charset="-122"/>
+                <a:ea typeface="华文隶书" panose="02010800040101010101" pitchFamily="2" charset="-122"/>
+              </a:rPr>
+            </a:br>
+            <a:br>
+              <a:rPr lang="en-US" altLang="zh-CN" sz="4800" dirty="0">
+                <a:latin typeface="华文隶书" panose="02010800040101010101" pitchFamily="2" charset="-122"/>
+                <a:ea typeface="华文隶书" panose="02010800040101010101" pitchFamily="2" charset="-122"/>
+              </a:rPr>
+            </a:br>
+            <a:r>
+              <a:rPr lang="en-US" altLang="zh-CN" sz="4800" dirty="0">
+                <a:latin typeface="华文隶书" panose="02010800040101010101" pitchFamily="2" charset="-122"/>
+                <a:ea typeface="华文隶书" panose="02010800040101010101" pitchFamily="2" charset="-122"/>
+              </a:rPr>
+              <a:t>(Python with Office)</a:t>
+            </a:r>
+            <a:endParaRPr lang="en-US" sz="4800" dirty="0">
+              <a:latin typeface="华文隶书" panose="02010800040101010101" pitchFamily="2" charset="-122"/>
+              <a:ea typeface="华文隶书" panose="02010800040101010101" pitchFamily="2" charset="-122"/>
+            </a:endParaRPr>
+          </a:p>
+        </p:txBody>
+      </p:sp>
+      <p:sp>
+        <p:nvSpPr>
+          <p:cNvPr id="3" name="Content Placeholder 2"/>
+          <p:cNvSpPr>
+            <a:spLocks noGrp="1"/>
+          </p:cNvSpPr>
+          <p:nvPr>
+            <p:ph type="subTitle" idx="1"/>
+          </p:nvPr>
+        </p:nvSpPr>
+        <p:spPr>
+          <a:xfrm>
+            <a:off x="1065212" y="3403600"/>
+            <a:ext cx="5029201" cy="2185640"/>
+          </a:xfrm>
+        </p:spPr>
+        <p:txBody>
+          <a:bodyPr>
+            <a:normAutofit lnSpcReduction="10000"/>
+          </a:bodyPr>
+          <a:lstStyle/>
+          <a:p>
+            <a:r>
+              <a:rPr lang="en-US" sz="2800" dirty="0">
+                <a:latin typeface="ADLaM Display" panose="020F0502020204030204" pitchFamily="2" charset="0"/>
+                <a:ea typeface="ADLaM Display" panose="020F0502020204030204" pitchFamily="2" charset="0"/>
+                <a:cs typeface="ADLaM Display" panose="020F0502020204030204" pitchFamily="2" charset="0"/>
+              </a:rPr>
+              <a:t>Chapter 2 Data Structure </a:t>
+            </a:r>
+          </a:p>
+          <a:p>
+            <a:r>
+              <a:rPr lang="en-US" sz="2800" dirty="0">
+                <a:latin typeface="ADLaM Display" panose="020F0502020204030204" pitchFamily="2" charset="0"/>
+                <a:ea typeface="ADLaM Display" panose="020F0502020204030204" pitchFamily="2" charset="0"/>
+                <a:cs typeface="ADLaM Display" panose="020F0502020204030204" pitchFamily="2" charset="0"/>
+              </a:rPr>
+              <a:t>2.6 </a:t>
+            </a:r>
+            <a:r>
+              <a:rPr lang="en-US" altLang="zh-CN" sz="2800" dirty="0">
+                <a:latin typeface="ADLaM Display" panose="020F0502020204030204" pitchFamily="2" charset="0"/>
+                <a:ea typeface="ADLaM Display" panose="020F0502020204030204" pitchFamily="2" charset="0"/>
+                <a:cs typeface="ADLaM Display" panose="020F0502020204030204" pitchFamily="2" charset="0"/>
+              </a:rPr>
+              <a:t>Set and</a:t>
+            </a:r>
+            <a:r>
+              <a:rPr lang="zh-CN" altLang="en-US" sz="2800" dirty="0">
+                <a:latin typeface="ADLaM Display" panose="020F0502020204030204" pitchFamily="2" charset="0"/>
+                <a:ea typeface="ADLaM Display" panose="020F0502020204030204" pitchFamily="2" charset="0"/>
+                <a:cs typeface="ADLaM Display" panose="020F0502020204030204" pitchFamily="2" charset="0"/>
+              </a:rPr>
+              <a:t> </a:t>
+            </a:r>
+            <a:r>
+              <a:rPr lang="en-US" altLang="zh-CN" sz="2800" dirty="0">
+                <a:latin typeface="ADLaM Display" panose="020F0502020204030204" pitchFamily="2" charset="0"/>
+                <a:ea typeface="ADLaM Display" panose="020F0502020204030204" pitchFamily="2" charset="0"/>
+                <a:cs typeface="ADLaM Display" panose="020F0502020204030204" pitchFamily="2" charset="0"/>
+              </a:rPr>
+              <a:t>None</a:t>
+            </a:r>
+            <a:r>
+              <a:rPr lang="zh-CN" altLang="en-US" sz="2800" dirty="0">
+                <a:latin typeface="ADLaM Display" panose="020F0502020204030204" pitchFamily="2" charset="0"/>
+                <a:ea typeface="ADLaM Display" panose="020F0502020204030204" pitchFamily="2" charset="0"/>
+                <a:cs typeface="ADLaM Display" panose="020F0502020204030204" pitchFamily="2" charset="0"/>
+              </a:rPr>
+              <a:t> </a:t>
+            </a:r>
+            <a:r>
+              <a:rPr lang="en-US" altLang="zh-CN" sz="2800" dirty="0">
+                <a:latin typeface="ADLaM Display" panose="020F0502020204030204" pitchFamily="2" charset="0"/>
+                <a:ea typeface="ADLaM Display" panose="020F0502020204030204" pitchFamily="2" charset="0"/>
+                <a:cs typeface="ADLaM Display" panose="020F0502020204030204" pitchFamily="2" charset="0"/>
+              </a:rPr>
+              <a:t>Type</a:t>
+            </a:r>
+          </a:p>
+          <a:p>
+            <a:endParaRPr lang="en-US" sz="2800" dirty="0">
+              <a:latin typeface="ADLaM Display" panose="020F0502020204030204" pitchFamily="2" charset="0"/>
+              <a:ea typeface="ADLaM Display" panose="020F0502020204030204" pitchFamily="2" charset="0"/>
+              <a:cs typeface="ADLaM Display" panose="020F0502020204030204" pitchFamily="2" charset="0"/>
+            </a:endParaRPr>
+          </a:p>
+          <a:p>
+            <a:r>
+              <a:rPr lang="zh-CN" altLang="en-US" sz="2800" dirty="0">
+                <a:latin typeface="ADLaM Display" panose="020F0502020204030204" pitchFamily="2" charset="0"/>
+                <a:ea typeface="ADLaM Display" panose="020F0502020204030204" pitchFamily="2" charset="0"/>
+                <a:cs typeface="ADLaM Display" panose="020F0502020204030204" pitchFamily="2" charset="0"/>
+              </a:rPr>
+              <a:t>第二章 数据结构</a:t>
+            </a:r>
+            <a:endParaRPr lang="en-US" altLang="zh-CN" sz="2800" dirty="0">
+              <a:latin typeface="ADLaM Display" panose="020F0502020204030204" pitchFamily="2" charset="0"/>
+              <a:ea typeface="ADLaM Display" panose="020F0502020204030204" pitchFamily="2" charset="0"/>
+              <a:cs typeface="ADLaM Display" panose="020F0502020204030204" pitchFamily="2" charset="0"/>
+            </a:endParaRPr>
+          </a:p>
+          <a:p>
+            <a:r>
+              <a:rPr lang="en-US" sz="2800" dirty="0">
+                <a:latin typeface="ADLaM Display" panose="020F0502020204030204" pitchFamily="2" charset="0"/>
+                <a:ea typeface="ADLaM Display" panose="020F0502020204030204" pitchFamily="2" charset="0"/>
+                <a:cs typeface="ADLaM Display" panose="020F0502020204030204" pitchFamily="2" charset="0"/>
+              </a:rPr>
+              <a:t>2.6 </a:t>
+            </a:r>
+            <a:r>
+              <a:rPr lang="zh-CN" altLang="en-US" sz="2800" dirty="0">
+                <a:latin typeface="ADLaM Display" panose="020F0502020204030204" pitchFamily="2" charset="0"/>
+                <a:ea typeface="ADLaM Display" panose="020F0502020204030204" pitchFamily="2" charset="0"/>
+                <a:cs typeface="ADLaM Display" panose="020F0502020204030204" pitchFamily="2" charset="0"/>
+              </a:rPr>
+              <a:t>集合和</a:t>
+            </a:r>
+            <a:r>
+              <a:rPr lang="en-US" altLang="zh-CN" sz="2800" dirty="0">
+                <a:latin typeface="ADLaM Display" panose="020F0502020204030204" pitchFamily="2" charset="0"/>
+                <a:ea typeface="ADLaM Display" panose="020F0502020204030204" pitchFamily="2" charset="0"/>
+                <a:cs typeface="ADLaM Display" panose="020F0502020204030204" pitchFamily="2" charset="0"/>
+              </a:rPr>
+              <a:t>None</a:t>
+            </a:r>
+            <a:r>
+              <a:rPr lang="zh-CN" altLang="en-US" sz="2800" dirty="0">
+                <a:latin typeface="ADLaM Display" panose="020F0502020204030204" pitchFamily="2" charset="0"/>
+                <a:ea typeface="ADLaM Display" panose="020F0502020204030204" pitchFamily="2" charset="0"/>
+                <a:cs typeface="ADLaM Display" panose="020F0502020204030204" pitchFamily="2" charset="0"/>
+              </a:rPr>
+              <a:t>类型</a:t>
+            </a:r>
+            <a:endParaRPr lang="en-US" sz="2800" dirty="0">
+              <a:latin typeface="ADLaM Display" panose="020F0502020204030204" pitchFamily="2" charset="0"/>
+              <a:ea typeface="ADLaM Display" panose="020F0502020204030204" pitchFamily="2" charset="0"/>
+              <a:cs typeface="ADLaM Display" panose="020F0502020204030204" pitchFamily="2" charset="0"/>
+            </a:endParaRPr>
+          </a:p>
+        </p:txBody>
+      </p:sp>
+      <p:pic>
+        <p:nvPicPr>
+          <p:cNvPr id="5" name="Picture 4">
+            <a:extLst>
+              <a:ext uri="{FF2B5EF4-FFF2-40B4-BE49-F238E27FC236}">
+                <a16:creationId xmlns:a16="http://schemas.microsoft.com/office/drawing/2014/main" id="{4AD8B85C-B359-195F-B78C-C879AB7840B1}"/>
+              </a:ext>
+            </a:extLst>
+          </p:cNvPr>
+          <p:cNvPicPr>
+            <a:picLocks noChangeAspect="1"/>
+          </p:cNvPicPr>
+          <p:nvPr/>
+        </p:nvPicPr>
+        <p:blipFill>
+          <a:blip r:embed="rId3"/>
+          <a:stretch>
+            <a:fillRect/>
+          </a:stretch>
+        </p:blipFill>
+        <p:spPr>
+          <a:xfrm>
+            <a:off x="57601" y="1189856"/>
+            <a:ext cx="1068259" cy="1556792"/>
+          </a:xfrm>
+          <a:prstGeom prst="rect">
+            <a:avLst/>
+          </a:prstGeom>
+          <a:ln>
+            <a:noFill/>
+          </a:ln>
+          <a:effectLst>
+            <a:outerShdw blurRad="292100" dist="139700" dir="2700000" algn="tl" rotWithShape="0">
+              <a:srgbClr val="333333">
+                <a:alpha val="65000"/>
+              </a:srgbClr>
+            </a:outerShdw>
+          </a:effectLst>
+        </p:spPr>
+      </p:pic>
+      <p:sp>
+        <p:nvSpPr>
+          <p:cNvPr id="2" name="TextBox 1">
+            <a:extLst>
+              <a:ext uri="{FF2B5EF4-FFF2-40B4-BE49-F238E27FC236}">
+                <a16:creationId xmlns:a16="http://schemas.microsoft.com/office/drawing/2014/main" id="{CAB2C784-DE74-68FC-7A84-3E6C5D164315}"/>
+              </a:ext>
+            </a:extLst>
+          </p:cNvPr>
+          <p:cNvSpPr txBox="1"/>
+          <p:nvPr/>
+        </p:nvSpPr>
+        <p:spPr>
+          <a:xfrm>
+            <a:off x="405780" y="6139934"/>
+            <a:ext cx="7951216" cy="523220"/>
+          </a:xfrm>
+          <a:prstGeom prst="rect">
+            <a:avLst/>
+          </a:prstGeom>
+          <a:solidFill>
+            <a:schemeClr val="bg1">
+              <a:lumMod val="95000"/>
+            </a:schemeClr>
+          </a:solidFill>
+          <a:ln>
+            <a:solidFill>
+              <a:schemeClr val="bg2"/>
+            </a:solidFill>
+          </a:ln>
+        </p:spPr>
+        <p:txBody>
+          <a:bodyPr wrap="none" rtlCol="0" anchor="ctr" anchorCtr="1">
+            <a:spAutoFit/>
+          </a:bodyPr>
+          <a:lstStyle/>
+          <a:p>
+            <a:r>
+              <a:rPr lang="en-US" sz="2800" dirty="0">
+                <a:hlinkClick r:id="rId4"/>
+              </a:rPr>
+              <a:t>https://github.com/yasenstar/python_with_office</a:t>
+            </a:r>
+            <a:endParaRPr lang="en-US" sz="2800" dirty="0"/>
+          </a:p>
+        </p:txBody>
+      </p:sp>
+      <p:pic>
+        <p:nvPicPr>
+          <p:cNvPr id="7" name="Picture 6">
+            <a:extLst>
+              <a:ext uri="{FF2B5EF4-FFF2-40B4-BE49-F238E27FC236}">
+                <a16:creationId xmlns:a16="http://schemas.microsoft.com/office/drawing/2014/main" id="{2E8EDCE5-A0E3-1F19-49F0-84B94B50E3C5}"/>
+              </a:ext>
+            </a:extLst>
+          </p:cNvPr>
+          <p:cNvPicPr>
+            <a:picLocks noChangeAspect="1"/>
+          </p:cNvPicPr>
+          <p:nvPr/>
+        </p:nvPicPr>
+        <p:blipFill>
+          <a:blip r:embed="rId5"/>
+          <a:stretch>
+            <a:fillRect/>
+          </a:stretch>
+        </p:blipFill>
+        <p:spPr>
+          <a:xfrm>
+            <a:off x="6160069" y="1437662"/>
+            <a:ext cx="5971155" cy="3982675"/>
+          </a:xfrm>
+          <a:prstGeom prst="rect">
+            <a:avLst/>
+          </a:prstGeom>
+          <a:ln>
+            <a:noFill/>
+          </a:ln>
+          <a:effectLst>
+            <a:outerShdw blurRad="292100" dist="139700" dir="2700000" algn="tl" rotWithShape="0">
+              <a:srgbClr val="333333">
+                <a:alpha val="65000"/>
+              </a:srgbClr>
+            </a:outerShdw>
+          </a:effectLst>
+        </p:spPr>
+      </p:pic>
+    </p:spTree>
+    <p:extLst>
+      <p:ext uri="{BB962C8B-B14F-4D97-AF65-F5344CB8AC3E}">
+        <p14:creationId xmlns:p14="http://schemas.microsoft.com/office/powerpoint/2010/main" val="612496726"/>
       </p:ext>
     </p:extLst>
   </p:cSld>

--- a/Video_Covers.pptx
+++ b/Video_Covers.pptx
@@ -5,10 +5,10 @@
     <p:sldMasterId id="2147483660" r:id="rId1"/>
   </p:sldMasterIdLst>
   <p:notesMasterIdLst>
-    <p:notesMasterId r:id="rId9"/>
+    <p:notesMasterId r:id="rId11"/>
   </p:notesMasterIdLst>
   <p:handoutMasterIdLst>
-    <p:handoutMasterId r:id="rId10"/>
+    <p:handoutMasterId r:id="rId12"/>
   </p:handoutMasterIdLst>
   <p:sldIdLst>
     <p:sldId id="257" r:id="rId2"/>
@@ -18,6 +18,8 @@
     <p:sldId id="261" r:id="rId6"/>
     <p:sldId id="262" r:id="rId7"/>
     <p:sldId id="263" r:id="rId8"/>
+    <p:sldId id="264" r:id="rId9"/>
+    <p:sldId id="265" r:id="rId10"/>
   </p:sldIdLst>
   <p:sldSz cx="12188825" cy="6858000"/>
   <p:notesSz cx="6858000" cy="9144000"/>
@@ -1286,6 +1288,174 @@
     <p:extLst>
       <p:ext uri="{BB962C8B-B14F-4D97-AF65-F5344CB8AC3E}">
         <p14:creationId xmlns:p14="http://schemas.microsoft.com/office/powerpoint/2010/main" val="3134536586"/>
+      </p:ext>
+    </p:extLst>
+  </p:cSld>
+  <p:clrMapOvr>
+    <a:masterClrMapping/>
+  </p:clrMapOvr>
+</p:notes>
+</file>
+
+<file path=ppt/notesSlides/notesSlide8.xml><?xml version="1.0" encoding="utf-8"?>
+<p:notes xmlns:a="http://schemas.openxmlformats.org/drawingml/2006/main" xmlns:r="http://schemas.openxmlformats.org/officeDocument/2006/relationships" xmlns:p="http://schemas.openxmlformats.org/presentationml/2006/main">
+  <p:cSld>
+    <p:spTree>
+      <p:nvGrpSpPr>
+        <p:cNvPr id="1" name=""/>
+        <p:cNvGrpSpPr/>
+        <p:nvPr/>
+      </p:nvGrpSpPr>
+      <p:grpSpPr>
+        <a:xfrm>
+          <a:off x="0" y="0"/>
+          <a:ext cx="0" cy="0"/>
+          <a:chOff x="0" y="0"/>
+          <a:chExt cx="0" cy="0"/>
+        </a:xfrm>
+      </p:grpSpPr>
+      <p:sp>
+        <p:nvSpPr>
+          <p:cNvPr id="2" name="Slide Image Placeholder 1"/>
+          <p:cNvSpPr>
+            <a:spLocks noGrp="1" noRot="1" noChangeAspect="1"/>
+          </p:cNvSpPr>
+          <p:nvPr>
+            <p:ph type="sldImg"/>
+          </p:nvPr>
+        </p:nvSpPr>
+        <p:spPr/>
+      </p:sp>
+      <p:sp>
+        <p:nvSpPr>
+          <p:cNvPr id="3" name="Notes Placeholder 2"/>
+          <p:cNvSpPr>
+            <a:spLocks noGrp="1"/>
+          </p:cNvSpPr>
+          <p:nvPr>
+            <p:ph type="body" idx="1"/>
+          </p:nvPr>
+        </p:nvSpPr>
+        <p:spPr/>
+        <p:txBody>
+          <a:bodyPr/>
+          <a:lstStyle/>
+          <a:p>
+            <a:endParaRPr lang="en-US" dirty="0"/>
+          </a:p>
+        </p:txBody>
+      </p:sp>
+      <p:sp>
+        <p:nvSpPr>
+          <p:cNvPr id="4" name="Slide Number Placeholder 3"/>
+          <p:cNvSpPr>
+            <a:spLocks noGrp="1"/>
+          </p:cNvSpPr>
+          <p:nvPr>
+            <p:ph type="sldNum" sz="quarter" idx="10"/>
+          </p:nvPr>
+        </p:nvSpPr>
+        <p:spPr/>
+        <p:txBody>
+          <a:bodyPr/>
+          <a:lstStyle/>
+          <a:p>
+            <a:fld id="{6BB98AFB-CB0D-4DFE-87B9-B4B0D0DE73CD}" type="slidenum">
+              <a:rPr lang="en-US" smtClean="0"/>
+              <a:t>8</a:t>
+            </a:fld>
+            <a:endParaRPr lang="en-US" dirty="0"/>
+          </a:p>
+        </p:txBody>
+      </p:sp>
+    </p:spTree>
+    <p:extLst>
+      <p:ext uri="{BB962C8B-B14F-4D97-AF65-F5344CB8AC3E}">
+        <p14:creationId xmlns:p14="http://schemas.microsoft.com/office/powerpoint/2010/main" val="2914137945"/>
+      </p:ext>
+    </p:extLst>
+  </p:cSld>
+  <p:clrMapOvr>
+    <a:masterClrMapping/>
+  </p:clrMapOvr>
+</p:notes>
+</file>
+
+<file path=ppt/notesSlides/notesSlide9.xml><?xml version="1.0" encoding="utf-8"?>
+<p:notes xmlns:a="http://schemas.openxmlformats.org/drawingml/2006/main" xmlns:r="http://schemas.openxmlformats.org/officeDocument/2006/relationships" xmlns:p="http://schemas.openxmlformats.org/presentationml/2006/main">
+  <p:cSld>
+    <p:spTree>
+      <p:nvGrpSpPr>
+        <p:cNvPr id="1" name=""/>
+        <p:cNvGrpSpPr/>
+        <p:nvPr/>
+      </p:nvGrpSpPr>
+      <p:grpSpPr>
+        <a:xfrm>
+          <a:off x="0" y="0"/>
+          <a:ext cx="0" cy="0"/>
+          <a:chOff x="0" y="0"/>
+          <a:chExt cx="0" cy="0"/>
+        </a:xfrm>
+      </p:grpSpPr>
+      <p:sp>
+        <p:nvSpPr>
+          <p:cNvPr id="2" name="Slide Image Placeholder 1"/>
+          <p:cNvSpPr>
+            <a:spLocks noGrp="1" noRot="1" noChangeAspect="1"/>
+          </p:cNvSpPr>
+          <p:nvPr>
+            <p:ph type="sldImg"/>
+          </p:nvPr>
+        </p:nvSpPr>
+        <p:spPr/>
+      </p:sp>
+      <p:sp>
+        <p:nvSpPr>
+          <p:cNvPr id="3" name="Notes Placeholder 2"/>
+          <p:cNvSpPr>
+            <a:spLocks noGrp="1"/>
+          </p:cNvSpPr>
+          <p:nvPr>
+            <p:ph type="body" idx="1"/>
+          </p:nvPr>
+        </p:nvSpPr>
+        <p:spPr/>
+        <p:txBody>
+          <a:bodyPr/>
+          <a:lstStyle/>
+          <a:p>
+            <a:endParaRPr lang="en-US" dirty="0"/>
+          </a:p>
+        </p:txBody>
+      </p:sp>
+      <p:sp>
+        <p:nvSpPr>
+          <p:cNvPr id="4" name="Slide Number Placeholder 3"/>
+          <p:cNvSpPr>
+            <a:spLocks noGrp="1"/>
+          </p:cNvSpPr>
+          <p:nvPr>
+            <p:ph type="sldNum" sz="quarter" idx="10"/>
+          </p:nvPr>
+        </p:nvSpPr>
+        <p:spPr/>
+        <p:txBody>
+          <a:bodyPr/>
+          <a:lstStyle/>
+          <a:p>
+            <a:fld id="{6BB98AFB-CB0D-4DFE-87B9-B4B0D0DE73CD}" type="slidenum">
+              <a:rPr lang="en-US" smtClean="0"/>
+              <a:t>9</a:t>
+            </a:fld>
+            <a:endParaRPr lang="en-US" dirty="0"/>
+          </a:p>
+        </p:txBody>
+      </p:sp>
+    </p:spTree>
+    <p:extLst>
+      <p:ext uri="{BB962C8B-B14F-4D97-AF65-F5344CB8AC3E}">
+        <p14:creationId xmlns:p14="http://schemas.microsoft.com/office/powerpoint/2010/main" val="4029532659"/>
       </p:ext>
     </p:extLst>
   </p:cSld>
@@ -6664,7 +6834,7 @@
                 <a:ea typeface="ADLaM Display" panose="020F0502020204030204" pitchFamily="2" charset="0"/>
                 <a:cs typeface="ADLaM Display" panose="020F0502020204030204" pitchFamily="2" charset="0"/>
               </a:rPr>
-              <a:t>2.6 </a:t>
+              <a:t>2.6-2.7 </a:t>
             </a:r>
             <a:r>
               <a:rPr lang="en-US" altLang="zh-CN" sz="2800" dirty="0">
@@ -6736,7 +6906,7 @@
                 <a:ea typeface="ADLaM Display" panose="020F0502020204030204" pitchFamily="2" charset="0"/>
                 <a:cs typeface="ADLaM Display" panose="020F0502020204030204" pitchFamily="2" charset="0"/>
               </a:rPr>
-              <a:t>2.6 </a:t>
+              <a:t>2.6-2.7 </a:t>
             </a:r>
             <a:r>
               <a:rPr lang="zh-CN" altLang="en-US" sz="2800" dirty="0">
@@ -6824,7 +6994,7 @@
         </p:nvSpPr>
         <p:spPr>
           <a:xfrm>
-            <a:off x="405780" y="6139934"/>
+            <a:off x="405780" y="5722972"/>
             <a:ext cx="7951216" cy="523220"/>
           </a:xfrm>
           <a:prstGeom prst="rect">
@@ -6897,10 +7067,825 @@
           </a:effectLst>
         </p:spPr>
       </p:pic>
+      <p:sp>
+        <p:nvSpPr>
+          <p:cNvPr id="9" name="TextBox 8">
+            <a:extLst>
+              <a:ext uri="{FF2B5EF4-FFF2-40B4-BE49-F238E27FC236}">
+                <a16:creationId xmlns:a16="http://schemas.microsoft.com/office/drawing/2014/main" id="{C25C84F5-3AA3-A068-7E2F-9123CA5A7D16}"/>
+              </a:ext>
+            </a:extLst>
+          </p:cNvPr>
+          <p:cNvSpPr txBox="1"/>
+          <p:nvPr/>
+        </p:nvSpPr>
+        <p:spPr>
+          <a:xfrm>
+            <a:off x="405780" y="6246192"/>
+            <a:ext cx="7951216" cy="523220"/>
+          </a:xfrm>
+          <a:prstGeom prst="rect">
+            <a:avLst/>
+          </a:prstGeom>
+          <a:solidFill>
+            <a:schemeClr val="bg1">
+              <a:lumMod val="95000"/>
+            </a:schemeClr>
+          </a:solidFill>
+          <a:ln>
+            <a:solidFill>
+              <a:schemeClr val="bg2"/>
+            </a:solidFill>
+          </a:ln>
+        </p:spPr>
+        <p:txBody>
+          <a:bodyPr wrap="square" rtlCol="0" anchor="ctr" anchorCtr="1">
+            <a:spAutoFit/>
+          </a:bodyPr>
+          <a:lstStyle/>
+          <a:p>
+            <a:r>
+              <a:rPr lang="en-US" sz="2800" dirty="0">
+                <a:hlinkClick r:id="rId6"/>
+              </a:rPr>
+              <a:t>https://gitee.com/yasenstar/python_with_office</a:t>
+            </a:r>
+            <a:endParaRPr lang="en-US" sz="2800" dirty="0"/>
+          </a:p>
+        </p:txBody>
+      </p:sp>
     </p:spTree>
     <p:extLst>
       <p:ext uri="{BB962C8B-B14F-4D97-AF65-F5344CB8AC3E}">
         <p14:creationId xmlns:p14="http://schemas.microsoft.com/office/powerpoint/2010/main" val="612496726"/>
+      </p:ext>
+    </p:extLst>
+  </p:cSld>
+  <p:clrMapOvr>
+    <a:masterClrMapping/>
+  </p:clrMapOvr>
+  <mc:AlternateContent xmlns:mc="http://schemas.openxmlformats.org/markup-compatibility/2006" xmlns:p14="http://schemas.microsoft.com/office/powerpoint/2010/main">
+    <mc:Choice Requires="p14">
+      <p:transition spd="med" p14:dur="700">
+        <p:fade/>
+      </p:transition>
+    </mc:Choice>
+    <mc:Fallback xmlns="">
+      <p:transition spd="med">
+        <p:fade/>
+      </p:transition>
+    </mc:Fallback>
+  </mc:AlternateContent>
+</p:sld>
+</file>
+
+<file path=ppt/slides/slide8.xml><?xml version="1.0" encoding="utf-8"?>
+<p:sld xmlns:a="http://schemas.openxmlformats.org/drawingml/2006/main" xmlns:r="http://schemas.openxmlformats.org/officeDocument/2006/relationships" xmlns:p="http://schemas.openxmlformats.org/presentationml/2006/main">
+  <p:cSld>
+    <p:spTree>
+      <p:nvGrpSpPr>
+        <p:cNvPr id="1" name=""/>
+        <p:cNvGrpSpPr/>
+        <p:nvPr/>
+      </p:nvGrpSpPr>
+      <p:grpSpPr>
+        <a:xfrm>
+          <a:off x="0" y="0"/>
+          <a:ext cx="0" cy="0"/>
+          <a:chOff x="0" y="0"/>
+          <a:chExt cx="0" cy="0"/>
+        </a:xfrm>
+      </p:grpSpPr>
+      <p:sp>
+        <p:nvSpPr>
+          <p:cNvPr id="4" name="Title 3"/>
+          <p:cNvSpPr>
+            <a:spLocks noGrp="1"/>
+          </p:cNvSpPr>
+          <p:nvPr>
+            <p:ph type="ctrTitle"/>
+          </p:nvPr>
+        </p:nvSpPr>
+        <p:spPr/>
+        <p:txBody>
+          <a:bodyPr>
+            <a:normAutofit/>
+          </a:bodyPr>
+          <a:lstStyle/>
+          <a:p>
+            <a:pPr algn="ctr"/>
+            <a:r>
+              <a:rPr lang="zh-CN" altLang="en-US" sz="4800" dirty="0">
+                <a:latin typeface="华文隶书" panose="02010800040101010101" pitchFamily="2" charset="-122"/>
+                <a:ea typeface="华文隶书" panose="02010800040101010101" pitchFamily="2" charset="-122"/>
+              </a:rPr>
+              <a:t>让</a:t>
+            </a:r>
+            <a:r>
+              <a:rPr lang="en-US" altLang="zh-CN" sz="4800" dirty="0">
+                <a:latin typeface="华文隶书" panose="02010800040101010101" pitchFamily="2" charset="-122"/>
+                <a:ea typeface="华文隶书" panose="02010800040101010101" pitchFamily="2" charset="-122"/>
+              </a:rPr>
+              <a:t>Python</a:t>
+            </a:r>
+            <a:r>
+              <a:rPr lang="zh-CN" altLang="en-US" sz="4800" dirty="0">
+                <a:latin typeface="华文隶书" panose="02010800040101010101" pitchFamily="2" charset="-122"/>
+                <a:ea typeface="华文隶书" panose="02010800040101010101" pitchFamily="2" charset="-122"/>
+              </a:rPr>
+              <a:t>遇上</a:t>
+            </a:r>
+            <a:r>
+              <a:rPr lang="en-US" altLang="zh-CN" sz="4800" dirty="0">
+                <a:latin typeface="华文隶书" panose="02010800040101010101" pitchFamily="2" charset="-122"/>
+                <a:ea typeface="华文隶书" panose="02010800040101010101" pitchFamily="2" charset="-122"/>
+              </a:rPr>
+              <a:t>Office</a:t>
+            </a:r>
+            <a:br>
+              <a:rPr lang="en-US" altLang="zh-CN" sz="4800" dirty="0">
+                <a:latin typeface="华文隶书" panose="02010800040101010101" pitchFamily="2" charset="-122"/>
+                <a:ea typeface="华文隶书" panose="02010800040101010101" pitchFamily="2" charset="-122"/>
+              </a:rPr>
+            </a:br>
+            <a:br>
+              <a:rPr lang="en-US" altLang="zh-CN" sz="4800" dirty="0">
+                <a:latin typeface="华文隶书" panose="02010800040101010101" pitchFamily="2" charset="-122"/>
+                <a:ea typeface="华文隶书" panose="02010800040101010101" pitchFamily="2" charset="-122"/>
+              </a:rPr>
+            </a:br>
+            <a:r>
+              <a:rPr lang="en-US" altLang="zh-CN" sz="4800" dirty="0">
+                <a:latin typeface="华文隶书" panose="02010800040101010101" pitchFamily="2" charset="-122"/>
+                <a:ea typeface="华文隶书" panose="02010800040101010101" pitchFamily="2" charset="-122"/>
+              </a:rPr>
+              <a:t>(Python with Office)</a:t>
+            </a:r>
+            <a:endParaRPr lang="en-US" sz="4800" dirty="0">
+              <a:latin typeface="华文隶书" panose="02010800040101010101" pitchFamily="2" charset="-122"/>
+              <a:ea typeface="华文隶书" panose="02010800040101010101" pitchFamily="2" charset="-122"/>
+            </a:endParaRPr>
+          </a:p>
+        </p:txBody>
+      </p:sp>
+      <p:sp>
+        <p:nvSpPr>
+          <p:cNvPr id="3" name="Content Placeholder 2"/>
+          <p:cNvSpPr>
+            <a:spLocks noGrp="1"/>
+          </p:cNvSpPr>
+          <p:nvPr>
+            <p:ph type="subTitle" idx="1"/>
+          </p:nvPr>
+        </p:nvSpPr>
+        <p:spPr>
+          <a:xfrm>
+            <a:off x="1065212" y="3403600"/>
+            <a:ext cx="5029201" cy="2185640"/>
+          </a:xfrm>
+        </p:spPr>
+        <p:txBody>
+          <a:bodyPr>
+            <a:normAutofit fontScale="92500" lnSpcReduction="20000"/>
+          </a:bodyPr>
+          <a:lstStyle/>
+          <a:p>
+            <a:r>
+              <a:rPr lang="en-US" sz="2800" dirty="0">
+                <a:latin typeface="ADLaM Display" panose="020F0502020204030204" pitchFamily="2" charset="0"/>
+                <a:ea typeface="ADLaM Display" panose="020F0502020204030204" pitchFamily="2" charset="0"/>
+                <a:cs typeface="ADLaM Display" panose="020F0502020204030204" pitchFamily="2" charset="0"/>
+              </a:rPr>
+              <a:t>Chapter 2 Data Structure </a:t>
+            </a:r>
+          </a:p>
+          <a:p>
+            <a:r>
+              <a:rPr lang="en-US" sz="2800" dirty="0">
+                <a:latin typeface="ADLaM Display" panose="020F0502020204030204" pitchFamily="2" charset="0"/>
+                <a:ea typeface="ADLaM Display" panose="020F0502020204030204" pitchFamily="2" charset="0"/>
+                <a:cs typeface="ADLaM Display" panose="020F0502020204030204" pitchFamily="2" charset="0"/>
+              </a:rPr>
+              <a:t>2.8.1 </a:t>
+            </a:r>
+            <a:r>
+              <a:rPr lang="en-US" altLang="zh-CN" sz="2800" dirty="0">
+                <a:latin typeface="ADLaM Display" panose="020F0502020204030204" pitchFamily="2" charset="0"/>
+                <a:ea typeface="ADLaM Display" panose="020F0502020204030204" pitchFamily="2" charset="0"/>
+                <a:cs typeface="ADLaM Display" panose="020F0502020204030204" pitchFamily="2" charset="0"/>
+              </a:rPr>
+              <a:t>Changeable &amp; Non-Changeable Data Types</a:t>
+            </a:r>
+          </a:p>
+          <a:p>
+            <a:endParaRPr lang="en-US" sz="2800" dirty="0">
+              <a:latin typeface="ADLaM Display" panose="020F0502020204030204" pitchFamily="2" charset="0"/>
+              <a:ea typeface="ADLaM Display" panose="020F0502020204030204" pitchFamily="2" charset="0"/>
+              <a:cs typeface="ADLaM Display" panose="020F0502020204030204" pitchFamily="2" charset="0"/>
+            </a:endParaRPr>
+          </a:p>
+          <a:p>
+            <a:r>
+              <a:rPr lang="zh-CN" altLang="en-US" sz="2800" dirty="0">
+                <a:latin typeface="ADLaM Display" panose="020F0502020204030204" pitchFamily="2" charset="0"/>
+                <a:ea typeface="ADLaM Display" panose="020F0502020204030204" pitchFamily="2" charset="0"/>
+                <a:cs typeface="ADLaM Display" panose="020F0502020204030204" pitchFamily="2" charset="0"/>
+              </a:rPr>
+              <a:t>第二章 数据结构</a:t>
+            </a:r>
+            <a:endParaRPr lang="en-US" altLang="zh-CN" sz="2800" dirty="0">
+              <a:latin typeface="ADLaM Display" panose="020F0502020204030204" pitchFamily="2" charset="0"/>
+              <a:ea typeface="ADLaM Display" panose="020F0502020204030204" pitchFamily="2" charset="0"/>
+              <a:cs typeface="ADLaM Display" panose="020F0502020204030204" pitchFamily="2" charset="0"/>
+            </a:endParaRPr>
+          </a:p>
+          <a:p>
+            <a:r>
+              <a:rPr lang="en-US" sz="2800" dirty="0">
+                <a:latin typeface="ADLaM Display" panose="020F0502020204030204" pitchFamily="2" charset="0"/>
+                <a:ea typeface="ADLaM Display" panose="020F0502020204030204" pitchFamily="2" charset="0"/>
+                <a:cs typeface="ADLaM Display" panose="020F0502020204030204" pitchFamily="2" charset="0"/>
+              </a:rPr>
+              <a:t>2.8.1 </a:t>
+            </a:r>
+            <a:r>
+              <a:rPr lang="zh-CN" altLang="en-US" sz="2800" dirty="0">
+                <a:latin typeface="ADLaM Display" panose="020F0502020204030204" pitchFamily="2" charset="0"/>
+                <a:ea typeface="ADLaM Display" panose="020F0502020204030204" pitchFamily="2" charset="0"/>
+                <a:cs typeface="ADLaM Display" panose="020F0502020204030204" pitchFamily="2" charset="0"/>
+              </a:rPr>
+              <a:t>可变与不可变类型</a:t>
+            </a:r>
+            <a:endParaRPr lang="en-US" sz="2800" dirty="0">
+              <a:latin typeface="ADLaM Display" panose="020F0502020204030204" pitchFamily="2" charset="0"/>
+              <a:ea typeface="ADLaM Display" panose="020F0502020204030204" pitchFamily="2" charset="0"/>
+              <a:cs typeface="ADLaM Display" panose="020F0502020204030204" pitchFamily="2" charset="0"/>
+            </a:endParaRPr>
+          </a:p>
+        </p:txBody>
+      </p:sp>
+      <p:pic>
+        <p:nvPicPr>
+          <p:cNvPr id="5" name="Picture 4">
+            <a:extLst>
+              <a:ext uri="{FF2B5EF4-FFF2-40B4-BE49-F238E27FC236}">
+                <a16:creationId xmlns:a16="http://schemas.microsoft.com/office/drawing/2014/main" id="{4AD8B85C-B359-195F-B78C-C879AB7840B1}"/>
+              </a:ext>
+            </a:extLst>
+          </p:cNvPr>
+          <p:cNvPicPr>
+            <a:picLocks noChangeAspect="1"/>
+          </p:cNvPicPr>
+          <p:nvPr/>
+        </p:nvPicPr>
+        <p:blipFill>
+          <a:blip r:embed="rId3"/>
+          <a:stretch>
+            <a:fillRect/>
+          </a:stretch>
+        </p:blipFill>
+        <p:spPr>
+          <a:xfrm>
+            <a:off x="57601" y="1189856"/>
+            <a:ext cx="1068259" cy="1556792"/>
+          </a:xfrm>
+          <a:prstGeom prst="rect">
+            <a:avLst/>
+          </a:prstGeom>
+          <a:ln>
+            <a:noFill/>
+          </a:ln>
+          <a:effectLst>
+            <a:outerShdw blurRad="292100" dist="139700" dir="2700000" algn="tl" rotWithShape="0">
+              <a:srgbClr val="333333">
+                <a:alpha val="65000"/>
+              </a:srgbClr>
+            </a:outerShdw>
+          </a:effectLst>
+        </p:spPr>
+      </p:pic>
+      <p:sp>
+        <p:nvSpPr>
+          <p:cNvPr id="2" name="TextBox 1">
+            <a:extLst>
+              <a:ext uri="{FF2B5EF4-FFF2-40B4-BE49-F238E27FC236}">
+                <a16:creationId xmlns:a16="http://schemas.microsoft.com/office/drawing/2014/main" id="{CAB2C784-DE74-68FC-7A84-3E6C5D164315}"/>
+              </a:ext>
+            </a:extLst>
+          </p:cNvPr>
+          <p:cNvSpPr txBox="1"/>
+          <p:nvPr/>
+        </p:nvSpPr>
+        <p:spPr>
+          <a:xfrm>
+            <a:off x="405780" y="5722972"/>
+            <a:ext cx="7951216" cy="523220"/>
+          </a:xfrm>
+          <a:prstGeom prst="rect">
+            <a:avLst/>
+          </a:prstGeom>
+          <a:solidFill>
+            <a:schemeClr val="bg1">
+              <a:lumMod val="95000"/>
+            </a:schemeClr>
+          </a:solidFill>
+          <a:ln>
+            <a:solidFill>
+              <a:schemeClr val="bg2"/>
+            </a:solidFill>
+          </a:ln>
+        </p:spPr>
+        <p:txBody>
+          <a:bodyPr wrap="none" rtlCol="0" anchor="ctr" anchorCtr="1">
+            <a:spAutoFit/>
+          </a:bodyPr>
+          <a:lstStyle/>
+          <a:p>
+            <a:r>
+              <a:rPr lang="en-US" sz="2800" dirty="0">
+                <a:hlinkClick r:id="rId4"/>
+              </a:rPr>
+              <a:t>https://github.com/yasenstar/python_with_office</a:t>
+            </a:r>
+            <a:endParaRPr lang="en-US" sz="2800" dirty="0"/>
+          </a:p>
+        </p:txBody>
+      </p:sp>
+      <p:sp>
+        <p:nvSpPr>
+          <p:cNvPr id="9" name="TextBox 8">
+            <a:extLst>
+              <a:ext uri="{FF2B5EF4-FFF2-40B4-BE49-F238E27FC236}">
+                <a16:creationId xmlns:a16="http://schemas.microsoft.com/office/drawing/2014/main" id="{C25C84F5-3AA3-A068-7E2F-9123CA5A7D16}"/>
+              </a:ext>
+            </a:extLst>
+          </p:cNvPr>
+          <p:cNvSpPr txBox="1"/>
+          <p:nvPr/>
+        </p:nvSpPr>
+        <p:spPr>
+          <a:xfrm>
+            <a:off x="405780" y="6246192"/>
+            <a:ext cx="7951216" cy="523220"/>
+          </a:xfrm>
+          <a:prstGeom prst="rect">
+            <a:avLst/>
+          </a:prstGeom>
+          <a:solidFill>
+            <a:schemeClr val="bg1">
+              <a:lumMod val="95000"/>
+            </a:schemeClr>
+          </a:solidFill>
+          <a:ln>
+            <a:solidFill>
+              <a:schemeClr val="bg2"/>
+            </a:solidFill>
+          </a:ln>
+        </p:spPr>
+        <p:txBody>
+          <a:bodyPr wrap="square" rtlCol="0" anchor="ctr" anchorCtr="1">
+            <a:spAutoFit/>
+          </a:bodyPr>
+          <a:lstStyle/>
+          <a:p>
+            <a:r>
+              <a:rPr lang="en-US" sz="2800" dirty="0">
+                <a:hlinkClick r:id="rId5"/>
+              </a:rPr>
+              <a:t>https://gitee.com/yasenstar/python_with_office</a:t>
+            </a:r>
+            <a:endParaRPr lang="en-US" sz="2800" dirty="0"/>
+          </a:p>
+        </p:txBody>
+      </p:sp>
+      <p:pic>
+        <p:nvPicPr>
+          <p:cNvPr id="8" name="Picture 7">
+            <a:extLst>
+              <a:ext uri="{FF2B5EF4-FFF2-40B4-BE49-F238E27FC236}">
+                <a16:creationId xmlns:a16="http://schemas.microsoft.com/office/drawing/2014/main" id="{7D07E1FD-E2AC-4A24-9C9F-CA05054D439C}"/>
+              </a:ext>
+            </a:extLst>
+          </p:cNvPr>
+          <p:cNvPicPr>
+            <a:picLocks noChangeAspect="1"/>
+          </p:cNvPicPr>
+          <p:nvPr/>
+        </p:nvPicPr>
+        <p:blipFill>
+          <a:blip r:embed="rId6"/>
+          <a:stretch>
+            <a:fillRect/>
+          </a:stretch>
+        </p:blipFill>
+        <p:spPr>
+          <a:xfrm>
+            <a:off x="6238428" y="836712"/>
+            <a:ext cx="5649460" cy="4536504"/>
+          </a:xfrm>
+          <a:prstGeom prst="rect">
+            <a:avLst/>
+          </a:prstGeom>
+          <a:ln>
+            <a:noFill/>
+          </a:ln>
+          <a:effectLst>
+            <a:outerShdw blurRad="292100" dist="139700" dir="2700000" algn="tl" rotWithShape="0">
+              <a:srgbClr val="333333">
+                <a:alpha val="65000"/>
+              </a:srgbClr>
+            </a:outerShdw>
+          </a:effectLst>
+        </p:spPr>
+      </p:pic>
+    </p:spTree>
+    <p:extLst>
+      <p:ext uri="{BB962C8B-B14F-4D97-AF65-F5344CB8AC3E}">
+        <p14:creationId xmlns:p14="http://schemas.microsoft.com/office/powerpoint/2010/main" val="2018593133"/>
+      </p:ext>
+    </p:extLst>
+  </p:cSld>
+  <p:clrMapOvr>
+    <a:masterClrMapping/>
+  </p:clrMapOvr>
+  <mc:AlternateContent xmlns:mc="http://schemas.openxmlformats.org/markup-compatibility/2006" xmlns:p14="http://schemas.microsoft.com/office/powerpoint/2010/main">
+    <mc:Choice Requires="p14">
+      <p:transition spd="med" p14:dur="700">
+        <p:fade/>
+      </p:transition>
+    </mc:Choice>
+    <mc:Fallback xmlns="">
+      <p:transition spd="med">
+        <p:fade/>
+      </p:transition>
+    </mc:Fallback>
+  </mc:AlternateContent>
+</p:sld>
+</file>
+
+<file path=ppt/slides/slide9.xml><?xml version="1.0" encoding="utf-8"?>
+<p:sld xmlns:a="http://schemas.openxmlformats.org/drawingml/2006/main" xmlns:r="http://schemas.openxmlformats.org/officeDocument/2006/relationships" xmlns:p="http://schemas.openxmlformats.org/presentationml/2006/main">
+  <p:cSld>
+    <p:spTree>
+      <p:nvGrpSpPr>
+        <p:cNvPr id="1" name=""/>
+        <p:cNvGrpSpPr/>
+        <p:nvPr/>
+      </p:nvGrpSpPr>
+      <p:grpSpPr>
+        <a:xfrm>
+          <a:off x="0" y="0"/>
+          <a:ext cx="0" cy="0"/>
+          <a:chOff x="0" y="0"/>
+          <a:chExt cx="0" cy="0"/>
+        </a:xfrm>
+      </p:grpSpPr>
+      <p:sp>
+        <p:nvSpPr>
+          <p:cNvPr id="4" name="Title 3"/>
+          <p:cNvSpPr>
+            <a:spLocks noGrp="1"/>
+          </p:cNvSpPr>
+          <p:nvPr>
+            <p:ph type="ctrTitle"/>
+          </p:nvPr>
+        </p:nvSpPr>
+        <p:spPr/>
+        <p:txBody>
+          <a:bodyPr>
+            <a:normAutofit/>
+          </a:bodyPr>
+          <a:lstStyle/>
+          <a:p>
+            <a:pPr algn="ctr"/>
+            <a:r>
+              <a:rPr lang="zh-CN" altLang="en-US" sz="4800" dirty="0">
+                <a:latin typeface="华文隶书" panose="02010800040101010101" pitchFamily="2" charset="-122"/>
+                <a:ea typeface="华文隶书" panose="02010800040101010101" pitchFamily="2" charset="-122"/>
+              </a:rPr>
+              <a:t>让</a:t>
+            </a:r>
+            <a:r>
+              <a:rPr lang="en-US" altLang="zh-CN" sz="4800" dirty="0">
+                <a:latin typeface="华文隶书" panose="02010800040101010101" pitchFamily="2" charset="-122"/>
+                <a:ea typeface="华文隶书" panose="02010800040101010101" pitchFamily="2" charset="-122"/>
+              </a:rPr>
+              <a:t>Python</a:t>
+            </a:r>
+            <a:r>
+              <a:rPr lang="zh-CN" altLang="en-US" sz="4800" dirty="0">
+                <a:latin typeface="华文隶书" panose="02010800040101010101" pitchFamily="2" charset="-122"/>
+                <a:ea typeface="华文隶书" panose="02010800040101010101" pitchFamily="2" charset="-122"/>
+              </a:rPr>
+              <a:t>遇上</a:t>
+            </a:r>
+            <a:r>
+              <a:rPr lang="en-US" altLang="zh-CN" sz="4800" dirty="0">
+                <a:latin typeface="华文隶书" panose="02010800040101010101" pitchFamily="2" charset="-122"/>
+                <a:ea typeface="华文隶书" panose="02010800040101010101" pitchFamily="2" charset="-122"/>
+              </a:rPr>
+              <a:t>Office</a:t>
+            </a:r>
+            <a:br>
+              <a:rPr lang="en-US" altLang="zh-CN" sz="4800" dirty="0">
+                <a:latin typeface="华文隶书" panose="02010800040101010101" pitchFamily="2" charset="-122"/>
+                <a:ea typeface="华文隶书" panose="02010800040101010101" pitchFamily="2" charset="-122"/>
+              </a:rPr>
+            </a:br>
+            <a:br>
+              <a:rPr lang="en-US" altLang="zh-CN" sz="4800" dirty="0">
+                <a:latin typeface="华文隶书" panose="02010800040101010101" pitchFamily="2" charset="-122"/>
+                <a:ea typeface="华文隶书" panose="02010800040101010101" pitchFamily="2" charset="-122"/>
+              </a:rPr>
+            </a:br>
+            <a:r>
+              <a:rPr lang="en-US" altLang="zh-CN" sz="4800" dirty="0">
+                <a:latin typeface="华文隶书" panose="02010800040101010101" pitchFamily="2" charset="-122"/>
+                <a:ea typeface="华文隶书" panose="02010800040101010101" pitchFamily="2" charset="-122"/>
+              </a:rPr>
+              <a:t>(Python with Office)</a:t>
+            </a:r>
+            <a:endParaRPr lang="en-US" sz="4800" dirty="0">
+              <a:latin typeface="华文隶书" panose="02010800040101010101" pitchFamily="2" charset="-122"/>
+              <a:ea typeface="华文隶书" panose="02010800040101010101" pitchFamily="2" charset="-122"/>
+            </a:endParaRPr>
+          </a:p>
+        </p:txBody>
+      </p:sp>
+      <p:sp>
+        <p:nvSpPr>
+          <p:cNvPr id="3" name="Content Placeholder 2"/>
+          <p:cNvSpPr>
+            <a:spLocks noGrp="1"/>
+          </p:cNvSpPr>
+          <p:nvPr>
+            <p:ph type="subTitle" idx="1"/>
+          </p:nvPr>
+        </p:nvSpPr>
+        <p:spPr>
+          <a:xfrm>
+            <a:off x="1065212" y="3403600"/>
+            <a:ext cx="5029201" cy="2185640"/>
+          </a:xfrm>
+        </p:spPr>
+        <p:txBody>
+          <a:bodyPr>
+            <a:normAutofit lnSpcReduction="10000"/>
+          </a:bodyPr>
+          <a:lstStyle/>
+          <a:p>
+            <a:r>
+              <a:rPr lang="en-US" sz="2800" dirty="0">
+                <a:latin typeface="ADLaM Display" panose="020F0502020204030204" pitchFamily="2" charset="0"/>
+                <a:ea typeface="ADLaM Display" panose="020F0502020204030204" pitchFamily="2" charset="0"/>
+                <a:cs typeface="ADLaM Display" panose="020F0502020204030204" pitchFamily="2" charset="0"/>
+              </a:rPr>
+              <a:t>Chapter 2 Data Structure </a:t>
+            </a:r>
+          </a:p>
+          <a:p>
+            <a:r>
+              <a:rPr lang="en-US" sz="2800" dirty="0">
+                <a:latin typeface="ADLaM Display" panose="020F0502020204030204" pitchFamily="2" charset="0"/>
+                <a:ea typeface="ADLaM Display" panose="020F0502020204030204" pitchFamily="2" charset="0"/>
+                <a:cs typeface="ADLaM Display" panose="020F0502020204030204" pitchFamily="2" charset="0"/>
+              </a:rPr>
+              <a:t>2.8.2 </a:t>
+            </a:r>
+            <a:r>
+              <a:rPr lang="en-US" altLang="zh-CN" sz="2800" dirty="0">
+                <a:latin typeface="ADLaM Display" panose="020F0502020204030204" pitchFamily="2" charset="0"/>
+                <a:ea typeface="ADLaM Display" panose="020F0502020204030204" pitchFamily="2" charset="0"/>
+                <a:cs typeface="ADLaM Display" panose="020F0502020204030204" pitchFamily="2" charset="0"/>
+              </a:rPr>
+              <a:t>Copy – Light &amp; Deep</a:t>
+            </a:r>
+          </a:p>
+          <a:p>
+            <a:endParaRPr lang="en-US" sz="2800" dirty="0">
+              <a:latin typeface="ADLaM Display" panose="020F0502020204030204" pitchFamily="2" charset="0"/>
+              <a:ea typeface="ADLaM Display" panose="020F0502020204030204" pitchFamily="2" charset="0"/>
+              <a:cs typeface="ADLaM Display" panose="020F0502020204030204" pitchFamily="2" charset="0"/>
+            </a:endParaRPr>
+          </a:p>
+          <a:p>
+            <a:r>
+              <a:rPr lang="zh-CN" altLang="en-US" sz="2800" dirty="0">
+                <a:latin typeface="ADLaM Display" panose="020F0502020204030204" pitchFamily="2" charset="0"/>
+                <a:ea typeface="ADLaM Display" panose="020F0502020204030204" pitchFamily="2" charset="0"/>
+                <a:cs typeface="ADLaM Display" panose="020F0502020204030204" pitchFamily="2" charset="0"/>
+              </a:rPr>
+              <a:t>第二章 数据结构</a:t>
+            </a:r>
+            <a:endParaRPr lang="en-US" altLang="zh-CN" sz="2800" dirty="0">
+              <a:latin typeface="ADLaM Display" panose="020F0502020204030204" pitchFamily="2" charset="0"/>
+              <a:ea typeface="ADLaM Display" panose="020F0502020204030204" pitchFamily="2" charset="0"/>
+              <a:cs typeface="ADLaM Display" panose="020F0502020204030204" pitchFamily="2" charset="0"/>
+            </a:endParaRPr>
+          </a:p>
+          <a:p>
+            <a:r>
+              <a:rPr lang="en-US" sz="2800" dirty="0">
+                <a:latin typeface="ADLaM Display" panose="020F0502020204030204" pitchFamily="2" charset="0"/>
+                <a:ea typeface="ADLaM Display" panose="020F0502020204030204" pitchFamily="2" charset="0"/>
+                <a:cs typeface="ADLaM Display" panose="020F0502020204030204" pitchFamily="2" charset="0"/>
+              </a:rPr>
+              <a:t>2.8.2 </a:t>
+            </a:r>
+            <a:r>
+              <a:rPr lang="zh-CN" altLang="en-US" sz="2800" dirty="0">
+                <a:latin typeface="ADLaM Display" panose="020F0502020204030204" pitchFamily="2" charset="0"/>
+                <a:ea typeface="ADLaM Display" panose="020F0502020204030204" pitchFamily="2" charset="0"/>
+                <a:cs typeface="ADLaM Display" panose="020F0502020204030204" pitchFamily="2" charset="0"/>
+              </a:rPr>
+              <a:t>浅拷贝和深拷贝</a:t>
+            </a:r>
+            <a:endParaRPr lang="en-US" sz="2800" dirty="0">
+              <a:latin typeface="ADLaM Display" panose="020F0502020204030204" pitchFamily="2" charset="0"/>
+              <a:ea typeface="ADLaM Display" panose="020F0502020204030204" pitchFamily="2" charset="0"/>
+              <a:cs typeface="ADLaM Display" panose="020F0502020204030204" pitchFamily="2" charset="0"/>
+            </a:endParaRPr>
+          </a:p>
+        </p:txBody>
+      </p:sp>
+      <p:pic>
+        <p:nvPicPr>
+          <p:cNvPr id="5" name="Picture 4">
+            <a:extLst>
+              <a:ext uri="{FF2B5EF4-FFF2-40B4-BE49-F238E27FC236}">
+                <a16:creationId xmlns:a16="http://schemas.microsoft.com/office/drawing/2014/main" id="{4AD8B85C-B359-195F-B78C-C879AB7840B1}"/>
+              </a:ext>
+            </a:extLst>
+          </p:cNvPr>
+          <p:cNvPicPr>
+            <a:picLocks noChangeAspect="1"/>
+          </p:cNvPicPr>
+          <p:nvPr/>
+        </p:nvPicPr>
+        <p:blipFill>
+          <a:blip r:embed="rId3"/>
+          <a:stretch>
+            <a:fillRect/>
+          </a:stretch>
+        </p:blipFill>
+        <p:spPr>
+          <a:xfrm>
+            <a:off x="57601" y="1189856"/>
+            <a:ext cx="1068259" cy="1556792"/>
+          </a:xfrm>
+          <a:prstGeom prst="rect">
+            <a:avLst/>
+          </a:prstGeom>
+          <a:ln>
+            <a:noFill/>
+          </a:ln>
+          <a:effectLst>
+            <a:outerShdw blurRad="292100" dist="139700" dir="2700000" algn="tl" rotWithShape="0">
+              <a:srgbClr val="333333">
+                <a:alpha val="65000"/>
+              </a:srgbClr>
+            </a:outerShdw>
+          </a:effectLst>
+        </p:spPr>
+      </p:pic>
+      <p:sp>
+        <p:nvSpPr>
+          <p:cNvPr id="2" name="TextBox 1">
+            <a:extLst>
+              <a:ext uri="{FF2B5EF4-FFF2-40B4-BE49-F238E27FC236}">
+                <a16:creationId xmlns:a16="http://schemas.microsoft.com/office/drawing/2014/main" id="{CAB2C784-DE74-68FC-7A84-3E6C5D164315}"/>
+              </a:ext>
+            </a:extLst>
+          </p:cNvPr>
+          <p:cNvSpPr txBox="1"/>
+          <p:nvPr/>
+        </p:nvSpPr>
+        <p:spPr>
+          <a:xfrm>
+            <a:off x="405780" y="5722972"/>
+            <a:ext cx="7951216" cy="523220"/>
+          </a:xfrm>
+          <a:prstGeom prst="rect">
+            <a:avLst/>
+          </a:prstGeom>
+          <a:solidFill>
+            <a:schemeClr val="bg1">
+              <a:lumMod val="95000"/>
+            </a:schemeClr>
+          </a:solidFill>
+          <a:ln>
+            <a:solidFill>
+              <a:schemeClr val="bg2"/>
+            </a:solidFill>
+          </a:ln>
+        </p:spPr>
+        <p:txBody>
+          <a:bodyPr wrap="none" rtlCol="0" anchor="ctr" anchorCtr="1">
+            <a:spAutoFit/>
+          </a:bodyPr>
+          <a:lstStyle/>
+          <a:p>
+            <a:r>
+              <a:rPr lang="en-US" sz="2800" dirty="0">
+                <a:hlinkClick r:id="rId4"/>
+              </a:rPr>
+              <a:t>https://github.com/yasenstar/python_with_office</a:t>
+            </a:r>
+            <a:endParaRPr lang="en-US" sz="2800" dirty="0"/>
+          </a:p>
+        </p:txBody>
+      </p:sp>
+      <p:sp>
+        <p:nvSpPr>
+          <p:cNvPr id="9" name="TextBox 8">
+            <a:extLst>
+              <a:ext uri="{FF2B5EF4-FFF2-40B4-BE49-F238E27FC236}">
+                <a16:creationId xmlns:a16="http://schemas.microsoft.com/office/drawing/2014/main" id="{C25C84F5-3AA3-A068-7E2F-9123CA5A7D16}"/>
+              </a:ext>
+            </a:extLst>
+          </p:cNvPr>
+          <p:cNvSpPr txBox="1"/>
+          <p:nvPr/>
+        </p:nvSpPr>
+        <p:spPr>
+          <a:xfrm>
+            <a:off x="405780" y="6246192"/>
+            <a:ext cx="7951216" cy="523220"/>
+          </a:xfrm>
+          <a:prstGeom prst="rect">
+            <a:avLst/>
+          </a:prstGeom>
+          <a:solidFill>
+            <a:schemeClr val="bg1">
+              <a:lumMod val="95000"/>
+            </a:schemeClr>
+          </a:solidFill>
+          <a:ln>
+            <a:solidFill>
+              <a:schemeClr val="bg2"/>
+            </a:solidFill>
+          </a:ln>
+        </p:spPr>
+        <p:txBody>
+          <a:bodyPr wrap="square" rtlCol="0" anchor="ctr" anchorCtr="1">
+            <a:spAutoFit/>
+          </a:bodyPr>
+          <a:lstStyle/>
+          <a:p>
+            <a:r>
+              <a:rPr lang="en-US" sz="2800" dirty="0">
+                <a:hlinkClick r:id="rId5"/>
+              </a:rPr>
+              <a:t>https://gitee.com/yasenstar/python_with_office</a:t>
+            </a:r>
+            <a:endParaRPr lang="en-US" sz="2800" dirty="0"/>
+          </a:p>
+        </p:txBody>
+      </p:sp>
+      <p:pic>
+        <p:nvPicPr>
+          <p:cNvPr id="7" name="Picture 6">
+            <a:extLst>
+              <a:ext uri="{FF2B5EF4-FFF2-40B4-BE49-F238E27FC236}">
+                <a16:creationId xmlns:a16="http://schemas.microsoft.com/office/drawing/2014/main" id="{FEF8B451-C5EA-C9B3-32A0-18E9437B1A29}"/>
+              </a:ext>
+            </a:extLst>
+          </p:cNvPr>
+          <p:cNvPicPr>
+            <a:picLocks noChangeAspect="1"/>
+          </p:cNvPicPr>
+          <p:nvPr/>
+        </p:nvPicPr>
+        <p:blipFill>
+          <a:blip r:embed="rId6"/>
+          <a:stretch>
+            <a:fillRect/>
+          </a:stretch>
+        </p:blipFill>
+        <p:spPr>
+          <a:xfrm>
+            <a:off x="6375467" y="602126"/>
+            <a:ext cx="5727600" cy="5013176"/>
+          </a:xfrm>
+          <a:prstGeom prst="rect">
+            <a:avLst/>
+          </a:prstGeom>
+          <a:ln>
+            <a:noFill/>
+          </a:ln>
+          <a:effectLst>
+            <a:outerShdw blurRad="292100" dist="139700" dir="2700000" algn="tl" rotWithShape="0">
+              <a:srgbClr val="333333">
+                <a:alpha val="65000"/>
+              </a:srgbClr>
+            </a:outerShdw>
+          </a:effectLst>
+        </p:spPr>
+      </p:pic>
+    </p:spTree>
+    <p:extLst>
+      <p:ext uri="{BB962C8B-B14F-4D97-AF65-F5344CB8AC3E}">
+        <p14:creationId xmlns:p14="http://schemas.microsoft.com/office/powerpoint/2010/main" val="270182974"/>
       </p:ext>
     </p:extLst>
   </p:cSld>

--- a/Video_Covers.pptx
+++ b/Video_Covers.pptx
@@ -5,10 +5,10 @@
     <p:sldMasterId id="2147483660" r:id="rId1"/>
   </p:sldMasterIdLst>
   <p:notesMasterIdLst>
-    <p:notesMasterId r:id="rId11"/>
+    <p:notesMasterId r:id="rId12"/>
   </p:notesMasterIdLst>
   <p:handoutMasterIdLst>
-    <p:handoutMasterId r:id="rId12"/>
+    <p:handoutMasterId r:id="rId13"/>
   </p:handoutMasterIdLst>
   <p:sldIdLst>
     <p:sldId id="257" r:id="rId2"/>
@@ -20,6 +20,7 @@
     <p:sldId id="263" r:id="rId8"/>
     <p:sldId id="264" r:id="rId9"/>
     <p:sldId id="265" r:id="rId10"/>
+    <p:sldId id="266" r:id="rId11"/>
   </p:sldIdLst>
   <p:sldSz cx="12188825" cy="6858000"/>
   <p:notesSz cx="6858000" cy="9144000"/>
@@ -784,6 +785,90 @@
     <p:extLst>
       <p:ext uri="{BB962C8B-B14F-4D97-AF65-F5344CB8AC3E}">
         <p14:creationId xmlns:p14="http://schemas.microsoft.com/office/powerpoint/2010/main" val="2864014762"/>
+      </p:ext>
+    </p:extLst>
+  </p:cSld>
+  <p:clrMapOvr>
+    <a:masterClrMapping/>
+  </p:clrMapOvr>
+</p:notes>
+</file>
+
+<file path=ppt/notesSlides/notesSlide10.xml><?xml version="1.0" encoding="utf-8"?>
+<p:notes xmlns:a="http://schemas.openxmlformats.org/drawingml/2006/main" xmlns:r="http://schemas.openxmlformats.org/officeDocument/2006/relationships" xmlns:p="http://schemas.openxmlformats.org/presentationml/2006/main">
+  <p:cSld>
+    <p:spTree>
+      <p:nvGrpSpPr>
+        <p:cNvPr id="1" name=""/>
+        <p:cNvGrpSpPr/>
+        <p:nvPr/>
+      </p:nvGrpSpPr>
+      <p:grpSpPr>
+        <a:xfrm>
+          <a:off x="0" y="0"/>
+          <a:ext cx="0" cy="0"/>
+          <a:chOff x="0" y="0"/>
+          <a:chExt cx="0" cy="0"/>
+        </a:xfrm>
+      </p:grpSpPr>
+      <p:sp>
+        <p:nvSpPr>
+          <p:cNvPr id="2" name="Slide Image Placeholder 1"/>
+          <p:cNvSpPr>
+            <a:spLocks noGrp="1" noRot="1" noChangeAspect="1"/>
+          </p:cNvSpPr>
+          <p:nvPr>
+            <p:ph type="sldImg"/>
+          </p:nvPr>
+        </p:nvSpPr>
+        <p:spPr/>
+      </p:sp>
+      <p:sp>
+        <p:nvSpPr>
+          <p:cNvPr id="3" name="Notes Placeholder 2"/>
+          <p:cNvSpPr>
+            <a:spLocks noGrp="1"/>
+          </p:cNvSpPr>
+          <p:nvPr>
+            <p:ph type="body" idx="1"/>
+          </p:nvPr>
+        </p:nvSpPr>
+        <p:spPr/>
+        <p:txBody>
+          <a:bodyPr/>
+          <a:lstStyle/>
+          <a:p>
+            <a:endParaRPr lang="en-US" dirty="0"/>
+          </a:p>
+        </p:txBody>
+      </p:sp>
+      <p:sp>
+        <p:nvSpPr>
+          <p:cNvPr id="4" name="Slide Number Placeholder 3"/>
+          <p:cNvSpPr>
+            <a:spLocks noGrp="1"/>
+          </p:cNvSpPr>
+          <p:nvPr>
+            <p:ph type="sldNum" sz="quarter" idx="10"/>
+          </p:nvPr>
+        </p:nvSpPr>
+        <p:spPr/>
+        <p:txBody>
+          <a:bodyPr/>
+          <a:lstStyle/>
+          <a:p>
+            <a:fld id="{6BB98AFB-CB0D-4DFE-87B9-B4B0D0DE73CD}" type="slidenum">
+              <a:rPr lang="en-US" smtClean="0"/>
+              <a:t>10</a:t>
+            </a:fld>
+            <a:endParaRPr lang="en-US" dirty="0"/>
+          </a:p>
+        </p:txBody>
+      </p:sp>
+    </p:spTree>
+    <p:extLst>
+      <p:ext uri="{BB962C8B-B14F-4D97-AF65-F5344CB8AC3E}">
+        <p14:creationId xmlns:p14="http://schemas.microsoft.com/office/powerpoint/2010/main" val="2622154004"/>
       </p:ext>
     </p:extLst>
   </p:cSld>
@@ -4966,6 +5051,416 @@
     <p:extLst>
       <p:ext uri="{BB962C8B-B14F-4D97-AF65-F5344CB8AC3E}">
         <p14:creationId xmlns:p14="http://schemas.microsoft.com/office/powerpoint/2010/main" val="3658128150"/>
+      </p:ext>
+    </p:extLst>
+  </p:cSld>
+  <p:clrMapOvr>
+    <a:masterClrMapping/>
+  </p:clrMapOvr>
+  <mc:AlternateContent xmlns:mc="http://schemas.openxmlformats.org/markup-compatibility/2006" xmlns:p14="http://schemas.microsoft.com/office/powerpoint/2010/main">
+    <mc:Choice Requires="p14">
+      <p:transition spd="med" p14:dur="700">
+        <p:fade/>
+      </p:transition>
+    </mc:Choice>
+    <mc:Fallback xmlns="">
+      <p:transition spd="med">
+        <p:fade/>
+      </p:transition>
+    </mc:Fallback>
+  </mc:AlternateContent>
+</p:sld>
+</file>
+
+<file path=ppt/slides/slide10.xml><?xml version="1.0" encoding="utf-8"?>
+<p:sld xmlns:a="http://schemas.openxmlformats.org/drawingml/2006/main" xmlns:r="http://schemas.openxmlformats.org/officeDocument/2006/relationships" xmlns:p="http://schemas.openxmlformats.org/presentationml/2006/main">
+  <p:cSld>
+    <p:spTree>
+      <p:nvGrpSpPr>
+        <p:cNvPr id="1" name=""/>
+        <p:cNvGrpSpPr/>
+        <p:nvPr/>
+      </p:nvGrpSpPr>
+      <p:grpSpPr>
+        <a:xfrm>
+          <a:off x="0" y="0"/>
+          <a:ext cx="0" cy="0"/>
+          <a:chOff x="0" y="0"/>
+          <a:chExt cx="0" cy="0"/>
+        </a:xfrm>
+      </p:grpSpPr>
+      <p:sp>
+        <p:nvSpPr>
+          <p:cNvPr id="4" name="Title 3"/>
+          <p:cNvSpPr>
+            <a:spLocks noGrp="1"/>
+          </p:cNvSpPr>
+          <p:nvPr>
+            <p:ph type="ctrTitle"/>
+          </p:nvPr>
+        </p:nvSpPr>
+        <p:spPr/>
+        <p:txBody>
+          <a:bodyPr>
+            <a:normAutofit/>
+          </a:bodyPr>
+          <a:lstStyle/>
+          <a:p>
+            <a:pPr algn="ctr"/>
+            <a:r>
+              <a:rPr lang="zh-CN" altLang="en-US" sz="4800" dirty="0">
+                <a:latin typeface="华文隶书" panose="02010800040101010101" pitchFamily="2" charset="-122"/>
+                <a:ea typeface="华文隶书" panose="02010800040101010101" pitchFamily="2" charset="-122"/>
+              </a:rPr>
+              <a:t>让</a:t>
+            </a:r>
+            <a:r>
+              <a:rPr lang="en-US" altLang="zh-CN" sz="4800" dirty="0">
+                <a:latin typeface="华文隶书" panose="02010800040101010101" pitchFamily="2" charset="-122"/>
+                <a:ea typeface="华文隶书" panose="02010800040101010101" pitchFamily="2" charset="-122"/>
+              </a:rPr>
+              <a:t>Python</a:t>
+            </a:r>
+            <a:r>
+              <a:rPr lang="zh-CN" altLang="en-US" sz="4800" dirty="0">
+                <a:latin typeface="华文隶书" panose="02010800040101010101" pitchFamily="2" charset="-122"/>
+                <a:ea typeface="华文隶书" panose="02010800040101010101" pitchFamily="2" charset="-122"/>
+              </a:rPr>
+              <a:t>遇上</a:t>
+            </a:r>
+            <a:r>
+              <a:rPr lang="en-US" altLang="zh-CN" sz="4800" dirty="0">
+                <a:latin typeface="华文隶书" panose="02010800040101010101" pitchFamily="2" charset="-122"/>
+                <a:ea typeface="华文隶书" panose="02010800040101010101" pitchFamily="2" charset="-122"/>
+              </a:rPr>
+              <a:t>Office</a:t>
+            </a:r>
+            <a:br>
+              <a:rPr lang="en-US" altLang="zh-CN" sz="4800" dirty="0">
+                <a:latin typeface="华文隶书" panose="02010800040101010101" pitchFamily="2" charset="-122"/>
+                <a:ea typeface="华文隶书" panose="02010800040101010101" pitchFamily="2" charset="-122"/>
+              </a:rPr>
+            </a:br>
+            <a:br>
+              <a:rPr lang="en-US" altLang="zh-CN" sz="4800" dirty="0">
+                <a:latin typeface="华文隶书" panose="02010800040101010101" pitchFamily="2" charset="-122"/>
+                <a:ea typeface="华文隶书" panose="02010800040101010101" pitchFamily="2" charset="-122"/>
+              </a:rPr>
+            </a:br>
+            <a:r>
+              <a:rPr lang="en-US" altLang="zh-CN" sz="4800" dirty="0">
+                <a:latin typeface="华文隶书" panose="02010800040101010101" pitchFamily="2" charset="-122"/>
+                <a:ea typeface="华文隶书" panose="02010800040101010101" pitchFamily="2" charset="-122"/>
+              </a:rPr>
+              <a:t>(Python with Office)</a:t>
+            </a:r>
+            <a:endParaRPr lang="en-US" sz="4800" dirty="0">
+              <a:latin typeface="华文隶书" panose="02010800040101010101" pitchFamily="2" charset="-122"/>
+              <a:ea typeface="华文隶书" panose="02010800040101010101" pitchFamily="2" charset="-122"/>
+            </a:endParaRPr>
+          </a:p>
+        </p:txBody>
+      </p:sp>
+      <p:sp>
+        <p:nvSpPr>
+          <p:cNvPr id="3" name="Content Placeholder 2"/>
+          <p:cNvSpPr>
+            <a:spLocks noGrp="1"/>
+          </p:cNvSpPr>
+          <p:nvPr>
+            <p:ph type="subTitle" idx="1"/>
+          </p:nvPr>
+        </p:nvSpPr>
+        <p:spPr>
+          <a:xfrm>
+            <a:off x="1065212" y="3403600"/>
+            <a:ext cx="5029201" cy="2185640"/>
+          </a:xfrm>
+        </p:spPr>
+        <p:txBody>
+          <a:bodyPr>
+            <a:normAutofit fontScale="85000" lnSpcReduction="20000"/>
+          </a:bodyPr>
+          <a:lstStyle/>
+          <a:p>
+            <a:r>
+              <a:rPr lang="en-US" sz="2800" dirty="0">
+                <a:latin typeface="ADLaM Display" panose="020F0502020204030204" pitchFamily="2" charset="0"/>
+                <a:ea typeface="ADLaM Display" panose="020F0502020204030204" pitchFamily="2" charset="0"/>
+                <a:cs typeface="ADLaM Display" panose="020F0502020204030204" pitchFamily="2" charset="0"/>
+              </a:rPr>
+              <a:t>Chapter 2 Data Structure </a:t>
+            </a:r>
+          </a:p>
+          <a:p>
+            <a:r>
+              <a:rPr lang="en-US" sz="2800" dirty="0">
+                <a:latin typeface="ADLaM Display" panose="020F0502020204030204" pitchFamily="2" charset="0"/>
+                <a:ea typeface="ADLaM Display" panose="020F0502020204030204" pitchFamily="2" charset="0"/>
+                <a:cs typeface="ADLaM Display" panose="020F0502020204030204" pitchFamily="2" charset="0"/>
+              </a:rPr>
+              <a:t>2.9 Public Methods</a:t>
+            </a:r>
+          </a:p>
+          <a:p>
+            <a:r>
+              <a:rPr lang="en-US" altLang="zh-CN" sz="2800" dirty="0">
+                <a:latin typeface="ADLaM Display" panose="020F0502020204030204" pitchFamily="2" charset="0"/>
+                <a:ea typeface="ADLaM Display" panose="020F0502020204030204" pitchFamily="2" charset="0"/>
+                <a:cs typeface="ADLaM Display" panose="020F0502020204030204" pitchFamily="2" charset="0"/>
+              </a:rPr>
+              <a:t>2.10 Operators</a:t>
+            </a:r>
+          </a:p>
+          <a:p>
+            <a:endParaRPr lang="en-US" sz="2800" dirty="0">
+              <a:latin typeface="ADLaM Display" panose="020F0502020204030204" pitchFamily="2" charset="0"/>
+              <a:ea typeface="ADLaM Display" panose="020F0502020204030204" pitchFamily="2" charset="0"/>
+              <a:cs typeface="ADLaM Display" panose="020F0502020204030204" pitchFamily="2" charset="0"/>
+            </a:endParaRPr>
+          </a:p>
+          <a:p>
+            <a:r>
+              <a:rPr lang="zh-CN" altLang="en-US" sz="2800" dirty="0">
+                <a:latin typeface="ADLaM Display" panose="020F0502020204030204" pitchFamily="2" charset="0"/>
+                <a:ea typeface="ADLaM Display" panose="020F0502020204030204" pitchFamily="2" charset="0"/>
+                <a:cs typeface="ADLaM Display" panose="020F0502020204030204" pitchFamily="2" charset="0"/>
+              </a:rPr>
+              <a:t>第二章 数据结构</a:t>
+            </a:r>
+            <a:endParaRPr lang="en-US" altLang="zh-CN" sz="2800" dirty="0">
+              <a:latin typeface="ADLaM Display" panose="020F0502020204030204" pitchFamily="2" charset="0"/>
+              <a:ea typeface="ADLaM Display" panose="020F0502020204030204" pitchFamily="2" charset="0"/>
+              <a:cs typeface="ADLaM Display" panose="020F0502020204030204" pitchFamily="2" charset="0"/>
+            </a:endParaRPr>
+          </a:p>
+          <a:p>
+            <a:r>
+              <a:rPr lang="en-US" sz="2800" dirty="0">
+                <a:latin typeface="ADLaM Display" panose="020F0502020204030204" pitchFamily="2" charset="0"/>
+                <a:ea typeface="ADLaM Display" panose="020F0502020204030204" pitchFamily="2" charset="0"/>
+                <a:cs typeface="ADLaM Display" panose="020F0502020204030204" pitchFamily="2" charset="0"/>
+              </a:rPr>
+              <a:t>2.9 </a:t>
+            </a:r>
+            <a:r>
+              <a:rPr lang="zh-CN" altLang="en-US" sz="2800" dirty="0">
+                <a:latin typeface="ADLaM Display" panose="020F0502020204030204" pitchFamily="2" charset="0"/>
+                <a:ea typeface="ADLaM Display" panose="020F0502020204030204" pitchFamily="2" charset="0"/>
+                <a:cs typeface="ADLaM Display" panose="020F0502020204030204" pitchFamily="2" charset="0"/>
+              </a:rPr>
+              <a:t>公共方法 </a:t>
+            </a:r>
+            <a:r>
+              <a:rPr lang="en-US" altLang="zh-CN" sz="2800" dirty="0">
+                <a:latin typeface="ADLaM Display" panose="020F0502020204030204" pitchFamily="2" charset="0"/>
+                <a:ea typeface="ADLaM Display" panose="020F0502020204030204" pitchFamily="2" charset="0"/>
+                <a:cs typeface="ADLaM Display" panose="020F0502020204030204" pitchFamily="2" charset="0"/>
+              </a:rPr>
+              <a:t>2.10</a:t>
+            </a:r>
+            <a:r>
+              <a:rPr lang="en-US" sz="2800" dirty="0">
+                <a:latin typeface="ADLaM Display" panose="020F0502020204030204" pitchFamily="2" charset="0"/>
+                <a:ea typeface="ADLaM Display" panose="020F0502020204030204" pitchFamily="2" charset="0"/>
+                <a:cs typeface="ADLaM Display" panose="020F0502020204030204" pitchFamily="2" charset="0"/>
+              </a:rPr>
+              <a:t> </a:t>
+            </a:r>
+            <a:r>
+              <a:rPr lang="zh-CN" altLang="en-US" sz="2800" dirty="0">
+                <a:latin typeface="ADLaM Display" panose="020F0502020204030204" pitchFamily="2" charset="0"/>
+                <a:ea typeface="ADLaM Display" panose="020F0502020204030204" pitchFamily="2" charset="0"/>
+                <a:cs typeface="ADLaM Display" panose="020F0502020204030204" pitchFamily="2" charset="0"/>
+              </a:rPr>
+              <a:t>运算符</a:t>
+            </a:r>
+            <a:endParaRPr lang="en-US" sz="2800" dirty="0">
+              <a:latin typeface="ADLaM Display" panose="020F0502020204030204" pitchFamily="2" charset="0"/>
+              <a:ea typeface="ADLaM Display" panose="020F0502020204030204" pitchFamily="2" charset="0"/>
+              <a:cs typeface="ADLaM Display" panose="020F0502020204030204" pitchFamily="2" charset="0"/>
+            </a:endParaRPr>
+          </a:p>
+        </p:txBody>
+      </p:sp>
+      <p:pic>
+        <p:nvPicPr>
+          <p:cNvPr id="5" name="Picture 4">
+            <a:extLst>
+              <a:ext uri="{FF2B5EF4-FFF2-40B4-BE49-F238E27FC236}">
+                <a16:creationId xmlns:a16="http://schemas.microsoft.com/office/drawing/2014/main" id="{4AD8B85C-B359-195F-B78C-C879AB7840B1}"/>
+              </a:ext>
+            </a:extLst>
+          </p:cNvPr>
+          <p:cNvPicPr>
+            <a:picLocks noChangeAspect="1"/>
+          </p:cNvPicPr>
+          <p:nvPr/>
+        </p:nvPicPr>
+        <p:blipFill>
+          <a:blip r:embed="rId3"/>
+          <a:stretch>
+            <a:fillRect/>
+          </a:stretch>
+        </p:blipFill>
+        <p:spPr>
+          <a:xfrm>
+            <a:off x="57601" y="1189856"/>
+            <a:ext cx="1068259" cy="1556792"/>
+          </a:xfrm>
+          <a:prstGeom prst="rect">
+            <a:avLst/>
+          </a:prstGeom>
+          <a:ln>
+            <a:noFill/>
+          </a:ln>
+          <a:effectLst>
+            <a:outerShdw blurRad="292100" dist="139700" dir="2700000" algn="tl" rotWithShape="0">
+              <a:srgbClr val="333333">
+                <a:alpha val="65000"/>
+              </a:srgbClr>
+            </a:outerShdw>
+          </a:effectLst>
+        </p:spPr>
+      </p:pic>
+      <p:sp>
+        <p:nvSpPr>
+          <p:cNvPr id="2" name="TextBox 1">
+            <a:extLst>
+              <a:ext uri="{FF2B5EF4-FFF2-40B4-BE49-F238E27FC236}">
+                <a16:creationId xmlns:a16="http://schemas.microsoft.com/office/drawing/2014/main" id="{CAB2C784-DE74-68FC-7A84-3E6C5D164315}"/>
+              </a:ext>
+            </a:extLst>
+          </p:cNvPr>
+          <p:cNvSpPr txBox="1"/>
+          <p:nvPr/>
+        </p:nvSpPr>
+        <p:spPr>
+          <a:xfrm>
+            <a:off x="405780" y="5722972"/>
+            <a:ext cx="7951216" cy="523220"/>
+          </a:xfrm>
+          <a:prstGeom prst="rect">
+            <a:avLst/>
+          </a:prstGeom>
+          <a:solidFill>
+            <a:schemeClr val="bg1">
+              <a:lumMod val="95000"/>
+            </a:schemeClr>
+          </a:solidFill>
+          <a:ln>
+            <a:solidFill>
+              <a:schemeClr val="bg2"/>
+            </a:solidFill>
+          </a:ln>
+        </p:spPr>
+        <p:txBody>
+          <a:bodyPr wrap="none" rtlCol="0" anchor="ctr" anchorCtr="1">
+            <a:spAutoFit/>
+          </a:bodyPr>
+          <a:lstStyle/>
+          <a:p>
+            <a:r>
+              <a:rPr lang="en-US" sz="2800" dirty="0">
+                <a:hlinkClick r:id="rId4"/>
+              </a:rPr>
+              <a:t>https://github.com/yasenstar/python_with_office</a:t>
+            </a:r>
+            <a:endParaRPr lang="en-US" sz="2800" dirty="0"/>
+          </a:p>
+        </p:txBody>
+      </p:sp>
+      <p:sp>
+        <p:nvSpPr>
+          <p:cNvPr id="9" name="TextBox 8">
+            <a:extLst>
+              <a:ext uri="{FF2B5EF4-FFF2-40B4-BE49-F238E27FC236}">
+                <a16:creationId xmlns:a16="http://schemas.microsoft.com/office/drawing/2014/main" id="{C25C84F5-3AA3-A068-7E2F-9123CA5A7D16}"/>
+              </a:ext>
+            </a:extLst>
+          </p:cNvPr>
+          <p:cNvSpPr txBox="1"/>
+          <p:nvPr/>
+        </p:nvSpPr>
+        <p:spPr>
+          <a:xfrm>
+            <a:off x="405780" y="6246192"/>
+            <a:ext cx="7951216" cy="523220"/>
+          </a:xfrm>
+          <a:prstGeom prst="rect">
+            <a:avLst/>
+          </a:prstGeom>
+          <a:solidFill>
+            <a:schemeClr val="bg1">
+              <a:lumMod val="95000"/>
+            </a:schemeClr>
+          </a:solidFill>
+          <a:ln>
+            <a:solidFill>
+              <a:schemeClr val="bg2"/>
+            </a:solidFill>
+          </a:ln>
+        </p:spPr>
+        <p:txBody>
+          <a:bodyPr wrap="square" rtlCol="0" anchor="ctr" anchorCtr="1">
+            <a:spAutoFit/>
+          </a:bodyPr>
+          <a:lstStyle/>
+          <a:p>
+            <a:r>
+              <a:rPr lang="en-US" sz="2800" dirty="0">
+                <a:hlinkClick r:id="rId5"/>
+              </a:rPr>
+              <a:t>https://gitee.com/yasenstar/python_with_office</a:t>
+            </a:r>
+            <a:endParaRPr lang="en-US" sz="2800" dirty="0"/>
+          </a:p>
+        </p:txBody>
+      </p:sp>
+      <p:pic>
+        <p:nvPicPr>
+          <p:cNvPr id="8" name="Picture 7">
+            <a:extLst>
+              <a:ext uri="{FF2B5EF4-FFF2-40B4-BE49-F238E27FC236}">
+                <a16:creationId xmlns:a16="http://schemas.microsoft.com/office/drawing/2014/main" id="{697AE7A1-FECD-88CA-1398-A1B5FCD4DADF}"/>
+              </a:ext>
+            </a:extLst>
+          </p:cNvPr>
+          <p:cNvPicPr>
+            <a:picLocks noChangeAspect="1"/>
+          </p:cNvPicPr>
+          <p:nvPr/>
+        </p:nvPicPr>
+        <p:blipFill>
+          <a:blip r:embed="rId6"/>
+          <a:stretch>
+            <a:fillRect/>
+          </a:stretch>
+        </p:blipFill>
+        <p:spPr>
+          <a:xfrm>
+            <a:off x="7077663" y="416386"/>
+            <a:ext cx="4099883" cy="5149925"/>
+          </a:xfrm>
+          <a:prstGeom prst="rect">
+            <a:avLst/>
+          </a:prstGeom>
+          <a:ln>
+            <a:noFill/>
+          </a:ln>
+          <a:effectLst>
+            <a:outerShdw blurRad="292100" dist="139700" dir="2700000" algn="tl" rotWithShape="0">
+              <a:srgbClr val="333333">
+                <a:alpha val="65000"/>
+              </a:srgbClr>
+            </a:outerShdw>
+          </a:effectLst>
+        </p:spPr>
+      </p:pic>
+    </p:spTree>
+    <p:extLst>
+      <p:ext uri="{BB962C8B-B14F-4D97-AF65-F5344CB8AC3E}">
+        <p14:creationId xmlns:p14="http://schemas.microsoft.com/office/powerpoint/2010/main" val="2301056449"/>
       </p:ext>
     </p:extLst>
   </p:cSld>

--- a/Video_Covers.pptx
+++ b/Video_Covers.pptx
@@ -5,10 +5,10 @@
     <p:sldMasterId id="2147483660" r:id="rId1"/>
   </p:sldMasterIdLst>
   <p:notesMasterIdLst>
-    <p:notesMasterId r:id="rId12"/>
+    <p:notesMasterId r:id="rId13"/>
   </p:notesMasterIdLst>
   <p:handoutMasterIdLst>
-    <p:handoutMasterId r:id="rId13"/>
+    <p:handoutMasterId r:id="rId14"/>
   </p:handoutMasterIdLst>
   <p:sldIdLst>
     <p:sldId id="257" r:id="rId2"/>
@@ -21,6 +21,7 @@
     <p:sldId id="264" r:id="rId9"/>
     <p:sldId id="265" r:id="rId10"/>
     <p:sldId id="266" r:id="rId11"/>
+    <p:sldId id="267" r:id="rId12"/>
   </p:sldIdLst>
   <p:sldSz cx="12188825" cy="6858000"/>
   <p:notesSz cx="6858000" cy="9144000"/>
@@ -283,7 +284,7 @@
           <a:p>
             <a:fld id="{24CE221E-83ED-4F6C-BA5F-3F9E6FDB6953}" type="datetimeFigureOut">
               <a:rPr lang="en-US"/>
-              <a:t>10/19/2023</a:t>
+              <a:t>10/25/2023</a:t>
             </a:fld>
             <a:endParaRPr dirty="0"/>
           </a:p>
@@ -448,7 +449,7 @@
           <a:p>
             <a:fld id="{97853E5F-CE67-483C-A264-F17AC70E9CA2}" type="datetimeFigureOut">
               <a:rPr lang="en-US"/>
-              <a:t>10/19/2023</a:t>
+              <a:t>10/24/2023</a:t>
             </a:fld>
             <a:endParaRPr dirty="0"/>
           </a:p>
@@ -878,6 +879,90 @@
 </p:notes>
 </file>
 
+<file path=ppt/notesSlides/notesSlide11.xml><?xml version="1.0" encoding="utf-8"?>
+<p:notes xmlns:a="http://schemas.openxmlformats.org/drawingml/2006/main" xmlns:r="http://schemas.openxmlformats.org/officeDocument/2006/relationships" xmlns:p="http://schemas.openxmlformats.org/presentationml/2006/main">
+  <p:cSld>
+    <p:spTree>
+      <p:nvGrpSpPr>
+        <p:cNvPr id="1" name=""/>
+        <p:cNvGrpSpPr/>
+        <p:nvPr/>
+      </p:nvGrpSpPr>
+      <p:grpSpPr>
+        <a:xfrm>
+          <a:off x="0" y="0"/>
+          <a:ext cx="0" cy="0"/>
+          <a:chOff x="0" y="0"/>
+          <a:chExt cx="0" cy="0"/>
+        </a:xfrm>
+      </p:grpSpPr>
+      <p:sp>
+        <p:nvSpPr>
+          <p:cNvPr id="2" name="Slide Image Placeholder 1"/>
+          <p:cNvSpPr>
+            <a:spLocks noGrp="1" noRot="1" noChangeAspect="1"/>
+          </p:cNvSpPr>
+          <p:nvPr>
+            <p:ph type="sldImg"/>
+          </p:nvPr>
+        </p:nvSpPr>
+        <p:spPr/>
+      </p:sp>
+      <p:sp>
+        <p:nvSpPr>
+          <p:cNvPr id="3" name="Notes Placeholder 2"/>
+          <p:cNvSpPr>
+            <a:spLocks noGrp="1"/>
+          </p:cNvSpPr>
+          <p:nvPr>
+            <p:ph type="body" idx="1"/>
+          </p:nvPr>
+        </p:nvSpPr>
+        <p:spPr/>
+        <p:txBody>
+          <a:bodyPr/>
+          <a:lstStyle/>
+          <a:p>
+            <a:endParaRPr lang="en-US" dirty="0"/>
+          </a:p>
+        </p:txBody>
+      </p:sp>
+      <p:sp>
+        <p:nvSpPr>
+          <p:cNvPr id="4" name="Slide Number Placeholder 3"/>
+          <p:cNvSpPr>
+            <a:spLocks noGrp="1"/>
+          </p:cNvSpPr>
+          <p:nvPr>
+            <p:ph type="sldNum" sz="quarter" idx="10"/>
+          </p:nvPr>
+        </p:nvSpPr>
+        <p:spPr/>
+        <p:txBody>
+          <a:bodyPr/>
+          <a:lstStyle/>
+          <a:p>
+            <a:fld id="{6BB98AFB-CB0D-4DFE-87B9-B4B0D0DE73CD}" type="slidenum">
+              <a:rPr lang="en-US" smtClean="0"/>
+              <a:t>11</a:t>
+            </a:fld>
+            <a:endParaRPr lang="en-US" dirty="0"/>
+          </a:p>
+        </p:txBody>
+      </p:sp>
+    </p:spTree>
+    <p:extLst>
+      <p:ext uri="{BB962C8B-B14F-4D97-AF65-F5344CB8AC3E}">
+        <p14:creationId xmlns:p14="http://schemas.microsoft.com/office/powerpoint/2010/main" val="37007732"/>
+      </p:ext>
+    </p:extLst>
+  </p:cSld>
+  <p:clrMapOvr>
+    <a:masterClrMapping/>
+  </p:clrMapOvr>
+</p:notes>
+</file>
+
 <file path=ppt/notesSlides/notesSlide2.xml><?xml version="1.0" encoding="utf-8"?>
 <p:notes xmlns:a="http://schemas.openxmlformats.org/drawingml/2006/main" xmlns:r="http://schemas.openxmlformats.org/officeDocument/2006/relationships" xmlns:p="http://schemas.openxmlformats.org/presentationml/2006/main">
   <p:cSld>
@@ -1796,7 +1881,7 @@
           <a:p>
             <a:fld id="{3E0FA9E5-6744-4841-888F-9E7CC0C2B7EC}" type="datetimeFigureOut">
               <a:rPr lang="en-US" smtClean="0"/>
-              <a:t>10/19/2023</a:t>
+              <a:t>10/24/2023</a:t>
             </a:fld>
             <a:endParaRPr lang="en-US" dirty="0"/>
           </a:p>
@@ -1986,7 +2071,7 @@
           <a:p>
             <a:fld id="{3E0FA9E5-6744-4841-888F-9E7CC0C2B7EC}" type="datetimeFigureOut">
               <a:rPr lang="en-US" smtClean="0"/>
-              <a:t>10/19/2023</a:t>
+              <a:t>10/24/2023</a:t>
             </a:fld>
             <a:endParaRPr lang="en-US" dirty="0"/>
           </a:p>
@@ -2181,7 +2266,7 @@
           <a:p>
             <a:fld id="{3E0FA9E5-6744-4841-888F-9E7CC0C2B7EC}" type="datetimeFigureOut">
               <a:rPr lang="en-US" smtClean="0"/>
-              <a:t>10/19/2023</a:t>
+              <a:t>10/24/2023</a:t>
             </a:fld>
             <a:endParaRPr lang="en-US" dirty="0"/>
           </a:p>
@@ -2366,7 +2451,7 @@
           <a:p>
             <a:fld id="{3E0FA9E5-6744-4841-888F-9E7CC0C2B7EC}" type="datetimeFigureOut">
               <a:rPr lang="en-US" smtClean="0"/>
-              <a:t>10/19/2023</a:t>
+              <a:t>10/24/2023</a:t>
             </a:fld>
             <a:endParaRPr lang="en-US" dirty="0"/>
           </a:p>
@@ -2635,7 +2720,7 @@
           <a:p>
             <a:fld id="{3E0FA9E5-6744-4841-888F-9E7CC0C2B7EC}" type="datetimeFigureOut">
               <a:rPr lang="en-US" smtClean="0"/>
-              <a:t>10/19/2023</a:t>
+              <a:t>10/24/2023</a:t>
             </a:fld>
             <a:endParaRPr lang="en-US" dirty="0"/>
           </a:p>
@@ -2942,7 +3027,7 @@
           <a:p>
             <a:fld id="{3E0FA9E5-6744-4841-888F-9E7CC0C2B7EC}" type="datetimeFigureOut">
               <a:rPr lang="en-US" smtClean="0"/>
-              <a:t>10/19/2023</a:t>
+              <a:t>10/24/2023</a:t>
             </a:fld>
             <a:endParaRPr lang="en-US" dirty="0"/>
           </a:p>
@@ -3398,7 +3483,7 @@
           <a:p>
             <a:fld id="{3E0FA9E5-6744-4841-888F-9E7CC0C2B7EC}" type="datetimeFigureOut">
               <a:rPr lang="en-US" smtClean="0"/>
-              <a:t>10/19/2023</a:t>
+              <a:t>10/24/2023</a:t>
             </a:fld>
             <a:endParaRPr lang="en-US" dirty="0"/>
           </a:p>
@@ -3531,7 +3616,7 @@
           <a:p>
             <a:fld id="{3E0FA9E5-6744-4841-888F-9E7CC0C2B7EC}" type="datetimeFigureOut">
               <a:rPr lang="en-US" smtClean="0"/>
-              <a:t>10/19/2023</a:t>
+              <a:t>10/24/2023</a:t>
             </a:fld>
             <a:endParaRPr lang="en-US" dirty="0"/>
           </a:p>
@@ -3641,7 +3726,7 @@
           <a:p>
             <a:fld id="{3E0FA9E5-6744-4841-888F-9E7CC0C2B7EC}" type="datetimeFigureOut">
               <a:rPr lang="en-US" smtClean="0"/>
-              <a:t>10/19/2023</a:t>
+              <a:t>10/24/2023</a:t>
             </a:fld>
             <a:endParaRPr lang="en-US" dirty="0"/>
           </a:p>
@@ -3952,7 +4037,7 @@
           <a:p>
             <a:fld id="{3E0FA9E5-6744-4841-888F-9E7CC0C2B7EC}" type="datetimeFigureOut">
               <a:rPr lang="en-US" smtClean="0"/>
-              <a:t>10/19/2023</a:t>
+              <a:t>10/24/2023</a:t>
             </a:fld>
             <a:endParaRPr lang="en-US" dirty="0"/>
           </a:p>
@@ -4429,7 +4514,7 @@
             <a:fld id="{3E0FA9E5-6744-4841-888F-9E7CC0C2B7EC}" type="datetimeFigureOut">
               <a:rPr lang="en-US" smtClean="0"/>
               <a:pPr/>
-              <a:t>10/19/2023</a:t>
+              <a:t>10/24/2023</a:t>
             </a:fld>
             <a:endParaRPr lang="en-US" dirty="0"/>
           </a:p>
@@ -5461,6 +5546,416 @@
     <p:extLst>
       <p:ext uri="{BB962C8B-B14F-4D97-AF65-F5344CB8AC3E}">
         <p14:creationId xmlns:p14="http://schemas.microsoft.com/office/powerpoint/2010/main" val="2301056449"/>
+      </p:ext>
+    </p:extLst>
+  </p:cSld>
+  <p:clrMapOvr>
+    <a:masterClrMapping/>
+  </p:clrMapOvr>
+  <mc:AlternateContent xmlns:mc="http://schemas.openxmlformats.org/markup-compatibility/2006" xmlns:p14="http://schemas.microsoft.com/office/powerpoint/2010/main">
+    <mc:Choice Requires="p14">
+      <p:transition spd="med" p14:dur="700">
+        <p:fade/>
+      </p:transition>
+    </mc:Choice>
+    <mc:Fallback xmlns="">
+      <p:transition spd="med">
+        <p:fade/>
+      </p:transition>
+    </mc:Fallback>
+  </mc:AlternateContent>
+</p:sld>
+</file>
+
+<file path=ppt/slides/slide11.xml><?xml version="1.0" encoding="utf-8"?>
+<p:sld xmlns:a="http://schemas.openxmlformats.org/drawingml/2006/main" xmlns:r="http://schemas.openxmlformats.org/officeDocument/2006/relationships" xmlns:p="http://schemas.openxmlformats.org/presentationml/2006/main">
+  <p:cSld>
+    <p:spTree>
+      <p:nvGrpSpPr>
+        <p:cNvPr id="1" name=""/>
+        <p:cNvGrpSpPr/>
+        <p:nvPr/>
+      </p:nvGrpSpPr>
+      <p:grpSpPr>
+        <a:xfrm>
+          <a:off x="0" y="0"/>
+          <a:ext cx="0" cy="0"/>
+          <a:chOff x="0" y="0"/>
+          <a:chExt cx="0" cy="0"/>
+        </a:xfrm>
+      </p:grpSpPr>
+      <p:sp>
+        <p:nvSpPr>
+          <p:cNvPr id="4" name="Title 3"/>
+          <p:cNvSpPr>
+            <a:spLocks noGrp="1"/>
+          </p:cNvSpPr>
+          <p:nvPr>
+            <p:ph type="ctrTitle"/>
+          </p:nvPr>
+        </p:nvSpPr>
+        <p:spPr/>
+        <p:txBody>
+          <a:bodyPr>
+            <a:normAutofit/>
+          </a:bodyPr>
+          <a:lstStyle/>
+          <a:p>
+            <a:pPr algn="ctr"/>
+            <a:r>
+              <a:rPr lang="zh-CN" altLang="en-US" sz="4800" dirty="0">
+                <a:latin typeface="华文隶书" panose="02010800040101010101" pitchFamily="2" charset="-122"/>
+                <a:ea typeface="华文隶书" panose="02010800040101010101" pitchFamily="2" charset="-122"/>
+              </a:rPr>
+              <a:t>让</a:t>
+            </a:r>
+            <a:r>
+              <a:rPr lang="en-US" altLang="zh-CN" sz="4800" dirty="0">
+                <a:latin typeface="华文隶书" panose="02010800040101010101" pitchFamily="2" charset="-122"/>
+                <a:ea typeface="华文隶书" panose="02010800040101010101" pitchFamily="2" charset="-122"/>
+              </a:rPr>
+              <a:t>Python</a:t>
+            </a:r>
+            <a:r>
+              <a:rPr lang="zh-CN" altLang="en-US" sz="4800" dirty="0">
+                <a:latin typeface="华文隶书" panose="02010800040101010101" pitchFamily="2" charset="-122"/>
+                <a:ea typeface="华文隶书" panose="02010800040101010101" pitchFamily="2" charset="-122"/>
+              </a:rPr>
+              <a:t>遇上</a:t>
+            </a:r>
+            <a:r>
+              <a:rPr lang="en-US" altLang="zh-CN" sz="4800" dirty="0">
+                <a:latin typeface="华文隶书" panose="02010800040101010101" pitchFamily="2" charset="-122"/>
+                <a:ea typeface="华文隶书" panose="02010800040101010101" pitchFamily="2" charset="-122"/>
+              </a:rPr>
+              <a:t>Office</a:t>
+            </a:r>
+            <a:br>
+              <a:rPr lang="en-US" altLang="zh-CN" sz="4800" dirty="0">
+                <a:latin typeface="华文隶书" panose="02010800040101010101" pitchFamily="2" charset="-122"/>
+                <a:ea typeface="华文隶书" panose="02010800040101010101" pitchFamily="2" charset="-122"/>
+              </a:rPr>
+            </a:br>
+            <a:br>
+              <a:rPr lang="en-US" altLang="zh-CN" sz="4800" dirty="0">
+                <a:latin typeface="华文隶书" panose="02010800040101010101" pitchFamily="2" charset="-122"/>
+                <a:ea typeface="华文隶书" panose="02010800040101010101" pitchFamily="2" charset="-122"/>
+              </a:rPr>
+            </a:br>
+            <a:r>
+              <a:rPr lang="en-US" altLang="zh-CN" sz="4800" dirty="0">
+                <a:latin typeface="华文隶书" panose="02010800040101010101" pitchFamily="2" charset="-122"/>
+                <a:ea typeface="华文隶书" panose="02010800040101010101" pitchFamily="2" charset="-122"/>
+              </a:rPr>
+              <a:t>(Python with Office)</a:t>
+            </a:r>
+            <a:endParaRPr lang="en-US" sz="4800" dirty="0">
+              <a:latin typeface="华文隶书" panose="02010800040101010101" pitchFamily="2" charset="-122"/>
+              <a:ea typeface="华文隶书" panose="02010800040101010101" pitchFamily="2" charset="-122"/>
+            </a:endParaRPr>
+          </a:p>
+        </p:txBody>
+      </p:sp>
+      <p:sp>
+        <p:nvSpPr>
+          <p:cNvPr id="3" name="Content Placeholder 2"/>
+          <p:cNvSpPr>
+            <a:spLocks noGrp="1"/>
+          </p:cNvSpPr>
+          <p:nvPr>
+            <p:ph type="subTitle" idx="1"/>
+          </p:nvPr>
+        </p:nvSpPr>
+        <p:spPr>
+          <a:xfrm>
+            <a:off x="1065212" y="3403600"/>
+            <a:ext cx="5029201" cy="2185640"/>
+          </a:xfrm>
+        </p:spPr>
+        <p:txBody>
+          <a:bodyPr>
+            <a:normAutofit fontScale="85000" lnSpcReduction="20000"/>
+          </a:bodyPr>
+          <a:lstStyle/>
+          <a:p>
+            <a:r>
+              <a:rPr lang="en-US" sz="2800" dirty="0">
+                <a:latin typeface="ADLaM Display" panose="020F0502020204030204" pitchFamily="2" charset="0"/>
+                <a:ea typeface="ADLaM Display" panose="020F0502020204030204" pitchFamily="2" charset="0"/>
+                <a:cs typeface="ADLaM Display" panose="020F0502020204030204" pitchFamily="2" charset="0"/>
+              </a:rPr>
+              <a:t>Chapter 2 Data Structure </a:t>
+            </a:r>
+          </a:p>
+          <a:p>
+            <a:r>
+              <a:rPr lang="en-US" sz="2800" dirty="0">
+                <a:latin typeface="ADLaM Display" panose="020F0502020204030204" pitchFamily="2" charset="0"/>
+                <a:ea typeface="ADLaM Display" panose="020F0502020204030204" pitchFamily="2" charset="0"/>
+                <a:cs typeface="ADLaM Display" panose="020F0502020204030204" pitchFamily="2" charset="0"/>
+              </a:rPr>
+              <a:t>2.11 Traverse</a:t>
+            </a:r>
+          </a:p>
+          <a:p>
+            <a:r>
+              <a:rPr lang="en-US" altLang="zh-CN" sz="2800" dirty="0">
+                <a:latin typeface="ADLaM Display" panose="020F0502020204030204" pitchFamily="2" charset="0"/>
+                <a:ea typeface="ADLaM Display" panose="020F0502020204030204" pitchFamily="2" charset="0"/>
+                <a:cs typeface="ADLaM Display" panose="020F0502020204030204" pitchFamily="2" charset="0"/>
+              </a:rPr>
+              <a:t>2.12 Comprehensions</a:t>
+            </a:r>
+          </a:p>
+          <a:p>
+            <a:endParaRPr lang="en-US" sz="2800" dirty="0">
+              <a:latin typeface="ADLaM Display" panose="020F0502020204030204" pitchFamily="2" charset="0"/>
+              <a:ea typeface="ADLaM Display" panose="020F0502020204030204" pitchFamily="2" charset="0"/>
+              <a:cs typeface="ADLaM Display" panose="020F0502020204030204" pitchFamily="2" charset="0"/>
+            </a:endParaRPr>
+          </a:p>
+          <a:p>
+            <a:r>
+              <a:rPr lang="zh-CN" altLang="en-US" sz="2800" dirty="0">
+                <a:latin typeface="ADLaM Display" panose="020F0502020204030204" pitchFamily="2" charset="0"/>
+                <a:ea typeface="ADLaM Display" panose="020F0502020204030204" pitchFamily="2" charset="0"/>
+                <a:cs typeface="ADLaM Display" panose="020F0502020204030204" pitchFamily="2" charset="0"/>
+              </a:rPr>
+              <a:t>第二章 数据结构</a:t>
+            </a:r>
+            <a:endParaRPr lang="en-US" altLang="zh-CN" sz="2800" dirty="0">
+              <a:latin typeface="ADLaM Display" panose="020F0502020204030204" pitchFamily="2" charset="0"/>
+              <a:ea typeface="ADLaM Display" panose="020F0502020204030204" pitchFamily="2" charset="0"/>
+              <a:cs typeface="ADLaM Display" panose="020F0502020204030204" pitchFamily="2" charset="0"/>
+            </a:endParaRPr>
+          </a:p>
+          <a:p>
+            <a:r>
+              <a:rPr lang="en-US" sz="2800" dirty="0">
+                <a:latin typeface="ADLaM Display" panose="020F0502020204030204" pitchFamily="2" charset="0"/>
+                <a:ea typeface="ADLaM Display" panose="020F0502020204030204" pitchFamily="2" charset="0"/>
+                <a:cs typeface="ADLaM Display" panose="020F0502020204030204" pitchFamily="2" charset="0"/>
+              </a:rPr>
+              <a:t>2.11 </a:t>
+            </a:r>
+            <a:r>
+              <a:rPr lang="zh-CN" altLang="en-US" sz="2800" dirty="0">
+                <a:latin typeface="ADLaM Display" panose="020F0502020204030204" pitchFamily="2" charset="0"/>
+                <a:ea typeface="ADLaM Display" panose="020F0502020204030204" pitchFamily="2" charset="0"/>
+                <a:cs typeface="ADLaM Display" panose="020F0502020204030204" pitchFamily="2" charset="0"/>
+              </a:rPr>
+              <a:t>遍历 </a:t>
+            </a:r>
+            <a:r>
+              <a:rPr lang="en-US" altLang="zh-CN" sz="2800" dirty="0">
+                <a:latin typeface="ADLaM Display" panose="020F0502020204030204" pitchFamily="2" charset="0"/>
+                <a:ea typeface="ADLaM Display" panose="020F0502020204030204" pitchFamily="2" charset="0"/>
+                <a:cs typeface="ADLaM Display" panose="020F0502020204030204" pitchFamily="2" charset="0"/>
+              </a:rPr>
+              <a:t>2.12</a:t>
+            </a:r>
+            <a:r>
+              <a:rPr lang="en-US" sz="2800" dirty="0">
+                <a:latin typeface="ADLaM Display" panose="020F0502020204030204" pitchFamily="2" charset="0"/>
+                <a:ea typeface="ADLaM Display" panose="020F0502020204030204" pitchFamily="2" charset="0"/>
+                <a:cs typeface="ADLaM Display" panose="020F0502020204030204" pitchFamily="2" charset="0"/>
+              </a:rPr>
+              <a:t> </a:t>
+            </a:r>
+            <a:r>
+              <a:rPr lang="zh-CN" altLang="en-US" sz="2800" dirty="0">
+                <a:latin typeface="ADLaM Display" panose="020F0502020204030204" pitchFamily="2" charset="0"/>
+                <a:ea typeface="ADLaM Display" panose="020F0502020204030204" pitchFamily="2" charset="0"/>
+                <a:cs typeface="ADLaM Display" panose="020F0502020204030204" pitchFamily="2" charset="0"/>
+              </a:rPr>
+              <a:t>推导式</a:t>
+            </a:r>
+            <a:endParaRPr lang="en-US" sz="2800" dirty="0">
+              <a:latin typeface="ADLaM Display" panose="020F0502020204030204" pitchFamily="2" charset="0"/>
+              <a:ea typeface="ADLaM Display" panose="020F0502020204030204" pitchFamily="2" charset="0"/>
+              <a:cs typeface="ADLaM Display" panose="020F0502020204030204" pitchFamily="2" charset="0"/>
+            </a:endParaRPr>
+          </a:p>
+        </p:txBody>
+      </p:sp>
+      <p:pic>
+        <p:nvPicPr>
+          <p:cNvPr id="5" name="Picture 4">
+            <a:extLst>
+              <a:ext uri="{FF2B5EF4-FFF2-40B4-BE49-F238E27FC236}">
+                <a16:creationId xmlns:a16="http://schemas.microsoft.com/office/drawing/2014/main" id="{4AD8B85C-B359-195F-B78C-C879AB7840B1}"/>
+              </a:ext>
+            </a:extLst>
+          </p:cNvPr>
+          <p:cNvPicPr>
+            <a:picLocks noChangeAspect="1"/>
+          </p:cNvPicPr>
+          <p:nvPr/>
+        </p:nvPicPr>
+        <p:blipFill>
+          <a:blip r:embed="rId3"/>
+          <a:stretch>
+            <a:fillRect/>
+          </a:stretch>
+        </p:blipFill>
+        <p:spPr>
+          <a:xfrm>
+            <a:off x="57601" y="1189856"/>
+            <a:ext cx="1068259" cy="1556792"/>
+          </a:xfrm>
+          <a:prstGeom prst="rect">
+            <a:avLst/>
+          </a:prstGeom>
+          <a:ln>
+            <a:noFill/>
+          </a:ln>
+          <a:effectLst>
+            <a:outerShdw blurRad="292100" dist="139700" dir="2700000" algn="tl" rotWithShape="0">
+              <a:srgbClr val="333333">
+                <a:alpha val="65000"/>
+              </a:srgbClr>
+            </a:outerShdw>
+          </a:effectLst>
+        </p:spPr>
+      </p:pic>
+      <p:sp>
+        <p:nvSpPr>
+          <p:cNvPr id="2" name="TextBox 1">
+            <a:extLst>
+              <a:ext uri="{FF2B5EF4-FFF2-40B4-BE49-F238E27FC236}">
+                <a16:creationId xmlns:a16="http://schemas.microsoft.com/office/drawing/2014/main" id="{CAB2C784-DE74-68FC-7A84-3E6C5D164315}"/>
+              </a:ext>
+            </a:extLst>
+          </p:cNvPr>
+          <p:cNvSpPr txBox="1"/>
+          <p:nvPr/>
+        </p:nvSpPr>
+        <p:spPr>
+          <a:xfrm>
+            <a:off x="405780" y="5722972"/>
+            <a:ext cx="7951216" cy="523220"/>
+          </a:xfrm>
+          <a:prstGeom prst="rect">
+            <a:avLst/>
+          </a:prstGeom>
+          <a:solidFill>
+            <a:schemeClr val="bg1">
+              <a:lumMod val="95000"/>
+            </a:schemeClr>
+          </a:solidFill>
+          <a:ln>
+            <a:solidFill>
+              <a:schemeClr val="bg2"/>
+            </a:solidFill>
+          </a:ln>
+        </p:spPr>
+        <p:txBody>
+          <a:bodyPr wrap="none" rtlCol="0" anchor="ctr" anchorCtr="1">
+            <a:spAutoFit/>
+          </a:bodyPr>
+          <a:lstStyle/>
+          <a:p>
+            <a:r>
+              <a:rPr lang="en-US" sz="2800" dirty="0">
+                <a:hlinkClick r:id="rId4"/>
+              </a:rPr>
+              <a:t>https://github.com/yasenstar/python_with_office</a:t>
+            </a:r>
+            <a:endParaRPr lang="en-US" sz="2800" dirty="0"/>
+          </a:p>
+        </p:txBody>
+      </p:sp>
+      <p:sp>
+        <p:nvSpPr>
+          <p:cNvPr id="9" name="TextBox 8">
+            <a:extLst>
+              <a:ext uri="{FF2B5EF4-FFF2-40B4-BE49-F238E27FC236}">
+                <a16:creationId xmlns:a16="http://schemas.microsoft.com/office/drawing/2014/main" id="{C25C84F5-3AA3-A068-7E2F-9123CA5A7D16}"/>
+              </a:ext>
+            </a:extLst>
+          </p:cNvPr>
+          <p:cNvSpPr txBox="1"/>
+          <p:nvPr/>
+        </p:nvSpPr>
+        <p:spPr>
+          <a:xfrm>
+            <a:off x="405780" y="6246192"/>
+            <a:ext cx="7951216" cy="523220"/>
+          </a:xfrm>
+          <a:prstGeom prst="rect">
+            <a:avLst/>
+          </a:prstGeom>
+          <a:solidFill>
+            <a:schemeClr val="bg1">
+              <a:lumMod val="95000"/>
+            </a:schemeClr>
+          </a:solidFill>
+          <a:ln>
+            <a:solidFill>
+              <a:schemeClr val="bg2"/>
+            </a:solidFill>
+          </a:ln>
+        </p:spPr>
+        <p:txBody>
+          <a:bodyPr wrap="square" rtlCol="0" anchor="ctr" anchorCtr="1">
+            <a:spAutoFit/>
+          </a:bodyPr>
+          <a:lstStyle/>
+          <a:p>
+            <a:r>
+              <a:rPr lang="en-US" sz="2800" dirty="0">
+                <a:hlinkClick r:id="rId5"/>
+              </a:rPr>
+              <a:t>https://gitee.com/yasenstar/python_with_office</a:t>
+            </a:r>
+            <a:endParaRPr lang="en-US" sz="2800" dirty="0"/>
+          </a:p>
+        </p:txBody>
+      </p:sp>
+      <p:pic>
+        <p:nvPicPr>
+          <p:cNvPr id="7" name="Picture 6">
+            <a:extLst>
+              <a:ext uri="{FF2B5EF4-FFF2-40B4-BE49-F238E27FC236}">
+                <a16:creationId xmlns:a16="http://schemas.microsoft.com/office/drawing/2014/main" id="{597A29FB-74EC-7512-7021-E2AAB67D55DF}"/>
+              </a:ext>
+            </a:extLst>
+          </p:cNvPr>
+          <p:cNvPicPr>
+            <a:picLocks noChangeAspect="1"/>
+          </p:cNvPicPr>
+          <p:nvPr/>
+        </p:nvPicPr>
+        <p:blipFill>
+          <a:blip r:embed="rId6"/>
+          <a:stretch>
+            <a:fillRect/>
+          </a:stretch>
+        </p:blipFill>
+        <p:spPr>
+          <a:xfrm>
+            <a:off x="6238428" y="996418"/>
+            <a:ext cx="5682731" cy="4103166"/>
+          </a:xfrm>
+          <a:prstGeom prst="rect">
+            <a:avLst/>
+          </a:prstGeom>
+          <a:ln>
+            <a:noFill/>
+          </a:ln>
+          <a:effectLst>
+            <a:outerShdw blurRad="292100" dist="139700" dir="2700000" algn="tl" rotWithShape="0">
+              <a:srgbClr val="333333">
+                <a:alpha val="65000"/>
+              </a:srgbClr>
+            </a:outerShdw>
+          </a:effectLst>
+        </p:spPr>
+      </p:pic>
+    </p:spTree>
+    <p:extLst>
+      <p:ext uri="{BB962C8B-B14F-4D97-AF65-F5344CB8AC3E}">
+        <p14:creationId xmlns:p14="http://schemas.microsoft.com/office/powerpoint/2010/main" val="2535401423"/>
       </p:ext>
     </p:extLst>
   </p:cSld>

--- a/Video_Covers.pptx
+++ b/Video_Covers.pptx
@@ -5,10 +5,10 @@
     <p:sldMasterId id="2147483660" r:id="rId1"/>
   </p:sldMasterIdLst>
   <p:notesMasterIdLst>
-    <p:notesMasterId r:id="rId13"/>
+    <p:notesMasterId r:id="rId15"/>
   </p:notesMasterIdLst>
   <p:handoutMasterIdLst>
-    <p:handoutMasterId r:id="rId14"/>
+    <p:handoutMasterId r:id="rId16"/>
   </p:handoutMasterIdLst>
   <p:sldIdLst>
     <p:sldId id="257" r:id="rId2"/>
@@ -22,6 +22,8 @@
     <p:sldId id="265" r:id="rId10"/>
     <p:sldId id="266" r:id="rId11"/>
     <p:sldId id="267" r:id="rId12"/>
+    <p:sldId id="268" r:id="rId13"/>
+    <p:sldId id="269" r:id="rId14"/>
   </p:sldIdLst>
   <p:sldSz cx="12188825" cy="6858000"/>
   <p:notesSz cx="6858000" cy="9144000"/>
@@ -954,6 +956,174 @@
     <p:extLst>
       <p:ext uri="{BB962C8B-B14F-4D97-AF65-F5344CB8AC3E}">
         <p14:creationId xmlns:p14="http://schemas.microsoft.com/office/powerpoint/2010/main" val="37007732"/>
+      </p:ext>
+    </p:extLst>
+  </p:cSld>
+  <p:clrMapOvr>
+    <a:masterClrMapping/>
+  </p:clrMapOvr>
+</p:notes>
+</file>
+
+<file path=ppt/notesSlides/notesSlide12.xml><?xml version="1.0" encoding="utf-8"?>
+<p:notes xmlns:a="http://schemas.openxmlformats.org/drawingml/2006/main" xmlns:r="http://schemas.openxmlformats.org/officeDocument/2006/relationships" xmlns:p="http://schemas.openxmlformats.org/presentationml/2006/main">
+  <p:cSld>
+    <p:spTree>
+      <p:nvGrpSpPr>
+        <p:cNvPr id="1" name=""/>
+        <p:cNvGrpSpPr/>
+        <p:nvPr/>
+      </p:nvGrpSpPr>
+      <p:grpSpPr>
+        <a:xfrm>
+          <a:off x="0" y="0"/>
+          <a:ext cx="0" cy="0"/>
+          <a:chOff x="0" y="0"/>
+          <a:chExt cx="0" cy="0"/>
+        </a:xfrm>
+      </p:grpSpPr>
+      <p:sp>
+        <p:nvSpPr>
+          <p:cNvPr id="2" name="Slide Image Placeholder 1"/>
+          <p:cNvSpPr>
+            <a:spLocks noGrp="1" noRot="1" noChangeAspect="1"/>
+          </p:cNvSpPr>
+          <p:nvPr>
+            <p:ph type="sldImg"/>
+          </p:nvPr>
+        </p:nvSpPr>
+        <p:spPr/>
+      </p:sp>
+      <p:sp>
+        <p:nvSpPr>
+          <p:cNvPr id="3" name="Notes Placeholder 2"/>
+          <p:cNvSpPr>
+            <a:spLocks noGrp="1"/>
+          </p:cNvSpPr>
+          <p:nvPr>
+            <p:ph type="body" idx="1"/>
+          </p:nvPr>
+        </p:nvSpPr>
+        <p:spPr/>
+        <p:txBody>
+          <a:bodyPr/>
+          <a:lstStyle/>
+          <a:p>
+            <a:endParaRPr lang="en-US" dirty="0"/>
+          </a:p>
+        </p:txBody>
+      </p:sp>
+      <p:sp>
+        <p:nvSpPr>
+          <p:cNvPr id="4" name="Slide Number Placeholder 3"/>
+          <p:cNvSpPr>
+            <a:spLocks noGrp="1"/>
+          </p:cNvSpPr>
+          <p:nvPr>
+            <p:ph type="sldNum" sz="quarter" idx="10"/>
+          </p:nvPr>
+        </p:nvSpPr>
+        <p:spPr/>
+        <p:txBody>
+          <a:bodyPr/>
+          <a:lstStyle/>
+          <a:p>
+            <a:fld id="{6BB98AFB-CB0D-4DFE-87B9-B4B0D0DE73CD}" type="slidenum">
+              <a:rPr lang="en-US" smtClean="0"/>
+              <a:t>12</a:t>
+            </a:fld>
+            <a:endParaRPr lang="en-US" dirty="0"/>
+          </a:p>
+        </p:txBody>
+      </p:sp>
+    </p:spTree>
+    <p:extLst>
+      <p:ext uri="{BB962C8B-B14F-4D97-AF65-F5344CB8AC3E}">
+        <p14:creationId xmlns:p14="http://schemas.microsoft.com/office/powerpoint/2010/main" val="1213050108"/>
+      </p:ext>
+    </p:extLst>
+  </p:cSld>
+  <p:clrMapOvr>
+    <a:masterClrMapping/>
+  </p:clrMapOvr>
+</p:notes>
+</file>
+
+<file path=ppt/notesSlides/notesSlide13.xml><?xml version="1.0" encoding="utf-8"?>
+<p:notes xmlns:a="http://schemas.openxmlformats.org/drawingml/2006/main" xmlns:r="http://schemas.openxmlformats.org/officeDocument/2006/relationships" xmlns:p="http://schemas.openxmlformats.org/presentationml/2006/main">
+  <p:cSld>
+    <p:spTree>
+      <p:nvGrpSpPr>
+        <p:cNvPr id="1" name=""/>
+        <p:cNvGrpSpPr/>
+        <p:nvPr/>
+      </p:nvGrpSpPr>
+      <p:grpSpPr>
+        <a:xfrm>
+          <a:off x="0" y="0"/>
+          <a:ext cx="0" cy="0"/>
+          <a:chOff x="0" y="0"/>
+          <a:chExt cx="0" cy="0"/>
+        </a:xfrm>
+      </p:grpSpPr>
+      <p:sp>
+        <p:nvSpPr>
+          <p:cNvPr id="2" name="Slide Image Placeholder 1"/>
+          <p:cNvSpPr>
+            <a:spLocks noGrp="1" noRot="1" noChangeAspect="1"/>
+          </p:cNvSpPr>
+          <p:nvPr>
+            <p:ph type="sldImg"/>
+          </p:nvPr>
+        </p:nvSpPr>
+        <p:spPr/>
+      </p:sp>
+      <p:sp>
+        <p:nvSpPr>
+          <p:cNvPr id="3" name="Notes Placeholder 2"/>
+          <p:cNvSpPr>
+            <a:spLocks noGrp="1"/>
+          </p:cNvSpPr>
+          <p:nvPr>
+            <p:ph type="body" idx="1"/>
+          </p:nvPr>
+        </p:nvSpPr>
+        <p:spPr/>
+        <p:txBody>
+          <a:bodyPr/>
+          <a:lstStyle/>
+          <a:p>
+            <a:endParaRPr lang="en-US" dirty="0"/>
+          </a:p>
+        </p:txBody>
+      </p:sp>
+      <p:sp>
+        <p:nvSpPr>
+          <p:cNvPr id="4" name="Slide Number Placeholder 3"/>
+          <p:cNvSpPr>
+            <a:spLocks noGrp="1"/>
+          </p:cNvSpPr>
+          <p:nvPr>
+            <p:ph type="sldNum" sz="quarter" idx="10"/>
+          </p:nvPr>
+        </p:nvSpPr>
+        <p:spPr/>
+        <p:txBody>
+          <a:bodyPr/>
+          <a:lstStyle/>
+          <a:p>
+            <a:fld id="{6BB98AFB-CB0D-4DFE-87B9-B4B0D0DE73CD}" type="slidenum">
+              <a:rPr lang="en-US" smtClean="0"/>
+              <a:t>13</a:t>
+            </a:fld>
+            <a:endParaRPr lang="en-US" dirty="0"/>
+          </a:p>
+        </p:txBody>
+      </p:sp>
+    </p:spTree>
+    <p:extLst>
+      <p:ext uri="{BB962C8B-B14F-4D97-AF65-F5344CB8AC3E}">
+        <p14:creationId xmlns:p14="http://schemas.microsoft.com/office/powerpoint/2010/main" val="445263489"/>
       </p:ext>
     </p:extLst>
   </p:cSld>
@@ -5956,6 +6126,728 @@
     <p:extLst>
       <p:ext uri="{BB962C8B-B14F-4D97-AF65-F5344CB8AC3E}">
         <p14:creationId xmlns:p14="http://schemas.microsoft.com/office/powerpoint/2010/main" val="2535401423"/>
+      </p:ext>
+    </p:extLst>
+  </p:cSld>
+  <p:clrMapOvr>
+    <a:masterClrMapping/>
+  </p:clrMapOvr>
+  <mc:AlternateContent xmlns:mc="http://schemas.openxmlformats.org/markup-compatibility/2006" xmlns:p14="http://schemas.microsoft.com/office/powerpoint/2010/main">
+    <mc:Choice Requires="p14">
+      <p:transition spd="med" p14:dur="700">
+        <p:fade/>
+      </p:transition>
+    </mc:Choice>
+    <mc:Fallback xmlns="">
+      <p:transition spd="med">
+        <p:fade/>
+      </p:transition>
+    </mc:Fallback>
+  </mc:AlternateContent>
+</p:sld>
+</file>
+
+<file path=ppt/slides/slide12.xml><?xml version="1.0" encoding="utf-8"?>
+<p:sld xmlns:a="http://schemas.openxmlformats.org/drawingml/2006/main" xmlns:r="http://schemas.openxmlformats.org/officeDocument/2006/relationships" xmlns:p="http://schemas.openxmlformats.org/presentationml/2006/main">
+  <p:cSld>
+    <p:spTree>
+      <p:nvGrpSpPr>
+        <p:cNvPr id="1" name=""/>
+        <p:cNvGrpSpPr/>
+        <p:nvPr/>
+      </p:nvGrpSpPr>
+      <p:grpSpPr>
+        <a:xfrm>
+          <a:off x="0" y="0"/>
+          <a:ext cx="0" cy="0"/>
+          <a:chOff x="0" y="0"/>
+          <a:chExt cx="0" cy="0"/>
+        </a:xfrm>
+      </p:grpSpPr>
+      <p:sp>
+        <p:nvSpPr>
+          <p:cNvPr id="4" name="Title 3"/>
+          <p:cNvSpPr>
+            <a:spLocks noGrp="1"/>
+          </p:cNvSpPr>
+          <p:nvPr>
+            <p:ph type="ctrTitle"/>
+          </p:nvPr>
+        </p:nvSpPr>
+        <p:spPr/>
+        <p:txBody>
+          <a:bodyPr>
+            <a:normAutofit/>
+          </a:bodyPr>
+          <a:lstStyle/>
+          <a:p>
+            <a:pPr algn="ctr"/>
+            <a:r>
+              <a:rPr lang="zh-CN" altLang="en-US" sz="4800" dirty="0">
+                <a:latin typeface="华文隶书" panose="02010800040101010101" pitchFamily="2" charset="-122"/>
+                <a:ea typeface="华文隶书" panose="02010800040101010101" pitchFamily="2" charset="-122"/>
+              </a:rPr>
+              <a:t>让</a:t>
+            </a:r>
+            <a:r>
+              <a:rPr lang="en-US" altLang="zh-CN" sz="4800" dirty="0">
+                <a:latin typeface="华文隶书" panose="02010800040101010101" pitchFamily="2" charset="-122"/>
+                <a:ea typeface="华文隶书" panose="02010800040101010101" pitchFamily="2" charset="-122"/>
+              </a:rPr>
+              <a:t>Python</a:t>
+            </a:r>
+            <a:r>
+              <a:rPr lang="zh-CN" altLang="en-US" sz="4800" dirty="0">
+                <a:latin typeface="华文隶书" panose="02010800040101010101" pitchFamily="2" charset="-122"/>
+                <a:ea typeface="华文隶书" panose="02010800040101010101" pitchFamily="2" charset="-122"/>
+              </a:rPr>
+              <a:t>遇上</a:t>
+            </a:r>
+            <a:r>
+              <a:rPr lang="en-US" altLang="zh-CN" sz="4800" dirty="0">
+                <a:latin typeface="华文隶书" panose="02010800040101010101" pitchFamily="2" charset="-122"/>
+                <a:ea typeface="华文隶书" panose="02010800040101010101" pitchFamily="2" charset="-122"/>
+              </a:rPr>
+              <a:t>Office</a:t>
+            </a:r>
+            <a:br>
+              <a:rPr lang="en-US" altLang="zh-CN" sz="4800" dirty="0">
+                <a:latin typeface="华文隶书" panose="02010800040101010101" pitchFamily="2" charset="-122"/>
+                <a:ea typeface="华文隶书" panose="02010800040101010101" pitchFamily="2" charset="-122"/>
+              </a:rPr>
+            </a:br>
+            <a:br>
+              <a:rPr lang="en-US" altLang="zh-CN" sz="4800" dirty="0">
+                <a:latin typeface="华文隶书" panose="02010800040101010101" pitchFamily="2" charset="-122"/>
+                <a:ea typeface="华文隶书" panose="02010800040101010101" pitchFamily="2" charset="-122"/>
+              </a:rPr>
+            </a:br>
+            <a:r>
+              <a:rPr lang="en-US" altLang="zh-CN" sz="4800" dirty="0">
+                <a:latin typeface="华文隶书" panose="02010800040101010101" pitchFamily="2" charset="-122"/>
+                <a:ea typeface="华文隶书" panose="02010800040101010101" pitchFamily="2" charset="-122"/>
+              </a:rPr>
+              <a:t>(Python with Office)</a:t>
+            </a:r>
+            <a:endParaRPr lang="en-US" sz="4800" dirty="0">
+              <a:latin typeface="华文隶书" panose="02010800040101010101" pitchFamily="2" charset="-122"/>
+              <a:ea typeface="华文隶书" panose="02010800040101010101" pitchFamily="2" charset="-122"/>
+            </a:endParaRPr>
+          </a:p>
+        </p:txBody>
+      </p:sp>
+      <p:sp>
+        <p:nvSpPr>
+          <p:cNvPr id="3" name="Content Placeholder 2"/>
+          <p:cNvSpPr>
+            <a:spLocks noGrp="1"/>
+          </p:cNvSpPr>
+          <p:nvPr>
+            <p:ph type="subTitle" idx="1"/>
+          </p:nvPr>
+        </p:nvSpPr>
+        <p:spPr>
+          <a:xfrm>
+            <a:off x="1065212" y="3403600"/>
+            <a:ext cx="5029201" cy="2185640"/>
+          </a:xfrm>
+        </p:spPr>
+        <p:txBody>
+          <a:bodyPr>
+            <a:normAutofit lnSpcReduction="10000"/>
+          </a:bodyPr>
+          <a:lstStyle/>
+          <a:p>
+            <a:r>
+              <a:rPr lang="en-US" sz="2800" dirty="0">
+                <a:latin typeface="ADLaM Display" panose="020F0502020204030204" pitchFamily="2" charset="0"/>
+                <a:ea typeface="ADLaM Display" panose="020F0502020204030204" pitchFamily="2" charset="0"/>
+                <a:cs typeface="ADLaM Display" panose="020F0502020204030204" pitchFamily="2" charset="0"/>
+              </a:rPr>
+              <a:t>Chapter 3 Functions</a:t>
+            </a:r>
+          </a:p>
+          <a:p>
+            <a:r>
+              <a:rPr lang="en-US" sz="2800" dirty="0">
+                <a:latin typeface="ADLaM Display" panose="020F0502020204030204" pitchFamily="2" charset="0"/>
+                <a:ea typeface="ADLaM Display" panose="020F0502020204030204" pitchFamily="2" charset="0"/>
+                <a:cs typeface="ADLaM Display" panose="020F0502020204030204" pitchFamily="2" charset="0"/>
+              </a:rPr>
+              <a:t>3.1 Three Basic Structure</a:t>
+            </a:r>
+            <a:endParaRPr lang="en-US" altLang="zh-CN" sz="2800" dirty="0">
+              <a:latin typeface="ADLaM Display" panose="020F0502020204030204" pitchFamily="2" charset="0"/>
+              <a:ea typeface="ADLaM Display" panose="020F0502020204030204" pitchFamily="2" charset="0"/>
+              <a:cs typeface="ADLaM Display" panose="020F0502020204030204" pitchFamily="2" charset="0"/>
+            </a:endParaRPr>
+          </a:p>
+          <a:p>
+            <a:endParaRPr lang="en-US" sz="2800" dirty="0">
+              <a:latin typeface="ADLaM Display" panose="020F0502020204030204" pitchFamily="2" charset="0"/>
+              <a:ea typeface="ADLaM Display" panose="020F0502020204030204" pitchFamily="2" charset="0"/>
+              <a:cs typeface="ADLaM Display" panose="020F0502020204030204" pitchFamily="2" charset="0"/>
+            </a:endParaRPr>
+          </a:p>
+          <a:p>
+            <a:r>
+              <a:rPr lang="zh-CN" altLang="en-US" sz="2800" dirty="0">
+                <a:latin typeface="ADLaM Display" panose="020F0502020204030204" pitchFamily="2" charset="0"/>
+                <a:ea typeface="ADLaM Display" panose="020F0502020204030204" pitchFamily="2" charset="0"/>
+                <a:cs typeface="ADLaM Display" panose="020F0502020204030204" pitchFamily="2" charset="0"/>
+              </a:rPr>
+              <a:t>第三章 函数</a:t>
+            </a:r>
+            <a:endParaRPr lang="en-US" altLang="zh-CN" sz="2800" dirty="0">
+              <a:latin typeface="ADLaM Display" panose="020F0502020204030204" pitchFamily="2" charset="0"/>
+              <a:ea typeface="ADLaM Display" panose="020F0502020204030204" pitchFamily="2" charset="0"/>
+              <a:cs typeface="ADLaM Display" panose="020F0502020204030204" pitchFamily="2" charset="0"/>
+            </a:endParaRPr>
+          </a:p>
+          <a:p>
+            <a:r>
+              <a:rPr lang="en-US" sz="2800" dirty="0">
+                <a:latin typeface="ADLaM Display" panose="020F0502020204030204" pitchFamily="2" charset="0"/>
+                <a:ea typeface="ADLaM Display" panose="020F0502020204030204" pitchFamily="2" charset="0"/>
+                <a:cs typeface="ADLaM Display" panose="020F0502020204030204" pitchFamily="2" charset="0"/>
+              </a:rPr>
+              <a:t>3.1 </a:t>
+            </a:r>
+            <a:r>
+              <a:rPr lang="zh-CN" altLang="en-US" sz="2800" dirty="0">
+                <a:latin typeface="ADLaM Display" panose="020F0502020204030204" pitchFamily="2" charset="0"/>
+                <a:ea typeface="ADLaM Display" panose="020F0502020204030204" pitchFamily="2" charset="0"/>
+                <a:cs typeface="ADLaM Display" panose="020F0502020204030204" pitchFamily="2" charset="0"/>
+              </a:rPr>
+              <a:t>三大基本结构</a:t>
+            </a:r>
+            <a:endParaRPr lang="en-US" sz="2800" dirty="0">
+              <a:latin typeface="ADLaM Display" panose="020F0502020204030204" pitchFamily="2" charset="0"/>
+              <a:ea typeface="ADLaM Display" panose="020F0502020204030204" pitchFamily="2" charset="0"/>
+              <a:cs typeface="ADLaM Display" panose="020F0502020204030204" pitchFamily="2" charset="0"/>
+            </a:endParaRPr>
+          </a:p>
+        </p:txBody>
+      </p:sp>
+      <p:pic>
+        <p:nvPicPr>
+          <p:cNvPr id="5" name="Picture 4">
+            <a:extLst>
+              <a:ext uri="{FF2B5EF4-FFF2-40B4-BE49-F238E27FC236}">
+                <a16:creationId xmlns:a16="http://schemas.microsoft.com/office/drawing/2014/main" id="{4AD8B85C-B359-195F-B78C-C879AB7840B1}"/>
+              </a:ext>
+            </a:extLst>
+          </p:cNvPr>
+          <p:cNvPicPr>
+            <a:picLocks noChangeAspect="1"/>
+          </p:cNvPicPr>
+          <p:nvPr/>
+        </p:nvPicPr>
+        <p:blipFill>
+          <a:blip r:embed="rId3"/>
+          <a:stretch>
+            <a:fillRect/>
+          </a:stretch>
+        </p:blipFill>
+        <p:spPr>
+          <a:xfrm>
+            <a:off x="57601" y="1189856"/>
+            <a:ext cx="1068259" cy="1556792"/>
+          </a:xfrm>
+          <a:prstGeom prst="rect">
+            <a:avLst/>
+          </a:prstGeom>
+          <a:ln>
+            <a:noFill/>
+          </a:ln>
+          <a:effectLst>
+            <a:outerShdw blurRad="292100" dist="139700" dir="2700000" algn="tl" rotWithShape="0">
+              <a:srgbClr val="333333">
+                <a:alpha val="65000"/>
+              </a:srgbClr>
+            </a:outerShdw>
+          </a:effectLst>
+        </p:spPr>
+      </p:pic>
+      <p:sp>
+        <p:nvSpPr>
+          <p:cNvPr id="2" name="TextBox 1">
+            <a:extLst>
+              <a:ext uri="{FF2B5EF4-FFF2-40B4-BE49-F238E27FC236}">
+                <a16:creationId xmlns:a16="http://schemas.microsoft.com/office/drawing/2014/main" id="{CAB2C784-DE74-68FC-7A84-3E6C5D164315}"/>
+              </a:ext>
+            </a:extLst>
+          </p:cNvPr>
+          <p:cNvSpPr txBox="1"/>
+          <p:nvPr/>
+        </p:nvSpPr>
+        <p:spPr>
+          <a:xfrm>
+            <a:off x="405780" y="5722972"/>
+            <a:ext cx="7951216" cy="523220"/>
+          </a:xfrm>
+          <a:prstGeom prst="rect">
+            <a:avLst/>
+          </a:prstGeom>
+          <a:solidFill>
+            <a:schemeClr val="bg1">
+              <a:lumMod val="95000"/>
+            </a:schemeClr>
+          </a:solidFill>
+          <a:ln>
+            <a:solidFill>
+              <a:schemeClr val="bg2"/>
+            </a:solidFill>
+          </a:ln>
+        </p:spPr>
+        <p:txBody>
+          <a:bodyPr wrap="none" rtlCol="0" anchor="ctr" anchorCtr="1">
+            <a:spAutoFit/>
+          </a:bodyPr>
+          <a:lstStyle/>
+          <a:p>
+            <a:r>
+              <a:rPr lang="en-US" sz="2800" dirty="0">
+                <a:hlinkClick r:id="rId4"/>
+              </a:rPr>
+              <a:t>https://github.com/yasenstar/python_with_office</a:t>
+            </a:r>
+            <a:endParaRPr lang="en-US" sz="2800" dirty="0"/>
+          </a:p>
+        </p:txBody>
+      </p:sp>
+      <p:sp>
+        <p:nvSpPr>
+          <p:cNvPr id="9" name="TextBox 8">
+            <a:extLst>
+              <a:ext uri="{FF2B5EF4-FFF2-40B4-BE49-F238E27FC236}">
+                <a16:creationId xmlns:a16="http://schemas.microsoft.com/office/drawing/2014/main" id="{C25C84F5-3AA3-A068-7E2F-9123CA5A7D16}"/>
+              </a:ext>
+            </a:extLst>
+          </p:cNvPr>
+          <p:cNvSpPr txBox="1"/>
+          <p:nvPr/>
+        </p:nvSpPr>
+        <p:spPr>
+          <a:xfrm>
+            <a:off x="405780" y="6246192"/>
+            <a:ext cx="7951216" cy="523220"/>
+          </a:xfrm>
+          <a:prstGeom prst="rect">
+            <a:avLst/>
+          </a:prstGeom>
+          <a:solidFill>
+            <a:schemeClr val="bg1">
+              <a:lumMod val="95000"/>
+            </a:schemeClr>
+          </a:solidFill>
+          <a:ln>
+            <a:solidFill>
+              <a:schemeClr val="bg2"/>
+            </a:solidFill>
+          </a:ln>
+        </p:spPr>
+        <p:txBody>
+          <a:bodyPr wrap="square" rtlCol="0" anchor="ctr" anchorCtr="1">
+            <a:spAutoFit/>
+          </a:bodyPr>
+          <a:lstStyle/>
+          <a:p>
+            <a:r>
+              <a:rPr lang="en-US" sz="2800" dirty="0">
+                <a:hlinkClick r:id="rId5"/>
+              </a:rPr>
+              <a:t>https://gitee.com/yasenstar/python_with_office</a:t>
+            </a:r>
+            <a:endParaRPr lang="en-US" sz="2800" dirty="0"/>
+          </a:p>
+        </p:txBody>
+      </p:sp>
+      <p:pic>
+        <p:nvPicPr>
+          <p:cNvPr id="11" name="Picture 10">
+            <a:extLst>
+              <a:ext uri="{FF2B5EF4-FFF2-40B4-BE49-F238E27FC236}">
+                <a16:creationId xmlns:a16="http://schemas.microsoft.com/office/drawing/2014/main" id="{BA96D691-610A-FD83-2613-59599D853996}"/>
+              </a:ext>
+            </a:extLst>
+          </p:cNvPr>
+          <p:cNvPicPr>
+            <a:picLocks noChangeAspect="1"/>
+          </p:cNvPicPr>
+          <p:nvPr/>
+        </p:nvPicPr>
+        <p:blipFill>
+          <a:blip r:embed="rId6"/>
+          <a:stretch>
+            <a:fillRect/>
+          </a:stretch>
+        </p:blipFill>
+        <p:spPr>
+          <a:xfrm>
+            <a:off x="6382444" y="980728"/>
+            <a:ext cx="5029202" cy="3889990"/>
+          </a:xfrm>
+          <a:prstGeom prst="rect">
+            <a:avLst/>
+          </a:prstGeom>
+          <a:ln>
+            <a:noFill/>
+          </a:ln>
+          <a:effectLst>
+            <a:outerShdw blurRad="292100" dist="139700" dir="2700000" algn="tl" rotWithShape="0">
+              <a:srgbClr val="333333">
+                <a:alpha val="65000"/>
+              </a:srgbClr>
+            </a:outerShdw>
+          </a:effectLst>
+        </p:spPr>
+      </p:pic>
+    </p:spTree>
+    <p:extLst>
+      <p:ext uri="{BB962C8B-B14F-4D97-AF65-F5344CB8AC3E}">
+        <p14:creationId xmlns:p14="http://schemas.microsoft.com/office/powerpoint/2010/main" val="895631860"/>
+      </p:ext>
+    </p:extLst>
+  </p:cSld>
+  <p:clrMapOvr>
+    <a:masterClrMapping/>
+  </p:clrMapOvr>
+  <mc:AlternateContent xmlns:mc="http://schemas.openxmlformats.org/markup-compatibility/2006" xmlns:p14="http://schemas.microsoft.com/office/powerpoint/2010/main">
+    <mc:Choice Requires="p14">
+      <p:transition spd="med" p14:dur="700">
+        <p:fade/>
+      </p:transition>
+    </mc:Choice>
+    <mc:Fallback xmlns="">
+      <p:transition spd="med">
+        <p:fade/>
+      </p:transition>
+    </mc:Fallback>
+  </mc:AlternateContent>
+</p:sld>
+</file>
+
+<file path=ppt/slides/slide13.xml><?xml version="1.0" encoding="utf-8"?>
+<p:sld xmlns:a="http://schemas.openxmlformats.org/drawingml/2006/main" xmlns:r="http://schemas.openxmlformats.org/officeDocument/2006/relationships" xmlns:p="http://schemas.openxmlformats.org/presentationml/2006/main">
+  <p:cSld>
+    <p:spTree>
+      <p:nvGrpSpPr>
+        <p:cNvPr id="1" name=""/>
+        <p:cNvGrpSpPr/>
+        <p:nvPr/>
+      </p:nvGrpSpPr>
+      <p:grpSpPr>
+        <a:xfrm>
+          <a:off x="0" y="0"/>
+          <a:ext cx="0" cy="0"/>
+          <a:chOff x="0" y="0"/>
+          <a:chExt cx="0" cy="0"/>
+        </a:xfrm>
+      </p:grpSpPr>
+      <p:sp>
+        <p:nvSpPr>
+          <p:cNvPr id="4" name="Title 3"/>
+          <p:cNvSpPr>
+            <a:spLocks noGrp="1"/>
+          </p:cNvSpPr>
+          <p:nvPr>
+            <p:ph type="ctrTitle"/>
+          </p:nvPr>
+        </p:nvSpPr>
+        <p:spPr/>
+        <p:txBody>
+          <a:bodyPr>
+            <a:normAutofit/>
+          </a:bodyPr>
+          <a:lstStyle/>
+          <a:p>
+            <a:pPr algn="ctr"/>
+            <a:r>
+              <a:rPr lang="zh-CN" altLang="en-US" sz="4800" dirty="0">
+                <a:latin typeface="华文隶书" panose="02010800040101010101" pitchFamily="2" charset="-122"/>
+                <a:ea typeface="华文隶书" panose="02010800040101010101" pitchFamily="2" charset="-122"/>
+              </a:rPr>
+              <a:t>让</a:t>
+            </a:r>
+            <a:r>
+              <a:rPr lang="en-US" altLang="zh-CN" sz="4800" dirty="0">
+                <a:latin typeface="华文隶书" panose="02010800040101010101" pitchFamily="2" charset="-122"/>
+                <a:ea typeface="华文隶书" panose="02010800040101010101" pitchFamily="2" charset="-122"/>
+              </a:rPr>
+              <a:t>Python</a:t>
+            </a:r>
+            <a:r>
+              <a:rPr lang="zh-CN" altLang="en-US" sz="4800" dirty="0">
+                <a:latin typeface="华文隶书" panose="02010800040101010101" pitchFamily="2" charset="-122"/>
+                <a:ea typeface="华文隶书" panose="02010800040101010101" pitchFamily="2" charset="-122"/>
+              </a:rPr>
+              <a:t>遇上</a:t>
+            </a:r>
+            <a:r>
+              <a:rPr lang="en-US" altLang="zh-CN" sz="4800" dirty="0">
+                <a:latin typeface="华文隶书" panose="02010800040101010101" pitchFamily="2" charset="-122"/>
+                <a:ea typeface="华文隶书" panose="02010800040101010101" pitchFamily="2" charset="-122"/>
+              </a:rPr>
+              <a:t>Office</a:t>
+            </a:r>
+            <a:br>
+              <a:rPr lang="en-US" altLang="zh-CN" sz="4800" dirty="0">
+                <a:latin typeface="华文隶书" panose="02010800040101010101" pitchFamily="2" charset="-122"/>
+                <a:ea typeface="华文隶书" panose="02010800040101010101" pitchFamily="2" charset="-122"/>
+              </a:rPr>
+            </a:br>
+            <a:br>
+              <a:rPr lang="en-US" altLang="zh-CN" sz="4800" dirty="0">
+                <a:latin typeface="华文隶书" panose="02010800040101010101" pitchFamily="2" charset="-122"/>
+                <a:ea typeface="华文隶书" panose="02010800040101010101" pitchFamily="2" charset="-122"/>
+              </a:rPr>
+            </a:br>
+            <a:r>
+              <a:rPr lang="en-US" altLang="zh-CN" sz="4800" dirty="0">
+                <a:latin typeface="华文隶书" panose="02010800040101010101" pitchFamily="2" charset="-122"/>
+                <a:ea typeface="华文隶书" panose="02010800040101010101" pitchFamily="2" charset="-122"/>
+              </a:rPr>
+              <a:t>(Python with Office)</a:t>
+            </a:r>
+            <a:endParaRPr lang="en-US" sz="4800" dirty="0">
+              <a:latin typeface="华文隶书" panose="02010800040101010101" pitchFamily="2" charset="-122"/>
+              <a:ea typeface="华文隶书" panose="02010800040101010101" pitchFamily="2" charset="-122"/>
+            </a:endParaRPr>
+          </a:p>
+        </p:txBody>
+      </p:sp>
+      <p:sp>
+        <p:nvSpPr>
+          <p:cNvPr id="3" name="Content Placeholder 2"/>
+          <p:cNvSpPr>
+            <a:spLocks noGrp="1"/>
+          </p:cNvSpPr>
+          <p:nvPr>
+            <p:ph type="subTitle" idx="1"/>
+          </p:nvPr>
+        </p:nvSpPr>
+        <p:spPr>
+          <a:xfrm>
+            <a:off x="1065212" y="3403600"/>
+            <a:ext cx="5029201" cy="2185640"/>
+          </a:xfrm>
+        </p:spPr>
+        <p:txBody>
+          <a:bodyPr>
+            <a:normAutofit lnSpcReduction="10000"/>
+          </a:bodyPr>
+          <a:lstStyle/>
+          <a:p>
+            <a:r>
+              <a:rPr lang="en-US" sz="2800" dirty="0">
+                <a:latin typeface="ADLaM Display" panose="020F0502020204030204" pitchFamily="2" charset="0"/>
+                <a:ea typeface="ADLaM Display" panose="020F0502020204030204" pitchFamily="2" charset="0"/>
+                <a:cs typeface="ADLaM Display" panose="020F0502020204030204" pitchFamily="2" charset="0"/>
+              </a:rPr>
+              <a:t>Chapter 3 Functions</a:t>
+            </a:r>
+          </a:p>
+          <a:p>
+            <a:r>
+              <a:rPr lang="en-US" sz="2800" dirty="0">
+                <a:latin typeface="ADLaM Display" panose="020F0502020204030204" pitchFamily="2" charset="0"/>
+                <a:ea typeface="ADLaM Display" panose="020F0502020204030204" pitchFamily="2" charset="0"/>
+                <a:cs typeface="ADLaM Display" panose="020F0502020204030204" pitchFamily="2" charset="0"/>
+              </a:rPr>
+              <a:t>3.1 Three Basic Structure</a:t>
+            </a:r>
+            <a:endParaRPr lang="en-US" altLang="zh-CN" sz="2800" dirty="0">
+              <a:latin typeface="ADLaM Display" panose="020F0502020204030204" pitchFamily="2" charset="0"/>
+              <a:ea typeface="ADLaM Display" panose="020F0502020204030204" pitchFamily="2" charset="0"/>
+              <a:cs typeface="ADLaM Display" panose="020F0502020204030204" pitchFamily="2" charset="0"/>
+            </a:endParaRPr>
+          </a:p>
+          <a:p>
+            <a:endParaRPr lang="en-US" sz="2800" dirty="0">
+              <a:latin typeface="ADLaM Display" panose="020F0502020204030204" pitchFamily="2" charset="0"/>
+              <a:ea typeface="ADLaM Display" panose="020F0502020204030204" pitchFamily="2" charset="0"/>
+              <a:cs typeface="ADLaM Display" panose="020F0502020204030204" pitchFamily="2" charset="0"/>
+            </a:endParaRPr>
+          </a:p>
+          <a:p>
+            <a:r>
+              <a:rPr lang="zh-CN" altLang="en-US" sz="2800" dirty="0">
+                <a:latin typeface="ADLaM Display" panose="020F0502020204030204" pitchFamily="2" charset="0"/>
+                <a:ea typeface="ADLaM Display" panose="020F0502020204030204" pitchFamily="2" charset="0"/>
+                <a:cs typeface="ADLaM Display" panose="020F0502020204030204" pitchFamily="2" charset="0"/>
+              </a:rPr>
+              <a:t>第三章 函数</a:t>
+            </a:r>
+            <a:endParaRPr lang="en-US" altLang="zh-CN" sz="2800" dirty="0">
+              <a:latin typeface="ADLaM Display" panose="020F0502020204030204" pitchFamily="2" charset="0"/>
+              <a:ea typeface="ADLaM Display" panose="020F0502020204030204" pitchFamily="2" charset="0"/>
+              <a:cs typeface="ADLaM Display" panose="020F0502020204030204" pitchFamily="2" charset="0"/>
+            </a:endParaRPr>
+          </a:p>
+          <a:p>
+            <a:r>
+              <a:rPr lang="en-US" sz="2800" dirty="0">
+                <a:latin typeface="ADLaM Display" panose="020F0502020204030204" pitchFamily="2" charset="0"/>
+                <a:ea typeface="ADLaM Display" panose="020F0502020204030204" pitchFamily="2" charset="0"/>
+                <a:cs typeface="ADLaM Display" panose="020F0502020204030204" pitchFamily="2" charset="0"/>
+              </a:rPr>
+              <a:t>3.1 </a:t>
+            </a:r>
+            <a:r>
+              <a:rPr lang="zh-CN" altLang="en-US" sz="2800" dirty="0">
+                <a:latin typeface="ADLaM Display" panose="020F0502020204030204" pitchFamily="2" charset="0"/>
+                <a:ea typeface="ADLaM Display" panose="020F0502020204030204" pitchFamily="2" charset="0"/>
+                <a:cs typeface="ADLaM Display" panose="020F0502020204030204" pitchFamily="2" charset="0"/>
+              </a:rPr>
+              <a:t>三大基本结构</a:t>
+            </a:r>
+            <a:endParaRPr lang="en-US" sz="2800" dirty="0">
+              <a:latin typeface="ADLaM Display" panose="020F0502020204030204" pitchFamily="2" charset="0"/>
+              <a:ea typeface="ADLaM Display" panose="020F0502020204030204" pitchFamily="2" charset="0"/>
+              <a:cs typeface="ADLaM Display" panose="020F0502020204030204" pitchFamily="2" charset="0"/>
+            </a:endParaRPr>
+          </a:p>
+        </p:txBody>
+      </p:sp>
+      <p:pic>
+        <p:nvPicPr>
+          <p:cNvPr id="5" name="Picture 4">
+            <a:extLst>
+              <a:ext uri="{FF2B5EF4-FFF2-40B4-BE49-F238E27FC236}">
+                <a16:creationId xmlns:a16="http://schemas.microsoft.com/office/drawing/2014/main" id="{4AD8B85C-B359-195F-B78C-C879AB7840B1}"/>
+              </a:ext>
+            </a:extLst>
+          </p:cNvPr>
+          <p:cNvPicPr>
+            <a:picLocks noChangeAspect="1"/>
+          </p:cNvPicPr>
+          <p:nvPr/>
+        </p:nvPicPr>
+        <p:blipFill>
+          <a:blip r:embed="rId3"/>
+          <a:stretch>
+            <a:fillRect/>
+          </a:stretch>
+        </p:blipFill>
+        <p:spPr>
+          <a:xfrm>
+            <a:off x="57601" y="1189856"/>
+            <a:ext cx="1068259" cy="1556792"/>
+          </a:xfrm>
+          <a:prstGeom prst="rect">
+            <a:avLst/>
+          </a:prstGeom>
+          <a:ln>
+            <a:noFill/>
+          </a:ln>
+          <a:effectLst>
+            <a:outerShdw blurRad="292100" dist="139700" dir="2700000" algn="tl" rotWithShape="0">
+              <a:srgbClr val="333333">
+                <a:alpha val="65000"/>
+              </a:srgbClr>
+            </a:outerShdw>
+          </a:effectLst>
+        </p:spPr>
+      </p:pic>
+      <p:sp>
+        <p:nvSpPr>
+          <p:cNvPr id="2" name="TextBox 1">
+            <a:extLst>
+              <a:ext uri="{FF2B5EF4-FFF2-40B4-BE49-F238E27FC236}">
+                <a16:creationId xmlns:a16="http://schemas.microsoft.com/office/drawing/2014/main" id="{CAB2C784-DE74-68FC-7A84-3E6C5D164315}"/>
+              </a:ext>
+            </a:extLst>
+          </p:cNvPr>
+          <p:cNvSpPr txBox="1"/>
+          <p:nvPr/>
+        </p:nvSpPr>
+        <p:spPr>
+          <a:xfrm>
+            <a:off x="405780" y="5722972"/>
+            <a:ext cx="7951216" cy="523220"/>
+          </a:xfrm>
+          <a:prstGeom prst="rect">
+            <a:avLst/>
+          </a:prstGeom>
+          <a:solidFill>
+            <a:schemeClr val="bg1">
+              <a:lumMod val="95000"/>
+            </a:schemeClr>
+          </a:solidFill>
+          <a:ln>
+            <a:solidFill>
+              <a:schemeClr val="bg2"/>
+            </a:solidFill>
+          </a:ln>
+        </p:spPr>
+        <p:txBody>
+          <a:bodyPr wrap="none" rtlCol="0" anchor="ctr" anchorCtr="1">
+            <a:spAutoFit/>
+          </a:bodyPr>
+          <a:lstStyle/>
+          <a:p>
+            <a:r>
+              <a:rPr lang="en-US" sz="2800" dirty="0">
+                <a:hlinkClick r:id="rId4"/>
+              </a:rPr>
+              <a:t>https://github.com/yasenstar/python_with_office</a:t>
+            </a:r>
+            <a:endParaRPr lang="en-US" sz="2800" dirty="0"/>
+          </a:p>
+        </p:txBody>
+      </p:sp>
+      <p:sp>
+        <p:nvSpPr>
+          <p:cNvPr id="9" name="TextBox 8">
+            <a:extLst>
+              <a:ext uri="{FF2B5EF4-FFF2-40B4-BE49-F238E27FC236}">
+                <a16:creationId xmlns:a16="http://schemas.microsoft.com/office/drawing/2014/main" id="{C25C84F5-3AA3-A068-7E2F-9123CA5A7D16}"/>
+              </a:ext>
+            </a:extLst>
+          </p:cNvPr>
+          <p:cNvSpPr txBox="1"/>
+          <p:nvPr/>
+        </p:nvSpPr>
+        <p:spPr>
+          <a:xfrm>
+            <a:off x="405780" y="6246192"/>
+            <a:ext cx="7951216" cy="523220"/>
+          </a:xfrm>
+          <a:prstGeom prst="rect">
+            <a:avLst/>
+          </a:prstGeom>
+          <a:solidFill>
+            <a:schemeClr val="bg1">
+              <a:lumMod val="95000"/>
+            </a:schemeClr>
+          </a:solidFill>
+          <a:ln>
+            <a:solidFill>
+              <a:schemeClr val="bg2"/>
+            </a:solidFill>
+          </a:ln>
+        </p:spPr>
+        <p:txBody>
+          <a:bodyPr wrap="square" rtlCol="0" anchor="ctr" anchorCtr="1">
+            <a:spAutoFit/>
+          </a:bodyPr>
+          <a:lstStyle/>
+          <a:p>
+            <a:r>
+              <a:rPr lang="en-US" sz="2800" dirty="0">
+                <a:hlinkClick r:id="rId5"/>
+              </a:rPr>
+              <a:t>https://gitee.com/yasenstar/python_with_office</a:t>
+            </a:r>
+            <a:endParaRPr lang="en-US" sz="2800" dirty="0"/>
+          </a:p>
+        </p:txBody>
+      </p:sp>
+    </p:spTree>
+    <p:extLst>
+      <p:ext uri="{BB962C8B-B14F-4D97-AF65-F5344CB8AC3E}">
+        <p14:creationId xmlns:p14="http://schemas.microsoft.com/office/powerpoint/2010/main" val="2636921587"/>
       </p:ext>
     </p:extLst>
   </p:cSld>

--- a/Video_Covers.pptx
+++ b/Video_Covers.pptx
@@ -6844,6 +6844,46 @@
           </a:p>
         </p:txBody>
       </p:sp>
+      <p:pic>
+        <p:nvPicPr>
+          <p:cNvPr id="7" name="Picture 6">
+            <a:extLst>
+              <a:ext uri="{FF2B5EF4-FFF2-40B4-BE49-F238E27FC236}">
+                <a16:creationId xmlns:a16="http://schemas.microsoft.com/office/drawing/2014/main" id="{99685BF0-B0AD-89E6-E52D-39B23E7DC7AC}"/>
+              </a:ext>
+            </a:extLst>
+          </p:cNvPr>
+          <p:cNvPicPr>
+            <a:picLocks noChangeAspect="1"/>
+          </p:cNvPicPr>
+          <p:nvPr/>
+        </p:nvPicPr>
+        <p:blipFill>
+          <a:blip r:embed="rId6"/>
+          <a:stretch>
+            <a:fillRect/>
+          </a:stretch>
+        </p:blipFill>
+        <p:spPr>
+          <a:xfrm>
+            <a:off x="6382444" y="692696"/>
+            <a:ext cx="5565639" cy="4768666"/>
+          </a:xfrm>
+          <a:prstGeom prst="rect">
+            <a:avLst/>
+          </a:prstGeom>
+          <a:ln>
+            <a:noFill/>
+          </a:ln>
+          <a:effectLst>
+            <a:outerShdw blurRad="292100" dist="139700" dir="2700000" algn="tl" rotWithShape="0">
+              <a:srgbClr val="333333">
+                <a:alpha val="65000"/>
+              </a:srgbClr>
+            </a:outerShdw>
+          </a:effectLst>
+        </p:spPr>
+      </p:pic>
     </p:spTree>
     <p:extLst>
       <p:ext uri="{BB962C8B-B14F-4D97-AF65-F5344CB8AC3E}">

--- a/Video_Covers.pptx
+++ b/Video_Covers.pptx
@@ -5,10 +5,10 @@
     <p:sldMasterId id="2147483660" r:id="rId1"/>
   </p:sldMasterIdLst>
   <p:notesMasterIdLst>
-    <p:notesMasterId r:id="rId15"/>
+    <p:notesMasterId r:id="rId16"/>
   </p:notesMasterIdLst>
   <p:handoutMasterIdLst>
-    <p:handoutMasterId r:id="rId16"/>
+    <p:handoutMasterId r:id="rId17"/>
   </p:handoutMasterIdLst>
   <p:sldIdLst>
     <p:sldId id="257" r:id="rId2"/>
@@ -24,6 +24,7 @@
     <p:sldId id="267" r:id="rId12"/>
     <p:sldId id="268" r:id="rId13"/>
     <p:sldId id="269" r:id="rId14"/>
+    <p:sldId id="270" r:id="rId15"/>
   </p:sldIdLst>
   <p:sldSz cx="12188825" cy="6858000"/>
   <p:notesSz cx="6858000" cy="9144000"/>
@@ -1124,6 +1125,90 @@
     <p:extLst>
       <p:ext uri="{BB962C8B-B14F-4D97-AF65-F5344CB8AC3E}">
         <p14:creationId xmlns:p14="http://schemas.microsoft.com/office/powerpoint/2010/main" val="445263489"/>
+      </p:ext>
+    </p:extLst>
+  </p:cSld>
+  <p:clrMapOvr>
+    <a:masterClrMapping/>
+  </p:clrMapOvr>
+</p:notes>
+</file>
+
+<file path=ppt/notesSlides/notesSlide14.xml><?xml version="1.0" encoding="utf-8"?>
+<p:notes xmlns:a="http://schemas.openxmlformats.org/drawingml/2006/main" xmlns:r="http://schemas.openxmlformats.org/officeDocument/2006/relationships" xmlns:p="http://schemas.openxmlformats.org/presentationml/2006/main">
+  <p:cSld>
+    <p:spTree>
+      <p:nvGrpSpPr>
+        <p:cNvPr id="1" name=""/>
+        <p:cNvGrpSpPr/>
+        <p:nvPr/>
+      </p:nvGrpSpPr>
+      <p:grpSpPr>
+        <a:xfrm>
+          <a:off x="0" y="0"/>
+          <a:ext cx="0" cy="0"/>
+          <a:chOff x="0" y="0"/>
+          <a:chExt cx="0" cy="0"/>
+        </a:xfrm>
+      </p:grpSpPr>
+      <p:sp>
+        <p:nvSpPr>
+          <p:cNvPr id="2" name="Slide Image Placeholder 1"/>
+          <p:cNvSpPr>
+            <a:spLocks noGrp="1" noRot="1" noChangeAspect="1"/>
+          </p:cNvSpPr>
+          <p:nvPr>
+            <p:ph type="sldImg"/>
+          </p:nvPr>
+        </p:nvSpPr>
+        <p:spPr/>
+      </p:sp>
+      <p:sp>
+        <p:nvSpPr>
+          <p:cNvPr id="3" name="Notes Placeholder 2"/>
+          <p:cNvSpPr>
+            <a:spLocks noGrp="1"/>
+          </p:cNvSpPr>
+          <p:nvPr>
+            <p:ph type="body" idx="1"/>
+          </p:nvPr>
+        </p:nvSpPr>
+        <p:spPr/>
+        <p:txBody>
+          <a:bodyPr/>
+          <a:lstStyle/>
+          <a:p>
+            <a:endParaRPr lang="en-US" dirty="0"/>
+          </a:p>
+        </p:txBody>
+      </p:sp>
+      <p:sp>
+        <p:nvSpPr>
+          <p:cNvPr id="4" name="Slide Number Placeholder 3"/>
+          <p:cNvSpPr>
+            <a:spLocks noGrp="1"/>
+          </p:cNvSpPr>
+          <p:nvPr>
+            <p:ph type="sldNum" sz="quarter" idx="10"/>
+          </p:nvPr>
+        </p:nvSpPr>
+        <p:spPr/>
+        <p:txBody>
+          <a:bodyPr/>
+          <a:lstStyle/>
+          <a:p>
+            <a:fld id="{6BB98AFB-CB0D-4DFE-87B9-B4B0D0DE73CD}" type="slidenum">
+              <a:rPr lang="en-US" smtClean="0"/>
+              <a:t>14</a:t>
+            </a:fld>
+            <a:endParaRPr lang="en-US" dirty="0"/>
+          </a:p>
+        </p:txBody>
+      </p:sp>
+    </p:spTree>
+    <p:extLst>
+      <p:ext uri="{BB962C8B-B14F-4D97-AF65-F5344CB8AC3E}">
+        <p14:creationId xmlns:p14="http://schemas.microsoft.com/office/powerpoint/2010/main" val="996831356"/>
       </p:ext>
     </p:extLst>
   </p:cSld>
@@ -6888,6 +6973,387 @@
     <p:extLst>
       <p:ext uri="{BB962C8B-B14F-4D97-AF65-F5344CB8AC3E}">
         <p14:creationId xmlns:p14="http://schemas.microsoft.com/office/powerpoint/2010/main" val="2636921587"/>
+      </p:ext>
+    </p:extLst>
+  </p:cSld>
+  <p:clrMapOvr>
+    <a:masterClrMapping/>
+  </p:clrMapOvr>
+  <mc:AlternateContent xmlns:mc="http://schemas.openxmlformats.org/markup-compatibility/2006" xmlns:p14="http://schemas.microsoft.com/office/powerpoint/2010/main">
+    <mc:Choice Requires="p14">
+      <p:transition spd="med" p14:dur="700">
+        <p:fade/>
+      </p:transition>
+    </mc:Choice>
+    <mc:Fallback xmlns="">
+      <p:transition spd="med">
+        <p:fade/>
+      </p:transition>
+    </mc:Fallback>
+  </mc:AlternateContent>
+</p:sld>
+</file>
+
+<file path=ppt/slides/slide14.xml><?xml version="1.0" encoding="utf-8"?>
+<p:sld xmlns:a="http://schemas.openxmlformats.org/drawingml/2006/main" xmlns:r="http://schemas.openxmlformats.org/officeDocument/2006/relationships" xmlns:p="http://schemas.openxmlformats.org/presentationml/2006/main">
+  <p:cSld>
+    <p:spTree>
+      <p:nvGrpSpPr>
+        <p:cNvPr id="1" name=""/>
+        <p:cNvGrpSpPr/>
+        <p:nvPr/>
+      </p:nvGrpSpPr>
+      <p:grpSpPr>
+        <a:xfrm>
+          <a:off x="0" y="0"/>
+          <a:ext cx="0" cy="0"/>
+          <a:chOff x="0" y="0"/>
+          <a:chExt cx="0" cy="0"/>
+        </a:xfrm>
+      </p:grpSpPr>
+      <p:sp>
+        <p:nvSpPr>
+          <p:cNvPr id="4" name="Title 3"/>
+          <p:cNvSpPr>
+            <a:spLocks noGrp="1"/>
+          </p:cNvSpPr>
+          <p:nvPr>
+            <p:ph type="ctrTitle"/>
+          </p:nvPr>
+        </p:nvSpPr>
+        <p:spPr/>
+        <p:txBody>
+          <a:bodyPr>
+            <a:normAutofit/>
+          </a:bodyPr>
+          <a:lstStyle/>
+          <a:p>
+            <a:pPr algn="ctr"/>
+            <a:r>
+              <a:rPr lang="zh-CN" altLang="en-US" sz="4800" dirty="0">
+                <a:latin typeface="华文隶书" panose="02010800040101010101" pitchFamily="2" charset="-122"/>
+                <a:ea typeface="华文隶书" panose="02010800040101010101" pitchFamily="2" charset="-122"/>
+              </a:rPr>
+              <a:t>让</a:t>
+            </a:r>
+            <a:r>
+              <a:rPr lang="en-US" altLang="zh-CN" sz="4800" dirty="0">
+                <a:latin typeface="华文隶书" panose="02010800040101010101" pitchFamily="2" charset="-122"/>
+                <a:ea typeface="华文隶书" panose="02010800040101010101" pitchFamily="2" charset="-122"/>
+              </a:rPr>
+              <a:t>Python</a:t>
+            </a:r>
+            <a:r>
+              <a:rPr lang="zh-CN" altLang="en-US" sz="4800" dirty="0">
+                <a:latin typeface="华文隶书" panose="02010800040101010101" pitchFamily="2" charset="-122"/>
+                <a:ea typeface="华文隶书" panose="02010800040101010101" pitchFamily="2" charset="-122"/>
+              </a:rPr>
+              <a:t>遇上</a:t>
+            </a:r>
+            <a:r>
+              <a:rPr lang="en-US" altLang="zh-CN" sz="4800" dirty="0">
+                <a:latin typeface="华文隶书" panose="02010800040101010101" pitchFamily="2" charset="-122"/>
+                <a:ea typeface="华文隶书" panose="02010800040101010101" pitchFamily="2" charset="-122"/>
+              </a:rPr>
+              <a:t>Office</a:t>
+            </a:r>
+            <a:br>
+              <a:rPr lang="en-US" altLang="zh-CN" sz="4800" dirty="0">
+                <a:latin typeface="华文隶书" panose="02010800040101010101" pitchFamily="2" charset="-122"/>
+                <a:ea typeface="华文隶书" panose="02010800040101010101" pitchFamily="2" charset="-122"/>
+              </a:rPr>
+            </a:br>
+            <a:br>
+              <a:rPr lang="en-US" altLang="zh-CN" sz="4800" dirty="0">
+                <a:latin typeface="华文隶书" panose="02010800040101010101" pitchFamily="2" charset="-122"/>
+                <a:ea typeface="华文隶书" panose="02010800040101010101" pitchFamily="2" charset="-122"/>
+              </a:rPr>
+            </a:br>
+            <a:r>
+              <a:rPr lang="en-US" altLang="zh-CN" sz="4800" dirty="0">
+                <a:latin typeface="华文隶书" panose="02010800040101010101" pitchFamily="2" charset="-122"/>
+                <a:ea typeface="华文隶书" panose="02010800040101010101" pitchFamily="2" charset="-122"/>
+              </a:rPr>
+              <a:t>(Python with Office)</a:t>
+            </a:r>
+            <a:endParaRPr lang="en-US" sz="4800" dirty="0">
+              <a:latin typeface="华文隶书" panose="02010800040101010101" pitchFamily="2" charset="-122"/>
+              <a:ea typeface="华文隶书" panose="02010800040101010101" pitchFamily="2" charset="-122"/>
+            </a:endParaRPr>
+          </a:p>
+        </p:txBody>
+      </p:sp>
+      <p:sp>
+        <p:nvSpPr>
+          <p:cNvPr id="3" name="Content Placeholder 2"/>
+          <p:cNvSpPr>
+            <a:spLocks noGrp="1"/>
+          </p:cNvSpPr>
+          <p:nvPr>
+            <p:ph type="subTitle" idx="1"/>
+          </p:nvPr>
+        </p:nvSpPr>
+        <p:spPr>
+          <a:xfrm>
+            <a:off x="1065212" y="3403600"/>
+            <a:ext cx="5029201" cy="2185640"/>
+          </a:xfrm>
+        </p:spPr>
+        <p:txBody>
+          <a:bodyPr>
+            <a:normAutofit lnSpcReduction="10000"/>
+          </a:bodyPr>
+          <a:lstStyle/>
+          <a:p>
+            <a:r>
+              <a:rPr lang="en-US" sz="2800" dirty="0">
+                <a:latin typeface="ADLaM Display" panose="020F0502020204030204" pitchFamily="2" charset="0"/>
+                <a:ea typeface="ADLaM Display" panose="020F0502020204030204" pitchFamily="2" charset="0"/>
+                <a:cs typeface="ADLaM Display" panose="020F0502020204030204" pitchFamily="2" charset="0"/>
+              </a:rPr>
+              <a:t>Chapter 3 Functions</a:t>
+            </a:r>
+          </a:p>
+          <a:p>
+            <a:r>
+              <a:rPr lang="en-US" sz="2800" dirty="0">
+                <a:latin typeface="ADLaM Display" panose="020F0502020204030204" pitchFamily="2" charset="0"/>
+                <a:ea typeface="ADLaM Display" panose="020F0502020204030204" pitchFamily="2" charset="0"/>
+                <a:cs typeface="ADLaM Display" panose="020F0502020204030204" pitchFamily="2" charset="0"/>
+              </a:rPr>
+              <a:t>3.2~3.4 Function Basics</a:t>
+            </a:r>
+            <a:endParaRPr lang="en-US" altLang="zh-CN" sz="2800" dirty="0">
+              <a:latin typeface="ADLaM Display" panose="020F0502020204030204" pitchFamily="2" charset="0"/>
+              <a:ea typeface="ADLaM Display" panose="020F0502020204030204" pitchFamily="2" charset="0"/>
+              <a:cs typeface="ADLaM Display" panose="020F0502020204030204" pitchFamily="2" charset="0"/>
+            </a:endParaRPr>
+          </a:p>
+          <a:p>
+            <a:endParaRPr lang="en-US" sz="2800" dirty="0">
+              <a:latin typeface="ADLaM Display" panose="020F0502020204030204" pitchFamily="2" charset="0"/>
+              <a:ea typeface="ADLaM Display" panose="020F0502020204030204" pitchFamily="2" charset="0"/>
+              <a:cs typeface="ADLaM Display" panose="020F0502020204030204" pitchFamily="2" charset="0"/>
+            </a:endParaRPr>
+          </a:p>
+          <a:p>
+            <a:r>
+              <a:rPr lang="zh-CN" altLang="en-US" sz="2800" dirty="0">
+                <a:latin typeface="ADLaM Display" panose="020F0502020204030204" pitchFamily="2" charset="0"/>
+                <a:ea typeface="ADLaM Display" panose="020F0502020204030204" pitchFamily="2" charset="0"/>
+                <a:cs typeface="ADLaM Display" panose="020F0502020204030204" pitchFamily="2" charset="0"/>
+              </a:rPr>
+              <a:t>第三章 函数</a:t>
+            </a:r>
+            <a:endParaRPr lang="en-US" altLang="zh-CN" sz="2800" dirty="0">
+              <a:latin typeface="ADLaM Display" panose="020F0502020204030204" pitchFamily="2" charset="0"/>
+              <a:ea typeface="ADLaM Display" panose="020F0502020204030204" pitchFamily="2" charset="0"/>
+              <a:cs typeface="ADLaM Display" panose="020F0502020204030204" pitchFamily="2" charset="0"/>
+            </a:endParaRPr>
+          </a:p>
+          <a:p>
+            <a:r>
+              <a:rPr lang="en-US" sz="2800" dirty="0">
+                <a:latin typeface="ADLaM Display" panose="020F0502020204030204" pitchFamily="2" charset="0"/>
+                <a:ea typeface="ADLaM Display" panose="020F0502020204030204" pitchFamily="2" charset="0"/>
+                <a:cs typeface="ADLaM Display" panose="020F0502020204030204" pitchFamily="2" charset="0"/>
+              </a:rPr>
+              <a:t>3.2~3.4 </a:t>
+            </a:r>
+            <a:r>
+              <a:rPr lang="zh-CN" altLang="en-US" sz="2800" dirty="0">
+                <a:latin typeface="ADLaM Display" panose="020F0502020204030204" pitchFamily="2" charset="0"/>
+                <a:ea typeface="ADLaM Display" panose="020F0502020204030204" pitchFamily="2" charset="0"/>
+                <a:cs typeface="ADLaM Display" panose="020F0502020204030204" pitchFamily="2" charset="0"/>
+              </a:rPr>
+              <a:t>函数基本知识</a:t>
+            </a:r>
+            <a:endParaRPr lang="en-US" sz="2800" dirty="0">
+              <a:latin typeface="ADLaM Display" panose="020F0502020204030204" pitchFamily="2" charset="0"/>
+              <a:ea typeface="ADLaM Display" panose="020F0502020204030204" pitchFamily="2" charset="0"/>
+              <a:cs typeface="ADLaM Display" panose="020F0502020204030204" pitchFamily="2" charset="0"/>
+            </a:endParaRPr>
+          </a:p>
+        </p:txBody>
+      </p:sp>
+      <p:pic>
+        <p:nvPicPr>
+          <p:cNvPr id="5" name="Picture 4">
+            <a:extLst>
+              <a:ext uri="{FF2B5EF4-FFF2-40B4-BE49-F238E27FC236}">
+                <a16:creationId xmlns:a16="http://schemas.microsoft.com/office/drawing/2014/main" id="{4AD8B85C-B359-195F-B78C-C879AB7840B1}"/>
+              </a:ext>
+            </a:extLst>
+          </p:cNvPr>
+          <p:cNvPicPr>
+            <a:picLocks noChangeAspect="1"/>
+          </p:cNvPicPr>
+          <p:nvPr/>
+        </p:nvPicPr>
+        <p:blipFill>
+          <a:blip r:embed="rId3"/>
+          <a:stretch>
+            <a:fillRect/>
+          </a:stretch>
+        </p:blipFill>
+        <p:spPr>
+          <a:xfrm>
+            <a:off x="57601" y="1189856"/>
+            <a:ext cx="1068259" cy="1556792"/>
+          </a:xfrm>
+          <a:prstGeom prst="rect">
+            <a:avLst/>
+          </a:prstGeom>
+          <a:ln>
+            <a:noFill/>
+          </a:ln>
+          <a:effectLst>
+            <a:outerShdw blurRad="292100" dist="139700" dir="2700000" algn="tl" rotWithShape="0">
+              <a:srgbClr val="333333">
+                <a:alpha val="65000"/>
+              </a:srgbClr>
+            </a:outerShdw>
+          </a:effectLst>
+        </p:spPr>
+      </p:pic>
+      <p:sp>
+        <p:nvSpPr>
+          <p:cNvPr id="2" name="TextBox 1">
+            <a:extLst>
+              <a:ext uri="{FF2B5EF4-FFF2-40B4-BE49-F238E27FC236}">
+                <a16:creationId xmlns:a16="http://schemas.microsoft.com/office/drawing/2014/main" id="{CAB2C784-DE74-68FC-7A84-3E6C5D164315}"/>
+              </a:ext>
+            </a:extLst>
+          </p:cNvPr>
+          <p:cNvSpPr txBox="1"/>
+          <p:nvPr/>
+        </p:nvSpPr>
+        <p:spPr>
+          <a:xfrm>
+            <a:off x="405780" y="5722972"/>
+            <a:ext cx="7951216" cy="523220"/>
+          </a:xfrm>
+          <a:prstGeom prst="rect">
+            <a:avLst/>
+          </a:prstGeom>
+          <a:solidFill>
+            <a:schemeClr val="bg1">
+              <a:lumMod val="95000"/>
+            </a:schemeClr>
+          </a:solidFill>
+          <a:ln>
+            <a:solidFill>
+              <a:schemeClr val="bg2"/>
+            </a:solidFill>
+          </a:ln>
+        </p:spPr>
+        <p:txBody>
+          <a:bodyPr wrap="none" rtlCol="0" anchor="ctr" anchorCtr="1">
+            <a:spAutoFit/>
+          </a:bodyPr>
+          <a:lstStyle/>
+          <a:p>
+            <a:r>
+              <a:rPr lang="en-US" sz="2800" dirty="0">
+                <a:hlinkClick r:id="rId4"/>
+              </a:rPr>
+              <a:t>https://github.com/yasenstar/python_with_office</a:t>
+            </a:r>
+            <a:endParaRPr lang="en-US" sz="2800" dirty="0"/>
+          </a:p>
+        </p:txBody>
+      </p:sp>
+      <p:sp>
+        <p:nvSpPr>
+          <p:cNvPr id="9" name="TextBox 8">
+            <a:extLst>
+              <a:ext uri="{FF2B5EF4-FFF2-40B4-BE49-F238E27FC236}">
+                <a16:creationId xmlns:a16="http://schemas.microsoft.com/office/drawing/2014/main" id="{C25C84F5-3AA3-A068-7E2F-9123CA5A7D16}"/>
+              </a:ext>
+            </a:extLst>
+          </p:cNvPr>
+          <p:cNvSpPr txBox="1"/>
+          <p:nvPr/>
+        </p:nvSpPr>
+        <p:spPr>
+          <a:xfrm>
+            <a:off x="405780" y="6246192"/>
+            <a:ext cx="7951216" cy="523220"/>
+          </a:xfrm>
+          <a:prstGeom prst="rect">
+            <a:avLst/>
+          </a:prstGeom>
+          <a:solidFill>
+            <a:schemeClr val="bg1">
+              <a:lumMod val="95000"/>
+            </a:schemeClr>
+          </a:solidFill>
+          <a:ln>
+            <a:solidFill>
+              <a:schemeClr val="bg2"/>
+            </a:solidFill>
+          </a:ln>
+        </p:spPr>
+        <p:txBody>
+          <a:bodyPr wrap="square" rtlCol="0" anchor="ctr" anchorCtr="1">
+            <a:spAutoFit/>
+          </a:bodyPr>
+          <a:lstStyle/>
+          <a:p>
+            <a:r>
+              <a:rPr lang="en-US" sz="2800" dirty="0">
+                <a:hlinkClick r:id="rId5"/>
+              </a:rPr>
+              <a:t>https://gitee.com/yasenstar/python_with_office</a:t>
+            </a:r>
+            <a:endParaRPr lang="en-US" sz="2800" dirty="0"/>
+          </a:p>
+        </p:txBody>
+      </p:sp>
+      <p:pic>
+        <p:nvPicPr>
+          <p:cNvPr id="8" name="Picture 7">
+            <a:extLst>
+              <a:ext uri="{FF2B5EF4-FFF2-40B4-BE49-F238E27FC236}">
+                <a16:creationId xmlns:a16="http://schemas.microsoft.com/office/drawing/2014/main" id="{B91B5387-6A2F-8E06-9916-F44F2B4201F3}"/>
+              </a:ext>
+            </a:extLst>
+          </p:cNvPr>
+          <p:cNvPicPr>
+            <a:picLocks noChangeAspect="1"/>
+          </p:cNvPicPr>
+          <p:nvPr/>
+        </p:nvPicPr>
+        <p:blipFill>
+          <a:blip r:embed="rId6"/>
+          <a:stretch>
+            <a:fillRect/>
+          </a:stretch>
+        </p:blipFill>
+        <p:spPr>
+          <a:xfrm>
+            <a:off x="5984914" y="1790700"/>
+            <a:ext cx="6146310" cy="3681411"/>
+          </a:xfrm>
+          <a:prstGeom prst="rect">
+            <a:avLst/>
+          </a:prstGeom>
+          <a:ln>
+            <a:noFill/>
+          </a:ln>
+          <a:effectLst>
+            <a:outerShdw blurRad="292100" dist="139700" dir="2700000" algn="tl" rotWithShape="0">
+              <a:srgbClr val="333333">
+                <a:alpha val="65000"/>
+              </a:srgbClr>
+            </a:outerShdw>
+          </a:effectLst>
+        </p:spPr>
+      </p:pic>
+    </p:spTree>
+    <p:extLst>
+      <p:ext uri="{BB962C8B-B14F-4D97-AF65-F5344CB8AC3E}">
+        <p14:creationId xmlns:p14="http://schemas.microsoft.com/office/powerpoint/2010/main" val="383156261"/>
       </p:ext>
     </p:extLst>
   </p:cSld>

--- a/Video_Covers.pptx
+++ b/Video_Covers.pptx
@@ -5,10 +5,10 @@
     <p:sldMasterId id="2147483660" r:id="rId1"/>
   </p:sldMasterIdLst>
   <p:notesMasterIdLst>
-    <p:notesMasterId r:id="rId16"/>
+    <p:notesMasterId r:id="rId17"/>
   </p:notesMasterIdLst>
   <p:handoutMasterIdLst>
-    <p:handoutMasterId r:id="rId17"/>
+    <p:handoutMasterId r:id="rId18"/>
   </p:handoutMasterIdLst>
   <p:sldIdLst>
     <p:sldId id="257" r:id="rId2"/>
@@ -25,6 +25,7 @@
     <p:sldId id="268" r:id="rId13"/>
     <p:sldId id="269" r:id="rId14"/>
     <p:sldId id="270" r:id="rId15"/>
+    <p:sldId id="271" r:id="rId16"/>
   </p:sldIdLst>
   <p:sldSz cx="12188825" cy="6858000"/>
   <p:notesSz cx="6858000" cy="9144000"/>
@@ -1209,6 +1210,90 @@
     <p:extLst>
       <p:ext uri="{BB962C8B-B14F-4D97-AF65-F5344CB8AC3E}">
         <p14:creationId xmlns:p14="http://schemas.microsoft.com/office/powerpoint/2010/main" val="996831356"/>
+      </p:ext>
+    </p:extLst>
+  </p:cSld>
+  <p:clrMapOvr>
+    <a:masterClrMapping/>
+  </p:clrMapOvr>
+</p:notes>
+</file>
+
+<file path=ppt/notesSlides/notesSlide15.xml><?xml version="1.0" encoding="utf-8"?>
+<p:notes xmlns:a="http://schemas.openxmlformats.org/drawingml/2006/main" xmlns:r="http://schemas.openxmlformats.org/officeDocument/2006/relationships" xmlns:p="http://schemas.openxmlformats.org/presentationml/2006/main">
+  <p:cSld>
+    <p:spTree>
+      <p:nvGrpSpPr>
+        <p:cNvPr id="1" name=""/>
+        <p:cNvGrpSpPr/>
+        <p:nvPr/>
+      </p:nvGrpSpPr>
+      <p:grpSpPr>
+        <a:xfrm>
+          <a:off x="0" y="0"/>
+          <a:ext cx="0" cy="0"/>
+          <a:chOff x="0" y="0"/>
+          <a:chExt cx="0" cy="0"/>
+        </a:xfrm>
+      </p:grpSpPr>
+      <p:sp>
+        <p:nvSpPr>
+          <p:cNvPr id="2" name="Slide Image Placeholder 1"/>
+          <p:cNvSpPr>
+            <a:spLocks noGrp="1" noRot="1" noChangeAspect="1"/>
+          </p:cNvSpPr>
+          <p:nvPr>
+            <p:ph type="sldImg"/>
+          </p:nvPr>
+        </p:nvSpPr>
+        <p:spPr/>
+      </p:sp>
+      <p:sp>
+        <p:nvSpPr>
+          <p:cNvPr id="3" name="Notes Placeholder 2"/>
+          <p:cNvSpPr>
+            <a:spLocks noGrp="1"/>
+          </p:cNvSpPr>
+          <p:nvPr>
+            <p:ph type="body" idx="1"/>
+          </p:nvPr>
+        </p:nvSpPr>
+        <p:spPr/>
+        <p:txBody>
+          <a:bodyPr/>
+          <a:lstStyle/>
+          <a:p>
+            <a:endParaRPr lang="en-US" dirty="0"/>
+          </a:p>
+        </p:txBody>
+      </p:sp>
+      <p:sp>
+        <p:nvSpPr>
+          <p:cNvPr id="4" name="Slide Number Placeholder 3"/>
+          <p:cNvSpPr>
+            <a:spLocks noGrp="1"/>
+          </p:cNvSpPr>
+          <p:nvPr>
+            <p:ph type="sldNum" sz="quarter" idx="10"/>
+          </p:nvPr>
+        </p:nvSpPr>
+        <p:spPr/>
+        <p:txBody>
+          <a:bodyPr/>
+          <a:lstStyle/>
+          <a:p>
+            <a:fld id="{6BB98AFB-CB0D-4DFE-87B9-B4B0D0DE73CD}" type="slidenum">
+              <a:rPr lang="en-US" smtClean="0"/>
+              <a:t>15</a:t>
+            </a:fld>
+            <a:endParaRPr lang="en-US" dirty="0"/>
+          </a:p>
+        </p:txBody>
+      </p:sp>
+    </p:spTree>
+    <p:extLst>
+      <p:ext uri="{BB962C8B-B14F-4D97-AF65-F5344CB8AC3E}">
+        <p14:creationId xmlns:p14="http://schemas.microsoft.com/office/powerpoint/2010/main" val="1118365608"/>
       </p:ext>
     </p:extLst>
   </p:cSld>
@@ -7354,6 +7439,387 @@
     <p:extLst>
       <p:ext uri="{BB962C8B-B14F-4D97-AF65-F5344CB8AC3E}">
         <p14:creationId xmlns:p14="http://schemas.microsoft.com/office/powerpoint/2010/main" val="383156261"/>
+      </p:ext>
+    </p:extLst>
+  </p:cSld>
+  <p:clrMapOvr>
+    <a:masterClrMapping/>
+  </p:clrMapOvr>
+  <mc:AlternateContent xmlns:mc="http://schemas.openxmlformats.org/markup-compatibility/2006" xmlns:p14="http://schemas.microsoft.com/office/powerpoint/2010/main">
+    <mc:Choice Requires="p14">
+      <p:transition spd="med" p14:dur="700">
+        <p:fade/>
+      </p:transition>
+    </mc:Choice>
+    <mc:Fallback xmlns="">
+      <p:transition spd="med">
+        <p:fade/>
+      </p:transition>
+    </mc:Fallback>
+  </mc:AlternateContent>
+</p:sld>
+</file>
+
+<file path=ppt/slides/slide15.xml><?xml version="1.0" encoding="utf-8"?>
+<p:sld xmlns:a="http://schemas.openxmlformats.org/drawingml/2006/main" xmlns:r="http://schemas.openxmlformats.org/officeDocument/2006/relationships" xmlns:p="http://schemas.openxmlformats.org/presentationml/2006/main">
+  <p:cSld>
+    <p:spTree>
+      <p:nvGrpSpPr>
+        <p:cNvPr id="1" name=""/>
+        <p:cNvGrpSpPr/>
+        <p:nvPr/>
+      </p:nvGrpSpPr>
+      <p:grpSpPr>
+        <a:xfrm>
+          <a:off x="0" y="0"/>
+          <a:ext cx="0" cy="0"/>
+          <a:chOff x="0" y="0"/>
+          <a:chExt cx="0" cy="0"/>
+        </a:xfrm>
+      </p:grpSpPr>
+      <p:sp>
+        <p:nvSpPr>
+          <p:cNvPr id="4" name="Title 3"/>
+          <p:cNvSpPr>
+            <a:spLocks noGrp="1"/>
+          </p:cNvSpPr>
+          <p:nvPr>
+            <p:ph type="ctrTitle"/>
+          </p:nvPr>
+        </p:nvSpPr>
+        <p:spPr/>
+        <p:txBody>
+          <a:bodyPr>
+            <a:normAutofit/>
+          </a:bodyPr>
+          <a:lstStyle/>
+          <a:p>
+            <a:pPr algn="ctr"/>
+            <a:r>
+              <a:rPr lang="zh-CN" altLang="en-US" sz="4800" dirty="0">
+                <a:latin typeface="华文隶书" panose="02010800040101010101" pitchFamily="2" charset="-122"/>
+                <a:ea typeface="华文隶书" panose="02010800040101010101" pitchFamily="2" charset="-122"/>
+              </a:rPr>
+              <a:t>让</a:t>
+            </a:r>
+            <a:r>
+              <a:rPr lang="en-US" altLang="zh-CN" sz="4800" dirty="0">
+                <a:latin typeface="华文隶书" panose="02010800040101010101" pitchFamily="2" charset="-122"/>
+                <a:ea typeface="华文隶书" panose="02010800040101010101" pitchFamily="2" charset="-122"/>
+              </a:rPr>
+              <a:t>Python</a:t>
+            </a:r>
+            <a:r>
+              <a:rPr lang="zh-CN" altLang="en-US" sz="4800" dirty="0">
+                <a:latin typeface="华文隶书" panose="02010800040101010101" pitchFamily="2" charset="-122"/>
+                <a:ea typeface="华文隶书" panose="02010800040101010101" pitchFamily="2" charset="-122"/>
+              </a:rPr>
+              <a:t>遇上</a:t>
+            </a:r>
+            <a:r>
+              <a:rPr lang="en-US" altLang="zh-CN" sz="4800" dirty="0">
+                <a:latin typeface="华文隶书" panose="02010800040101010101" pitchFamily="2" charset="-122"/>
+                <a:ea typeface="华文隶书" panose="02010800040101010101" pitchFamily="2" charset="-122"/>
+              </a:rPr>
+              <a:t>Office</a:t>
+            </a:r>
+            <a:br>
+              <a:rPr lang="en-US" altLang="zh-CN" sz="4800" dirty="0">
+                <a:latin typeface="华文隶书" panose="02010800040101010101" pitchFamily="2" charset="-122"/>
+                <a:ea typeface="华文隶书" panose="02010800040101010101" pitchFamily="2" charset="-122"/>
+              </a:rPr>
+            </a:br>
+            <a:br>
+              <a:rPr lang="en-US" altLang="zh-CN" sz="4800" dirty="0">
+                <a:latin typeface="华文隶书" panose="02010800040101010101" pitchFamily="2" charset="-122"/>
+                <a:ea typeface="华文隶书" panose="02010800040101010101" pitchFamily="2" charset="-122"/>
+              </a:rPr>
+            </a:br>
+            <a:r>
+              <a:rPr lang="en-US" altLang="zh-CN" sz="4800" dirty="0">
+                <a:latin typeface="华文隶书" panose="02010800040101010101" pitchFamily="2" charset="-122"/>
+                <a:ea typeface="华文隶书" panose="02010800040101010101" pitchFamily="2" charset="-122"/>
+              </a:rPr>
+              <a:t>(Python with Office)</a:t>
+            </a:r>
+            <a:endParaRPr lang="en-US" sz="4800" dirty="0">
+              <a:latin typeface="华文隶书" panose="02010800040101010101" pitchFamily="2" charset="-122"/>
+              <a:ea typeface="华文隶书" panose="02010800040101010101" pitchFamily="2" charset="-122"/>
+            </a:endParaRPr>
+          </a:p>
+        </p:txBody>
+      </p:sp>
+      <p:sp>
+        <p:nvSpPr>
+          <p:cNvPr id="3" name="Content Placeholder 2"/>
+          <p:cNvSpPr>
+            <a:spLocks noGrp="1"/>
+          </p:cNvSpPr>
+          <p:nvPr>
+            <p:ph type="subTitle" idx="1"/>
+          </p:nvPr>
+        </p:nvSpPr>
+        <p:spPr>
+          <a:xfrm>
+            <a:off x="1065212" y="3403600"/>
+            <a:ext cx="5029201" cy="2185640"/>
+          </a:xfrm>
+        </p:spPr>
+        <p:txBody>
+          <a:bodyPr>
+            <a:normAutofit lnSpcReduction="10000"/>
+          </a:bodyPr>
+          <a:lstStyle/>
+          <a:p>
+            <a:r>
+              <a:rPr lang="en-US" sz="2800" dirty="0">
+                <a:latin typeface="ADLaM Display" panose="020F0502020204030204" pitchFamily="2" charset="0"/>
+                <a:ea typeface="ADLaM Display" panose="020F0502020204030204" pitchFamily="2" charset="0"/>
+                <a:cs typeface="ADLaM Display" panose="020F0502020204030204" pitchFamily="2" charset="0"/>
+              </a:rPr>
+              <a:t>Chapter 3 Functions</a:t>
+            </a:r>
+          </a:p>
+          <a:p>
+            <a:r>
+              <a:rPr lang="en-US" sz="2800" dirty="0">
+                <a:latin typeface="ADLaM Display" panose="020F0502020204030204" pitchFamily="2" charset="0"/>
+                <a:ea typeface="ADLaM Display" panose="020F0502020204030204" pitchFamily="2" charset="0"/>
+                <a:cs typeface="ADLaM Display" panose="020F0502020204030204" pitchFamily="2" charset="0"/>
+              </a:rPr>
+              <a:t>3.5 Packing &amp; Unpacking</a:t>
+            </a:r>
+            <a:endParaRPr lang="en-US" altLang="zh-CN" sz="2800" dirty="0">
+              <a:latin typeface="ADLaM Display" panose="020F0502020204030204" pitchFamily="2" charset="0"/>
+              <a:ea typeface="ADLaM Display" panose="020F0502020204030204" pitchFamily="2" charset="0"/>
+              <a:cs typeface="ADLaM Display" panose="020F0502020204030204" pitchFamily="2" charset="0"/>
+            </a:endParaRPr>
+          </a:p>
+          <a:p>
+            <a:endParaRPr lang="en-US" sz="2800" dirty="0">
+              <a:latin typeface="ADLaM Display" panose="020F0502020204030204" pitchFamily="2" charset="0"/>
+              <a:ea typeface="ADLaM Display" panose="020F0502020204030204" pitchFamily="2" charset="0"/>
+              <a:cs typeface="ADLaM Display" panose="020F0502020204030204" pitchFamily="2" charset="0"/>
+            </a:endParaRPr>
+          </a:p>
+          <a:p>
+            <a:r>
+              <a:rPr lang="zh-CN" altLang="en-US" sz="2800" dirty="0">
+                <a:latin typeface="ADLaM Display" panose="020F0502020204030204" pitchFamily="2" charset="0"/>
+                <a:ea typeface="ADLaM Display" panose="020F0502020204030204" pitchFamily="2" charset="0"/>
+                <a:cs typeface="ADLaM Display" panose="020F0502020204030204" pitchFamily="2" charset="0"/>
+              </a:rPr>
+              <a:t>第三章 函数</a:t>
+            </a:r>
+            <a:endParaRPr lang="en-US" altLang="zh-CN" sz="2800" dirty="0">
+              <a:latin typeface="ADLaM Display" panose="020F0502020204030204" pitchFamily="2" charset="0"/>
+              <a:ea typeface="ADLaM Display" panose="020F0502020204030204" pitchFamily="2" charset="0"/>
+              <a:cs typeface="ADLaM Display" panose="020F0502020204030204" pitchFamily="2" charset="0"/>
+            </a:endParaRPr>
+          </a:p>
+          <a:p>
+            <a:r>
+              <a:rPr lang="en-US" sz="2800" dirty="0">
+                <a:latin typeface="ADLaM Display" panose="020F0502020204030204" pitchFamily="2" charset="0"/>
+                <a:ea typeface="ADLaM Display" panose="020F0502020204030204" pitchFamily="2" charset="0"/>
+                <a:cs typeface="ADLaM Display" panose="020F0502020204030204" pitchFamily="2" charset="0"/>
+              </a:rPr>
+              <a:t>3.5 </a:t>
+            </a:r>
+            <a:r>
+              <a:rPr lang="zh-CN" altLang="en-US" sz="2800" dirty="0">
+                <a:latin typeface="ADLaM Display" panose="020F0502020204030204" pitchFamily="2" charset="0"/>
+                <a:ea typeface="ADLaM Display" panose="020F0502020204030204" pitchFamily="2" charset="0"/>
+                <a:cs typeface="ADLaM Display" panose="020F0502020204030204" pitchFamily="2" charset="0"/>
+              </a:rPr>
+              <a:t>组包与解包</a:t>
+            </a:r>
+            <a:endParaRPr lang="en-US" sz="2800" dirty="0">
+              <a:latin typeface="ADLaM Display" panose="020F0502020204030204" pitchFamily="2" charset="0"/>
+              <a:ea typeface="ADLaM Display" panose="020F0502020204030204" pitchFamily="2" charset="0"/>
+              <a:cs typeface="ADLaM Display" panose="020F0502020204030204" pitchFamily="2" charset="0"/>
+            </a:endParaRPr>
+          </a:p>
+        </p:txBody>
+      </p:sp>
+      <p:pic>
+        <p:nvPicPr>
+          <p:cNvPr id="5" name="Picture 4">
+            <a:extLst>
+              <a:ext uri="{FF2B5EF4-FFF2-40B4-BE49-F238E27FC236}">
+                <a16:creationId xmlns:a16="http://schemas.microsoft.com/office/drawing/2014/main" id="{4AD8B85C-B359-195F-B78C-C879AB7840B1}"/>
+              </a:ext>
+            </a:extLst>
+          </p:cNvPr>
+          <p:cNvPicPr>
+            <a:picLocks noChangeAspect="1"/>
+          </p:cNvPicPr>
+          <p:nvPr/>
+        </p:nvPicPr>
+        <p:blipFill>
+          <a:blip r:embed="rId3"/>
+          <a:stretch>
+            <a:fillRect/>
+          </a:stretch>
+        </p:blipFill>
+        <p:spPr>
+          <a:xfrm>
+            <a:off x="57601" y="1189856"/>
+            <a:ext cx="1068259" cy="1556792"/>
+          </a:xfrm>
+          <a:prstGeom prst="rect">
+            <a:avLst/>
+          </a:prstGeom>
+          <a:ln>
+            <a:noFill/>
+          </a:ln>
+          <a:effectLst>
+            <a:outerShdw blurRad="292100" dist="139700" dir="2700000" algn="tl" rotWithShape="0">
+              <a:srgbClr val="333333">
+                <a:alpha val="65000"/>
+              </a:srgbClr>
+            </a:outerShdw>
+          </a:effectLst>
+        </p:spPr>
+      </p:pic>
+      <p:sp>
+        <p:nvSpPr>
+          <p:cNvPr id="2" name="TextBox 1">
+            <a:extLst>
+              <a:ext uri="{FF2B5EF4-FFF2-40B4-BE49-F238E27FC236}">
+                <a16:creationId xmlns:a16="http://schemas.microsoft.com/office/drawing/2014/main" id="{CAB2C784-DE74-68FC-7A84-3E6C5D164315}"/>
+              </a:ext>
+            </a:extLst>
+          </p:cNvPr>
+          <p:cNvSpPr txBox="1"/>
+          <p:nvPr/>
+        </p:nvSpPr>
+        <p:spPr>
+          <a:xfrm>
+            <a:off x="405780" y="5722972"/>
+            <a:ext cx="7951216" cy="523220"/>
+          </a:xfrm>
+          <a:prstGeom prst="rect">
+            <a:avLst/>
+          </a:prstGeom>
+          <a:solidFill>
+            <a:schemeClr val="bg1">
+              <a:lumMod val="95000"/>
+            </a:schemeClr>
+          </a:solidFill>
+          <a:ln>
+            <a:solidFill>
+              <a:schemeClr val="bg2"/>
+            </a:solidFill>
+          </a:ln>
+        </p:spPr>
+        <p:txBody>
+          <a:bodyPr wrap="none" rtlCol="0" anchor="ctr" anchorCtr="1">
+            <a:spAutoFit/>
+          </a:bodyPr>
+          <a:lstStyle/>
+          <a:p>
+            <a:r>
+              <a:rPr lang="en-US" sz="2800" dirty="0">
+                <a:hlinkClick r:id="rId4"/>
+              </a:rPr>
+              <a:t>https://github.com/yasenstar/python_with_office</a:t>
+            </a:r>
+            <a:endParaRPr lang="en-US" sz="2800" dirty="0"/>
+          </a:p>
+        </p:txBody>
+      </p:sp>
+      <p:sp>
+        <p:nvSpPr>
+          <p:cNvPr id="9" name="TextBox 8">
+            <a:extLst>
+              <a:ext uri="{FF2B5EF4-FFF2-40B4-BE49-F238E27FC236}">
+                <a16:creationId xmlns:a16="http://schemas.microsoft.com/office/drawing/2014/main" id="{C25C84F5-3AA3-A068-7E2F-9123CA5A7D16}"/>
+              </a:ext>
+            </a:extLst>
+          </p:cNvPr>
+          <p:cNvSpPr txBox="1"/>
+          <p:nvPr/>
+        </p:nvSpPr>
+        <p:spPr>
+          <a:xfrm>
+            <a:off x="405780" y="6246192"/>
+            <a:ext cx="7951216" cy="523220"/>
+          </a:xfrm>
+          <a:prstGeom prst="rect">
+            <a:avLst/>
+          </a:prstGeom>
+          <a:solidFill>
+            <a:schemeClr val="bg1">
+              <a:lumMod val="95000"/>
+            </a:schemeClr>
+          </a:solidFill>
+          <a:ln>
+            <a:solidFill>
+              <a:schemeClr val="bg2"/>
+            </a:solidFill>
+          </a:ln>
+        </p:spPr>
+        <p:txBody>
+          <a:bodyPr wrap="square" rtlCol="0" anchor="ctr" anchorCtr="1">
+            <a:spAutoFit/>
+          </a:bodyPr>
+          <a:lstStyle/>
+          <a:p>
+            <a:r>
+              <a:rPr lang="en-US" sz="2800" dirty="0">
+                <a:hlinkClick r:id="rId5"/>
+              </a:rPr>
+              <a:t>https://gitee.com/yasenstar/python_with_office</a:t>
+            </a:r>
+            <a:endParaRPr lang="en-US" sz="2800" dirty="0"/>
+          </a:p>
+        </p:txBody>
+      </p:sp>
+      <p:pic>
+        <p:nvPicPr>
+          <p:cNvPr id="7" name="Picture 6">
+            <a:extLst>
+              <a:ext uri="{FF2B5EF4-FFF2-40B4-BE49-F238E27FC236}">
+                <a16:creationId xmlns:a16="http://schemas.microsoft.com/office/drawing/2014/main" id="{AC9D7C05-2C4F-9552-DD0E-11F2D5EBF00F}"/>
+              </a:ext>
+            </a:extLst>
+          </p:cNvPr>
+          <p:cNvPicPr>
+            <a:picLocks noChangeAspect="1"/>
+          </p:cNvPicPr>
+          <p:nvPr/>
+        </p:nvPicPr>
+        <p:blipFill>
+          <a:blip r:embed="rId6"/>
+          <a:stretch>
+            <a:fillRect/>
+          </a:stretch>
+        </p:blipFill>
+        <p:spPr>
+          <a:xfrm>
+            <a:off x="6070267" y="1169288"/>
+            <a:ext cx="5973438" cy="4298230"/>
+          </a:xfrm>
+          <a:prstGeom prst="rect">
+            <a:avLst/>
+          </a:prstGeom>
+          <a:ln>
+            <a:noFill/>
+          </a:ln>
+          <a:effectLst>
+            <a:outerShdw blurRad="292100" dist="139700" dir="2700000" algn="tl" rotWithShape="0">
+              <a:srgbClr val="333333">
+                <a:alpha val="65000"/>
+              </a:srgbClr>
+            </a:outerShdw>
+          </a:effectLst>
+        </p:spPr>
+      </p:pic>
+    </p:spTree>
+    <p:extLst>
+      <p:ext uri="{BB962C8B-B14F-4D97-AF65-F5344CB8AC3E}">
+        <p14:creationId xmlns:p14="http://schemas.microsoft.com/office/powerpoint/2010/main" val="1954518699"/>
       </p:ext>
     </p:extLst>
   </p:cSld>

--- a/Video_Covers.pptx
+++ b/Video_Covers.pptx
@@ -5,10 +5,10 @@
     <p:sldMasterId id="2147483660" r:id="rId1"/>
   </p:sldMasterIdLst>
   <p:notesMasterIdLst>
-    <p:notesMasterId r:id="rId17"/>
+    <p:notesMasterId r:id="rId19"/>
   </p:notesMasterIdLst>
   <p:handoutMasterIdLst>
-    <p:handoutMasterId r:id="rId18"/>
+    <p:handoutMasterId r:id="rId20"/>
   </p:handoutMasterIdLst>
   <p:sldIdLst>
     <p:sldId id="257" r:id="rId2"/>
@@ -26,6 +26,8 @@
     <p:sldId id="269" r:id="rId14"/>
     <p:sldId id="270" r:id="rId15"/>
     <p:sldId id="271" r:id="rId16"/>
+    <p:sldId id="272" r:id="rId17"/>
+    <p:sldId id="273" r:id="rId18"/>
   </p:sldIdLst>
   <p:sldSz cx="12188825" cy="6858000"/>
   <p:notesSz cx="6858000" cy="9144000"/>
@@ -1294,6 +1296,174 @@
     <p:extLst>
       <p:ext uri="{BB962C8B-B14F-4D97-AF65-F5344CB8AC3E}">
         <p14:creationId xmlns:p14="http://schemas.microsoft.com/office/powerpoint/2010/main" val="1118365608"/>
+      </p:ext>
+    </p:extLst>
+  </p:cSld>
+  <p:clrMapOvr>
+    <a:masterClrMapping/>
+  </p:clrMapOvr>
+</p:notes>
+</file>
+
+<file path=ppt/notesSlides/notesSlide16.xml><?xml version="1.0" encoding="utf-8"?>
+<p:notes xmlns:a="http://schemas.openxmlformats.org/drawingml/2006/main" xmlns:r="http://schemas.openxmlformats.org/officeDocument/2006/relationships" xmlns:p="http://schemas.openxmlformats.org/presentationml/2006/main">
+  <p:cSld>
+    <p:spTree>
+      <p:nvGrpSpPr>
+        <p:cNvPr id="1" name=""/>
+        <p:cNvGrpSpPr/>
+        <p:nvPr/>
+      </p:nvGrpSpPr>
+      <p:grpSpPr>
+        <a:xfrm>
+          <a:off x="0" y="0"/>
+          <a:ext cx="0" cy="0"/>
+          <a:chOff x="0" y="0"/>
+          <a:chExt cx="0" cy="0"/>
+        </a:xfrm>
+      </p:grpSpPr>
+      <p:sp>
+        <p:nvSpPr>
+          <p:cNvPr id="2" name="Slide Image Placeholder 1"/>
+          <p:cNvSpPr>
+            <a:spLocks noGrp="1" noRot="1" noChangeAspect="1"/>
+          </p:cNvSpPr>
+          <p:nvPr>
+            <p:ph type="sldImg"/>
+          </p:nvPr>
+        </p:nvSpPr>
+        <p:spPr/>
+      </p:sp>
+      <p:sp>
+        <p:nvSpPr>
+          <p:cNvPr id="3" name="Notes Placeholder 2"/>
+          <p:cNvSpPr>
+            <a:spLocks noGrp="1"/>
+          </p:cNvSpPr>
+          <p:nvPr>
+            <p:ph type="body" idx="1"/>
+          </p:nvPr>
+        </p:nvSpPr>
+        <p:spPr/>
+        <p:txBody>
+          <a:bodyPr/>
+          <a:lstStyle/>
+          <a:p>
+            <a:endParaRPr lang="en-US" dirty="0"/>
+          </a:p>
+        </p:txBody>
+      </p:sp>
+      <p:sp>
+        <p:nvSpPr>
+          <p:cNvPr id="4" name="Slide Number Placeholder 3"/>
+          <p:cNvSpPr>
+            <a:spLocks noGrp="1"/>
+          </p:cNvSpPr>
+          <p:nvPr>
+            <p:ph type="sldNum" sz="quarter" idx="10"/>
+          </p:nvPr>
+        </p:nvSpPr>
+        <p:spPr/>
+        <p:txBody>
+          <a:bodyPr/>
+          <a:lstStyle/>
+          <a:p>
+            <a:fld id="{6BB98AFB-CB0D-4DFE-87B9-B4B0D0DE73CD}" type="slidenum">
+              <a:rPr lang="en-US" smtClean="0"/>
+              <a:t>16</a:t>
+            </a:fld>
+            <a:endParaRPr lang="en-US" dirty="0"/>
+          </a:p>
+        </p:txBody>
+      </p:sp>
+    </p:spTree>
+    <p:extLst>
+      <p:ext uri="{BB962C8B-B14F-4D97-AF65-F5344CB8AC3E}">
+        <p14:creationId xmlns:p14="http://schemas.microsoft.com/office/powerpoint/2010/main" val="2587002524"/>
+      </p:ext>
+    </p:extLst>
+  </p:cSld>
+  <p:clrMapOvr>
+    <a:masterClrMapping/>
+  </p:clrMapOvr>
+</p:notes>
+</file>
+
+<file path=ppt/notesSlides/notesSlide17.xml><?xml version="1.0" encoding="utf-8"?>
+<p:notes xmlns:a="http://schemas.openxmlformats.org/drawingml/2006/main" xmlns:r="http://schemas.openxmlformats.org/officeDocument/2006/relationships" xmlns:p="http://schemas.openxmlformats.org/presentationml/2006/main">
+  <p:cSld>
+    <p:spTree>
+      <p:nvGrpSpPr>
+        <p:cNvPr id="1" name=""/>
+        <p:cNvGrpSpPr/>
+        <p:nvPr/>
+      </p:nvGrpSpPr>
+      <p:grpSpPr>
+        <a:xfrm>
+          <a:off x="0" y="0"/>
+          <a:ext cx="0" cy="0"/>
+          <a:chOff x="0" y="0"/>
+          <a:chExt cx="0" cy="0"/>
+        </a:xfrm>
+      </p:grpSpPr>
+      <p:sp>
+        <p:nvSpPr>
+          <p:cNvPr id="2" name="Slide Image Placeholder 1"/>
+          <p:cNvSpPr>
+            <a:spLocks noGrp="1" noRot="1" noChangeAspect="1"/>
+          </p:cNvSpPr>
+          <p:nvPr>
+            <p:ph type="sldImg"/>
+          </p:nvPr>
+        </p:nvSpPr>
+        <p:spPr/>
+      </p:sp>
+      <p:sp>
+        <p:nvSpPr>
+          <p:cNvPr id="3" name="Notes Placeholder 2"/>
+          <p:cNvSpPr>
+            <a:spLocks noGrp="1"/>
+          </p:cNvSpPr>
+          <p:nvPr>
+            <p:ph type="body" idx="1"/>
+          </p:nvPr>
+        </p:nvSpPr>
+        <p:spPr/>
+        <p:txBody>
+          <a:bodyPr/>
+          <a:lstStyle/>
+          <a:p>
+            <a:endParaRPr lang="en-US" dirty="0"/>
+          </a:p>
+        </p:txBody>
+      </p:sp>
+      <p:sp>
+        <p:nvSpPr>
+          <p:cNvPr id="4" name="Slide Number Placeholder 3"/>
+          <p:cNvSpPr>
+            <a:spLocks noGrp="1"/>
+          </p:cNvSpPr>
+          <p:nvPr>
+            <p:ph type="sldNum" sz="quarter" idx="10"/>
+          </p:nvPr>
+        </p:nvSpPr>
+        <p:spPr/>
+        <p:txBody>
+          <a:bodyPr/>
+          <a:lstStyle/>
+          <a:p>
+            <a:fld id="{6BB98AFB-CB0D-4DFE-87B9-B4B0D0DE73CD}" type="slidenum">
+              <a:rPr lang="en-US" smtClean="0"/>
+              <a:t>17</a:t>
+            </a:fld>
+            <a:endParaRPr lang="en-US" dirty="0"/>
+          </a:p>
+        </p:txBody>
+      </p:sp>
+    </p:spTree>
+    <p:extLst>
+      <p:ext uri="{BB962C8B-B14F-4D97-AF65-F5344CB8AC3E}">
+        <p14:creationId xmlns:p14="http://schemas.microsoft.com/office/powerpoint/2010/main" val="3926584898"/>
       </p:ext>
     </p:extLst>
   </p:cSld>
@@ -7820,6 +7990,711 @@
     <p:extLst>
       <p:ext uri="{BB962C8B-B14F-4D97-AF65-F5344CB8AC3E}">
         <p14:creationId xmlns:p14="http://schemas.microsoft.com/office/powerpoint/2010/main" val="1954518699"/>
+      </p:ext>
+    </p:extLst>
+  </p:cSld>
+  <p:clrMapOvr>
+    <a:masterClrMapping/>
+  </p:clrMapOvr>
+  <mc:AlternateContent xmlns:mc="http://schemas.openxmlformats.org/markup-compatibility/2006" xmlns:p14="http://schemas.microsoft.com/office/powerpoint/2010/main">
+    <mc:Choice Requires="p14">
+      <p:transition spd="med" p14:dur="700">
+        <p:fade/>
+      </p:transition>
+    </mc:Choice>
+    <mc:Fallback xmlns="">
+      <p:transition spd="med">
+        <p:fade/>
+      </p:transition>
+    </mc:Fallback>
+  </mc:AlternateContent>
+</p:sld>
+</file>
+
+<file path=ppt/slides/slide16.xml><?xml version="1.0" encoding="utf-8"?>
+<p:sld xmlns:a="http://schemas.openxmlformats.org/drawingml/2006/main" xmlns:r="http://schemas.openxmlformats.org/officeDocument/2006/relationships" xmlns:p="http://schemas.openxmlformats.org/presentationml/2006/main">
+  <p:cSld>
+    <p:spTree>
+      <p:nvGrpSpPr>
+        <p:cNvPr id="1" name=""/>
+        <p:cNvGrpSpPr/>
+        <p:nvPr/>
+      </p:nvGrpSpPr>
+      <p:grpSpPr>
+        <a:xfrm>
+          <a:off x="0" y="0"/>
+          <a:ext cx="0" cy="0"/>
+          <a:chOff x="0" y="0"/>
+          <a:chExt cx="0" cy="0"/>
+        </a:xfrm>
+      </p:grpSpPr>
+      <p:sp>
+        <p:nvSpPr>
+          <p:cNvPr id="4" name="Title 3"/>
+          <p:cNvSpPr>
+            <a:spLocks noGrp="1"/>
+          </p:cNvSpPr>
+          <p:nvPr>
+            <p:ph type="ctrTitle"/>
+          </p:nvPr>
+        </p:nvSpPr>
+        <p:spPr/>
+        <p:txBody>
+          <a:bodyPr>
+            <a:normAutofit/>
+          </a:bodyPr>
+          <a:lstStyle/>
+          <a:p>
+            <a:pPr algn="ctr"/>
+            <a:r>
+              <a:rPr lang="zh-CN" altLang="en-US" sz="4800" dirty="0">
+                <a:latin typeface="华文隶书" panose="02010800040101010101" pitchFamily="2" charset="-122"/>
+                <a:ea typeface="华文隶书" panose="02010800040101010101" pitchFamily="2" charset="-122"/>
+              </a:rPr>
+              <a:t>让</a:t>
+            </a:r>
+            <a:r>
+              <a:rPr lang="en-US" altLang="zh-CN" sz="4800" dirty="0">
+                <a:latin typeface="华文隶书" panose="02010800040101010101" pitchFamily="2" charset="-122"/>
+                <a:ea typeface="华文隶书" panose="02010800040101010101" pitchFamily="2" charset="-122"/>
+              </a:rPr>
+              <a:t>Python</a:t>
+            </a:r>
+            <a:r>
+              <a:rPr lang="zh-CN" altLang="en-US" sz="4800" dirty="0">
+                <a:latin typeface="华文隶书" panose="02010800040101010101" pitchFamily="2" charset="-122"/>
+                <a:ea typeface="华文隶书" panose="02010800040101010101" pitchFamily="2" charset="-122"/>
+              </a:rPr>
+              <a:t>遇上</a:t>
+            </a:r>
+            <a:r>
+              <a:rPr lang="en-US" altLang="zh-CN" sz="4800" dirty="0">
+                <a:latin typeface="华文隶书" panose="02010800040101010101" pitchFamily="2" charset="-122"/>
+                <a:ea typeface="华文隶书" panose="02010800040101010101" pitchFamily="2" charset="-122"/>
+              </a:rPr>
+              <a:t>Office</a:t>
+            </a:r>
+            <a:br>
+              <a:rPr lang="en-US" altLang="zh-CN" sz="4800" dirty="0">
+                <a:latin typeface="华文隶书" panose="02010800040101010101" pitchFamily="2" charset="-122"/>
+                <a:ea typeface="华文隶书" panose="02010800040101010101" pitchFamily="2" charset="-122"/>
+              </a:rPr>
+            </a:br>
+            <a:br>
+              <a:rPr lang="en-US" altLang="zh-CN" sz="4800" dirty="0">
+                <a:latin typeface="华文隶书" panose="02010800040101010101" pitchFamily="2" charset="-122"/>
+                <a:ea typeface="华文隶书" panose="02010800040101010101" pitchFamily="2" charset="-122"/>
+              </a:rPr>
+            </a:br>
+            <a:r>
+              <a:rPr lang="en-US" altLang="zh-CN" sz="4800" dirty="0">
+                <a:latin typeface="华文隶书" panose="02010800040101010101" pitchFamily="2" charset="-122"/>
+                <a:ea typeface="华文隶书" panose="02010800040101010101" pitchFamily="2" charset="-122"/>
+              </a:rPr>
+              <a:t>(Python with Office)</a:t>
+            </a:r>
+            <a:endParaRPr lang="en-US" sz="4800" dirty="0">
+              <a:latin typeface="华文隶书" panose="02010800040101010101" pitchFamily="2" charset="-122"/>
+              <a:ea typeface="华文隶书" panose="02010800040101010101" pitchFamily="2" charset="-122"/>
+            </a:endParaRPr>
+          </a:p>
+        </p:txBody>
+      </p:sp>
+      <p:sp>
+        <p:nvSpPr>
+          <p:cNvPr id="3" name="Content Placeholder 2"/>
+          <p:cNvSpPr>
+            <a:spLocks noGrp="1"/>
+          </p:cNvSpPr>
+          <p:nvPr>
+            <p:ph type="subTitle" idx="1"/>
+          </p:nvPr>
+        </p:nvSpPr>
+        <p:spPr>
+          <a:xfrm>
+            <a:off x="1065212" y="3403600"/>
+            <a:ext cx="5029201" cy="2185640"/>
+          </a:xfrm>
+        </p:spPr>
+        <p:txBody>
+          <a:bodyPr>
+            <a:normAutofit fontScale="92500" lnSpcReduction="20000"/>
+          </a:bodyPr>
+          <a:lstStyle/>
+          <a:p>
+            <a:r>
+              <a:rPr lang="en-US" sz="2800" dirty="0">
+                <a:latin typeface="ADLaM Display" panose="020F0502020204030204" pitchFamily="2" charset="0"/>
+                <a:ea typeface="ADLaM Display" panose="020F0502020204030204" pitchFamily="2" charset="0"/>
+                <a:cs typeface="ADLaM Display" panose="020F0502020204030204" pitchFamily="2" charset="0"/>
+              </a:rPr>
+              <a:t>Chapter 3 Functions</a:t>
+            </a:r>
+          </a:p>
+          <a:p>
+            <a:r>
+              <a:rPr lang="en-US" sz="2800" dirty="0">
+                <a:latin typeface="ADLaM Display" panose="020F0502020204030204" pitchFamily="2" charset="0"/>
+                <a:ea typeface="ADLaM Display" panose="020F0502020204030204" pitchFamily="2" charset="0"/>
+                <a:cs typeface="ADLaM Display" panose="020F0502020204030204" pitchFamily="2" charset="0"/>
+              </a:rPr>
+              <a:t>3.6 Variable Scope</a:t>
+            </a:r>
+          </a:p>
+          <a:p>
+            <a:r>
+              <a:rPr lang="en-US" altLang="zh-CN" sz="2800" dirty="0">
+                <a:latin typeface="ADLaM Display" panose="020F0502020204030204" pitchFamily="2" charset="0"/>
+                <a:ea typeface="ADLaM Display" panose="020F0502020204030204" pitchFamily="2" charset="0"/>
+                <a:cs typeface="ADLaM Display" panose="020F0502020204030204" pitchFamily="2" charset="0"/>
+              </a:rPr>
+              <a:t>3.7 Lambda Function</a:t>
+            </a:r>
+          </a:p>
+          <a:p>
+            <a:endParaRPr lang="en-US" sz="2800" dirty="0">
+              <a:latin typeface="ADLaM Display" panose="020F0502020204030204" pitchFamily="2" charset="0"/>
+              <a:ea typeface="ADLaM Display" panose="020F0502020204030204" pitchFamily="2" charset="0"/>
+              <a:cs typeface="ADLaM Display" panose="020F0502020204030204" pitchFamily="2" charset="0"/>
+            </a:endParaRPr>
+          </a:p>
+          <a:p>
+            <a:r>
+              <a:rPr lang="zh-CN" altLang="en-US" sz="2800" dirty="0">
+                <a:latin typeface="ADLaM Display" panose="020F0502020204030204" pitchFamily="2" charset="0"/>
+                <a:ea typeface="ADLaM Display" panose="020F0502020204030204" pitchFamily="2" charset="0"/>
+                <a:cs typeface="ADLaM Display" panose="020F0502020204030204" pitchFamily="2" charset="0"/>
+              </a:rPr>
+              <a:t>第三章 函数</a:t>
+            </a:r>
+            <a:endParaRPr lang="en-US" altLang="zh-CN" sz="2800" dirty="0">
+              <a:latin typeface="ADLaM Display" panose="020F0502020204030204" pitchFamily="2" charset="0"/>
+              <a:ea typeface="ADLaM Display" panose="020F0502020204030204" pitchFamily="2" charset="0"/>
+              <a:cs typeface="ADLaM Display" panose="020F0502020204030204" pitchFamily="2" charset="0"/>
+            </a:endParaRPr>
+          </a:p>
+          <a:p>
+            <a:r>
+              <a:rPr lang="en-US" sz="2800" dirty="0">
+                <a:latin typeface="ADLaM Display" panose="020F0502020204030204" pitchFamily="2" charset="0"/>
+                <a:ea typeface="ADLaM Display" panose="020F0502020204030204" pitchFamily="2" charset="0"/>
+                <a:cs typeface="ADLaM Display" panose="020F0502020204030204" pitchFamily="2" charset="0"/>
+              </a:rPr>
+              <a:t>3.6 </a:t>
+            </a:r>
+            <a:r>
+              <a:rPr lang="zh-CN" altLang="en-US" sz="2800" dirty="0">
+                <a:latin typeface="ADLaM Display" panose="020F0502020204030204" pitchFamily="2" charset="0"/>
+                <a:ea typeface="ADLaM Display" panose="020F0502020204030204" pitchFamily="2" charset="0"/>
+                <a:cs typeface="ADLaM Display" panose="020F0502020204030204" pitchFamily="2" charset="0"/>
+              </a:rPr>
+              <a:t>变量作用域 </a:t>
+            </a:r>
+            <a:r>
+              <a:rPr lang="en-US" altLang="zh-CN" sz="2800" dirty="0">
+                <a:latin typeface="ADLaM Display" panose="020F0502020204030204" pitchFamily="2" charset="0"/>
+                <a:ea typeface="ADLaM Display" panose="020F0502020204030204" pitchFamily="2" charset="0"/>
+                <a:cs typeface="ADLaM Display" panose="020F0502020204030204" pitchFamily="2" charset="0"/>
+              </a:rPr>
+              <a:t>3.7 </a:t>
+            </a:r>
+            <a:r>
+              <a:rPr lang="zh-CN" altLang="en-US" sz="2800" dirty="0">
+                <a:latin typeface="ADLaM Display" panose="020F0502020204030204" pitchFamily="2" charset="0"/>
+                <a:ea typeface="ADLaM Display" panose="020F0502020204030204" pitchFamily="2" charset="0"/>
+                <a:cs typeface="ADLaM Display" panose="020F0502020204030204" pitchFamily="2" charset="0"/>
+              </a:rPr>
+              <a:t>匿名函数</a:t>
+            </a:r>
+            <a:endParaRPr lang="en-US" sz="2800" dirty="0">
+              <a:latin typeface="ADLaM Display" panose="020F0502020204030204" pitchFamily="2" charset="0"/>
+              <a:ea typeface="ADLaM Display" panose="020F0502020204030204" pitchFamily="2" charset="0"/>
+              <a:cs typeface="ADLaM Display" panose="020F0502020204030204" pitchFamily="2" charset="0"/>
+            </a:endParaRPr>
+          </a:p>
+        </p:txBody>
+      </p:sp>
+      <p:pic>
+        <p:nvPicPr>
+          <p:cNvPr id="5" name="Picture 4">
+            <a:extLst>
+              <a:ext uri="{FF2B5EF4-FFF2-40B4-BE49-F238E27FC236}">
+                <a16:creationId xmlns:a16="http://schemas.microsoft.com/office/drawing/2014/main" id="{4AD8B85C-B359-195F-B78C-C879AB7840B1}"/>
+              </a:ext>
+            </a:extLst>
+          </p:cNvPr>
+          <p:cNvPicPr>
+            <a:picLocks noChangeAspect="1"/>
+          </p:cNvPicPr>
+          <p:nvPr/>
+        </p:nvPicPr>
+        <p:blipFill>
+          <a:blip r:embed="rId3"/>
+          <a:stretch>
+            <a:fillRect/>
+          </a:stretch>
+        </p:blipFill>
+        <p:spPr>
+          <a:xfrm>
+            <a:off x="57601" y="1189856"/>
+            <a:ext cx="1068259" cy="1556792"/>
+          </a:xfrm>
+          <a:prstGeom prst="rect">
+            <a:avLst/>
+          </a:prstGeom>
+          <a:ln>
+            <a:noFill/>
+          </a:ln>
+          <a:effectLst>
+            <a:outerShdw blurRad="292100" dist="139700" dir="2700000" algn="tl" rotWithShape="0">
+              <a:srgbClr val="333333">
+                <a:alpha val="65000"/>
+              </a:srgbClr>
+            </a:outerShdw>
+          </a:effectLst>
+        </p:spPr>
+      </p:pic>
+      <p:sp>
+        <p:nvSpPr>
+          <p:cNvPr id="2" name="TextBox 1">
+            <a:extLst>
+              <a:ext uri="{FF2B5EF4-FFF2-40B4-BE49-F238E27FC236}">
+                <a16:creationId xmlns:a16="http://schemas.microsoft.com/office/drawing/2014/main" id="{CAB2C784-DE74-68FC-7A84-3E6C5D164315}"/>
+              </a:ext>
+            </a:extLst>
+          </p:cNvPr>
+          <p:cNvSpPr txBox="1"/>
+          <p:nvPr/>
+        </p:nvSpPr>
+        <p:spPr>
+          <a:xfrm>
+            <a:off x="405780" y="5722972"/>
+            <a:ext cx="7951216" cy="523220"/>
+          </a:xfrm>
+          <a:prstGeom prst="rect">
+            <a:avLst/>
+          </a:prstGeom>
+          <a:solidFill>
+            <a:schemeClr val="bg1">
+              <a:lumMod val="95000"/>
+            </a:schemeClr>
+          </a:solidFill>
+          <a:ln>
+            <a:solidFill>
+              <a:schemeClr val="bg2"/>
+            </a:solidFill>
+          </a:ln>
+        </p:spPr>
+        <p:txBody>
+          <a:bodyPr wrap="none" rtlCol="0" anchor="ctr" anchorCtr="1">
+            <a:spAutoFit/>
+          </a:bodyPr>
+          <a:lstStyle/>
+          <a:p>
+            <a:r>
+              <a:rPr lang="en-US" sz="2800" dirty="0">
+                <a:hlinkClick r:id="rId4"/>
+              </a:rPr>
+              <a:t>https://github.com/yasenstar/python_with_office</a:t>
+            </a:r>
+            <a:endParaRPr lang="en-US" sz="2800" dirty="0"/>
+          </a:p>
+        </p:txBody>
+      </p:sp>
+      <p:sp>
+        <p:nvSpPr>
+          <p:cNvPr id="9" name="TextBox 8">
+            <a:extLst>
+              <a:ext uri="{FF2B5EF4-FFF2-40B4-BE49-F238E27FC236}">
+                <a16:creationId xmlns:a16="http://schemas.microsoft.com/office/drawing/2014/main" id="{C25C84F5-3AA3-A068-7E2F-9123CA5A7D16}"/>
+              </a:ext>
+            </a:extLst>
+          </p:cNvPr>
+          <p:cNvSpPr txBox="1"/>
+          <p:nvPr/>
+        </p:nvSpPr>
+        <p:spPr>
+          <a:xfrm>
+            <a:off x="405780" y="6246192"/>
+            <a:ext cx="7951216" cy="523220"/>
+          </a:xfrm>
+          <a:prstGeom prst="rect">
+            <a:avLst/>
+          </a:prstGeom>
+          <a:solidFill>
+            <a:schemeClr val="bg1">
+              <a:lumMod val="95000"/>
+            </a:schemeClr>
+          </a:solidFill>
+          <a:ln>
+            <a:solidFill>
+              <a:schemeClr val="bg2"/>
+            </a:solidFill>
+          </a:ln>
+        </p:spPr>
+        <p:txBody>
+          <a:bodyPr wrap="square" rtlCol="0" anchor="ctr" anchorCtr="1">
+            <a:spAutoFit/>
+          </a:bodyPr>
+          <a:lstStyle/>
+          <a:p>
+            <a:r>
+              <a:rPr lang="en-US" sz="2800" dirty="0">
+                <a:hlinkClick r:id="rId5"/>
+              </a:rPr>
+              <a:t>https://gitee.com/yasenstar/python_with_office</a:t>
+            </a:r>
+            <a:endParaRPr lang="en-US" sz="2800" dirty="0"/>
+          </a:p>
+        </p:txBody>
+      </p:sp>
+      <p:pic>
+        <p:nvPicPr>
+          <p:cNvPr id="8" name="Picture 7">
+            <a:extLst>
+              <a:ext uri="{FF2B5EF4-FFF2-40B4-BE49-F238E27FC236}">
+                <a16:creationId xmlns:a16="http://schemas.microsoft.com/office/drawing/2014/main" id="{B8B27B82-226B-9C4F-89C6-EE244DF2B1BC}"/>
+              </a:ext>
+            </a:extLst>
+          </p:cNvPr>
+          <p:cNvPicPr>
+            <a:picLocks noChangeAspect="1"/>
+          </p:cNvPicPr>
+          <p:nvPr/>
+        </p:nvPicPr>
+        <p:blipFill>
+          <a:blip r:embed="rId6"/>
+          <a:stretch>
+            <a:fillRect/>
+          </a:stretch>
+        </p:blipFill>
+        <p:spPr>
+          <a:xfrm>
+            <a:off x="6079058" y="694066"/>
+            <a:ext cx="5559969" cy="4912735"/>
+          </a:xfrm>
+          <a:prstGeom prst="rect">
+            <a:avLst/>
+          </a:prstGeom>
+          <a:ln>
+            <a:noFill/>
+          </a:ln>
+          <a:effectLst>
+            <a:outerShdw blurRad="292100" dist="139700" dir="2700000" algn="tl" rotWithShape="0">
+              <a:srgbClr val="333333">
+                <a:alpha val="65000"/>
+              </a:srgbClr>
+            </a:outerShdw>
+          </a:effectLst>
+        </p:spPr>
+      </p:pic>
+    </p:spTree>
+    <p:extLst>
+      <p:ext uri="{BB962C8B-B14F-4D97-AF65-F5344CB8AC3E}">
+        <p14:creationId xmlns:p14="http://schemas.microsoft.com/office/powerpoint/2010/main" val="1009642016"/>
+      </p:ext>
+    </p:extLst>
+  </p:cSld>
+  <p:clrMapOvr>
+    <a:masterClrMapping/>
+  </p:clrMapOvr>
+  <mc:AlternateContent xmlns:mc="http://schemas.openxmlformats.org/markup-compatibility/2006" xmlns:p14="http://schemas.microsoft.com/office/powerpoint/2010/main">
+    <mc:Choice Requires="p14">
+      <p:transition spd="med" p14:dur="700">
+        <p:fade/>
+      </p:transition>
+    </mc:Choice>
+    <mc:Fallback xmlns="">
+      <p:transition spd="med">
+        <p:fade/>
+      </p:transition>
+    </mc:Fallback>
+  </mc:AlternateContent>
+</p:sld>
+</file>
+
+<file path=ppt/slides/slide17.xml><?xml version="1.0" encoding="utf-8"?>
+<p:sld xmlns:a="http://schemas.openxmlformats.org/drawingml/2006/main" xmlns:r="http://schemas.openxmlformats.org/officeDocument/2006/relationships" xmlns:p="http://schemas.openxmlformats.org/presentationml/2006/main">
+  <p:cSld>
+    <p:spTree>
+      <p:nvGrpSpPr>
+        <p:cNvPr id="1" name=""/>
+        <p:cNvGrpSpPr/>
+        <p:nvPr/>
+      </p:nvGrpSpPr>
+      <p:grpSpPr>
+        <a:xfrm>
+          <a:off x="0" y="0"/>
+          <a:ext cx="0" cy="0"/>
+          <a:chOff x="0" y="0"/>
+          <a:chExt cx="0" cy="0"/>
+        </a:xfrm>
+      </p:grpSpPr>
+      <p:sp>
+        <p:nvSpPr>
+          <p:cNvPr id="4" name="Title 3"/>
+          <p:cNvSpPr>
+            <a:spLocks noGrp="1"/>
+          </p:cNvSpPr>
+          <p:nvPr>
+            <p:ph type="ctrTitle"/>
+          </p:nvPr>
+        </p:nvSpPr>
+        <p:spPr/>
+        <p:txBody>
+          <a:bodyPr>
+            <a:normAutofit/>
+          </a:bodyPr>
+          <a:lstStyle/>
+          <a:p>
+            <a:pPr algn="ctr"/>
+            <a:r>
+              <a:rPr lang="zh-CN" altLang="en-US" sz="4800" dirty="0">
+                <a:latin typeface="华文隶书" panose="02010800040101010101" pitchFamily="2" charset="-122"/>
+                <a:ea typeface="华文隶书" panose="02010800040101010101" pitchFamily="2" charset="-122"/>
+              </a:rPr>
+              <a:t>让</a:t>
+            </a:r>
+            <a:r>
+              <a:rPr lang="en-US" altLang="zh-CN" sz="4800" dirty="0">
+                <a:latin typeface="华文隶书" panose="02010800040101010101" pitchFamily="2" charset="-122"/>
+                <a:ea typeface="华文隶书" panose="02010800040101010101" pitchFamily="2" charset="-122"/>
+              </a:rPr>
+              <a:t>Python</a:t>
+            </a:r>
+            <a:r>
+              <a:rPr lang="zh-CN" altLang="en-US" sz="4800" dirty="0">
+                <a:latin typeface="华文隶书" panose="02010800040101010101" pitchFamily="2" charset="-122"/>
+                <a:ea typeface="华文隶书" panose="02010800040101010101" pitchFamily="2" charset="-122"/>
+              </a:rPr>
+              <a:t>遇上</a:t>
+            </a:r>
+            <a:r>
+              <a:rPr lang="en-US" altLang="zh-CN" sz="4800" dirty="0">
+                <a:latin typeface="华文隶书" panose="02010800040101010101" pitchFamily="2" charset="-122"/>
+                <a:ea typeface="华文隶书" panose="02010800040101010101" pitchFamily="2" charset="-122"/>
+              </a:rPr>
+              <a:t>Office</a:t>
+            </a:r>
+            <a:br>
+              <a:rPr lang="en-US" altLang="zh-CN" sz="4800" dirty="0">
+                <a:latin typeface="华文隶书" panose="02010800040101010101" pitchFamily="2" charset="-122"/>
+                <a:ea typeface="华文隶书" panose="02010800040101010101" pitchFamily="2" charset="-122"/>
+              </a:rPr>
+            </a:br>
+            <a:br>
+              <a:rPr lang="en-US" altLang="zh-CN" sz="4800" dirty="0">
+                <a:latin typeface="华文隶书" panose="02010800040101010101" pitchFamily="2" charset="-122"/>
+                <a:ea typeface="华文隶书" panose="02010800040101010101" pitchFamily="2" charset="-122"/>
+              </a:rPr>
+            </a:br>
+            <a:r>
+              <a:rPr lang="en-US" altLang="zh-CN" sz="4800" dirty="0">
+                <a:latin typeface="华文隶书" panose="02010800040101010101" pitchFamily="2" charset="-122"/>
+                <a:ea typeface="华文隶书" panose="02010800040101010101" pitchFamily="2" charset="-122"/>
+              </a:rPr>
+              <a:t>(Python with Office)</a:t>
+            </a:r>
+            <a:endParaRPr lang="en-US" sz="4800" dirty="0">
+              <a:latin typeface="华文隶书" panose="02010800040101010101" pitchFamily="2" charset="-122"/>
+              <a:ea typeface="华文隶书" panose="02010800040101010101" pitchFamily="2" charset="-122"/>
+            </a:endParaRPr>
+          </a:p>
+        </p:txBody>
+      </p:sp>
+      <p:sp>
+        <p:nvSpPr>
+          <p:cNvPr id="3" name="Content Placeholder 2"/>
+          <p:cNvSpPr>
+            <a:spLocks noGrp="1"/>
+          </p:cNvSpPr>
+          <p:nvPr>
+            <p:ph type="subTitle" idx="1"/>
+          </p:nvPr>
+        </p:nvSpPr>
+        <p:spPr>
+          <a:xfrm>
+            <a:off x="1065212" y="3403600"/>
+            <a:ext cx="5029201" cy="2185640"/>
+          </a:xfrm>
+        </p:spPr>
+        <p:txBody>
+          <a:bodyPr>
+            <a:normAutofit/>
+          </a:bodyPr>
+          <a:lstStyle/>
+          <a:p>
+            <a:r>
+              <a:rPr lang="en-US" sz="2800" dirty="0">
+                <a:latin typeface="ADLaM Display" panose="020F0502020204030204" pitchFamily="2" charset="0"/>
+                <a:ea typeface="ADLaM Display" panose="020F0502020204030204" pitchFamily="2" charset="0"/>
+                <a:cs typeface="ADLaM Display" panose="020F0502020204030204" pitchFamily="2" charset="0"/>
+              </a:rPr>
+              <a:t>Chapter 4 Class and Object</a:t>
+            </a:r>
+          </a:p>
+          <a:p>
+            <a:endParaRPr lang="en-US" sz="2800" dirty="0">
+              <a:latin typeface="ADLaM Display" panose="020F0502020204030204" pitchFamily="2" charset="0"/>
+              <a:ea typeface="ADLaM Display" panose="020F0502020204030204" pitchFamily="2" charset="0"/>
+              <a:cs typeface="ADLaM Display" panose="020F0502020204030204" pitchFamily="2" charset="0"/>
+            </a:endParaRPr>
+          </a:p>
+          <a:p>
+            <a:r>
+              <a:rPr lang="zh-CN" altLang="en-US" sz="2800" dirty="0">
+                <a:latin typeface="ADLaM Display" panose="020F0502020204030204" pitchFamily="2" charset="0"/>
+                <a:ea typeface="ADLaM Display" panose="020F0502020204030204" pitchFamily="2" charset="0"/>
+                <a:cs typeface="ADLaM Display" panose="020F0502020204030204" pitchFamily="2" charset="0"/>
+              </a:rPr>
+              <a:t>第四章 类与对象</a:t>
+            </a:r>
+            <a:endParaRPr lang="en-US" altLang="zh-CN" sz="2800" dirty="0">
+              <a:latin typeface="ADLaM Display" panose="020F0502020204030204" pitchFamily="2" charset="0"/>
+              <a:ea typeface="ADLaM Display" panose="020F0502020204030204" pitchFamily="2" charset="0"/>
+              <a:cs typeface="ADLaM Display" panose="020F0502020204030204" pitchFamily="2" charset="0"/>
+            </a:endParaRPr>
+          </a:p>
+        </p:txBody>
+      </p:sp>
+      <p:pic>
+        <p:nvPicPr>
+          <p:cNvPr id="5" name="Picture 4">
+            <a:extLst>
+              <a:ext uri="{FF2B5EF4-FFF2-40B4-BE49-F238E27FC236}">
+                <a16:creationId xmlns:a16="http://schemas.microsoft.com/office/drawing/2014/main" id="{4AD8B85C-B359-195F-B78C-C879AB7840B1}"/>
+              </a:ext>
+            </a:extLst>
+          </p:cNvPr>
+          <p:cNvPicPr>
+            <a:picLocks noChangeAspect="1"/>
+          </p:cNvPicPr>
+          <p:nvPr/>
+        </p:nvPicPr>
+        <p:blipFill>
+          <a:blip r:embed="rId3"/>
+          <a:stretch>
+            <a:fillRect/>
+          </a:stretch>
+        </p:blipFill>
+        <p:spPr>
+          <a:xfrm>
+            <a:off x="57601" y="1189856"/>
+            <a:ext cx="1068259" cy="1556792"/>
+          </a:xfrm>
+          <a:prstGeom prst="rect">
+            <a:avLst/>
+          </a:prstGeom>
+          <a:ln>
+            <a:noFill/>
+          </a:ln>
+          <a:effectLst>
+            <a:outerShdw blurRad="292100" dist="139700" dir="2700000" algn="tl" rotWithShape="0">
+              <a:srgbClr val="333333">
+                <a:alpha val="65000"/>
+              </a:srgbClr>
+            </a:outerShdw>
+          </a:effectLst>
+        </p:spPr>
+      </p:pic>
+      <p:sp>
+        <p:nvSpPr>
+          <p:cNvPr id="2" name="TextBox 1">
+            <a:extLst>
+              <a:ext uri="{FF2B5EF4-FFF2-40B4-BE49-F238E27FC236}">
+                <a16:creationId xmlns:a16="http://schemas.microsoft.com/office/drawing/2014/main" id="{CAB2C784-DE74-68FC-7A84-3E6C5D164315}"/>
+              </a:ext>
+            </a:extLst>
+          </p:cNvPr>
+          <p:cNvSpPr txBox="1"/>
+          <p:nvPr/>
+        </p:nvSpPr>
+        <p:spPr>
+          <a:xfrm>
+            <a:off x="405780" y="5722972"/>
+            <a:ext cx="7951216" cy="523220"/>
+          </a:xfrm>
+          <a:prstGeom prst="rect">
+            <a:avLst/>
+          </a:prstGeom>
+          <a:solidFill>
+            <a:schemeClr val="bg1">
+              <a:lumMod val="95000"/>
+            </a:schemeClr>
+          </a:solidFill>
+          <a:ln>
+            <a:solidFill>
+              <a:schemeClr val="bg2"/>
+            </a:solidFill>
+          </a:ln>
+        </p:spPr>
+        <p:txBody>
+          <a:bodyPr wrap="none" rtlCol="0" anchor="ctr" anchorCtr="1">
+            <a:spAutoFit/>
+          </a:bodyPr>
+          <a:lstStyle/>
+          <a:p>
+            <a:r>
+              <a:rPr lang="en-US" sz="2800" dirty="0">
+                <a:hlinkClick r:id="rId4"/>
+              </a:rPr>
+              <a:t>https://github.com/yasenstar/python_with_office</a:t>
+            </a:r>
+            <a:endParaRPr lang="en-US" sz="2800" dirty="0"/>
+          </a:p>
+        </p:txBody>
+      </p:sp>
+      <p:sp>
+        <p:nvSpPr>
+          <p:cNvPr id="9" name="TextBox 8">
+            <a:extLst>
+              <a:ext uri="{FF2B5EF4-FFF2-40B4-BE49-F238E27FC236}">
+                <a16:creationId xmlns:a16="http://schemas.microsoft.com/office/drawing/2014/main" id="{C25C84F5-3AA3-A068-7E2F-9123CA5A7D16}"/>
+              </a:ext>
+            </a:extLst>
+          </p:cNvPr>
+          <p:cNvSpPr txBox="1"/>
+          <p:nvPr/>
+        </p:nvSpPr>
+        <p:spPr>
+          <a:xfrm>
+            <a:off x="405780" y="6246192"/>
+            <a:ext cx="7951216" cy="523220"/>
+          </a:xfrm>
+          <a:prstGeom prst="rect">
+            <a:avLst/>
+          </a:prstGeom>
+          <a:solidFill>
+            <a:schemeClr val="bg1">
+              <a:lumMod val="95000"/>
+            </a:schemeClr>
+          </a:solidFill>
+          <a:ln>
+            <a:solidFill>
+              <a:schemeClr val="bg2"/>
+            </a:solidFill>
+          </a:ln>
+        </p:spPr>
+        <p:txBody>
+          <a:bodyPr wrap="square" rtlCol="0" anchor="ctr" anchorCtr="1">
+            <a:spAutoFit/>
+          </a:bodyPr>
+          <a:lstStyle/>
+          <a:p>
+            <a:r>
+              <a:rPr lang="en-US" sz="2800" dirty="0">
+                <a:hlinkClick r:id="rId5"/>
+              </a:rPr>
+              <a:t>https://gitee.com/yasenstar/python_with_office</a:t>
+            </a:r>
+            <a:endParaRPr lang="en-US" sz="2800" dirty="0"/>
+          </a:p>
+        </p:txBody>
+      </p:sp>
+    </p:spTree>
+    <p:extLst>
+      <p:ext uri="{BB962C8B-B14F-4D97-AF65-F5344CB8AC3E}">
+        <p14:creationId xmlns:p14="http://schemas.microsoft.com/office/powerpoint/2010/main" val="614590565"/>
       </p:ext>
     </p:extLst>
   </p:cSld>

--- a/Video_Covers.pptx
+++ b/Video_Covers.pptx
@@ -290,7 +290,7 @@
           <a:p>
             <a:fld id="{24CE221E-83ED-4F6C-BA5F-3F9E6FDB6953}" type="datetimeFigureOut">
               <a:rPr lang="en-US"/>
-              <a:t>10/25/2023</a:t>
+              <a:t>11/12/2023</a:t>
             </a:fld>
             <a:endParaRPr dirty="0"/>
           </a:p>
@@ -455,7 +455,7 @@
           <a:p>
             <a:fld id="{97853E5F-CE67-483C-A264-F17AC70E9CA2}" type="datetimeFigureOut">
               <a:rPr lang="en-US"/>
-              <a:t>10/24/2023</a:t>
+              <a:t>11/12/2023</a:t>
             </a:fld>
             <a:endParaRPr dirty="0"/>
           </a:p>
@@ -2391,7 +2391,7 @@
           <a:p>
             <a:fld id="{3E0FA9E5-6744-4841-888F-9E7CC0C2B7EC}" type="datetimeFigureOut">
               <a:rPr lang="en-US" smtClean="0"/>
-              <a:t>10/24/2023</a:t>
+              <a:t>11/12/2023</a:t>
             </a:fld>
             <a:endParaRPr lang="en-US" dirty="0"/>
           </a:p>
@@ -2581,7 +2581,7 @@
           <a:p>
             <a:fld id="{3E0FA9E5-6744-4841-888F-9E7CC0C2B7EC}" type="datetimeFigureOut">
               <a:rPr lang="en-US" smtClean="0"/>
-              <a:t>10/24/2023</a:t>
+              <a:t>11/12/2023</a:t>
             </a:fld>
             <a:endParaRPr lang="en-US" dirty="0"/>
           </a:p>
@@ -2776,7 +2776,7 @@
           <a:p>
             <a:fld id="{3E0FA9E5-6744-4841-888F-9E7CC0C2B7EC}" type="datetimeFigureOut">
               <a:rPr lang="en-US" smtClean="0"/>
-              <a:t>10/24/2023</a:t>
+              <a:t>11/12/2023</a:t>
             </a:fld>
             <a:endParaRPr lang="en-US" dirty="0"/>
           </a:p>
@@ -2961,7 +2961,7 @@
           <a:p>
             <a:fld id="{3E0FA9E5-6744-4841-888F-9E7CC0C2B7EC}" type="datetimeFigureOut">
               <a:rPr lang="en-US" smtClean="0"/>
-              <a:t>10/24/2023</a:t>
+              <a:t>11/12/2023</a:t>
             </a:fld>
             <a:endParaRPr lang="en-US" dirty="0"/>
           </a:p>
@@ -3230,7 +3230,7 @@
           <a:p>
             <a:fld id="{3E0FA9E5-6744-4841-888F-9E7CC0C2B7EC}" type="datetimeFigureOut">
               <a:rPr lang="en-US" smtClean="0"/>
-              <a:t>10/24/2023</a:t>
+              <a:t>11/12/2023</a:t>
             </a:fld>
             <a:endParaRPr lang="en-US" dirty="0"/>
           </a:p>
@@ -3537,7 +3537,7 @@
           <a:p>
             <a:fld id="{3E0FA9E5-6744-4841-888F-9E7CC0C2B7EC}" type="datetimeFigureOut">
               <a:rPr lang="en-US" smtClean="0"/>
-              <a:t>10/24/2023</a:t>
+              <a:t>11/12/2023</a:t>
             </a:fld>
             <a:endParaRPr lang="en-US" dirty="0"/>
           </a:p>
@@ -3993,7 +3993,7 @@
           <a:p>
             <a:fld id="{3E0FA9E5-6744-4841-888F-9E7CC0C2B7EC}" type="datetimeFigureOut">
               <a:rPr lang="en-US" smtClean="0"/>
-              <a:t>10/24/2023</a:t>
+              <a:t>11/12/2023</a:t>
             </a:fld>
             <a:endParaRPr lang="en-US" dirty="0"/>
           </a:p>
@@ -4126,7 +4126,7 @@
           <a:p>
             <a:fld id="{3E0FA9E5-6744-4841-888F-9E7CC0C2B7EC}" type="datetimeFigureOut">
               <a:rPr lang="en-US" smtClean="0"/>
-              <a:t>10/24/2023</a:t>
+              <a:t>11/12/2023</a:t>
             </a:fld>
             <a:endParaRPr lang="en-US" dirty="0"/>
           </a:p>
@@ -4236,7 +4236,7 @@
           <a:p>
             <a:fld id="{3E0FA9E5-6744-4841-888F-9E7CC0C2B7EC}" type="datetimeFigureOut">
               <a:rPr lang="en-US" smtClean="0"/>
-              <a:t>10/24/2023</a:t>
+              <a:t>11/12/2023</a:t>
             </a:fld>
             <a:endParaRPr lang="en-US" dirty="0"/>
           </a:p>
@@ -4547,7 +4547,7 @@
           <a:p>
             <a:fld id="{3E0FA9E5-6744-4841-888F-9E7CC0C2B7EC}" type="datetimeFigureOut">
               <a:rPr lang="en-US" smtClean="0"/>
-              <a:t>10/24/2023</a:t>
+              <a:t>11/12/2023</a:t>
             </a:fld>
             <a:endParaRPr lang="en-US" dirty="0"/>
           </a:p>
@@ -5024,7 +5024,7 @@
             <a:fld id="{3E0FA9E5-6744-4841-888F-9E7CC0C2B7EC}" type="datetimeFigureOut">
               <a:rPr lang="en-US" smtClean="0"/>
               <a:pPr/>
-              <a:t>10/24/2023</a:t>
+              <a:t>11/12/2023</a:t>
             </a:fld>
             <a:endParaRPr lang="en-US" dirty="0"/>
           </a:p>
@@ -8530,15 +8530,8 @@
                 <a:ea typeface="ADLaM Display" panose="020F0502020204030204" pitchFamily="2" charset="0"/>
                 <a:cs typeface="ADLaM Display" panose="020F0502020204030204" pitchFamily="2" charset="0"/>
               </a:rPr>
-              <a:t>Chapter 4 Class and Object</a:t>
-            </a:r>
-          </a:p>
-          <a:p>
-            <a:endParaRPr lang="en-US" sz="2800" dirty="0">
-              <a:latin typeface="ADLaM Display" panose="020F0502020204030204" pitchFamily="2" charset="0"/>
-              <a:ea typeface="ADLaM Display" panose="020F0502020204030204" pitchFamily="2" charset="0"/>
-              <a:cs typeface="ADLaM Display" panose="020F0502020204030204" pitchFamily="2" charset="0"/>
-            </a:endParaRPr>
+              <a:t>Chapter 4 Class and Object (4.1)</a:t>
+            </a:r>
           </a:p>
           <a:p>
             <a:r>
@@ -8547,13 +8540,16 @@
                 <a:ea typeface="ADLaM Display" panose="020F0502020204030204" pitchFamily="2" charset="0"/>
                 <a:cs typeface="ADLaM Display" panose="020F0502020204030204" pitchFamily="2" charset="0"/>
               </a:rPr>
-              <a:t>第四章 类与对象</a:t>
-            </a:r>
-            <a:endParaRPr lang="en-US" altLang="zh-CN" sz="2800" dirty="0">
-              <a:latin typeface="ADLaM Display" panose="020F0502020204030204" pitchFamily="2" charset="0"/>
-              <a:ea typeface="ADLaM Display" panose="020F0502020204030204" pitchFamily="2" charset="0"/>
-              <a:cs typeface="ADLaM Display" panose="020F0502020204030204" pitchFamily="2" charset="0"/>
-            </a:endParaRPr>
+              <a:t>第四章 类与对象 </a:t>
+            </a:r>
+            <a:r>
+              <a:rPr lang="en-US" altLang="zh-CN" sz="2800" dirty="0">
+                <a:latin typeface="ADLaM Display" panose="020F0502020204030204" pitchFamily="2" charset="0"/>
+                <a:ea typeface="ADLaM Display" panose="020F0502020204030204" pitchFamily="2" charset="0"/>
+                <a:cs typeface="ADLaM Display" panose="020F0502020204030204" pitchFamily="2" charset="0"/>
+              </a:rPr>
+              <a:t>(4.1)</a:t>
+            </a:r>
           </a:p>
         </p:txBody>
       </p:sp>
@@ -8691,6 +8687,46 @@
           </a:p>
         </p:txBody>
       </p:sp>
+      <p:pic>
+        <p:nvPicPr>
+          <p:cNvPr id="7" name="Picture 6">
+            <a:extLst>
+              <a:ext uri="{FF2B5EF4-FFF2-40B4-BE49-F238E27FC236}">
+                <a16:creationId xmlns:a16="http://schemas.microsoft.com/office/drawing/2014/main" id="{257430BF-8FA6-2161-2501-1DE336A84C23}"/>
+              </a:ext>
+            </a:extLst>
+          </p:cNvPr>
+          <p:cNvPicPr>
+            <a:picLocks noChangeAspect="1"/>
+          </p:cNvPicPr>
+          <p:nvPr/>
+        </p:nvPicPr>
+        <p:blipFill>
+          <a:blip r:embed="rId6"/>
+          <a:stretch>
+            <a:fillRect/>
+          </a:stretch>
+        </p:blipFill>
+        <p:spPr>
+          <a:xfrm>
+            <a:off x="6166420" y="1189857"/>
+            <a:ext cx="5251971" cy="4271506"/>
+          </a:xfrm>
+          <a:prstGeom prst="rect">
+            <a:avLst/>
+          </a:prstGeom>
+          <a:ln>
+            <a:noFill/>
+          </a:ln>
+          <a:effectLst>
+            <a:outerShdw blurRad="292100" dist="139700" dir="2700000" algn="tl" rotWithShape="0">
+              <a:srgbClr val="333333">
+                <a:alpha val="65000"/>
+              </a:srgbClr>
+            </a:outerShdw>
+          </a:effectLst>
+        </p:spPr>
+      </p:pic>
     </p:spTree>
     <p:extLst>
       <p:ext uri="{BB962C8B-B14F-4D97-AF65-F5344CB8AC3E}">

--- a/Video_Covers.pptx
+++ b/Video_Covers.pptx
@@ -5,10 +5,10 @@
     <p:sldMasterId id="2147483660" r:id="rId1"/>
   </p:sldMasterIdLst>
   <p:notesMasterIdLst>
-    <p:notesMasterId r:id="rId19"/>
+    <p:notesMasterId r:id="rId20"/>
   </p:notesMasterIdLst>
   <p:handoutMasterIdLst>
-    <p:handoutMasterId r:id="rId20"/>
+    <p:handoutMasterId r:id="rId21"/>
   </p:handoutMasterIdLst>
   <p:sldIdLst>
     <p:sldId id="257" r:id="rId2"/>
@@ -28,6 +28,7 @@
     <p:sldId id="271" r:id="rId16"/>
     <p:sldId id="272" r:id="rId17"/>
     <p:sldId id="273" r:id="rId18"/>
+    <p:sldId id="274" r:id="rId19"/>
   </p:sldIdLst>
   <p:sldSz cx="12188825" cy="6858000"/>
   <p:notesSz cx="6858000" cy="9144000"/>
@@ -1464,6 +1465,90 @@
     <p:extLst>
       <p:ext uri="{BB962C8B-B14F-4D97-AF65-F5344CB8AC3E}">
         <p14:creationId xmlns:p14="http://schemas.microsoft.com/office/powerpoint/2010/main" val="3926584898"/>
+      </p:ext>
+    </p:extLst>
+  </p:cSld>
+  <p:clrMapOvr>
+    <a:masterClrMapping/>
+  </p:clrMapOvr>
+</p:notes>
+</file>
+
+<file path=ppt/notesSlides/notesSlide18.xml><?xml version="1.0" encoding="utf-8"?>
+<p:notes xmlns:a="http://schemas.openxmlformats.org/drawingml/2006/main" xmlns:r="http://schemas.openxmlformats.org/officeDocument/2006/relationships" xmlns:p="http://schemas.openxmlformats.org/presentationml/2006/main">
+  <p:cSld>
+    <p:spTree>
+      <p:nvGrpSpPr>
+        <p:cNvPr id="1" name=""/>
+        <p:cNvGrpSpPr/>
+        <p:nvPr/>
+      </p:nvGrpSpPr>
+      <p:grpSpPr>
+        <a:xfrm>
+          <a:off x="0" y="0"/>
+          <a:ext cx="0" cy="0"/>
+          <a:chOff x="0" y="0"/>
+          <a:chExt cx="0" cy="0"/>
+        </a:xfrm>
+      </p:grpSpPr>
+      <p:sp>
+        <p:nvSpPr>
+          <p:cNvPr id="2" name="Slide Image Placeholder 1"/>
+          <p:cNvSpPr>
+            <a:spLocks noGrp="1" noRot="1" noChangeAspect="1"/>
+          </p:cNvSpPr>
+          <p:nvPr>
+            <p:ph type="sldImg"/>
+          </p:nvPr>
+        </p:nvSpPr>
+        <p:spPr/>
+      </p:sp>
+      <p:sp>
+        <p:nvSpPr>
+          <p:cNvPr id="3" name="Notes Placeholder 2"/>
+          <p:cNvSpPr>
+            <a:spLocks noGrp="1"/>
+          </p:cNvSpPr>
+          <p:nvPr>
+            <p:ph type="body" idx="1"/>
+          </p:nvPr>
+        </p:nvSpPr>
+        <p:spPr/>
+        <p:txBody>
+          <a:bodyPr/>
+          <a:lstStyle/>
+          <a:p>
+            <a:endParaRPr lang="en-US" dirty="0"/>
+          </a:p>
+        </p:txBody>
+      </p:sp>
+      <p:sp>
+        <p:nvSpPr>
+          <p:cNvPr id="4" name="Slide Number Placeholder 3"/>
+          <p:cNvSpPr>
+            <a:spLocks noGrp="1"/>
+          </p:cNvSpPr>
+          <p:nvPr>
+            <p:ph type="sldNum" sz="quarter" idx="10"/>
+          </p:nvPr>
+        </p:nvSpPr>
+        <p:spPr/>
+        <p:txBody>
+          <a:bodyPr/>
+          <a:lstStyle/>
+          <a:p>
+            <a:fld id="{6BB98AFB-CB0D-4DFE-87B9-B4B0D0DE73CD}" type="slidenum">
+              <a:rPr lang="en-US" smtClean="0"/>
+              <a:t>18</a:t>
+            </a:fld>
+            <a:endParaRPr lang="en-US" dirty="0"/>
+          </a:p>
+        </p:txBody>
+      </p:sp>
+    </p:spTree>
+    <p:extLst>
+      <p:ext uri="{BB962C8B-B14F-4D97-AF65-F5344CB8AC3E}">
+        <p14:creationId xmlns:p14="http://schemas.microsoft.com/office/powerpoint/2010/main" val="3774598583"/>
       </p:ext>
     </p:extLst>
   </p:cSld>
@@ -8731,6 +8816,365 @@
     <p:extLst>
       <p:ext uri="{BB962C8B-B14F-4D97-AF65-F5344CB8AC3E}">
         <p14:creationId xmlns:p14="http://schemas.microsoft.com/office/powerpoint/2010/main" val="614590565"/>
+      </p:ext>
+    </p:extLst>
+  </p:cSld>
+  <p:clrMapOvr>
+    <a:masterClrMapping/>
+  </p:clrMapOvr>
+  <mc:AlternateContent xmlns:mc="http://schemas.openxmlformats.org/markup-compatibility/2006" xmlns:p14="http://schemas.microsoft.com/office/powerpoint/2010/main">
+    <mc:Choice Requires="p14">
+      <p:transition spd="med" p14:dur="700">
+        <p:fade/>
+      </p:transition>
+    </mc:Choice>
+    <mc:Fallback xmlns="">
+      <p:transition spd="med">
+        <p:fade/>
+      </p:transition>
+    </mc:Fallback>
+  </mc:AlternateContent>
+</p:sld>
+</file>
+
+<file path=ppt/slides/slide18.xml><?xml version="1.0" encoding="utf-8"?>
+<p:sld xmlns:a="http://schemas.openxmlformats.org/drawingml/2006/main" xmlns:r="http://schemas.openxmlformats.org/officeDocument/2006/relationships" xmlns:p="http://schemas.openxmlformats.org/presentationml/2006/main">
+  <p:cSld>
+    <p:spTree>
+      <p:nvGrpSpPr>
+        <p:cNvPr id="1" name=""/>
+        <p:cNvGrpSpPr/>
+        <p:nvPr/>
+      </p:nvGrpSpPr>
+      <p:grpSpPr>
+        <a:xfrm>
+          <a:off x="0" y="0"/>
+          <a:ext cx="0" cy="0"/>
+          <a:chOff x="0" y="0"/>
+          <a:chExt cx="0" cy="0"/>
+        </a:xfrm>
+      </p:grpSpPr>
+      <p:sp>
+        <p:nvSpPr>
+          <p:cNvPr id="4" name="Title 3"/>
+          <p:cNvSpPr>
+            <a:spLocks noGrp="1"/>
+          </p:cNvSpPr>
+          <p:nvPr>
+            <p:ph type="ctrTitle"/>
+          </p:nvPr>
+        </p:nvSpPr>
+        <p:spPr/>
+        <p:txBody>
+          <a:bodyPr>
+            <a:normAutofit/>
+          </a:bodyPr>
+          <a:lstStyle/>
+          <a:p>
+            <a:pPr algn="ctr"/>
+            <a:r>
+              <a:rPr lang="zh-CN" altLang="en-US" sz="4800" dirty="0">
+                <a:latin typeface="华文隶书" panose="02010800040101010101" pitchFamily="2" charset="-122"/>
+                <a:ea typeface="华文隶书" panose="02010800040101010101" pitchFamily="2" charset="-122"/>
+              </a:rPr>
+              <a:t>让</a:t>
+            </a:r>
+            <a:r>
+              <a:rPr lang="en-US" altLang="zh-CN" sz="4800" dirty="0">
+                <a:latin typeface="华文隶书" panose="02010800040101010101" pitchFamily="2" charset="-122"/>
+                <a:ea typeface="华文隶书" panose="02010800040101010101" pitchFamily="2" charset="-122"/>
+              </a:rPr>
+              <a:t>Python</a:t>
+            </a:r>
+            <a:r>
+              <a:rPr lang="zh-CN" altLang="en-US" sz="4800" dirty="0">
+                <a:latin typeface="华文隶书" panose="02010800040101010101" pitchFamily="2" charset="-122"/>
+                <a:ea typeface="华文隶书" panose="02010800040101010101" pitchFamily="2" charset="-122"/>
+              </a:rPr>
+              <a:t>遇上</a:t>
+            </a:r>
+            <a:r>
+              <a:rPr lang="en-US" altLang="zh-CN" sz="4800" dirty="0">
+                <a:latin typeface="华文隶书" panose="02010800040101010101" pitchFamily="2" charset="-122"/>
+                <a:ea typeface="华文隶书" panose="02010800040101010101" pitchFamily="2" charset="-122"/>
+              </a:rPr>
+              <a:t>Office</a:t>
+            </a:r>
+            <a:br>
+              <a:rPr lang="en-US" altLang="zh-CN" sz="4800" dirty="0">
+                <a:latin typeface="华文隶书" panose="02010800040101010101" pitchFamily="2" charset="-122"/>
+                <a:ea typeface="华文隶书" panose="02010800040101010101" pitchFamily="2" charset="-122"/>
+              </a:rPr>
+            </a:br>
+            <a:br>
+              <a:rPr lang="en-US" altLang="zh-CN" sz="4800" dirty="0">
+                <a:latin typeface="华文隶书" panose="02010800040101010101" pitchFamily="2" charset="-122"/>
+                <a:ea typeface="华文隶书" panose="02010800040101010101" pitchFamily="2" charset="-122"/>
+              </a:rPr>
+            </a:br>
+            <a:r>
+              <a:rPr lang="en-US" altLang="zh-CN" sz="4800" dirty="0">
+                <a:latin typeface="华文隶书" panose="02010800040101010101" pitchFamily="2" charset="-122"/>
+                <a:ea typeface="华文隶书" panose="02010800040101010101" pitchFamily="2" charset="-122"/>
+              </a:rPr>
+              <a:t>(Python with Office)</a:t>
+            </a:r>
+            <a:endParaRPr lang="en-US" sz="4800" dirty="0">
+              <a:latin typeface="华文隶书" panose="02010800040101010101" pitchFamily="2" charset="-122"/>
+              <a:ea typeface="华文隶书" panose="02010800040101010101" pitchFamily="2" charset="-122"/>
+            </a:endParaRPr>
+          </a:p>
+        </p:txBody>
+      </p:sp>
+      <p:sp>
+        <p:nvSpPr>
+          <p:cNvPr id="3" name="Content Placeholder 2"/>
+          <p:cNvSpPr>
+            <a:spLocks noGrp="1"/>
+          </p:cNvSpPr>
+          <p:nvPr>
+            <p:ph type="subTitle" idx="1"/>
+          </p:nvPr>
+        </p:nvSpPr>
+        <p:spPr>
+          <a:xfrm>
+            <a:off x="770434" y="3403600"/>
+            <a:ext cx="5323979" cy="2185640"/>
+          </a:xfrm>
+        </p:spPr>
+        <p:txBody>
+          <a:bodyPr>
+            <a:normAutofit/>
+          </a:bodyPr>
+          <a:lstStyle/>
+          <a:p>
+            <a:r>
+              <a:rPr lang="en-US" sz="2800" dirty="0">
+                <a:latin typeface="ADLaM Display" panose="020F0502020204030204" pitchFamily="2" charset="0"/>
+                <a:ea typeface="ADLaM Display" panose="020F0502020204030204" pitchFamily="2" charset="0"/>
+                <a:cs typeface="ADLaM Display" panose="020F0502020204030204" pitchFamily="2" charset="0"/>
+              </a:rPr>
+              <a:t>Chapter 4 Class and Object 4.2 Private Property/Method</a:t>
+            </a:r>
+          </a:p>
+          <a:p>
+            <a:r>
+              <a:rPr lang="zh-CN" altLang="en-US" sz="2800" dirty="0">
+                <a:latin typeface="ADLaM Display" panose="020F0502020204030204" pitchFamily="2" charset="0"/>
+                <a:ea typeface="ADLaM Display" panose="020F0502020204030204" pitchFamily="2" charset="0"/>
+                <a:cs typeface="ADLaM Display" panose="020F0502020204030204" pitchFamily="2" charset="0"/>
+              </a:rPr>
+              <a:t>第四章 类与对象</a:t>
+            </a:r>
+            <a:endParaRPr lang="en-US" altLang="zh-CN" sz="2800" dirty="0">
+              <a:latin typeface="ADLaM Display" panose="020F0502020204030204" pitchFamily="2" charset="0"/>
+              <a:ea typeface="ADLaM Display" panose="020F0502020204030204" pitchFamily="2" charset="0"/>
+              <a:cs typeface="ADLaM Display" panose="020F0502020204030204" pitchFamily="2" charset="0"/>
+            </a:endParaRPr>
+          </a:p>
+          <a:p>
+            <a:r>
+              <a:rPr lang="en-US" altLang="zh-CN" sz="2800" dirty="0">
+                <a:latin typeface="ADLaM Display" panose="020F0502020204030204" pitchFamily="2" charset="0"/>
+                <a:ea typeface="ADLaM Display" panose="020F0502020204030204" pitchFamily="2" charset="0"/>
+                <a:cs typeface="ADLaM Display" panose="020F0502020204030204" pitchFamily="2" charset="0"/>
+              </a:rPr>
+              <a:t>4.2 </a:t>
+            </a:r>
+            <a:r>
+              <a:rPr lang="zh-CN" altLang="en-US" sz="2800" dirty="0">
+                <a:latin typeface="ADLaM Display" panose="020F0502020204030204" pitchFamily="2" charset="0"/>
+                <a:ea typeface="ADLaM Display" panose="020F0502020204030204" pitchFamily="2" charset="0"/>
+                <a:cs typeface="ADLaM Display" panose="020F0502020204030204" pitchFamily="2" charset="0"/>
+              </a:rPr>
+              <a:t>私有属性和私有方法</a:t>
+            </a:r>
+            <a:endParaRPr lang="en-US" altLang="zh-CN" sz="2800" dirty="0">
+              <a:latin typeface="ADLaM Display" panose="020F0502020204030204" pitchFamily="2" charset="0"/>
+              <a:ea typeface="ADLaM Display" panose="020F0502020204030204" pitchFamily="2" charset="0"/>
+              <a:cs typeface="ADLaM Display" panose="020F0502020204030204" pitchFamily="2" charset="0"/>
+            </a:endParaRPr>
+          </a:p>
+        </p:txBody>
+      </p:sp>
+      <p:pic>
+        <p:nvPicPr>
+          <p:cNvPr id="5" name="Picture 4">
+            <a:extLst>
+              <a:ext uri="{FF2B5EF4-FFF2-40B4-BE49-F238E27FC236}">
+                <a16:creationId xmlns:a16="http://schemas.microsoft.com/office/drawing/2014/main" id="{4AD8B85C-B359-195F-B78C-C879AB7840B1}"/>
+              </a:ext>
+            </a:extLst>
+          </p:cNvPr>
+          <p:cNvPicPr>
+            <a:picLocks noChangeAspect="1"/>
+          </p:cNvPicPr>
+          <p:nvPr/>
+        </p:nvPicPr>
+        <p:blipFill>
+          <a:blip r:embed="rId3"/>
+          <a:stretch>
+            <a:fillRect/>
+          </a:stretch>
+        </p:blipFill>
+        <p:spPr>
+          <a:xfrm>
+            <a:off x="57601" y="1189856"/>
+            <a:ext cx="1068259" cy="1556792"/>
+          </a:xfrm>
+          <a:prstGeom prst="rect">
+            <a:avLst/>
+          </a:prstGeom>
+          <a:ln>
+            <a:noFill/>
+          </a:ln>
+          <a:effectLst>
+            <a:outerShdw blurRad="292100" dist="139700" dir="2700000" algn="tl" rotWithShape="0">
+              <a:srgbClr val="333333">
+                <a:alpha val="65000"/>
+              </a:srgbClr>
+            </a:outerShdw>
+          </a:effectLst>
+        </p:spPr>
+      </p:pic>
+      <p:sp>
+        <p:nvSpPr>
+          <p:cNvPr id="2" name="TextBox 1">
+            <a:extLst>
+              <a:ext uri="{FF2B5EF4-FFF2-40B4-BE49-F238E27FC236}">
+                <a16:creationId xmlns:a16="http://schemas.microsoft.com/office/drawing/2014/main" id="{CAB2C784-DE74-68FC-7A84-3E6C5D164315}"/>
+              </a:ext>
+            </a:extLst>
+          </p:cNvPr>
+          <p:cNvSpPr txBox="1"/>
+          <p:nvPr/>
+        </p:nvSpPr>
+        <p:spPr>
+          <a:xfrm>
+            <a:off x="405780" y="5722972"/>
+            <a:ext cx="7951216" cy="523220"/>
+          </a:xfrm>
+          <a:prstGeom prst="rect">
+            <a:avLst/>
+          </a:prstGeom>
+          <a:solidFill>
+            <a:schemeClr val="bg1">
+              <a:lumMod val="95000"/>
+            </a:schemeClr>
+          </a:solidFill>
+          <a:ln>
+            <a:solidFill>
+              <a:schemeClr val="bg2"/>
+            </a:solidFill>
+          </a:ln>
+        </p:spPr>
+        <p:txBody>
+          <a:bodyPr wrap="none" rtlCol="0" anchor="ctr" anchorCtr="1">
+            <a:spAutoFit/>
+          </a:bodyPr>
+          <a:lstStyle/>
+          <a:p>
+            <a:r>
+              <a:rPr lang="en-US" sz="2800" dirty="0">
+                <a:hlinkClick r:id="rId4"/>
+              </a:rPr>
+              <a:t>https://github.com/yasenstar/python_with_office</a:t>
+            </a:r>
+            <a:endParaRPr lang="en-US" sz="2800" dirty="0"/>
+          </a:p>
+        </p:txBody>
+      </p:sp>
+      <p:sp>
+        <p:nvSpPr>
+          <p:cNvPr id="9" name="TextBox 8">
+            <a:extLst>
+              <a:ext uri="{FF2B5EF4-FFF2-40B4-BE49-F238E27FC236}">
+                <a16:creationId xmlns:a16="http://schemas.microsoft.com/office/drawing/2014/main" id="{C25C84F5-3AA3-A068-7E2F-9123CA5A7D16}"/>
+              </a:ext>
+            </a:extLst>
+          </p:cNvPr>
+          <p:cNvSpPr txBox="1"/>
+          <p:nvPr/>
+        </p:nvSpPr>
+        <p:spPr>
+          <a:xfrm>
+            <a:off x="405780" y="6246192"/>
+            <a:ext cx="7951216" cy="523220"/>
+          </a:xfrm>
+          <a:prstGeom prst="rect">
+            <a:avLst/>
+          </a:prstGeom>
+          <a:solidFill>
+            <a:schemeClr val="bg1">
+              <a:lumMod val="95000"/>
+            </a:schemeClr>
+          </a:solidFill>
+          <a:ln>
+            <a:solidFill>
+              <a:schemeClr val="bg2"/>
+            </a:solidFill>
+          </a:ln>
+        </p:spPr>
+        <p:txBody>
+          <a:bodyPr wrap="square" rtlCol="0" anchor="ctr" anchorCtr="1">
+            <a:spAutoFit/>
+          </a:bodyPr>
+          <a:lstStyle/>
+          <a:p>
+            <a:r>
+              <a:rPr lang="en-US" sz="2800" dirty="0">
+                <a:hlinkClick r:id="rId5"/>
+              </a:rPr>
+              <a:t>https://gitee.com/yasenstar/python_with_office</a:t>
+            </a:r>
+            <a:endParaRPr lang="en-US" sz="2800" dirty="0"/>
+          </a:p>
+        </p:txBody>
+      </p:sp>
+      <p:pic>
+        <p:nvPicPr>
+          <p:cNvPr id="8" name="Picture 7">
+            <a:extLst>
+              <a:ext uri="{FF2B5EF4-FFF2-40B4-BE49-F238E27FC236}">
+                <a16:creationId xmlns:a16="http://schemas.microsoft.com/office/drawing/2014/main" id="{7CC9AC26-C283-0BC2-7D16-7C8C5EFD38BD}"/>
+              </a:ext>
+            </a:extLst>
+          </p:cNvPr>
+          <p:cNvPicPr>
+            <a:picLocks noChangeAspect="1"/>
+          </p:cNvPicPr>
+          <p:nvPr/>
+        </p:nvPicPr>
+        <p:blipFill>
+          <a:blip r:embed="rId6"/>
+          <a:stretch>
+            <a:fillRect/>
+          </a:stretch>
+        </p:blipFill>
+        <p:spPr>
+          <a:xfrm>
+            <a:off x="6134907" y="908720"/>
+            <a:ext cx="5544188" cy="4464496"/>
+          </a:xfrm>
+          <a:prstGeom prst="rect">
+            <a:avLst/>
+          </a:prstGeom>
+          <a:ln>
+            <a:noFill/>
+          </a:ln>
+          <a:effectLst>
+            <a:outerShdw blurRad="292100" dist="139700" dir="2700000" algn="tl" rotWithShape="0">
+              <a:srgbClr val="333333">
+                <a:alpha val="65000"/>
+              </a:srgbClr>
+            </a:outerShdw>
+          </a:effectLst>
+        </p:spPr>
+      </p:pic>
+    </p:spTree>
+    <p:extLst>
+      <p:ext uri="{BB962C8B-B14F-4D97-AF65-F5344CB8AC3E}">
+        <p14:creationId xmlns:p14="http://schemas.microsoft.com/office/powerpoint/2010/main" val="3110261768"/>
       </p:ext>
     </p:extLst>
   </p:cSld>

--- a/Video_Covers.pptx
+++ b/Video_Covers.pptx
@@ -5,10 +5,10 @@
     <p:sldMasterId id="2147483660" r:id="rId1"/>
   </p:sldMasterIdLst>
   <p:notesMasterIdLst>
-    <p:notesMasterId r:id="rId20"/>
+    <p:notesMasterId r:id="rId21"/>
   </p:notesMasterIdLst>
   <p:handoutMasterIdLst>
-    <p:handoutMasterId r:id="rId21"/>
+    <p:handoutMasterId r:id="rId22"/>
   </p:handoutMasterIdLst>
   <p:sldIdLst>
     <p:sldId id="257" r:id="rId2"/>
@@ -29,6 +29,7 @@
     <p:sldId id="272" r:id="rId17"/>
     <p:sldId id="273" r:id="rId18"/>
     <p:sldId id="274" r:id="rId19"/>
+    <p:sldId id="275" r:id="rId20"/>
   </p:sldIdLst>
   <p:sldSz cx="12188825" cy="6858000"/>
   <p:notesSz cx="6858000" cy="9144000"/>
@@ -1549,6 +1550,90 @@
     <p:extLst>
       <p:ext uri="{BB962C8B-B14F-4D97-AF65-F5344CB8AC3E}">
         <p14:creationId xmlns:p14="http://schemas.microsoft.com/office/powerpoint/2010/main" val="3774598583"/>
+      </p:ext>
+    </p:extLst>
+  </p:cSld>
+  <p:clrMapOvr>
+    <a:masterClrMapping/>
+  </p:clrMapOvr>
+</p:notes>
+</file>
+
+<file path=ppt/notesSlides/notesSlide19.xml><?xml version="1.0" encoding="utf-8"?>
+<p:notes xmlns:a="http://schemas.openxmlformats.org/drawingml/2006/main" xmlns:r="http://schemas.openxmlformats.org/officeDocument/2006/relationships" xmlns:p="http://schemas.openxmlformats.org/presentationml/2006/main">
+  <p:cSld>
+    <p:spTree>
+      <p:nvGrpSpPr>
+        <p:cNvPr id="1" name=""/>
+        <p:cNvGrpSpPr/>
+        <p:nvPr/>
+      </p:nvGrpSpPr>
+      <p:grpSpPr>
+        <a:xfrm>
+          <a:off x="0" y="0"/>
+          <a:ext cx="0" cy="0"/>
+          <a:chOff x="0" y="0"/>
+          <a:chExt cx="0" cy="0"/>
+        </a:xfrm>
+      </p:grpSpPr>
+      <p:sp>
+        <p:nvSpPr>
+          <p:cNvPr id="2" name="Slide Image Placeholder 1"/>
+          <p:cNvSpPr>
+            <a:spLocks noGrp="1" noRot="1" noChangeAspect="1"/>
+          </p:cNvSpPr>
+          <p:nvPr>
+            <p:ph type="sldImg"/>
+          </p:nvPr>
+        </p:nvSpPr>
+        <p:spPr/>
+      </p:sp>
+      <p:sp>
+        <p:nvSpPr>
+          <p:cNvPr id="3" name="Notes Placeholder 2"/>
+          <p:cNvSpPr>
+            <a:spLocks noGrp="1"/>
+          </p:cNvSpPr>
+          <p:nvPr>
+            <p:ph type="body" idx="1"/>
+          </p:nvPr>
+        </p:nvSpPr>
+        <p:spPr/>
+        <p:txBody>
+          <a:bodyPr/>
+          <a:lstStyle/>
+          <a:p>
+            <a:endParaRPr lang="en-US" dirty="0"/>
+          </a:p>
+        </p:txBody>
+      </p:sp>
+      <p:sp>
+        <p:nvSpPr>
+          <p:cNvPr id="4" name="Slide Number Placeholder 3"/>
+          <p:cNvSpPr>
+            <a:spLocks noGrp="1"/>
+          </p:cNvSpPr>
+          <p:nvPr>
+            <p:ph type="sldNum" sz="quarter" idx="10"/>
+          </p:nvPr>
+        </p:nvSpPr>
+        <p:spPr/>
+        <p:txBody>
+          <a:bodyPr/>
+          <a:lstStyle/>
+          <a:p>
+            <a:fld id="{6BB98AFB-CB0D-4DFE-87B9-B4B0D0DE73CD}" type="slidenum">
+              <a:rPr lang="en-US" smtClean="0"/>
+              <a:t>19</a:t>
+            </a:fld>
+            <a:endParaRPr lang="en-US" dirty="0"/>
+          </a:p>
+        </p:txBody>
+      </p:sp>
+    </p:spTree>
+    <p:extLst>
+      <p:ext uri="{BB962C8B-B14F-4D97-AF65-F5344CB8AC3E}">
+        <p14:creationId xmlns:p14="http://schemas.microsoft.com/office/powerpoint/2010/main" val="647422925"/>
       </p:ext>
     </p:extLst>
   </p:cSld>
@@ -9188,6 +9273,365 @@
       </p:transition>
     </mc:Choice>
     <mc:Fallback xmlns="">
+      <p:transition spd="med">
+        <p:fade/>
+      </p:transition>
+    </mc:Fallback>
+  </mc:AlternateContent>
+</p:sld>
+</file>
+
+<file path=ppt/slides/slide19.xml><?xml version="1.0" encoding="utf-8"?>
+<p:sld xmlns:a="http://schemas.openxmlformats.org/drawingml/2006/main" xmlns:r="http://schemas.openxmlformats.org/officeDocument/2006/relationships" xmlns:p="http://schemas.openxmlformats.org/presentationml/2006/main">
+  <p:cSld>
+    <p:spTree>
+      <p:nvGrpSpPr>
+        <p:cNvPr id="1" name=""/>
+        <p:cNvGrpSpPr/>
+        <p:nvPr/>
+      </p:nvGrpSpPr>
+      <p:grpSpPr>
+        <a:xfrm>
+          <a:off x="0" y="0"/>
+          <a:ext cx="0" cy="0"/>
+          <a:chOff x="0" y="0"/>
+          <a:chExt cx="0" cy="0"/>
+        </a:xfrm>
+      </p:grpSpPr>
+      <p:sp>
+        <p:nvSpPr>
+          <p:cNvPr id="4" name="Title 3"/>
+          <p:cNvSpPr>
+            <a:spLocks noGrp="1"/>
+          </p:cNvSpPr>
+          <p:nvPr>
+            <p:ph type="ctrTitle"/>
+          </p:nvPr>
+        </p:nvSpPr>
+        <p:spPr/>
+        <p:txBody>
+          <a:bodyPr>
+            <a:normAutofit/>
+          </a:bodyPr>
+          <a:lstStyle/>
+          <a:p>
+            <a:pPr algn="ctr"/>
+            <a:r>
+              <a:rPr lang="zh-CN" altLang="en-US" sz="4800" dirty="0">
+                <a:latin typeface="华文隶书" panose="02010800040101010101" pitchFamily="2" charset="-122"/>
+                <a:ea typeface="华文隶书" panose="02010800040101010101" pitchFamily="2" charset="-122"/>
+              </a:rPr>
+              <a:t>让</a:t>
+            </a:r>
+            <a:r>
+              <a:rPr lang="en-US" altLang="zh-CN" sz="4800" dirty="0">
+                <a:latin typeface="华文隶书" panose="02010800040101010101" pitchFamily="2" charset="-122"/>
+                <a:ea typeface="华文隶书" panose="02010800040101010101" pitchFamily="2" charset="-122"/>
+              </a:rPr>
+              <a:t>Python</a:t>
+            </a:r>
+            <a:r>
+              <a:rPr lang="zh-CN" altLang="en-US" sz="4800" dirty="0">
+                <a:latin typeface="华文隶书" panose="02010800040101010101" pitchFamily="2" charset="-122"/>
+                <a:ea typeface="华文隶书" panose="02010800040101010101" pitchFamily="2" charset="-122"/>
+              </a:rPr>
+              <a:t>遇上</a:t>
+            </a:r>
+            <a:r>
+              <a:rPr lang="en-US" altLang="zh-CN" sz="4800" dirty="0">
+                <a:latin typeface="华文隶书" panose="02010800040101010101" pitchFamily="2" charset="-122"/>
+                <a:ea typeface="华文隶书" panose="02010800040101010101" pitchFamily="2" charset="-122"/>
+              </a:rPr>
+              <a:t>Office</a:t>
+            </a:r>
+            <a:br>
+              <a:rPr lang="en-US" altLang="zh-CN" sz="4800" dirty="0">
+                <a:latin typeface="华文隶书" panose="02010800040101010101" pitchFamily="2" charset="-122"/>
+                <a:ea typeface="华文隶书" panose="02010800040101010101" pitchFamily="2" charset="-122"/>
+              </a:rPr>
+            </a:br>
+            <a:br>
+              <a:rPr lang="en-US" altLang="zh-CN" sz="4800" dirty="0">
+                <a:latin typeface="华文隶书" panose="02010800040101010101" pitchFamily="2" charset="-122"/>
+                <a:ea typeface="华文隶书" panose="02010800040101010101" pitchFamily="2" charset="-122"/>
+              </a:rPr>
+            </a:br>
+            <a:r>
+              <a:rPr lang="en-US" altLang="zh-CN" sz="4800" dirty="0">
+                <a:latin typeface="华文隶书" panose="02010800040101010101" pitchFamily="2" charset="-122"/>
+                <a:ea typeface="华文隶书" panose="02010800040101010101" pitchFamily="2" charset="-122"/>
+              </a:rPr>
+              <a:t>(Python with Office)</a:t>
+            </a:r>
+            <a:endParaRPr lang="en-US" sz="4800" dirty="0">
+              <a:latin typeface="华文隶书" panose="02010800040101010101" pitchFamily="2" charset="-122"/>
+              <a:ea typeface="华文隶书" panose="02010800040101010101" pitchFamily="2" charset="-122"/>
+            </a:endParaRPr>
+          </a:p>
+        </p:txBody>
+      </p:sp>
+      <p:sp>
+        <p:nvSpPr>
+          <p:cNvPr id="3" name="Content Placeholder 2"/>
+          <p:cNvSpPr>
+            <a:spLocks noGrp="1"/>
+          </p:cNvSpPr>
+          <p:nvPr>
+            <p:ph type="subTitle" idx="1"/>
+          </p:nvPr>
+        </p:nvSpPr>
+        <p:spPr>
+          <a:xfrm>
+            <a:off x="770434" y="3403600"/>
+            <a:ext cx="5323979" cy="2185640"/>
+          </a:xfrm>
+        </p:spPr>
+        <p:txBody>
+          <a:bodyPr>
+            <a:normAutofit/>
+          </a:bodyPr>
+          <a:lstStyle/>
+          <a:p>
+            <a:r>
+              <a:rPr lang="en-US" sz="2800" dirty="0">
+                <a:latin typeface="ADLaM Display" panose="020F0502020204030204" pitchFamily="2" charset="0"/>
+                <a:ea typeface="ADLaM Display" panose="020F0502020204030204" pitchFamily="2" charset="0"/>
+                <a:cs typeface="ADLaM Display" panose="020F0502020204030204" pitchFamily="2" charset="0"/>
+              </a:rPr>
+              <a:t>Chapter 4 Class and Object 4.3 Magic Methods</a:t>
+            </a:r>
+          </a:p>
+          <a:p>
+            <a:r>
+              <a:rPr lang="zh-CN" altLang="en-US" sz="2800" dirty="0">
+                <a:latin typeface="ADLaM Display" panose="020F0502020204030204" pitchFamily="2" charset="0"/>
+                <a:ea typeface="ADLaM Display" panose="020F0502020204030204" pitchFamily="2" charset="0"/>
+                <a:cs typeface="ADLaM Display" panose="020F0502020204030204" pitchFamily="2" charset="0"/>
+              </a:rPr>
+              <a:t>第四章 类与对象</a:t>
+            </a:r>
+            <a:endParaRPr lang="en-US" altLang="zh-CN" sz="2800" dirty="0">
+              <a:latin typeface="ADLaM Display" panose="020F0502020204030204" pitchFamily="2" charset="0"/>
+              <a:ea typeface="ADLaM Display" panose="020F0502020204030204" pitchFamily="2" charset="0"/>
+              <a:cs typeface="ADLaM Display" panose="020F0502020204030204" pitchFamily="2" charset="0"/>
+            </a:endParaRPr>
+          </a:p>
+          <a:p>
+            <a:r>
+              <a:rPr lang="en-US" altLang="zh-CN" sz="2800" dirty="0">
+                <a:latin typeface="ADLaM Display" panose="020F0502020204030204" pitchFamily="2" charset="0"/>
+                <a:ea typeface="ADLaM Display" panose="020F0502020204030204" pitchFamily="2" charset="0"/>
+                <a:cs typeface="ADLaM Display" panose="020F0502020204030204" pitchFamily="2" charset="0"/>
+              </a:rPr>
+              <a:t>4.3 </a:t>
+            </a:r>
+            <a:r>
+              <a:rPr lang="zh-CN" altLang="en-US" sz="2800" dirty="0">
+                <a:latin typeface="ADLaM Display" panose="020F0502020204030204" pitchFamily="2" charset="0"/>
+                <a:ea typeface="ADLaM Display" panose="020F0502020204030204" pitchFamily="2" charset="0"/>
+                <a:cs typeface="ADLaM Display" panose="020F0502020204030204" pitchFamily="2" charset="0"/>
+              </a:rPr>
+              <a:t>魔法方法</a:t>
+            </a:r>
+            <a:endParaRPr lang="en-US" altLang="zh-CN" sz="2800" dirty="0">
+              <a:latin typeface="ADLaM Display" panose="020F0502020204030204" pitchFamily="2" charset="0"/>
+              <a:ea typeface="ADLaM Display" panose="020F0502020204030204" pitchFamily="2" charset="0"/>
+              <a:cs typeface="ADLaM Display" panose="020F0502020204030204" pitchFamily="2" charset="0"/>
+            </a:endParaRPr>
+          </a:p>
+        </p:txBody>
+      </p:sp>
+      <p:pic>
+        <p:nvPicPr>
+          <p:cNvPr id="5" name="Picture 4">
+            <a:extLst>
+              <a:ext uri="{FF2B5EF4-FFF2-40B4-BE49-F238E27FC236}">
+                <a16:creationId xmlns:a16="http://schemas.microsoft.com/office/drawing/2014/main" id="{4AD8B85C-B359-195F-B78C-C879AB7840B1}"/>
+              </a:ext>
+            </a:extLst>
+          </p:cNvPr>
+          <p:cNvPicPr>
+            <a:picLocks noChangeAspect="1"/>
+          </p:cNvPicPr>
+          <p:nvPr/>
+        </p:nvPicPr>
+        <p:blipFill>
+          <a:blip r:embed="rId3"/>
+          <a:stretch>
+            <a:fillRect/>
+          </a:stretch>
+        </p:blipFill>
+        <p:spPr>
+          <a:xfrm>
+            <a:off x="57601" y="1189856"/>
+            <a:ext cx="1068259" cy="1556792"/>
+          </a:xfrm>
+          <a:prstGeom prst="rect">
+            <a:avLst/>
+          </a:prstGeom>
+          <a:ln>
+            <a:noFill/>
+          </a:ln>
+          <a:effectLst>
+            <a:outerShdw blurRad="292100" dist="139700" dir="2700000" algn="tl" rotWithShape="0">
+              <a:srgbClr val="333333">
+                <a:alpha val="65000"/>
+              </a:srgbClr>
+            </a:outerShdw>
+          </a:effectLst>
+        </p:spPr>
+      </p:pic>
+      <p:sp>
+        <p:nvSpPr>
+          <p:cNvPr id="2" name="TextBox 1">
+            <a:extLst>
+              <a:ext uri="{FF2B5EF4-FFF2-40B4-BE49-F238E27FC236}">
+                <a16:creationId xmlns:a16="http://schemas.microsoft.com/office/drawing/2014/main" id="{CAB2C784-DE74-68FC-7A84-3E6C5D164315}"/>
+              </a:ext>
+            </a:extLst>
+          </p:cNvPr>
+          <p:cNvSpPr txBox="1"/>
+          <p:nvPr/>
+        </p:nvSpPr>
+        <p:spPr>
+          <a:xfrm>
+            <a:off x="405780" y="5722972"/>
+            <a:ext cx="7951216" cy="523220"/>
+          </a:xfrm>
+          <a:prstGeom prst="rect">
+            <a:avLst/>
+          </a:prstGeom>
+          <a:solidFill>
+            <a:schemeClr val="bg1">
+              <a:lumMod val="95000"/>
+            </a:schemeClr>
+          </a:solidFill>
+          <a:ln>
+            <a:solidFill>
+              <a:schemeClr val="bg2"/>
+            </a:solidFill>
+          </a:ln>
+        </p:spPr>
+        <p:txBody>
+          <a:bodyPr wrap="none" rtlCol="0" anchor="ctr" anchorCtr="1">
+            <a:spAutoFit/>
+          </a:bodyPr>
+          <a:lstStyle/>
+          <a:p>
+            <a:r>
+              <a:rPr lang="en-US" sz="2800" dirty="0">
+                <a:hlinkClick r:id="rId4"/>
+              </a:rPr>
+              <a:t>https://github.com/yasenstar/python_with_office</a:t>
+            </a:r>
+            <a:endParaRPr lang="en-US" sz="2800" dirty="0"/>
+          </a:p>
+        </p:txBody>
+      </p:sp>
+      <p:sp>
+        <p:nvSpPr>
+          <p:cNvPr id="9" name="TextBox 8">
+            <a:extLst>
+              <a:ext uri="{FF2B5EF4-FFF2-40B4-BE49-F238E27FC236}">
+                <a16:creationId xmlns:a16="http://schemas.microsoft.com/office/drawing/2014/main" id="{C25C84F5-3AA3-A068-7E2F-9123CA5A7D16}"/>
+              </a:ext>
+            </a:extLst>
+          </p:cNvPr>
+          <p:cNvSpPr txBox="1"/>
+          <p:nvPr/>
+        </p:nvSpPr>
+        <p:spPr>
+          <a:xfrm>
+            <a:off x="405780" y="6246192"/>
+            <a:ext cx="7951216" cy="523220"/>
+          </a:xfrm>
+          <a:prstGeom prst="rect">
+            <a:avLst/>
+          </a:prstGeom>
+          <a:solidFill>
+            <a:schemeClr val="bg1">
+              <a:lumMod val="95000"/>
+            </a:schemeClr>
+          </a:solidFill>
+          <a:ln>
+            <a:solidFill>
+              <a:schemeClr val="bg2"/>
+            </a:solidFill>
+          </a:ln>
+        </p:spPr>
+        <p:txBody>
+          <a:bodyPr wrap="square" rtlCol="0" anchor="ctr" anchorCtr="1">
+            <a:spAutoFit/>
+          </a:bodyPr>
+          <a:lstStyle/>
+          <a:p>
+            <a:r>
+              <a:rPr lang="en-US" sz="2800" dirty="0">
+                <a:hlinkClick r:id="rId5"/>
+              </a:rPr>
+              <a:t>https://gitee.com/yasenstar/python_with_office</a:t>
+            </a:r>
+            <a:endParaRPr lang="en-US" sz="2800" dirty="0"/>
+          </a:p>
+        </p:txBody>
+      </p:sp>
+      <p:pic>
+        <p:nvPicPr>
+          <p:cNvPr id="7" name="Picture 6">
+            <a:extLst>
+              <a:ext uri="{FF2B5EF4-FFF2-40B4-BE49-F238E27FC236}">
+                <a16:creationId xmlns:a16="http://schemas.microsoft.com/office/drawing/2014/main" id="{1268D304-8A98-FBD8-C675-3F73B175A9FB}"/>
+              </a:ext>
+            </a:extLst>
+          </p:cNvPr>
+          <p:cNvPicPr>
+            <a:picLocks noChangeAspect="1"/>
+          </p:cNvPicPr>
+          <p:nvPr/>
+        </p:nvPicPr>
+        <p:blipFill>
+          <a:blip r:embed="rId6"/>
+          <a:stretch>
+            <a:fillRect/>
+          </a:stretch>
+        </p:blipFill>
+        <p:spPr>
+          <a:xfrm>
+            <a:off x="6094412" y="1569633"/>
+            <a:ext cx="5708467" cy="3803583"/>
+          </a:xfrm>
+          <a:prstGeom prst="rect">
+            <a:avLst/>
+          </a:prstGeom>
+          <a:ln>
+            <a:noFill/>
+          </a:ln>
+          <a:effectLst>
+            <a:outerShdw blurRad="292100" dist="139700" dir="2700000" algn="tl" rotWithShape="0">
+              <a:srgbClr val="333333">
+                <a:alpha val="65000"/>
+              </a:srgbClr>
+            </a:outerShdw>
+          </a:effectLst>
+        </p:spPr>
+      </p:pic>
+    </p:spTree>
+    <p:extLst>
+      <p:ext uri="{BB962C8B-B14F-4D97-AF65-F5344CB8AC3E}">
+        <p14:creationId xmlns:p14="http://schemas.microsoft.com/office/powerpoint/2010/main" val="3202739027"/>
+      </p:ext>
+    </p:extLst>
+  </p:cSld>
+  <p:clrMapOvr>
+    <a:masterClrMapping/>
+  </p:clrMapOvr>
+  <mc:AlternateContent xmlns:mc="http://schemas.openxmlformats.org/markup-compatibility/2006">
+    <mc:Choice xmlns:p14="http://schemas.microsoft.com/office/powerpoint/2010/main" Requires="p14">
+      <p:transition spd="med" p14:dur="700">
+        <p:fade/>
+      </p:transition>
+    </mc:Choice>
+    <mc:Fallback>
       <p:transition spd="med">
         <p:fade/>
       </p:transition>

--- a/Video_Covers.pptx
+++ b/Video_Covers.pptx
@@ -5,10 +5,10 @@
     <p:sldMasterId id="2147483660" r:id="rId1"/>
   </p:sldMasterIdLst>
   <p:notesMasterIdLst>
-    <p:notesMasterId r:id="rId21"/>
+    <p:notesMasterId r:id="rId22"/>
   </p:notesMasterIdLst>
   <p:handoutMasterIdLst>
-    <p:handoutMasterId r:id="rId22"/>
+    <p:handoutMasterId r:id="rId23"/>
   </p:handoutMasterIdLst>
   <p:sldIdLst>
     <p:sldId id="257" r:id="rId2"/>
@@ -30,6 +30,7 @@
     <p:sldId id="273" r:id="rId18"/>
     <p:sldId id="274" r:id="rId19"/>
     <p:sldId id="275" r:id="rId20"/>
+    <p:sldId id="276" r:id="rId21"/>
   </p:sldIdLst>
   <p:sldSz cx="12188825" cy="6858000"/>
   <p:notesSz cx="6858000" cy="9144000"/>
@@ -292,7 +293,7 @@
           <a:p>
             <a:fld id="{24CE221E-83ED-4F6C-BA5F-3F9E6FDB6953}" type="datetimeFigureOut">
               <a:rPr lang="en-US"/>
-              <a:t>11/12/2023</a:t>
+              <a:t>11/16/2023</a:t>
             </a:fld>
             <a:endParaRPr dirty="0"/>
           </a:p>
@@ -457,7 +458,7 @@
           <a:p>
             <a:fld id="{97853E5F-CE67-483C-A264-F17AC70E9CA2}" type="datetimeFigureOut">
               <a:rPr lang="en-US"/>
-              <a:t>11/12/2023</a:t>
+              <a:t>11/16/2023</a:t>
             </a:fld>
             <a:endParaRPr dirty="0"/>
           </a:p>
@@ -1727,6 +1728,90 @@
 </p:notes>
 </file>
 
+<file path=ppt/notesSlides/notesSlide20.xml><?xml version="1.0" encoding="utf-8"?>
+<p:notes xmlns:a="http://schemas.openxmlformats.org/drawingml/2006/main" xmlns:r="http://schemas.openxmlformats.org/officeDocument/2006/relationships" xmlns:p="http://schemas.openxmlformats.org/presentationml/2006/main">
+  <p:cSld>
+    <p:spTree>
+      <p:nvGrpSpPr>
+        <p:cNvPr id="1" name=""/>
+        <p:cNvGrpSpPr/>
+        <p:nvPr/>
+      </p:nvGrpSpPr>
+      <p:grpSpPr>
+        <a:xfrm>
+          <a:off x="0" y="0"/>
+          <a:ext cx="0" cy="0"/>
+          <a:chOff x="0" y="0"/>
+          <a:chExt cx="0" cy="0"/>
+        </a:xfrm>
+      </p:grpSpPr>
+      <p:sp>
+        <p:nvSpPr>
+          <p:cNvPr id="2" name="Slide Image Placeholder 1"/>
+          <p:cNvSpPr>
+            <a:spLocks noGrp="1" noRot="1" noChangeAspect="1"/>
+          </p:cNvSpPr>
+          <p:nvPr>
+            <p:ph type="sldImg"/>
+          </p:nvPr>
+        </p:nvSpPr>
+        <p:spPr/>
+      </p:sp>
+      <p:sp>
+        <p:nvSpPr>
+          <p:cNvPr id="3" name="Notes Placeholder 2"/>
+          <p:cNvSpPr>
+            <a:spLocks noGrp="1"/>
+          </p:cNvSpPr>
+          <p:nvPr>
+            <p:ph type="body" idx="1"/>
+          </p:nvPr>
+        </p:nvSpPr>
+        <p:spPr/>
+        <p:txBody>
+          <a:bodyPr/>
+          <a:lstStyle/>
+          <a:p>
+            <a:endParaRPr lang="en-US" dirty="0"/>
+          </a:p>
+        </p:txBody>
+      </p:sp>
+      <p:sp>
+        <p:nvSpPr>
+          <p:cNvPr id="4" name="Slide Number Placeholder 3"/>
+          <p:cNvSpPr>
+            <a:spLocks noGrp="1"/>
+          </p:cNvSpPr>
+          <p:nvPr>
+            <p:ph type="sldNum" sz="quarter" idx="10"/>
+          </p:nvPr>
+        </p:nvSpPr>
+        <p:spPr/>
+        <p:txBody>
+          <a:bodyPr/>
+          <a:lstStyle/>
+          <a:p>
+            <a:fld id="{6BB98AFB-CB0D-4DFE-87B9-B4B0D0DE73CD}" type="slidenum">
+              <a:rPr lang="en-US" smtClean="0"/>
+              <a:t>20</a:t>
+            </a:fld>
+            <a:endParaRPr lang="en-US" dirty="0"/>
+          </a:p>
+        </p:txBody>
+      </p:sp>
+    </p:spTree>
+    <p:extLst>
+      <p:ext uri="{BB962C8B-B14F-4D97-AF65-F5344CB8AC3E}">
+        <p14:creationId xmlns:p14="http://schemas.microsoft.com/office/powerpoint/2010/main" val="4292039411"/>
+      </p:ext>
+    </p:extLst>
+  </p:cSld>
+  <p:clrMapOvr>
+    <a:masterClrMapping/>
+  </p:clrMapOvr>
+</p:notes>
+</file>
+
 <file path=ppt/notesSlides/notesSlide3.xml><?xml version="1.0" encoding="utf-8"?>
 <p:notes xmlns:a="http://schemas.openxmlformats.org/drawingml/2006/main" xmlns:r="http://schemas.openxmlformats.org/officeDocument/2006/relationships" xmlns:p="http://schemas.openxmlformats.org/presentationml/2006/main">
   <p:cSld>
@@ -2561,7 +2646,7 @@
           <a:p>
             <a:fld id="{3E0FA9E5-6744-4841-888F-9E7CC0C2B7EC}" type="datetimeFigureOut">
               <a:rPr lang="en-US" smtClean="0"/>
-              <a:t>11/12/2023</a:t>
+              <a:t>11/16/2023</a:t>
             </a:fld>
             <a:endParaRPr lang="en-US" dirty="0"/>
           </a:p>
@@ -2751,7 +2836,7 @@
           <a:p>
             <a:fld id="{3E0FA9E5-6744-4841-888F-9E7CC0C2B7EC}" type="datetimeFigureOut">
               <a:rPr lang="en-US" smtClean="0"/>
-              <a:t>11/12/2023</a:t>
+              <a:t>11/16/2023</a:t>
             </a:fld>
             <a:endParaRPr lang="en-US" dirty="0"/>
           </a:p>
@@ -2946,7 +3031,7 @@
           <a:p>
             <a:fld id="{3E0FA9E5-6744-4841-888F-9E7CC0C2B7EC}" type="datetimeFigureOut">
               <a:rPr lang="en-US" smtClean="0"/>
-              <a:t>11/12/2023</a:t>
+              <a:t>11/16/2023</a:t>
             </a:fld>
             <a:endParaRPr lang="en-US" dirty="0"/>
           </a:p>
@@ -3131,7 +3216,7 @@
           <a:p>
             <a:fld id="{3E0FA9E5-6744-4841-888F-9E7CC0C2B7EC}" type="datetimeFigureOut">
               <a:rPr lang="en-US" smtClean="0"/>
-              <a:t>11/12/2023</a:t>
+              <a:t>11/16/2023</a:t>
             </a:fld>
             <a:endParaRPr lang="en-US" dirty="0"/>
           </a:p>
@@ -3400,7 +3485,7 @@
           <a:p>
             <a:fld id="{3E0FA9E5-6744-4841-888F-9E7CC0C2B7EC}" type="datetimeFigureOut">
               <a:rPr lang="en-US" smtClean="0"/>
-              <a:t>11/12/2023</a:t>
+              <a:t>11/16/2023</a:t>
             </a:fld>
             <a:endParaRPr lang="en-US" dirty="0"/>
           </a:p>
@@ -3707,7 +3792,7 @@
           <a:p>
             <a:fld id="{3E0FA9E5-6744-4841-888F-9E7CC0C2B7EC}" type="datetimeFigureOut">
               <a:rPr lang="en-US" smtClean="0"/>
-              <a:t>11/12/2023</a:t>
+              <a:t>11/16/2023</a:t>
             </a:fld>
             <a:endParaRPr lang="en-US" dirty="0"/>
           </a:p>
@@ -4163,7 +4248,7 @@
           <a:p>
             <a:fld id="{3E0FA9E5-6744-4841-888F-9E7CC0C2B7EC}" type="datetimeFigureOut">
               <a:rPr lang="en-US" smtClean="0"/>
-              <a:t>11/12/2023</a:t>
+              <a:t>11/16/2023</a:t>
             </a:fld>
             <a:endParaRPr lang="en-US" dirty="0"/>
           </a:p>
@@ -4296,7 +4381,7 @@
           <a:p>
             <a:fld id="{3E0FA9E5-6744-4841-888F-9E7CC0C2B7EC}" type="datetimeFigureOut">
               <a:rPr lang="en-US" smtClean="0"/>
-              <a:t>11/12/2023</a:t>
+              <a:t>11/16/2023</a:t>
             </a:fld>
             <a:endParaRPr lang="en-US" dirty="0"/>
           </a:p>
@@ -4406,7 +4491,7 @@
           <a:p>
             <a:fld id="{3E0FA9E5-6744-4841-888F-9E7CC0C2B7EC}" type="datetimeFigureOut">
               <a:rPr lang="en-US" smtClean="0"/>
-              <a:t>11/12/2023</a:t>
+              <a:t>11/16/2023</a:t>
             </a:fld>
             <a:endParaRPr lang="en-US" dirty="0"/>
           </a:p>
@@ -4717,7 +4802,7 @@
           <a:p>
             <a:fld id="{3E0FA9E5-6744-4841-888F-9E7CC0C2B7EC}" type="datetimeFigureOut">
               <a:rPr lang="en-US" smtClean="0"/>
-              <a:t>11/12/2023</a:t>
+              <a:t>11/16/2023</a:t>
             </a:fld>
             <a:endParaRPr lang="en-US" dirty="0"/>
           </a:p>
@@ -5194,7 +5279,7 @@
             <a:fld id="{3E0FA9E5-6744-4841-888F-9E7CC0C2B7EC}" type="datetimeFigureOut">
               <a:rPr lang="en-US" smtClean="0"/>
               <a:pPr/>
-              <a:t>11/12/2023</a:t>
+              <a:t>11/16/2023</a:t>
             </a:fld>
             <a:endParaRPr lang="en-US" dirty="0"/>
           </a:p>
@@ -9625,13 +9710,13 @@
   <p:clrMapOvr>
     <a:masterClrMapping/>
   </p:clrMapOvr>
-  <mc:AlternateContent xmlns:mc="http://schemas.openxmlformats.org/markup-compatibility/2006">
-    <mc:Choice xmlns:p14="http://schemas.microsoft.com/office/powerpoint/2010/main" Requires="p14">
+  <mc:AlternateContent xmlns:mc="http://schemas.openxmlformats.org/markup-compatibility/2006" xmlns:p14="http://schemas.microsoft.com/office/powerpoint/2010/main">
+    <mc:Choice Requires="p14">
       <p:transition spd="med" p14:dur="700">
         <p:fade/>
       </p:transition>
     </mc:Choice>
-    <mc:Fallback>
+    <mc:Fallback xmlns="">
       <p:transition spd="med">
         <p:fade/>
       </p:transition>
@@ -9963,6 +10048,365 @@
     <p:extLst>
       <p:ext uri="{BB962C8B-B14F-4D97-AF65-F5344CB8AC3E}">
         <p14:creationId xmlns:p14="http://schemas.microsoft.com/office/powerpoint/2010/main" val="2396154423"/>
+      </p:ext>
+    </p:extLst>
+  </p:cSld>
+  <p:clrMapOvr>
+    <a:masterClrMapping/>
+  </p:clrMapOvr>
+  <mc:AlternateContent xmlns:mc="http://schemas.openxmlformats.org/markup-compatibility/2006" xmlns:p14="http://schemas.microsoft.com/office/powerpoint/2010/main">
+    <mc:Choice Requires="p14">
+      <p:transition spd="med" p14:dur="700">
+        <p:fade/>
+      </p:transition>
+    </mc:Choice>
+    <mc:Fallback xmlns="">
+      <p:transition spd="med">
+        <p:fade/>
+      </p:transition>
+    </mc:Fallback>
+  </mc:AlternateContent>
+</p:sld>
+</file>
+
+<file path=ppt/slides/slide20.xml><?xml version="1.0" encoding="utf-8"?>
+<p:sld xmlns:a="http://schemas.openxmlformats.org/drawingml/2006/main" xmlns:r="http://schemas.openxmlformats.org/officeDocument/2006/relationships" xmlns:p="http://schemas.openxmlformats.org/presentationml/2006/main">
+  <p:cSld>
+    <p:spTree>
+      <p:nvGrpSpPr>
+        <p:cNvPr id="1" name=""/>
+        <p:cNvGrpSpPr/>
+        <p:nvPr/>
+      </p:nvGrpSpPr>
+      <p:grpSpPr>
+        <a:xfrm>
+          <a:off x="0" y="0"/>
+          <a:ext cx="0" cy="0"/>
+          <a:chOff x="0" y="0"/>
+          <a:chExt cx="0" cy="0"/>
+        </a:xfrm>
+      </p:grpSpPr>
+      <p:sp>
+        <p:nvSpPr>
+          <p:cNvPr id="4" name="Title 3"/>
+          <p:cNvSpPr>
+            <a:spLocks noGrp="1"/>
+          </p:cNvSpPr>
+          <p:nvPr>
+            <p:ph type="ctrTitle"/>
+          </p:nvPr>
+        </p:nvSpPr>
+        <p:spPr/>
+        <p:txBody>
+          <a:bodyPr>
+            <a:normAutofit/>
+          </a:bodyPr>
+          <a:lstStyle/>
+          <a:p>
+            <a:pPr algn="ctr"/>
+            <a:r>
+              <a:rPr lang="zh-CN" altLang="en-US" sz="4800" dirty="0">
+                <a:latin typeface="华文隶书" panose="02010800040101010101" pitchFamily="2" charset="-122"/>
+                <a:ea typeface="华文隶书" panose="02010800040101010101" pitchFamily="2" charset="-122"/>
+              </a:rPr>
+              <a:t>让</a:t>
+            </a:r>
+            <a:r>
+              <a:rPr lang="en-US" altLang="zh-CN" sz="4800" dirty="0">
+                <a:latin typeface="华文隶书" panose="02010800040101010101" pitchFamily="2" charset="-122"/>
+                <a:ea typeface="华文隶书" panose="02010800040101010101" pitchFamily="2" charset="-122"/>
+              </a:rPr>
+              <a:t>Python</a:t>
+            </a:r>
+            <a:r>
+              <a:rPr lang="zh-CN" altLang="en-US" sz="4800" dirty="0">
+                <a:latin typeface="华文隶书" panose="02010800040101010101" pitchFamily="2" charset="-122"/>
+                <a:ea typeface="华文隶书" panose="02010800040101010101" pitchFamily="2" charset="-122"/>
+              </a:rPr>
+              <a:t>遇上</a:t>
+            </a:r>
+            <a:r>
+              <a:rPr lang="en-US" altLang="zh-CN" sz="4800" dirty="0">
+                <a:latin typeface="华文隶书" panose="02010800040101010101" pitchFamily="2" charset="-122"/>
+                <a:ea typeface="华文隶书" panose="02010800040101010101" pitchFamily="2" charset="-122"/>
+              </a:rPr>
+              <a:t>Office</a:t>
+            </a:r>
+            <a:br>
+              <a:rPr lang="en-US" altLang="zh-CN" sz="4800" dirty="0">
+                <a:latin typeface="华文隶书" panose="02010800040101010101" pitchFamily="2" charset="-122"/>
+                <a:ea typeface="华文隶书" panose="02010800040101010101" pitchFamily="2" charset="-122"/>
+              </a:rPr>
+            </a:br>
+            <a:br>
+              <a:rPr lang="en-US" altLang="zh-CN" sz="4800" dirty="0">
+                <a:latin typeface="华文隶书" panose="02010800040101010101" pitchFamily="2" charset="-122"/>
+                <a:ea typeface="华文隶书" panose="02010800040101010101" pitchFamily="2" charset="-122"/>
+              </a:rPr>
+            </a:br>
+            <a:r>
+              <a:rPr lang="en-US" altLang="zh-CN" sz="4800" dirty="0">
+                <a:latin typeface="华文隶书" panose="02010800040101010101" pitchFamily="2" charset="-122"/>
+                <a:ea typeface="华文隶书" panose="02010800040101010101" pitchFamily="2" charset="-122"/>
+              </a:rPr>
+              <a:t>(Python with Office)</a:t>
+            </a:r>
+            <a:endParaRPr lang="en-US" sz="4800" dirty="0">
+              <a:latin typeface="华文隶书" panose="02010800040101010101" pitchFamily="2" charset="-122"/>
+              <a:ea typeface="华文隶书" panose="02010800040101010101" pitchFamily="2" charset="-122"/>
+            </a:endParaRPr>
+          </a:p>
+        </p:txBody>
+      </p:sp>
+      <p:sp>
+        <p:nvSpPr>
+          <p:cNvPr id="3" name="Content Placeholder 2"/>
+          <p:cNvSpPr>
+            <a:spLocks noGrp="1"/>
+          </p:cNvSpPr>
+          <p:nvPr>
+            <p:ph type="subTitle" idx="1"/>
+          </p:nvPr>
+        </p:nvSpPr>
+        <p:spPr>
+          <a:xfrm>
+            <a:off x="549796" y="3403600"/>
+            <a:ext cx="5544617" cy="2185640"/>
+          </a:xfrm>
+        </p:spPr>
+        <p:txBody>
+          <a:bodyPr>
+            <a:normAutofit/>
+          </a:bodyPr>
+          <a:lstStyle/>
+          <a:p>
+            <a:r>
+              <a:rPr lang="en-US" sz="2800" dirty="0">
+                <a:latin typeface="ADLaM Display" panose="020F0502020204030204" pitchFamily="2" charset="0"/>
+                <a:ea typeface="ADLaM Display" panose="020F0502020204030204" pitchFamily="2" charset="0"/>
+                <a:cs typeface="ADLaM Display" panose="020F0502020204030204" pitchFamily="2" charset="0"/>
+              </a:rPr>
+              <a:t>Chapter 4 Class and Object 4.4 Inheritance, Polymorphism</a:t>
+            </a:r>
+          </a:p>
+          <a:p>
+            <a:r>
+              <a:rPr lang="zh-CN" altLang="en-US" sz="2800" dirty="0">
+                <a:latin typeface="ADLaM Display" panose="020F0502020204030204" pitchFamily="2" charset="0"/>
+                <a:ea typeface="ADLaM Display" panose="020F0502020204030204" pitchFamily="2" charset="0"/>
+                <a:cs typeface="ADLaM Display" panose="020F0502020204030204" pitchFamily="2" charset="0"/>
+              </a:rPr>
+              <a:t>第四章 类与对象</a:t>
+            </a:r>
+            <a:endParaRPr lang="en-US" altLang="zh-CN" sz="2800" dirty="0">
+              <a:latin typeface="ADLaM Display" panose="020F0502020204030204" pitchFamily="2" charset="0"/>
+              <a:ea typeface="ADLaM Display" panose="020F0502020204030204" pitchFamily="2" charset="0"/>
+              <a:cs typeface="ADLaM Display" panose="020F0502020204030204" pitchFamily="2" charset="0"/>
+            </a:endParaRPr>
+          </a:p>
+          <a:p>
+            <a:r>
+              <a:rPr lang="en-US" altLang="zh-CN" sz="2800" dirty="0">
+                <a:latin typeface="ADLaM Display" panose="020F0502020204030204" pitchFamily="2" charset="0"/>
+                <a:ea typeface="ADLaM Display" panose="020F0502020204030204" pitchFamily="2" charset="0"/>
+                <a:cs typeface="ADLaM Display" panose="020F0502020204030204" pitchFamily="2" charset="0"/>
+              </a:rPr>
+              <a:t>4.4 </a:t>
+            </a:r>
+            <a:r>
+              <a:rPr lang="zh-CN" altLang="en-US" sz="2800" dirty="0">
+                <a:latin typeface="ADLaM Display" panose="020F0502020204030204" pitchFamily="2" charset="0"/>
+                <a:ea typeface="ADLaM Display" panose="020F0502020204030204" pitchFamily="2" charset="0"/>
+                <a:cs typeface="ADLaM Display" panose="020F0502020204030204" pitchFamily="2" charset="0"/>
+              </a:rPr>
+              <a:t>继承和多态</a:t>
+            </a:r>
+            <a:endParaRPr lang="en-US" altLang="zh-CN" sz="2800" dirty="0">
+              <a:latin typeface="ADLaM Display" panose="020F0502020204030204" pitchFamily="2" charset="0"/>
+              <a:ea typeface="ADLaM Display" panose="020F0502020204030204" pitchFamily="2" charset="0"/>
+              <a:cs typeface="ADLaM Display" panose="020F0502020204030204" pitchFamily="2" charset="0"/>
+            </a:endParaRPr>
+          </a:p>
+        </p:txBody>
+      </p:sp>
+      <p:pic>
+        <p:nvPicPr>
+          <p:cNvPr id="5" name="Picture 4">
+            <a:extLst>
+              <a:ext uri="{FF2B5EF4-FFF2-40B4-BE49-F238E27FC236}">
+                <a16:creationId xmlns:a16="http://schemas.microsoft.com/office/drawing/2014/main" id="{4AD8B85C-B359-195F-B78C-C879AB7840B1}"/>
+              </a:ext>
+            </a:extLst>
+          </p:cNvPr>
+          <p:cNvPicPr>
+            <a:picLocks noChangeAspect="1"/>
+          </p:cNvPicPr>
+          <p:nvPr/>
+        </p:nvPicPr>
+        <p:blipFill>
+          <a:blip r:embed="rId3"/>
+          <a:stretch>
+            <a:fillRect/>
+          </a:stretch>
+        </p:blipFill>
+        <p:spPr>
+          <a:xfrm>
+            <a:off x="57601" y="1189856"/>
+            <a:ext cx="1068259" cy="1556792"/>
+          </a:xfrm>
+          <a:prstGeom prst="rect">
+            <a:avLst/>
+          </a:prstGeom>
+          <a:ln>
+            <a:noFill/>
+          </a:ln>
+          <a:effectLst>
+            <a:outerShdw blurRad="292100" dist="139700" dir="2700000" algn="tl" rotWithShape="0">
+              <a:srgbClr val="333333">
+                <a:alpha val="65000"/>
+              </a:srgbClr>
+            </a:outerShdw>
+          </a:effectLst>
+        </p:spPr>
+      </p:pic>
+      <p:sp>
+        <p:nvSpPr>
+          <p:cNvPr id="2" name="TextBox 1">
+            <a:extLst>
+              <a:ext uri="{FF2B5EF4-FFF2-40B4-BE49-F238E27FC236}">
+                <a16:creationId xmlns:a16="http://schemas.microsoft.com/office/drawing/2014/main" id="{CAB2C784-DE74-68FC-7A84-3E6C5D164315}"/>
+              </a:ext>
+            </a:extLst>
+          </p:cNvPr>
+          <p:cNvSpPr txBox="1"/>
+          <p:nvPr/>
+        </p:nvSpPr>
+        <p:spPr>
+          <a:xfrm>
+            <a:off x="405780" y="5722972"/>
+            <a:ext cx="7951216" cy="523220"/>
+          </a:xfrm>
+          <a:prstGeom prst="rect">
+            <a:avLst/>
+          </a:prstGeom>
+          <a:solidFill>
+            <a:schemeClr val="bg1">
+              <a:lumMod val="95000"/>
+            </a:schemeClr>
+          </a:solidFill>
+          <a:ln>
+            <a:solidFill>
+              <a:schemeClr val="bg2"/>
+            </a:solidFill>
+          </a:ln>
+        </p:spPr>
+        <p:txBody>
+          <a:bodyPr wrap="none" rtlCol="0" anchor="ctr" anchorCtr="1">
+            <a:spAutoFit/>
+          </a:bodyPr>
+          <a:lstStyle/>
+          <a:p>
+            <a:r>
+              <a:rPr lang="en-US" sz="2800" dirty="0">
+                <a:hlinkClick r:id="rId4"/>
+              </a:rPr>
+              <a:t>https://github.com/yasenstar/python_with_office</a:t>
+            </a:r>
+            <a:endParaRPr lang="en-US" sz="2800" dirty="0"/>
+          </a:p>
+        </p:txBody>
+      </p:sp>
+      <p:sp>
+        <p:nvSpPr>
+          <p:cNvPr id="9" name="TextBox 8">
+            <a:extLst>
+              <a:ext uri="{FF2B5EF4-FFF2-40B4-BE49-F238E27FC236}">
+                <a16:creationId xmlns:a16="http://schemas.microsoft.com/office/drawing/2014/main" id="{C25C84F5-3AA3-A068-7E2F-9123CA5A7D16}"/>
+              </a:ext>
+            </a:extLst>
+          </p:cNvPr>
+          <p:cNvSpPr txBox="1"/>
+          <p:nvPr/>
+        </p:nvSpPr>
+        <p:spPr>
+          <a:xfrm>
+            <a:off x="405780" y="6246192"/>
+            <a:ext cx="7951216" cy="523220"/>
+          </a:xfrm>
+          <a:prstGeom prst="rect">
+            <a:avLst/>
+          </a:prstGeom>
+          <a:solidFill>
+            <a:schemeClr val="bg1">
+              <a:lumMod val="95000"/>
+            </a:schemeClr>
+          </a:solidFill>
+          <a:ln>
+            <a:solidFill>
+              <a:schemeClr val="bg2"/>
+            </a:solidFill>
+          </a:ln>
+        </p:spPr>
+        <p:txBody>
+          <a:bodyPr wrap="square" rtlCol="0" anchor="ctr" anchorCtr="1">
+            <a:spAutoFit/>
+          </a:bodyPr>
+          <a:lstStyle/>
+          <a:p>
+            <a:r>
+              <a:rPr lang="en-US" sz="2800" dirty="0">
+                <a:hlinkClick r:id="rId5"/>
+              </a:rPr>
+              <a:t>https://gitee.com/yasenstar/python_with_office</a:t>
+            </a:r>
+            <a:endParaRPr lang="en-US" sz="2800" dirty="0"/>
+          </a:p>
+        </p:txBody>
+      </p:sp>
+      <p:pic>
+        <p:nvPicPr>
+          <p:cNvPr id="8" name="Picture 7">
+            <a:extLst>
+              <a:ext uri="{FF2B5EF4-FFF2-40B4-BE49-F238E27FC236}">
+                <a16:creationId xmlns:a16="http://schemas.microsoft.com/office/drawing/2014/main" id="{46F4691F-0A9F-103C-CE22-4DBDBDB7BD24}"/>
+              </a:ext>
+            </a:extLst>
+          </p:cNvPr>
+          <p:cNvPicPr>
+            <a:picLocks noChangeAspect="1"/>
+          </p:cNvPicPr>
+          <p:nvPr/>
+        </p:nvPicPr>
+        <p:blipFill>
+          <a:blip r:embed="rId6"/>
+          <a:stretch>
+            <a:fillRect/>
+          </a:stretch>
+        </p:blipFill>
+        <p:spPr>
+          <a:xfrm>
+            <a:off x="6238428" y="1725305"/>
+            <a:ext cx="5551408" cy="3736057"/>
+          </a:xfrm>
+          <a:prstGeom prst="rect">
+            <a:avLst/>
+          </a:prstGeom>
+          <a:ln>
+            <a:noFill/>
+          </a:ln>
+          <a:effectLst>
+            <a:outerShdw blurRad="292100" dist="139700" dir="2700000" algn="tl" rotWithShape="0">
+              <a:srgbClr val="333333">
+                <a:alpha val="65000"/>
+              </a:srgbClr>
+            </a:outerShdw>
+          </a:effectLst>
+        </p:spPr>
+      </p:pic>
+    </p:spTree>
+    <p:extLst>
+      <p:ext uri="{BB962C8B-B14F-4D97-AF65-F5344CB8AC3E}">
+        <p14:creationId xmlns:p14="http://schemas.microsoft.com/office/powerpoint/2010/main" val="2574981019"/>
       </p:ext>
     </p:extLst>
   </p:cSld>

--- a/Video_Covers.pptx
+++ b/Video_Covers.pptx
@@ -5,10 +5,10 @@
     <p:sldMasterId id="2147483660" r:id="rId1"/>
   </p:sldMasterIdLst>
   <p:notesMasterIdLst>
-    <p:notesMasterId r:id="rId22"/>
+    <p:notesMasterId r:id="rId23"/>
   </p:notesMasterIdLst>
   <p:handoutMasterIdLst>
-    <p:handoutMasterId r:id="rId23"/>
+    <p:handoutMasterId r:id="rId24"/>
   </p:handoutMasterIdLst>
   <p:sldIdLst>
     <p:sldId id="257" r:id="rId2"/>
@@ -31,6 +31,7 @@
     <p:sldId id="274" r:id="rId19"/>
     <p:sldId id="275" r:id="rId20"/>
     <p:sldId id="276" r:id="rId21"/>
+    <p:sldId id="277" r:id="rId22"/>
   </p:sldIdLst>
   <p:sldSz cx="12188825" cy="6858000"/>
   <p:notesSz cx="6858000" cy="9144000"/>
@@ -1803,6 +1804,90 @@
     <p:extLst>
       <p:ext uri="{BB962C8B-B14F-4D97-AF65-F5344CB8AC3E}">
         <p14:creationId xmlns:p14="http://schemas.microsoft.com/office/powerpoint/2010/main" val="4292039411"/>
+      </p:ext>
+    </p:extLst>
+  </p:cSld>
+  <p:clrMapOvr>
+    <a:masterClrMapping/>
+  </p:clrMapOvr>
+</p:notes>
+</file>
+
+<file path=ppt/notesSlides/notesSlide21.xml><?xml version="1.0" encoding="utf-8"?>
+<p:notes xmlns:a="http://schemas.openxmlformats.org/drawingml/2006/main" xmlns:r="http://schemas.openxmlformats.org/officeDocument/2006/relationships" xmlns:p="http://schemas.openxmlformats.org/presentationml/2006/main">
+  <p:cSld>
+    <p:spTree>
+      <p:nvGrpSpPr>
+        <p:cNvPr id="1" name=""/>
+        <p:cNvGrpSpPr/>
+        <p:nvPr/>
+      </p:nvGrpSpPr>
+      <p:grpSpPr>
+        <a:xfrm>
+          <a:off x="0" y="0"/>
+          <a:ext cx="0" cy="0"/>
+          <a:chOff x="0" y="0"/>
+          <a:chExt cx="0" cy="0"/>
+        </a:xfrm>
+      </p:grpSpPr>
+      <p:sp>
+        <p:nvSpPr>
+          <p:cNvPr id="2" name="Slide Image Placeholder 1"/>
+          <p:cNvSpPr>
+            <a:spLocks noGrp="1" noRot="1" noChangeAspect="1"/>
+          </p:cNvSpPr>
+          <p:nvPr>
+            <p:ph type="sldImg"/>
+          </p:nvPr>
+        </p:nvSpPr>
+        <p:spPr/>
+      </p:sp>
+      <p:sp>
+        <p:nvSpPr>
+          <p:cNvPr id="3" name="Notes Placeholder 2"/>
+          <p:cNvSpPr>
+            <a:spLocks noGrp="1"/>
+          </p:cNvSpPr>
+          <p:nvPr>
+            <p:ph type="body" idx="1"/>
+          </p:nvPr>
+        </p:nvSpPr>
+        <p:spPr/>
+        <p:txBody>
+          <a:bodyPr/>
+          <a:lstStyle/>
+          <a:p>
+            <a:endParaRPr lang="en-US" dirty="0"/>
+          </a:p>
+        </p:txBody>
+      </p:sp>
+      <p:sp>
+        <p:nvSpPr>
+          <p:cNvPr id="4" name="Slide Number Placeholder 3"/>
+          <p:cNvSpPr>
+            <a:spLocks noGrp="1"/>
+          </p:cNvSpPr>
+          <p:nvPr>
+            <p:ph type="sldNum" sz="quarter" idx="10"/>
+          </p:nvPr>
+        </p:nvSpPr>
+        <p:spPr/>
+        <p:txBody>
+          <a:bodyPr/>
+          <a:lstStyle/>
+          <a:p>
+            <a:fld id="{6BB98AFB-CB0D-4DFE-87B9-B4B0D0DE73CD}" type="slidenum">
+              <a:rPr lang="en-US" smtClean="0"/>
+              <a:t>21</a:t>
+            </a:fld>
+            <a:endParaRPr lang="en-US" dirty="0"/>
+          </a:p>
+        </p:txBody>
+      </p:sp>
+    </p:spTree>
+    <p:extLst>
+      <p:ext uri="{BB962C8B-B14F-4D97-AF65-F5344CB8AC3E}">
+        <p14:creationId xmlns:p14="http://schemas.microsoft.com/office/powerpoint/2010/main" val="401186042"/>
       </p:ext>
     </p:extLst>
   </p:cSld>
@@ -10407,6 +10492,375 @@
     <p:extLst>
       <p:ext uri="{BB962C8B-B14F-4D97-AF65-F5344CB8AC3E}">
         <p14:creationId xmlns:p14="http://schemas.microsoft.com/office/powerpoint/2010/main" val="2574981019"/>
+      </p:ext>
+    </p:extLst>
+  </p:cSld>
+  <p:clrMapOvr>
+    <a:masterClrMapping/>
+  </p:clrMapOvr>
+  <mc:AlternateContent xmlns:mc="http://schemas.openxmlformats.org/markup-compatibility/2006" xmlns:p14="http://schemas.microsoft.com/office/powerpoint/2010/main">
+    <mc:Choice Requires="p14">
+      <p:transition spd="med" p14:dur="700">
+        <p:fade/>
+      </p:transition>
+    </mc:Choice>
+    <mc:Fallback xmlns="">
+      <p:transition spd="med">
+        <p:fade/>
+      </p:transition>
+    </mc:Fallback>
+  </mc:AlternateContent>
+</p:sld>
+</file>
+
+<file path=ppt/slides/slide21.xml><?xml version="1.0" encoding="utf-8"?>
+<p:sld xmlns:a="http://schemas.openxmlformats.org/drawingml/2006/main" xmlns:r="http://schemas.openxmlformats.org/officeDocument/2006/relationships" xmlns:p="http://schemas.openxmlformats.org/presentationml/2006/main">
+  <p:cSld>
+    <p:spTree>
+      <p:nvGrpSpPr>
+        <p:cNvPr id="1" name=""/>
+        <p:cNvGrpSpPr/>
+        <p:nvPr/>
+      </p:nvGrpSpPr>
+      <p:grpSpPr>
+        <a:xfrm>
+          <a:off x="0" y="0"/>
+          <a:ext cx="0" cy="0"/>
+          <a:chOff x="0" y="0"/>
+          <a:chExt cx="0" cy="0"/>
+        </a:xfrm>
+      </p:grpSpPr>
+      <p:sp>
+        <p:nvSpPr>
+          <p:cNvPr id="4" name="Title 3"/>
+          <p:cNvSpPr>
+            <a:spLocks noGrp="1"/>
+          </p:cNvSpPr>
+          <p:nvPr>
+            <p:ph type="ctrTitle"/>
+          </p:nvPr>
+        </p:nvSpPr>
+        <p:spPr/>
+        <p:txBody>
+          <a:bodyPr>
+            <a:normAutofit/>
+          </a:bodyPr>
+          <a:lstStyle/>
+          <a:p>
+            <a:pPr algn="ctr"/>
+            <a:r>
+              <a:rPr lang="zh-CN" altLang="en-US" sz="4800" dirty="0">
+                <a:latin typeface="华文隶书" panose="02010800040101010101" pitchFamily="2" charset="-122"/>
+                <a:ea typeface="华文隶书" panose="02010800040101010101" pitchFamily="2" charset="-122"/>
+              </a:rPr>
+              <a:t>让</a:t>
+            </a:r>
+            <a:r>
+              <a:rPr lang="en-US" altLang="zh-CN" sz="4800" dirty="0">
+                <a:latin typeface="华文隶书" panose="02010800040101010101" pitchFamily="2" charset="-122"/>
+                <a:ea typeface="华文隶书" panose="02010800040101010101" pitchFamily="2" charset="-122"/>
+              </a:rPr>
+              <a:t>Python</a:t>
+            </a:r>
+            <a:r>
+              <a:rPr lang="zh-CN" altLang="en-US" sz="4800" dirty="0">
+                <a:latin typeface="华文隶书" panose="02010800040101010101" pitchFamily="2" charset="-122"/>
+                <a:ea typeface="华文隶书" panose="02010800040101010101" pitchFamily="2" charset="-122"/>
+              </a:rPr>
+              <a:t>遇上</a:t>
+            </a:r>
+            <a:r>
+              <a:rPr lang="en-US" altLang="zh-CN" sz="4800" dirty="0">
+                <a:latin typeface="华文隶书" panose="02010800040101010101" pitchFamily="2" charset="-122"/>
+                <a:ea typeface="华文隶书" panose="02010800040101010101" pitchFamily="2" charset="-122"/>
+              </a:rPr>
+              <a:t>Office</a:t>
+            </a:r>
+            <a:br>
+              <a:rPr lang="en-US" altLang="zh-CN" sz="4800" dirty="0">
+                <a:latin typeface="华文隶书" panose="02010800040101010101" pitchFamily="2" charset="-122"/>
+                <a:ea typeface="华文隶书" panose="02010800040101010101" pitchFamily="2" charset="-122"/>
+              </a:rPr>
+            </a:br>
+            <a:br>
+              <a:rPr lang="en-US" altLang="zh-CN" sz="4800" dirty="0">
+                <a:latin typeface="华文隶书" panose="02010800040101010101" pitchFamily="2" charset="-122"/>
+                <a:ea typeface="华文隶书" panose="02010800040101010101" pitchFamily="2" charset="-122"/>
+              </a:rPr>
+            </a:br>
+            <a:r>
+              <a:rPr lang="en-US" altLang="zh-CN" sz="4800" dirty="0">
+                <a:latin typeface="华文隶书" panose="02010800040101010101" pitchFamily="2" charset="-122"/>
+                <a:ea typeface="华文隶书" panose="02010800040101010101" pitchFamily="2" charset="-122"/>
+              </a:rPr>
+              <a:t>(Python with Office)</a:t>
+            </a:r>
+            <a:endParaRPr lang="en-US" sz="4800" dirty="0">
+              <a:latin typeface="华文隶书" panose="02010800040101010101" pitchFamily="2" charset="-122"/>
+              <a:ea typeface="华文隶书" panose="02010800040101010101" pitchFamily="2" charset="-122"/>
+            </a:endParaRPr>
+          </a:p>
+        </p:txBody>
+      </p:sp>
+      <p:sp>
+        <p:nvSpPr>
+          <p:cNvPr id="3" name="Content Placeholder 2"/>
+          <p:cNvSpPr>
+            <a:spLocks noGrp="1"/>
+          </p:cNvSpPr>
+          <p:nvPr>
+            <p:ph type="subTitle" idx="1"/>
+          </p:nvPr>
+        </p:nvSpPr>
+        <p:spPr>
+          <a:xfrm>
+            <a:off x="549796" y="3403600"/>
+            <a:ext cx="5544617" cy="2185640"/>
+          </a:xfrm>
+        </p:spPr>
+        <p:txBody>
+          <a:bodyPr>
+            <a:normAutofit/>
+          </a:bodyPr>
+          <a:lstStyle/>
+          <a:p>
+            <a:r>
+              <a:rPr lang="en-US" sz="2800" dirty="0">
+                <a:latin typeface="ADLaM Display" panose="020F0502020204030204" pitchFamily="2" charset="0"/>
+                <a:ea typeface="ADLaM Display" panose="020F0502020204030204" pitchFamily="2" charset="0"/>
+                <a:cs typeface="ADLaM Display" panose="020F0502020204030204" pitchFamily="2" charset="0"/>
+              </a:rPr>
+              <a:t>Chapter 4 Class and Object</a:t>
+            </a:r>
+          </a:p>
+          <a:p>
+            <a:r>
+              <a:rPr lang="en-US" sz="2800" dirty="0">
+                <a:latin typeface="ADLaM Display" panose="020F0502020204030204" pitchFamily="2" charset="0"/>
+                <a:ea typeface="ADLaM Display" panose="020F0502020204030204" pitchFamily="2" charset="0"/>
+                <a:cs typeface="ADLaM Display" panose="020F0502020204030204" pitchFamily="2" charset="0"/>
+              </a:rPr>
+              <a:t>4.5 Class &amp; Static Method</a:t>
+            </a:r>
+          </a:p>
+          <a:p>
+            <a:r>
+              <a:rPr lang="zh-CN" altLang="en-US" sz="2800" dirty="0">
+                <a:latin typeface="ADLaM Display" panose="020F0502020204030204" pitchFamily="2" charset="0"/>
+                <a:ea typeface="ADLaM Display" panose="020F0502020204030204" pitchFamily="2" charset="0"/>
+                <a:cs typeface="ADLaM Display" panose="020F0502020204030204" pitchFamily="2" charset="0"/>
+              </a:rPr>
+              <a:t>第四章 类与对象</a:t>
+            </a:r>
+            <a:endParaRPr lang="en-US" altLang="zh-CN" sz="2800" dirty="0">
+              <a:latin typeface="ADLaM Display" panose="020F0502020204030204" pitchFamily="2" charset="0"/>
+              <a:ea typeface="ADLaM Display" panose="020F0502020204030204" pitchFamily="2" charset="0"/>
+              <a:cs typeface="ADLaM Display" panose="020F0502020204030204" pitchFamily="2" charset="0"/>
+            </a:endParaRPr>
+          </a:p>
+          <a:p>
+            <a:r>
+              <a:rPr lang="en-US" altLang="zh-CN" sz="2800" dirty="0">
+                <a:latin typeface="ADLaM Display" panose="020F0502020204030204" pitchFamily="2" charset="0"/>
+                <a:ea typeface="ADLaM Display" panose="020F0502020204030204" pitchFamily="2" charset="0"/>
+                <a:cs typeface="ADLaM Display" panose="020F0502020204030204" pitchFamily="2" charset="0"/>
+              </a:rPr>
+              <a:t>4.5 </a:t>
+            </a:r>
+            <a:r>
+              <a:rPr lang="zh-CN" altLang="en-US" sz="2800" dirty="0">
+                <a:latin typeface="ADLaM Display" panose="020F0502020204030204" pitchFamily="2" charset="0"/>
+                <a:ea typeface="ADLaM Display" panose="020F0502020204030204" pitchFamily="2" charset="0"/>
+                <a:cs typeface="ADLaM Display" panose="020F0502020204030204" pitchFamily="2" charset="0"/>
+              </a:rPr>
+              <a:t>类方法与静态方法</a:t>
+            </a:r>
+            <a:endParaRPr lang="en-US" altLang="zh-CN" sz="2800" dirty="0">
+              <a:latin typeface="ADLaM Display" panose="020F0502020204030204" pitchFamily="2" charset="0"/>
+              <a:ea typeface="ADLaM Display" panose="020F0502020204030204" pitchFamily="2" charset="0"/>
+              <a:cs typeface="ADLaM Display" panose="020F0502020204030204" pitchFamily="2" charset="0"/>
+            </a:endParaRPr>
+          </a:p>
+        </p:txBody>
+      </p:sp>
+      <p:pic>
+        <p:nvPicPr>
+          <p:cNvPr id="5" name="Picture 4">
+            <a:extLst>
+              <a:ext uri="{FF2B5EF4-FFF2-40B4-BE49-F238E27FC236}">
+                <a16:creationId xmlns:a16="http://schemas.microsoft.com/office/drawing/2014/main" id="{4AD8B85C-B359-195F-B78C-C879AB7840B1}"/>
+              </a:ext>
+            </a:extLst>
+          </p:cNvPr>
+          <p:cNvPicPr>
+            <a:picLocks noChangeAspect="1"/>
+          </p:cNvPicPr>
+          <p:nvPr/>
+        </p:nvPicPr>
+        <p:blipFill>
+          <a:blip r:embed="rId3"/>
+          <a:stretch>
+            <a:fillRect/>
+          </a:stretch>
+        </p:blipFill>
+        <p:spPr>
+          <a:xfrm>
+            <a:off x="57601" y="1189856"/>
+            <a:ext cx="1068259" cy="1556792"/>
+          </a:xfrm>
+          <a:prstGeom prst="rect">
+            <a:avLst/>
+          </a:prstGeom>
+          <a:ln>
+            <a:noFill/>
+          </a:ln>
+          <a:effectLst>
+            <a:outerShdw blurRad="292100" dist="139700" dir="2700000" algn="tl" rotWithShape="0">
+              <a:srgbClr val="333333">
+                <a:alpha val="65000"/>
+              </a:srgbClr>
+            </a:outerShdw>
+          </a:effectLst>
+        </p:spPr>
+      </p:pic>
+      <p:sp>
+        <p:nvSpPr>
+          <p:cNvPr id="2" name="TextBox 1">
+            <a:extLst>
+              <a:ext uri="{FF2B5EF4-FFF2-40B4-BE49-F238E27FC236}">
+                <a16:creationId xmlns:a16="http://schemas.microsoft.com/office/drawing/2014/main" id="{CAB2C784-DE74-68FC-7A84-3E6C5D164315}"/>
+              </a:ext>
+            </a:extLst>
+          </p:cNvPr>
+          <p:cNvSpPr txBox="1"/>
+          <p:nvPr/>
+        </p:nvSpPr>
+        <p:spPr>
+          <a:xfrm>
+            <a:off x="405780" y="5722972"/>
+            <a:ext cx="7951216" cy="523220"/>
+          </a:xfrm>
+          <a:prstGeom prst="rect">
+            <a:avLst/>
+          </a:prstGeom>
+          <a:solidFill>
+            <a:schemeClr val="bg1">
+              <a:lumMod val="95000"/>
+            </a:schemeClr>
+          </a:solidFill>
+          <a:ln>
+            <a:solidFill>
+              <a:schemeClr val="bg2"/>
+            </a:solidFill>
+          </a:ln>
+        </p:spPr>
+        <p:txBody>
+          <a:bodyPr wrap="none" rtlCol="0" anchor="ctr" anchorCtr="1">
+            <a:spAutoFit/>
+          </a:bodyPr>
+          <a:lstStyle/>
+          <a:p>
+            <a:r>
+              <a:rPr lang="en-US" sz="2800" dirty="0">
+                <a:hlinkClick r:id="rId4"/>
+              </a:rPr>
+              <a:t>https://github.com/yasenstar/python_with_office</a:t>
+            </a:r>
+            <a:endParaRPr lang="en-US" sz="2800" dirty="0"/>
+          </a:p>
+        </p:txBody>
+      </p:sp>
+      <p:sp>
+        <p:nvSpPr>
+          <p:cNvPr id="9" name="TextBox 8">
+            <a:extLst>
+              <a:ext uri="{FF2B5EF4-FFF2-40B4-BE49-F238E27FC236}">
+                <a16:creationId xmlns:a16="http://schemas.microsoft.com/office/drawing/2014/main" id="{C25C84F5-3AA3-A068-7E2F-9123CA5A7D16}"/>
+              </a:ext>
+            </a:extLst>
+          </p:cNvPr>
+          <p:cNvSpPr txBox="1"/>
+          <p:nvPr/>
+        </p:nvSpPr>
+        <p:spPr>
+          <a:xfrm>
+            <a:off x="405780" y="6246192"/>
+            <a:ext cx="7951216" cy="523220"/>
+          </a:xfrm>
+          <a:prstGeom prst="rect">
+            <a:avLst/>
+          </a:prstGeom>
+          <a:solidFill>
+            <a:schemeClr val="bg1">
+              <a:lumMod val="95000"/>
+            </a:schemeClr>
+          </a:solidFill>
+          <a:ln>
+            <a:solidFill>
+              <a:schemeClr val="bg2"/>
+            </a:solidFill>
+          </a:ln>
+        </p:spPr>
+        <p:txBody>
+          <a:bodyPr wrap="square" rtlCol="0" anchor="ctr" anchorCtr="1">
+            <a:spAutoFit/>
+          </a:bodyPr>
+          <a:lstStyle/>
+          <a:p>
+            <a:r>
+              <a:rPr lang="en-US" sz="2800" dirty="0">
+                <a:hlinkClick r:id="rId5"/>
+              </a:rPr>
+              <a:t>https://gitee.com/yasenstar/python_with_office</a:t>
+            </a:r>
+            <a:endParaRPr lang="en-US" sz="2800" dirty="0"/>
+          </a:p>
+        </p:txBody>
+      </p:sp>
+      <p:pic>
+        <p:nvPicPr>
+          <p:cNvPr id="7" name="Picture 6">
+            <a:extLst>
+              <a:ext uri="{FF2B5EF4-FFF2-40B4-BE49-F238E27FC236}">
+                <a16:creationId xmlns:a16="http://schemas.microsoft.com/office/drawing/2014/main" id="{10B79822-664C-2BA2-4269-D945E6145779}"/>
+              </a:ext>
+            </a:extLst>
+          </p:cNvPr>
+          <p:cNvPicPr>
+            <a:picLocks noChangeAspect="1"/>
+          </p:cNvPicPr>
+          <p:nvPr/>
+        </p:nvPicPr>
+        <p:blipFill>
+          <a:blip r:embed="rId6"/>
+          <a:stretch>
+            <a:fillRect/>
+          </a:stretch>
+        </p:blipFill>
+        <p:spPr>
+          <a:xfrm>
+            <a:off x="6072863" y="1790700"/>
+            <a:ext cx="5422150" cy="3651299"/>
+          </a:xfrm>
+          <a:prstGeom prst="rect">
+            <a:avLst/>
+          </a:prstGeom>
+          <a:ln>
+            <a:noFill/>
+          </a:ln>
+          <a:effectLst>
+            <a:outerShdw blurRad="292100" dist="139700" dir="2700000" algn="tl" rotWithShape="0">
+              <a:srgbClr val="333333">
+                <a:alpha val="65000"/>
+              </a:srgbClr>
+            </a:outerShdw>
+          </a:effectLst>
+        </p:spPr>
+      </p:pic>
+    </p:spTree>
+    <p:extLst>
+      <p:ext uri="{BB962C8B-B14F-4D97-AF65-F5344CB8AC3E}">
+        <p14:creationId xmlns:p14="http://schemas.microsoft.com/office/powerpoint/2010/main" val="1852244970"/>
       </p:ext>
     </p:extLst>
   </p:cSld>

--- a/Video_Covers.pptx
+++ b/Video_Covers.pptx
@@ -5,10 +5,10 @@
     <p:sldMasterId id="2147483660" r:id="rId1"/>
   </p:sldMasterIdLst>
   <p:notesMasterIdLst>
-    <p:notesMasterId r:id="rId23"/>
+    <p:notesMasterId r:id="rId27"/>
   </p:notesMasterIdLst>
   <p:handoutMasterIdLst>
-    <p:handoutMasterId r:id="rId24"/>
+    <p:handoutMasterId r:id="rId28"/>
   </p:handoutMasterIdLst>
   <p:sldIdLst>
     <p:sldId id="257" r:id="rId2"/>
@@ -32,6 +32,10 @@
     <p:sldId id="275" r:id="rId20"/>
     <p:sldId id="276" r:id="rId21"/>
     <p:sldId id="277" r:id="rId22"/>
+    <p:sldId id="278" r:id="rId23"/>
+    <p:sldId id="280" r:id="rId24"/>
+    <p:sldId id="281" r:id="rId25"/>
+    <p:sldId id="279" r:id="rId26"/>
   </p:sldIdLst>
   <p:sldSz cx="12188825" cy="6858000"/>
   <p:notesSz cx="6858000" cy="9144000"/>
@@ -1888,6 +1892,342 @@
     <p:extLst>
       <p:ext uri="{BB962C8B-B14F-4D97-AF65-F5344CB8AC3E}">
         <p14:creationId xmlns:p14="http://schemas.microsoft.com/office/powerpoint/2010/main" val="401186042"/>
+      </p:ext>
+    </p:extLst>
+  </p:cSld>
+  <p:clrMapOvr>
+    <a:masterClrMapping/>
+  </p:clrMapOvr>
+</p:notes>
+</file>
+
+<file path=ppt/notesSlides/notesSlide22.xml><?xml version="1.0" encoding="utf-8"?>
+<p:notes xmlns:a="http://schemas.openxmlformats.org/drawingml/2006/main" xmlns:r="http://schemas.openxmlformats.org/officeDocument/2006/relationships" xmlns:p="http://schemas.openxmlformats.org/presentationml/2006/main">
+  <p:cSld>
+    <p:spTree>
+      <p:nvGrpSpPr>
+        <p:cNvPr id="1" name=""/>
+        <p:cNvGrpSpPr/>
+        <p:nvPr/>
+      </p:nvGrpSpPr>
+      <p:grpSpPr>
+        <a:xfrm>
+          <a:off x="0" y="0"/>
+          <a:ext cx="0" cy="0"/>
+          <a:chOff x="0" y="0"/>
+          <a:chExt cx="0" cy="0"/>
+        </a:xfrm>
+      </p:grpSpPr>
+      <p:sp>
+        <p:nvSpPr>
+          <p:cNvPr id="2" name="Slide Image Placeholder 1"/>
+          <p:cNvSpPr>
+            <a:spLocks noGrp="1" noRot="1" noChangeAspect="1"/>
+          </p:cNvSpPr>
+          <p:nvPr>
+            <p:ph type="sldImg"/>
+          </p:nvPr>
+        </p:nvSpPr>
+        <p:spPr/>
+      </p:sp>
+      <p:sp>
+        <p:nvSpPr>
+          <p:cNvPr id="3" name="Notes Placeholder 2"/>
+          <p:cNvSpPr>
+            <a:spLocks noGrp="1"/>
+          </p:cNvSpPr>
+          <p:nvPr>
+            <p:ph type="body" idx="1"/>
+          </p:nvPr>
+        </p:nvSpPr>
+        <p:spPr/>
+        <p:txBody>
+          <a:bodyPr/>
+          <a:lstStyle/>
+          <a:p>
+            <a:endParaRPr lang="en-US" dirty="0"/>
+          </a:p>
+        </p:txBody>
+      </p:sp>
+      <p:sp>
+        <p:nvSpPr>
+          <p:cNvPr id="4" name="Slide Number Placeholder 3"/>
+          <p:cNvSpPr>
+            <a:spLocks noGrp="1"/>
+          </p:cNvSpPr>
+          <p:nvPr>
+            <p:ph type="sldNum" sz="quarter" idx="10"/>
+          </p:nvPr>
+        </p:nvSpPr>
+        <p:spPr/>
+        <p:txBody>
+          <a:bodyPr/>
+          <a:lstStyle/>
+          <a:p>
+            <a:fld id="{6BB98AFB-CB0D-4DFE-87B9-B4B0D0DE73CD}" type="slidenum">
+              <a:rPr lang="en-US" smtClean="0"/>
+              <a:t>22</a:t>
+            </a:fld>
+            <a:endParaRPr lang="en-US" dirty="0"/>
+          </a:p>
+        </p:txBody>
+      </p:sp>
+    </p:spTree>
+    <p:extLst>
+      <p:ext uri="{BB962C8B-B14F-4D97-AF65-F5344CB8AC3E}">
+        <p14:creationId xmlns:p14="http://schemas.microsoft.com/office/powerpoint/2010/main" val="868342104"/>
+      </p:ext>
+    </p:extLst>
+  </p:cSld>
+  <p:clrMapOvr>
+    <a:masterClrMapping/>
+  </p:clrMapOvr>
+</p:notes>
+</file>
+
+<file path=ppt/notesSlides/notesSlide23.xml><?xml version="1.0" encoding="utf-8"?>
+<p:notes xmlns:a="http://schemas.openxmlformats.org/drawingml/2006/main" xmlns:r="http://schemas.openxmlformats.org/officeDocument/2006/relationships" xmlns:p="http://schemas.openxmlformats.org/presentationml/2006/main">
+  <p:cSld>
+    <p:spTree>
+      <p:nvGrpSpPr>
+        <p:cNvPr id="1" name=""/>
+        <p:cNvGrpSpPr/>
+        <p:nvPr/>
+      </p:nvGrpSpPr>
+      <p:grpSpPr>
+        <a:xfrm>
+          <a:off x="0" y="0"/>
+          <a:ext cx="0" cy="0"/>
+          <a:chOff x="0" y="0"/>
+          <a:chExt cx="0" cy="0"/>
+        </a:xfrm>
+      </p:grpSpPr>
+      <p:sp>
+        <p:nvSpPr>
+          <p:cNvPr id="2" name="Slide Image Placeholder 1"/>
+          <p:cNvSpPr>
+            <a:spLocks noGrp="1" noRot="1" noChangeAspect="1"/>
+          </p:cNvSpPr>
+          <p:nvPr>
+            <p:ph type="sldImg"/>
+          </p:nvPr>
+        </p:nvSpPr>
+        <p:spPr/>
+      </p:sp>
+      <p:sp>
+        <p:nvSpPr>
+          <p:cNvPr id="3" name="Notes Placeholder 2"/>
+          <p:cNvSpPr>
+            <a:spLocks noGrp="1"/>
+          </p:cNvSpPr>
+          <p:nvPr>
+            <p:ph type="body" idx="1"/>
+          </p:nvPr>
+        </p:nvSpPr>
+        <p:spPr/>
+        <p:txBody>
+          <a:bodyPr/>
+          <a:lstStyle/>
+          <a:p>
+            <a:endParaRPr lang="en-US" dirty="0"/>
+          </a:p>
+        </p:txBody>
+      </p:sp>
+      <p:sp>
+        <p:nvSpPr>
+          <p:cNvPr id="4" name="Slide Number Placeholder 3"/>
+          <p:cNvSpPr>
+            <a:spLocks noGrp="1"/>
+          </p:cNvSpPr>
+          <p:nvPr>
+            <p:ph type="sldNum" sz="quarter" idx="10"/>
+          </p:nvPr>
+        </p:nvSpPr>
+        <p:spPr/>
+        <p:txBody>
+          <a:bodyPr/>
+          <a:lstStyle/>
+          <a:p>
+            <a:fld id="{6BB98AFB-CB0D-4DFE-87B9-B4B0D0DE73CD}" type="slidenum">
+              <a:rPr lang="en-US" smtClean="0"/>
+              <a:t>23</a:t>
+            </a:fld>
+            <a:endParaRPr lang="en-US" dirty="0"/>
+          </a:p>
+        </p:txBody>
+      </p:sp>
+    </p:spTree>
+    <p:extLst>
+      <p:ext uri="{BB962C8B-B14F-4D97-AF65-F5344CB8AC3E}">
+        <p14:creationId xmlns:p14="http://schemas.microsoft.com/office/powerpoint/2010/main" val="2827349964"/>
+      </p:ext>
+    </p:extLst>
+  </p:cSld>
+  <p:clrMapOvr>
+    <a:masterClrMapping/>
+  </p:clrMapOvr>
+</p:notes>
+</file>
+
+<file path=ppt/notesSlides/notesSlide24.xml><?xml version="1.0" encoding="utf-8"?>
+<p:notes xmlns:a="http://schemas.openxmlformats.org/drawingml/2006/main" xmlns:r="http://schemas.openxmlformats.org/officeDocument/2006/relationships" xmlns:p="http://schemas.openxmlformats.org/presentationml/2006/main">
+  <p:cSld>
+    <p:spTree>
+      <p:nvGrpSpPr>
+        <p:cNvPr id="1" name=""/>
+        <p:cNvGrpSpPr/>
+        <p:nvPr/>
+      </p:nvGrpSpPr>
+      <p:grpSpPr>
+        <a:xfrm>
+          <a:off x="0" y="0"/>
+          <a:ext cx="0" cy="0"/>
+          <a:chOff x="0" y="0"/>
+          <a:chExt cx="0" cy="0"/>
+        </a:xfrm>
+      </p:grpSpPr>
+      <p:sp>
+        <p:nvSpPr>
+          <p:cNvPr id="2" name="Slide Image Placeholder 1"/>
+          <p:cNvSpPr>
+            <a:spLocks noGrp="1" noRot="1" noChangeAspect="1"/>
+          </p:cNvSpPr>
+          <p:nvPr>
+            <p:ph type="sldImg"/>
+          </p:nvPr>
+        </p:nvSpPr>
+        <p:spPr/>
+      </p:sp>
+      <p:sp>
+        <p:nvSpPr>
+          <p:cNvPr id="3" name="Notes Placeholder 2"/>
+          <p:cNvSpPr>
+            <a:spLocks noGrp="1"/>
+          </p:cNvSpPr>
+          <p:nvPr>
+            <p:ph type="body" idx="1"/>
+          </p:nvPr>
+        </p:nvSpPr>
+        <p:spPr/>
+        <p:txBody>
+          <a:bodyPr/>
+          <a:lstStyle/>
+          <a:p>
+            <a:endParaRPr lang="en-US" dirty="0"/>
+          </a:p>
+        </p:txBody>
+      </p:sp>
+      <p:sp>
+        <p:nvSpPr>
+          <p:cNvPr id="4" name="Slide Number Placeholder 3"/>
+          <p:cNvSpPr>
+            <a:spLocks noGrp="1"/>
+          </p:cNvSpPr>
+          <p:nvPr>
+            <p:ph type="sldNum" sz="quarter" idx="10"/>
+          </p:nvPr>
+        </p:nvSpPr>
+        <p:spPr/>
+        <p:txBody>
+          <a:bodyPr/>
+          <a:lstStyle/>
+          <a:p>
+            <a:fld id="{6BB98AFB-CB0D-4DFE-87B9-B4B0D0DE73CD}" type="slidenum">
+              <a:rPr lang="en-US" smtClean="0"/>
+              <a:t>24</a:t>
+            </a:fld>
+            <a:endParaRPr lang="en-US" dirty="0"/>
+          </a:p>
+        </p:txBody>
+      </p:sp>
+    </p:spTree>
+    <p:extLst>
+      <p:ext uri="{BB962C8B-B14F-4D97-AF65-F5344CB8AC3E}">
+        <p14:creationId xmlns:p14="http://schemas.microsoft.com/office/powerpoint/2010/main" val="3051555535"/>
+      </p:ext>
+    </p:extLst>
+  </p:cSld>
+  <p:clrMapOvr>
+    <a:masterClrMapping/>
+  </p:clrMapOvr>
+</p:notes>
+</file>
+
+<file path=ppt/notesSlides/notesSlide25.xml><?xml version="1.0" encoding="utf-8"?>
+<p:notes xmlns:a="http://schemas.openxmlformats.org/drawingml/2006/main" xmlns:r="http://schemas.openxmlformats.org/officeDocument/2006/relationships" xmlns:p="http://schemas.openxmlformats.org/presentationml/2006/main">
+  <p:cSld>
+    <p:spTree>
+      <p:nvGrpSpPr>
+        <p:cNvPr id="1" name=""/>
+        <p:cNvGrpSpPr/>
+        <p:nvPr/>
+      </p:nvGrpSpPr>
+      <p:grpSpPr>
+        <a:xfrm>
+          <a:off x="0" y="0"/>
+          <a:ext cx="0" cy="0"/>
+          <a:chOff x="0" y="0"/>
+          <a:chExt cx="0" cy="0"/>
+        </a:xfrm>
+      </p:grpSpPr>
+      <p:sp>
+        <p:nvSpPr>
+          <p:cNvPr id="2" name="Slide Image Placeholder 1"/>
+          <p:cNvSpPr>
+            <a:spLocks noGrp="1" noRot="1" noChangeAspect="1"/>
+          </p:cNvSpPr>
+          <p:nvPr>
+            <p:ph type="sldImg"/>
+          </p:nvPr>
+        </p:nvSpPr>
+        <p:spPr/>
+      </p:sp>
+      <p:sp>
+        <p:nvSpPr>
+          <p:cNvPr id="3" name="Notes Placeholder 2"/>
+          <p:cNvSpPr>
+            <a:spLocks noGrp="1"/>
+          </p:cNvSpPr>
+          <p:nvPr>
+            <p:ph type="body" idx="1"/>
+          </p:nvPr>
+        </p:nvSpPr>
+        <p:spPr/>
+        <p:txBody>
+          <a:bodyPr/>
+          <a:lstStyle/>
+          <a:p>
+            <a:endParaRPr lang="en-US" dirty="0"/>
+          </a:p>
+        </p:txBody>
+      </p:sp>
+      <p:sp>
+        <p:nvSpPr>
+          <p:cNvPr id="4" name="Slide Number Placeholder 3"/>
+          <p:cNvSpPr>
+            <a:spLocks noGrp="1"/>
+          </p:cNvSpPr>
+          <p:nvPr>
+            <p:ph type="sldNum" sz="quarter" idx="10"/>
+          </p:nvPr>
+        </p:nvSpPr>
+        <p:spPr/>
+        <p:txBody>
+          <a:bodyPr/>
+          <a:lstStyle/>
+          <a:p>
+            <a:fld id="{6BB98AFB-CB0D-4DFE-87B9-B4B0D0DE73CD}" type="slidenum">
+              <a:rPr lang="en-US" smtClean="0"/>
+              <a:t>25</a:t>
+            </a:fld>
+            <a:endParaRPr lang="en-US" dirty="0"/>
+          </a:p>
+        </p:txBody>
+      </p:sp>
+    </p:spTree>
+    <p:extLst>
+      <p:ext uri="{BB962C8B-B14F-4D97-AF65-F5344CB8AC3E}">
+        <p14:creationId xmlns:p14="http://schemas.microsoft.com/office/powerpoint/2010/main" val="529015424"/>
       </p:ext>
     </p:extLst>
   </p:cSld>
@@ -10271,7 +10611,17 @@
                 <a:ea typeface="ADLaM Display" panose="020F0502020204030204" pitchFamily="2" charset="0"/>
                 <a:cs typeface="ADLaM Display" panose="020F0502020204030204" pitchFamily="2" charset="0"/>
               </a:rPr>
-              <a:t>Chapter 4 Class and Object 4.4 Inheritance, Polymorphism</a:t>
+              <a:t>Chapter 4 Class and Object</a:t>
+            </a:r>
+          </a:p>
+          <a:p>
+            <a:r>
+              <a:rPr lang="en-US" sz="2800" dirty="0">
+                <a:latin typeface="ADLaM Display" panose="020F0502020204030204" pitchFamily="2" charset="0"/>
+                <a:ea typeface="ADLaM Display" panose="020F0502020204030204" pitchFamily="2" charset="0"/>
+                <a:cs typeface="ADLaM Display" panose="020F0502020204030204" pitchFamily="2" charset="0"/>
+              </a:rPr>
+              <a:t>4.4 Inheritance, Polymorphism</a:t>
             </a:r>
           </a:p>
           <a:p>
@@ -10640,8 +10990,21 @@
                 <a:ea typeface="ADLaM Display" panose="020F0502020204030204" pitchFamily="2" charset="0"/>
                 <a:cs typeface="ADLaM Display" panose="020F0502020204030204" pitchFamily="2" charset="0"/>
               </a:rPr>
-              <a:t>4.5 Class &amp; Static Method</a:t>
-            </a:r>
+              <a:t>4.5 </a:t>
+            </a:r>
+            <a:r>
+              <a:rPr lang="en-US" altLang="zh-CN" sz="2800" dirty="0">
+                <a:latin typeface="ADLaM Display" panose="020F0502020204030204" pitchFamily="2" charset="0"/>
+                <a:ea typeface="ADLaM Display" panose="020F0502020204030204" pitchFamily="2" charset="0"/>
+                <a:cs typeface="ADLaM Display" panose="020F0502020204030204" pitchFamily="2" charset="0"/>
+              </a:rPr>
+              <a:t>Class &amp; Static Method</a:t>
+            </a:r>
+            <a:endParaRPr lang="en-US" sz="2800" dirty="0">
+              <a:latin typeface="ADLaM Display" panose="020F0502020204030204" pitchFamily="2" charset="0"/>
+              <a:ea typeface="ADLaM Display" panose="020F0502020204030204" pitchFamily="2" charset="0"/>
+              <a:cs typeface="ADLaM Display" panose="020F0502020204030204" pitchFamily="2" charset="0"/>
+            </a:endParaRPr>
           </a:p>
           <a:p>
             <a:r>
@@ -10819,10 +11182,10 @@
       </p:sp>
       <p:pic>
         <p:nvPicPr>
-          <p:cNvPr id="7" name="Picture 6">
+          <p:cNvPr id="13" name="Picture 12">
             <a:extLst>
               <a:ext uri="{FF2B5EF4-FFF2-40B4-BE49-F238E27FC236}">
-                <a16:creationId xmlns:a16="http://schemas.microsoft.com/office/drawing/2014/main" id="{10B79822-664C-2BA2-4269-D945E6145779}"/>
+                <a16:creationId xmlns:a16="http://schemas.microsoft.com/office/drawing/2014/main" id="{5DA31865-351E-85E6-A184-9C6ACCD79A88}"/>
               </a:ext>
             </a:extLst>
           </p:cNvPr>
@@ -10839,8 +11202,8 @@
         </p:blipFill>
         <p:spPr>
           <a:xfrm>
-            <a:off x="6072863" y="1790700"/>
-            <a:ext cx="5422150" cy="3651299"/>
+            <a:off x="6166420" y="1406727"/>
+            <a:ext cx="5251776" cy="3993746"/>
           </a:xfrm>
           <a:prstGeom prst="rect">
             <a:avLst/>
@@ -10861,6 +11224,1482 @@
     <p:extLst>
       <p:ext uri="{BB962C8B-B14F-4D97-AF65-F5344CB8AC3E}">
         <p14:creationId xmlns:p14="http://schemas.microsoft.com/office/powerpoint/2010/main" val="1852244970"/>
+      </p:ext>
+    </p:extLst>
+  </p:cSld>
+  <p:clrMapOvr>
+    <a:masterClrMapping/>
+  </p:clrMapOvr>
+  <mc:AlternateContent xmlns:mc="http://schemas.openxmlformats.org/markup-compatibility/2006" xmlns:p14="http://schemas.microsoft.com/office/powerpoint/2010/main">
+    <mc:Choice Requires="p14">
+      <p:transition spd="med" p14:dur="700">
+        <p:fade/>
+      </p:transition>
+    </mc:Choice>
+    <mc:Fallback xmlns="">
+      <p:transition spd="med">
+        <p:fade/>
+      </p:transition>
+    </mc:Fallback>
+  </mc:AlternateContent>
+</p:sld>
+</file>
+
+<file path=ppt/slides/slide22.xml><?xml version="1.0" encoding="utf-8"?>
+<p:sld xmlns:a="http://schemas.openxmlformats.org/drawingml/2006/main" xmlns:r="http://schemas.openxmlformats.org/officeDocument/2006/relationships" xmlns:p="http://schemas.openxmlformats.org/presentationml/2006/main">
+  <p:cSld>
+    <p:spTree>
+      <p:nvGrpSpPr>
+        <p:cNvPr id="1" name=""/>
+        <p:cNvGrpSpPr/>
+        <p:nvPr/>
+      </p:nvGrpSpPr>
+      <p:grpSpPr>
+        <a:xfrm>
+          <a:off x="0" y="0"/>
+          <a:ext cx="0" cy="0"/>
+          <a:chOff x="0" y="0"/>
+          <a:chExt cx="0" cy="0"/>
+        </a:xfrm>
+      </p:grpSpPr>
+      <p:sp>
+        <p:nvSpPr>
+          <p:cNvPr id="4" name="Title 3"/>
+          <p:cNvSpPr>
+            <a:spLocks noGrp="1"/>
+          </p:cNvSpPr>
+          <p:nvPr>
+            <p:ph type="ctrTitle"/>
+          </p:nvPr>
+        </p:nvSpPr>
+        <p:spPr/>
+        <p:txBody>
+          <a:bodyPr>
+            <a:normAutofit/>
+          </a:bodyPr>
+          <a:lstStyle/>
+          <a:p>
+            <a:pPr algn="ctr"/>
+            <a:r>
+              <a:rPr lang="zh-CN" altLang="en-US" sz="4800" dirty="0">
+                <a:latin typeface="华文隶书" panose="02010800040101010101" pitchFamily="2" charset="-122"/>
+                <a:ea typeface="华文隶书" panose="02010800040101010101" pitchFamily="2" charset="-122"/>
+              </a:rPr>
+              <a:t>让</a:t>
+            </a:r>
+            <a:r>
+              <a:rPr lang="en-US" altLang="zh-CN" sz="4800" dirty="0">
+                <a:latin typeface="华文隶书" panose="02010800040101010101" pitchFamily="2" charset="-122"/>
+                <a:ea typeface="华文隶书" panose="02010800040101010101" pitchFamily="2" charset="-122"/>
+              </a:rPr>
+              <a:t>Python</a:t>
+            </a:r>
+            <a:r>
+              <a:rPr lang="zh-CN" altLang="en-US" sz="4800" dirty="0">
+                <a:latin typeface="华文隶书" panose="02010800040101010101" pitchFamily="2" charset="-122"/>
+                <a:ea typeface="华文隶书" panose="02010800040101010101" pitchFamily="2" charset="-122"/>
+              </a:rPr>
+              <a:t>遇上</a:t>
+            </a:r>
+            <a:r>
+              <a:rPr lang="en-US" altLang="zh-CN" sz="4800" dirty="0">
+                <a:latin typeface="华文隶书" panose="02010800040101010101" pitchFamily="2" charset="-122"/>
+                <a:ea typeface="华文隶书" panose="02010800040101010101" pitchFamily="2" charset="-122"/>
+              </a:rPr>
+              <a:t>Office</a:t>
+            </a:r>
+            <a:br>
+              <a:rPr lang="en-US" altLang="zh-CN" sz="4800" dirty="0">
+                <a:latin typeface="华文隶书" panose="02010800040101010101" pitchFamily="2" charset="-122"/>
+                <a:ea typeface="华文隶书" panose="02010800040101010101" pitchFamily="2" charset="-122"/>
+              </a:rPr>
+            </a:br>
+            <a:br>
+              <a:rPr lang="en-US" altLang="zh-CN" sz="4800" dirty="0">
+                <a:latin typeface="华文隶书" panose="02010800040101010101" pitchFamily="2" charset="-122"/>
+                <a:ea typeface="华文隶书" panose="02010800040101010101" pitchFamily="2" charset="-122"/>
+              </a:rPr>
+            </a:br>
+            <a:r>
+              <a:rPr lang="en-US" altLang="zh-CN" sz="4800" dirty="0">
+                <a:latin typeface="华文隶书" panose="02010800040101010101" pitchFamily="2" charset="-122"/>
+                <a:ea typeface="华文隶书" panose="02010800040101010101" pitchFamily="2" charset="-122"/>
+              </a:rPr>
+              <a:t>(Python with Office)</a:t>
+            </a:r>
+            <a:endParaRPr lang="en-US" sz="4800" dirty="0">
+              <a:latin typeface="华文隶书" panose="02010800040101010101" pitchFamily="2" charset="-122"/>
+              <a:ea typeface="华文隶书" panose="02010800040101010101" pitchFamily="2" charset="-122"/>
+            </a:endParaRPr>
+          </a:p>
+        </p:txBody>
+      </p:sp>
+      <p:sp>
+        <p:nvSpPr>
+          <p:cNvPr id="3" name="Content Placeholder 2"/>
+          <p:cNvSpPr>
+            <a:spLocks noGrp="1"/>
+          </p:cNvSpPr>
+          <p:nvPr>
+            <p:ph type="subTitle" idx="1"/>
+          </p:nvPr>
+        </p:nvSpPr>
+        <p:spPr>
+          <a:xfrm>
+            <a:off x="549796" y="3403600"/>
+            <a:ext cx="5544617" cy="2185640"/>
+          </a:xfrm>
+        </p:spPr>
+        <p:txBody>
+          <a:bodyPr>
+            <a:normAutofit/>
+          </a:bodyPr>
+          <a:lstStyle/>
+          <a:p>
+            <a:r>
+              <a:rPr lang="en-US" sz="2800" dirty="0">
+                <a:latin typeface="ADLaM Display" panose="020F0502020204030204" pitchFamily="2" charset="0"/>
+                <a:ea typeface="ADLaM Display" panose="020F0502020204030204" pitchFamily="2" charset="0"/>
+                <a:cs typeface="ADLaM Display" panose="020F0502020204030204" pitchFamily="2" charset="0"/>
+              </a:rPr>
+              <a:t>Chapter 5 Other Knowledge</a:t>
+            </a:r>
+          </a:p>
+          <a:p>
+            <a:r>
+              <a:rPr lang="en-US" sz="2800" dirty="0">
+                <a:latin typeface="ADLaM Display" panose="020F0502020204030204" pitchFamily="2" charset="0"/>
+                <a:ea typeface="ADLaM Display" panose="020F0502020204030204" pitchFamily="2" charset="0"/>
+                <a:cs typeface="ADLaM Display" panose="020F0502020204030204" pitchFamily="2" charset="0"/>
+              </a:rPr>
+              <a:t>5.1 Program Exceptions</a:t>
+            </a:r>
+          </a:p>
+          <a:p>
+            <a:r>
+              <a:rPr lang="zh-CN" altLang="en-US" sz="2800" dirty="0">
+                <a:latin typeface="ADLaM Display" panose="020F0502020204030204" pitchFamily="2" charset="0"/>
+                <a:ea typeface="ADLaM Display" panose="020F0502020204030204" pitchFamily="2" charset="0"/>
+                <a:cs typeface="ADLaM Display" panose="020F0502020204030204" pitchFamily="2" charset="0"/>
+              </a:rPr>
+              <a:t>第五章 其他知识点</a:t>
+            </a:r>
+            <a:endParaRPr lang="en-US" altLang="zh-CN" sz="2800" dirty="0">
+              <a:latin typeface="ADLaM Display" panose="020F0502020204030204" pitchFamily="2" charset="0"/>
+              <a:ea typeface="ADLaM Display" panose="020F0502020204030204" pitchFamily="2" charset="0"/>
+              <a:cs typeface="ADLaM Display" panose="020F0502020204030204" pitchFamily="2" charset="0"/>
+            </a:endParaRPr>
+          </a:p>
+          <a:p>
+            <a:r>
+              <a:rPr lang="en-US" altLang="zh-CN" sz="2800" dirty="0">
+                <a:latin typeface="ADLaM Display" panose="020F0502020204030204" pitchFamily="2" charset="0"/>
+                <a:ea typeface="ADLaM Display" panose="020F0502020204030204" pitchFamily="2" charset="0"/>
+                <a:cs typeface="ADLaM Display" panose="020F0502020204030204" pitchFamily="2" charset="0"/>
+              </a:rPr>
+              <a:t>5.1 </a:t>
+            </a:r>
+            <a:r>
+              <a:rPr lang="zh-CN" altLang="en-US" sz="2800" dirty="0">
+                <a:latin typeface="ADLaM Display" panose="020F0502020204030204" pitchFamily="2" charset="0"/>
+                <a:ea typeface="ADLaM Display" panose="020F0502020204030204" pitchFamily="2" charset="0"/>
+                <a:cs typeface="ADLaM Display" panose="020F0502020204030204" pitchFamily="2" charset="0"/>
+              </a:rPr>
+              <a:t>程序异常</a:t>
+            </a:r>
+            <a:endParaRPr lang="en-US" altLang="zh-CN" sz="2800" dirty="0">
+              <a:latin typeface="ADLaM Display" panose="020F0502020204030204" pitchFamily="2" charset="0"/>
+              <a:ea typeface="ADLaM Display" panose="020F0502020204030204" pitchFamily="2" charset="0"/>
+              <a:cs typeface="ADLaM Display" panose="020F0502020204030204" pitchFamily="2" charset="0"/>
+            </a:endParaRPr>
+          </a:p>
+        </p:txBody>
+      </p:sp>
+      <p:pic>
+        <p:nvPicPr>
+          <p:cNvPr id="5" name="Picture 4">
+            <a:extLst>
+              <a:ext uri="{FF2B5EF4-FFF2-40B4-BE49-F238E27FC236}">
+                <a16:creationId xmlns:a16="http://schemas.microsoft.com/office/drawing/2014/main" id="{4AD8B85C-B359-195F-B78C-C879AB7840B1}"/>
+              </a:ext>
+            </a:extLst>
+          </p:cNvPr>
+          <p:cNvPicPr>
+            <a:picLocks noChangeAspect="1"/>
+          </p:cNvPicPr>
+          <p:nvPr/>
+        </p:nvPicPr>
+        <p:blipFill>
+          <a:blip r:embed="rId3"/>
+          <a:stretch>
+            <a:fillRect/>
+          </a:stretch>
+        </p:blipFill>
+        <p:spPr>
+          <a:xfrm>
+            <a:off x="57601" y="1189856"/>
+            <a:ext cx="1068259" cy="1556792"/>
+          </a:xfrm>
+          <a:prstGeom prst="rect">
+            <a:avLst/>
+          </a:prstGeom>
+          <a:ln>
+            <a:noFill/>
+          </a:ln>
+          <a:effectLst>
+            <a:outerShdw blurRad="292100" dist="139700" dir="2700000" algn="tl" rotWithShape="0">
+              <a:srgbClr val="333333">
+                <a:alpha val="65000"/>
+              </a:srgbClr>
+            </a:outerShdw>
+          </a:effectLst>
+        </p:spPr>
+      </p:pic>
+      <p:sp>
+        <p:nvSpPr>
+          <p:cNvPr id="2" name="TextBox 1">
+            <a:extLst>
+              <a:ext uri="{FF2B5EF4-FFF2-40B4-BE49-F238E27FC236}">
+                <a16:creationId xmlns:a16="http://schemas.microsoft.com/office/drawing/2014/main" id="{CAB2C784-DE74-68FC-7A84-3E6C5D164315}"/>
+              </a:ext>
+            </a:extLst>
+          </p:cNvPr>
+          <p:cNvSpPr txBox="1"/>
+          <p:nvPr/>
+        </p:nvSpPr>
+        <p:spPr>
+          <a:xfrm>
+            <a:off x="405780" y="5722972"/>
+            <a:ext cx="7951216" cy="523220"/>
+          </a:xfrm>
+          <a:prstGeom prst="rect">
+            <a:avLst/>
+          </a:prstGeom>
+          <a:solidFill>
+            <a:schemeClr val="bg1">
+              <a:lumMod val="95000"/>
+            </a:schemeClr>
+          </a:solidFill>
+          <a:ln>
+            <a:solidFill>
+              <a:schemeClr val="bg2"/>
+            </a:solidFill>
+          </a:ln>
+        </p:spPr>
+        <p:txBody>
+          <a:bodyPr wrap="none" rtlCol="0" anchor="ctr" anchorCtr="1">
+            <a:spAutoFit/>
+          </a:bodyPr>
+          <a:lstStyle/>
+          <a:p>
+            <a:r>
+              <a:rPr lang="en-US" sz="2800" dirty="0">
+                <a:hlinkClick r:id="rId4"/>
+              </a:rPr>
+              <a:t>https://github.com/yasenstar/python_with_office</a:t>
+            </a:r>
+            <a:endParaRPr lang="en-US" sz="2800" dirty="0"/>
+          </a:p>
+        </p:txBody>
+      </p:sp>
+      <p:sp>
+        <p:nvSpPr>
+          <p:cNvPr id="9" name="TextBox 8">
+            <a:extLst>
+              <a:ext uri="{FF2B5EF4-FFF2-40B4-BE49-F238E27FC236}">
+                <a16:creationId xmlns:a16="http://schemas.microsoft.com/office/drawing/2014/main" id="{C25C84F5-3AA3-A068-7E2F-9123CA5A7D16}"/>
+              </a:ext>
+            </a:extLst>
+          </p:cNvPr>
+          <p:cNvSpPr txBox="1"/>
+          <p:nvPr/>
+        </p:nvSpPr>
+        <p:spPr>
+          <a:xfrm>
+            <a:off x="405780" y="6246192"/>
+            <a:ext cx="7951216" cy="523220"/>
+          </a:xfrm>
+          <a:prstGeom prst="rect">
+            <a:avLst/>
+          </a:prstGeom>
+          <a:solidFill>
+            <a:schemeClr val="bg1">
+              <a:lumMod val="95000"/>
+            </a:schemeClr>
+          </a:solidFill>
+          <a:ln>
+            <a:solidFill>
+              <a:schemeClr val="bg2"/>
+            </a:solidFill>
+          </a:ln>
+        </p:spPr>
+        <p:txBody>
+          <a:bodyPr wrap="square" rtlCol="0" anchor="ctr" anchorCtr="1">
+            <a:spAutoFit/>
+          </a:bodyPr>
+          <a:lstStyle/>
+          <a:p>
+            <a:r>
+              <a:rPr lang="en-US" sz="2800" dirty="0">
+                <a:hlinkClick r:id="rId5"/>
+              </a:rPr>
+              <a:t>https://gitee.com/yasenstar/python_with_office</a:t>
+            </a:r>
+            <a:endParaRPr lang="en-US" sz="2800" dirty="0"/>
+          </a:p>
+        </p:txBody>
+      </p:sp>
+      <p:pic>
+        <p:nvPicPr>
+          <p:cNvPr id="11" name="Picture 10">
+            <a:extLst>
+              <a:ext uri="{FF2B5EF4-FFF2-40B4-BE49-F238E27FC236}">
+                <a16:creationId xmlns:a16="http://schemas.microsoft.com/office/drawing/2014/main" id="{B5A918F3-3DB0-2784-5BB2-A5D055C9C83E}"/>
+              </a:ext>
+            </a:extLst>
+          </p:cNvPr>
+          <p:cNvPicPr>
+            <a:picLocks noChangeAspect="1"/>
+          </p:cNvPicPr>
+          <p:nvPr/>
+        </p:nvPicPr>
+        <p:blipFill>
+          <a:blip r:embed="rId6"/>
+          <a:stretch>
+            <a:fillRect/>
+          </a:stretch>
+        </p:blipFill>
+        <p:spPr>
+          <a:xfrm>
+            <a:off x="5950396" y="1858440"/>
+            <a:ext cx="5861779" cy="3720256"/>
+          </a:xfrm>
+          <a:prstGeom prst="rect">
+            <a:avLst/>
+          </a:prstGeom>
+          <a:ln>
+            <a:noFill/>
+          </a:ln>
+          <a:effectLst>
+            <a:outerShdw blurRad="292100" dist="139700" dir="2700000" algn="tl" rotWithShape="0">
+              <a:srgbClr val="333333">
+                <a:alpha val="65000"/>
+              </a:srgbClr>
+            </a:outerShdw>
+          </a:effectLst>
+        </p:spPr>
+      </p:pic>
+    </p:spTree>
+    <p:extLst>
+      <p:ext uri="{BB962C8B-B14F-4D97-AF65-F5344CB8AC3E}">
+        <p14:creationId xmlns:p14="http://schemas.microsoft.com/office/powerpoint/2010/main" val="1253914409"/>
+      </p:ext>
+    </p:extLst>
+  </p:cSld>
+  <p:clrMapOvr>
+    <a:masterClrMapping/>
+  </p:clrMapOvr>
+  <mc:AlternateContent xmlns:mc="http://schemas.openxmlformats.org/markup-compatibility/2006" xmlns:p14="http://schemas.microsoft.com/office/powerpoint/2010/main">
+    <mc:Choice Requires="p14">
+      <p:transition spd="med" p14:dur="700">
+        <p:fade/>
+      </p:transition>
+    </mc:Choice>
+    <mc:Fallback xmlns="">
+      <p:transition spd="med">
+        <p:fade/>
+      </p:transition>
+    </mc:Fallback>
+  </mc:AlternateContent>
+</p:sld>
+</file>
+
+<file path=ppt/slides/slide23.xml><?xml version="1.0" encoding="utf-8"?>
+<p:sld xmlns:a="http://schemas.openxmlformats.org/drawingml/2006/main" xmlns:r="http://schemas.openxmlformats.org/officeDocument/2006/relationships" xmlns:p="http://schemas.openxmlformats.org/presentationml/2006/main">
+  <p:cSld>
+    <p:spTree>
+      <p:nvGrpSpPr>
+        <p:cNvPr id="1" name=""/>
+        <p:cNvGrpSpPr/>
+        <p:nvPr/>
+      </p:nvGrpSpPr>
+      <p:grpSpPr>
+        <a:xfrm>
+          <a:off x="0" y="0"/>
+          <a:ext cx="0" cy="0"/>
+          <a:chOff x="0" y="0"/>
+          <a:chExt cx="0" cy="0"/>
+        </a:xfrm>
+      </p:grpSpPr>
+      <p:sp>
+        <p:nvSpPr>
+          <p:cNvPr id="4" name="Title 3"/>
+          <p:cNvSpPr>
+            <a:spLocks noGrp="1"/>
+          </p:cNvSpPr>
+          <p:nvPr>
+            <p:ph type="ctrTitle"/>
+          </p:nvPr>
+        </p:nvSpPr>
+        <p:spPr/>
+        <p:txBody>
+          <a:bodyPr>
+            <a:normAutofit/>
+          </a:bodyPr>
+          <a:lstStyle/>
+          <a:p>
+            <a:pPr algn="ctr"/>
+            <a:r>
+              <a:rPr lang="zh-CN" altLang="en-US" sz="4800" dirty="0">
+                <a:latin typeface="华文隶书" panose="02010800040101010101" pitchFamily="2" charset="-122"/>
+                <a:ea typeface="华文隶书" panose="02010800040101010101" pitchFamily="2" charset="-122"/>
+              </a:rPr>
+              <a:t>让</a:t>
+            </a:r>
+            <a:r>
+              <a:rPr lang="en-US" altLang="zh-CN" sz="4800" dirty="0">
+                <a:latin typeface="华文隶书" panose="02010800040101010101" pitchFamily="2" charset="-122"/>
+                <a:ea typeface="华文隶书" panose="02010800040101010101" pitchFamily="2" charset="-122"/>
+              </a:rPr>
+              <a:t>Python</a:t>
+            </a:r>
+            <a:r>
+              <a:rPr lang="zh-CN" altLang="en-US" sz="4800" dirty="0">
+                <a:latin typeface="华文隶书" panose="02010800040101010101" pitchFamily="2" charset="-122"/>
+                <a:ea typeface="华文隶书" panose="02010800040101010101" pitchFamily="2" charset="-122"/>
+              </a:rPr>
+              <a:t>遇上</a:t>
+            </a:r>
+            <a:r>
+              <a:rPr lang="en-US" altLang="zh-CN" sz="4800" dirty="0">
+                <a:latin typeface="华文隶书" panose="02010800040101010101" pitchFamily="2" charset="-122"/>
+                <a:ea typeface="华文隶书" panose="02010800040101010101" pitchFamily="2" charset="-122"/>
+              </a:rPr>
+              <a:t>Office</a:t>
+            </a:r>
+            <a:br>
+              <a:rPr lang="en-US" altLang="zh-CN" sz="4800" dirty="0">
+                <a:latin typeface="华文隶书" panose="02010800040101010101" pitchFamily="2" charset="-122"/>
+                <a:ea typeface="华文隶书" panose="02010800040101010101" pitchFamily="2" charset="-122"/>
+              </a:rPr>
+            </a:br>
+            <a:br>
+              <a:rPr lang="en-US" altLang="zh-CN" sz="4800" dirty="0">
+                <a:latin typeface="华文隶书" panose="02010800040101010101" pitchFamily="2" charset="-122"/>
+                <a:ea typeface="华文隶书" panose="02010800040101010101" pitchFamily="2" charset="-122"/>
+              </a:rPr>
+            </a:br>
+            <a:r>
+              <a:rPr lang="en-US" altLang="zh-CN" sz="4800" dirty="0">
+                <a:latin typeface="华文隶书" panose="02010800040101010101" pitchFamily="2" charset="-122"/>
+                <a:ea typeface="华文隶书" panose="02010800040101010101" pitchFamily="2" charset="-122"/>
+              </a:rPr>
+              <a:t>(Python with Office)</a:t>
+            </a:r>
+            <a:endParaRPr lang="en-US" sz="4800" dirty="0">
+              <a:latin typeface="华文隶书" panose="02010800040101010101" pitchFamily="2" charset="-122"/>
+              <a:ea typeface="华文隶书" panose="02010800040101010101" pitchFamily="2" charset="-122"/>
+            </a:endParaRPr>
+          </a:p>
+        </p:txBody>
+      </p:sp>
+      <p:sp>
+        <p:nvSpPr>
+          <p:cNvPr id="3" name="Content Placeholder 2"/>
+          <p:cNvSpPr>
+            <a:spLocks noGrp="1"/>
+          </p:cNvSpPr>
+          <p:nvPr>
+            <p:ph type="subTitle" idx="1"/>
+          </p:nvPr>
+        </p:nvSpPr>
+        <p:spPr>
+          <a:xfrm>
+            <a:off x="549796" y="3403600"/>
+            <a:ext cx="5544617" cy="2185640"/>
+          </a:xfrm>
+        </p:spPr>
+        <p:txBody>
+          <a:bodyPr>
+            <a:normAutofit/>
+          </a:bodyPr>
+          <a:lstStyle/>
+          <a:p>
+            <a:r>
+              <a:rPr lang="en-US" sz="2800" dirty="0">
+                <a:latin typeface="ADLaM Display" panose="020F0502020204030204" pitchFamily="2" charset="0"/>
+                <a:ea typeface="ADLaM Display" panose="020F0502020204030204" pitchFamily="2" charset="0"/>
+                <a:cs typeface="ADLaM Display" panose="020F0502020204030204" pitchFamily="2" charset="0"/>
+              </a:rPr>
+              <a:t>Chapter 5 Other Knowledge</a:t>
+            </a:r>
+          </a:p>
+          <a:p>
+            <a:r>
+              <a:rPr lang="en-US" sz="2800" dirty="0">
+                <a:latin typeface="ADLaM Display" panose="020F0502020204030204" pitchFamily="2" charset="0"/>
+                <a:ea typeface="ADLaM Display" panose="020F0502020204030204" pitchFamily="2" charset="0"/>
+                <a:cs typeface="ADLaM Display" panose="020F0502020204030204" pitchFamily="2" charset="0"/>
+              </a:rPr>
+              <a:t>5.2 File input/output</a:t>
+            </a:r>
+          </a:p>
+          <a:p>
+            <a:r>
+              <a:rPr lang="zh-CN" altLang="en-US" sz="2800" dirty="0">
+                <a:latin typeface="ADLaM Display" panose="020F0502020204030204" pitchFamily="2" charset="0"/>
+                <a:ea typeface="ADLaM Display" panose="020F0502020204030204" pitchFamily="2" charset="0"/>
+                <a:cs typeface="ADLaM Display" panose="020F0502020204030204" pitchFamily="2" charset="0"/>
+              </a:rPr>
+              <a:t>第五章 其他知识点</a:t>
+            </a:r>
+            <a:endParaRPr lang="en-US" altLang="zh-CN" sz="2800" dirty="0">
+              <a:latin typeface="ADLaM Display" panose="020F0502020204030204" pitchFamily="2" charset="0"/>
+              <a:ea typeface="ADLaM Display" panose="020F0502020204030204" pitchFamily="2" charset="0"/>
+              <a:cs typeface="ADLaM Display" panose="020F0502020204030204" pitchFamily="2" charset="0"/>
+            </a:endParaRPr>
+          </a:p>
+          <a:p>
+            <a:r>
+              <a:rPr lang="en-US" altLang="zh-CN" sz="2800" dirty="0">
+                <a:latin typeface="ADLaM Display" panose="020F0502020204030204" pitchFamily="2" charset="0"/>
+                <a:ea typeface="ADLaM Display" panose="020F0502020204030204" pitchFamily="2" charset="0"/>
+                <a:cs typeface="ADLaM Display" panose="020F0502020204030204" pitchFamily="2" charset="0"/>
+              </a:rPr>
+              <a:t>5.2 </a:t>
+            </a:r>
+            <a:r>
+              <a:rPr lang="zh-CN" altLang="en-US" sz="2800" dirty="0">
+                <a:latin typeface="ADLaM Display" panose="020F0502020204030204" pitchFamily="2" charset="0"/>
+                <a:ea typeface="ADLaM Display" panose="020F0502020204030204" pitchFamily="2" charset="0"/>
+                <a:cs typeface="ADLaM Display" panose="020F0502020204030204" pitchFamily="2" charset="0"/>
+              </a:rPr>
+              <a:t>文件读写</a:t>
+            </a:r>
+            <a:endParaRPr lang="en-US" altLang="zh-CN" sz="2800" dirty="0">
+              <a:latin typeface="ADLaM Display" panose="020F0502020204030204" pitchFamily="2" charset="0"/>
+              <a:ea typeface="ADLaM Display" panose="020F0502020204030204" pitchFamily="2" charset="0"/>
+              <a:cs typeface="ADLaM Display" panose="020F0502020204030204" pitchFamily="2" charset="0"/>
+            </a:endParaRPr>
+          </a:p>
+        </p:txBody>
+      </p:sp>
+      <p:pic>
+        <p:nvPicPr>
+          <p:cNvPr id="5" name="Picture 4">
+            <a:extLst>
+              <a:ext uri="{FF2B5EF4-FFF2-40B4-BE49-F238E27FC236}">
+                <a16:creationId xmlns:a16="http://schemas.microsoft.com/office/drawing/2014/main" id="{4AD8B85C-B359-195F-B78C-C879AB7840B1}"/>
+              </a:ext>
+            </a:extLst>
+          </p:cNvPr>
+          <p:cNvPicPr>
+            <a:picLocks noChangeAspect="1"/>
+          </p:cNvPicPr>
+          <p:nvPr/>
+        </p:nvPicPr>
+        <p:blipFill>
+          <a:blip r:embed="rId3"/>
+          <a:stretch>
+            <a:fillRect/>
+          </a:stretch>
+        </p:blipFill>
+        <p:spPr>
+          <a:xfrm>
+            <a:off x="57601" y="1189856"/>
+            <a:ext cx="1068259" cy="1556792"/>
+          </a:xfrm>
+          <a:prstGeom prst="rect">
+            <a:avLst/>
+          </a:prstGeom>
+          <a:ln>
+            <a:noFill/>
+          </a:ln>
+          <a:effectLst>
+            <a:outerShdw blurRad="292100" dist="139700" dir="2700000" algn="tl" rotWithShape="0">
+              <a:srgbClr val="333333">
+                <a:alpha val="65000"/>
+              </a:srgbClr>
+            </a:outerShdw>
+          </a:effectLst>
+        </p:spPr>
+      </p:pic>
+      <p:sp>
+        <p:nvSpPr>
+          <p:cNvPr id="2" name="TextBox 1">
+            <a:extLst>
+              <a:ext uri="{FF2B5EF4-FFF2-40B4-BE49-F238E27FC236}">
+                <a16:creationId xmlns:a16="http://schemas.microsoft.com/office/drawing/2014/main" id="{CAB2C784-DE74-68FC-7A84-3E6C5D164315}"/>
+              </a:ext>
+            </a:extLst>
+          </p:cNvPr>
+          <p:cNvSpPr txBox="1"/>
+          <p:nvPr/>
+        </p:nvSpPr>
+        <p:spPr>
+          <a:xfrm>
+            <a:off x="405780" y="5722972"/>
+            <a:ext cx="7951216" cy="523220"/>
+          </a:xfrm>
+          <a:prstGeom prst="rect">
+            <a:avLst/>
+          </a:prstGeom>
+          <a:solidFill>
+            <a:schemeClr val="bg1">
+              <a:lumMod val="95000"/>
+            </a:schemeClr>
+          </a:solidFill>
+          <a:ln>
+            <a:solidFill>
+              <a:schemeClr val="bg2"/>
+            </a:solidFill>
+          </a:ln>
+        </p:spPr>
+        <p:txBody>
+          <a:bodyPr wrap="none" rtlCol="0" anchor="ctr" anchorCtr="1">
+            <a:spAutoFit/>
+          </a:bodyPr>
+          <a:lstStyle/>
+          <a:p>
+            <a:r>
+              <a:rPr lang="en-US" sz="2800" dirty="0">
+                <a:hlinkClick r:id="rId4"/>
+              </a:rPr>
+              <a:t>https://github.com/yasenstar/python_with_office</a:t>
+            </a:r>
+            <a:endParaRPr lang="en-US" sz="2800" dirty="0"/>
+          </a:p>
+        </p:txBody>
+      </p:sp>
+      <p:sp>
+        <p:nvSpPr>
+          <p:cNvPr id="9" name="TextBox 8">
+            <a:extLst>
+              <a:ext uri="{FF2B5EF4-FFF2-40B4-BE49-F238E27FC236}">
+                <a16:creationId xmlns:a16="http://schemas.microsoft.com/office/drawing/2014/main" id="{C25C84F5-3AA3-A068-7E2F-9123CA5A7D16}"/>
+              </a:ext>
+            </a:extLst>
+          </p:cNvPr>
+          <p:cNvSpPr txBox="1"/>
+          <p:nvPr/>
+        </p:nvSpPr>
+        <p:spPr>
+          <a:xfrm>
+            <a:off x="405780" y="6246192"/>
+            <a:ext cx="7951216" cy="523220"/>
+          </a:xfrm>
+          <a:prstGeom prst="rect">
+            <a:avLst/>
+          </a:prstGeom>
+          <a:solidFill>
+            <a:schemeClr val="bg1">
+              <a:lumMod val="95000"/>
+            </a:schemeClr>
+          </a:solidFill>
+          <a:ln>
+            <a:solidFill>
+              <a:schemeClr val="bg2"/>
+            </a:solidFill>
+          </a:ln>
+        </p:spPr>
+        <p:txBody>
+          <a:bodyPr wrap="square" rtlCol="0" anchor="ctr" anchorCtr="1">
+            <a:spAutoFit/>
+          </a:bodyPr>
+          <a:lstStyle/>
+          <a:p>
+            <a:r>
+              <a:rPr lang="en-US" sz="2800" dirty="0">
+                <a:hlinkClick r:id="rId5"/>
+              </a:rPr>
+              <a:t>https://gitee.com/yasenstar/python_with_office</a:t>
+            </a:r>
+            <a:endParaRPr lang="en-US" sz="2800" dirty="0"/>
+          </a:p>
+        </p:txBody>
+      </p:sp>
+      <p:pic>
+        <p:nvPicPr>
+          <p:cNvPr id="7" name="Picture 6">
+            <a:extLst>
+              <a:ext uri="{FF2B5EF4-FFF2-40B4-BE49-F238E27FC236}">
+                <a16:creationId xmlns:a16="http://schemas.microsoft.com/office/drawing/2014/main" id="{B0EE15D0-3BDF-A4B2-3CD1-F3BC57007058}"/>
+              </a:ext>
+            </a:extLst>
+          </p:cNvPr>
+          <p:cNvPicPr>
+            <a:picLocks noChangeAspect="1"/>
+          </p:cNvPicPr>
+          <p:nvPr/>
+        </p:nvPicPr>
+        <p:blipFill>
+          <a:blip r:embed="rId6"/>
+          <a:stretch>
+            <a:fillRect/>
+          </a:stretch>
+        </p:blipFill>
+        <p:spPr>
+          <a:xfrm>
+            <a:off x="6166420" y="966004"/>
+            <a:ext cx="5801841" cy="4584171"/>
+          </a:xfrm>
+          <a:prstGeom prst="rect">
+            <a:avLst/>
+          </a:prstGeom>
+          <a:ln>
+            <a:noFill/>
+          </a:ln>
+          <a:effectLst>
+            <a:outerShdw blurRad="292100" dist="139700" dir="2700000" algn="tl" rotWithShape="0">
+              <a:srgbClr val="333333">
+                <a:alpha val="65000"/>
+              </a:srgbClr>
+            </a:outerShdw>
+          </a:effectLst>
+        </p:spPr>
+      </p:pic>
+    </p:spTree>
+    <p:extLst>
+      <p:ext uri="{BB962C8B-B14F-4D97-AF65-F5344CB8AC3E}">
+        <p14:creationId xmlns:p14="http://schemas.microsoft.com/office/powerpoint/2010/main" val="1374689778"/>
+      </p:ext>
+    </p:extLst>
+  </p:cSld>
+  <p:clrMapOvr>
+    <a:masterClrMapping/>
+  </p:clrMapOvr>
+  <mc:AlternateContent xmlns:mc="http://schemas.openxmlformats.org/markup-compatibility/2006" xmlns:p14="http://schemas.microsoft.com/office/powerpoint/2010/main">
+    <mc:Choice Requires="p14">
+      <p:transition spd="med" p14:dur="700">
+        <p:fade/>
+      </p:transition>
+    </mc:Choice>
+    <mc:Fallback xmlns="">
+      <p:transition spd="med">
+        <p:fade/>
+      </p:transition>
+    </mc:Fallback>
+  </mc:AlternateContent>
+</p:sld>
+</file>
+
+<file path=ppt/slides/slide24.xml><?xml version="1.0" encoding="utf-8"?>
+<p:sld xmlns:a="http://schemas.openxmlformats.org/drawingml/2006/main" xmlns:r="http://schemas.openxmlformats.org/officeDocument/2006/relationships" xmlns:p="http://schemas.openxmlformats.org/presentationml/2006/main">
+  <p:cSld>
+    <p:spTree>
+      <p:nvGrpSpPr>
+        <p:cNvPr id="1" name=""/>
+        <p:cNvGrpSpPr/>
+        <p:nvPr/>
+      </p:nvGrpSpPr>
+      <p:grpSpPr>
+        <a:xfrm>
+          <a:off x="0" y="0"/>
+          <a:ext cx="0" cy="0"/>
+          <a:chOff x="0" y="0"/>
+          <a:chExt cx="0" cy="0"/>
+        </a:xfrm>
+      </p:grpSpPr>
+      <p:sp>
+        <p:nvSpPr>
+          <p:cNvPr id="4" name="Title 3"/>
+          <p:cNvSpPr>
+            <a:spLocks noGrp="1"/>
+          </p:cNvSpPr>
+          <p:nvPr>
+            <p:ph type="ctrTitle"/>
+          </p:nvPr>
+        </p:nvSpPr>
+        <p:spPr/>
+        <p:txBody>
+          <a:bodyPr>
+            <a:normAutofit/>
+          </a:bodyPr>
+          <a:lstStyle/>
+          <a:p>
+            <a:pPr algn="ctr"/>
+            <a:r>
+              <a:rPr lang="zh-CN" altLang="en-US" sz="4800" dirty="0">
+                <a:latin typeface="华文隶书" panose="02010800040101010101" pitchFamily="2" charset="-122"/>
+                <a:ea typeface="华文隶书" panose="02010800040101010101" pitchFamily="2" charset="-122"/>
+              </a:rPr>
+              <a:t>让</a:t>
+            </a:r>
+            <a:r>
+              <a:rPr lang="en-US" altLang="zh-CN" sz="4800" dirty="0">
+                <a:latin typeface="华文隶书" panose="02010800040101010101" pitchFamily="2" charset="-122"/>
+                <a:ea typeface="华文隶书" panose="02010800040101010101" pitchFamily="2" charset="-122"/>
+              </a:rPr>
+              <a:t>Python</a:t>
+            </a:r>
+            <a:r>
+              <a:rPr lang="zh-CN" altLang="en-US" sz="4800" dirty="0">
+                <a:latin typeface="华文隶书" panose="02010800040101010101" pitchFamily="2" charset="-122"/>
+                <a:ea typeface="华文隶书" panose="02010800040101010101" pitchFamily="2" charset="-122"/>
+              </a:rPr>
+              <a:t>遇上</a:t>
+            </a:r>
+            <a:r>
+              <a:rPr lang="en-US" altLang="zh-CN" sz="4800" dirty="0">
+                <a:latin typeface="华文隶书" panose="02010800040101010101" pitchFamily="2" charset="-122"/>
+                <a:ea typeface="华文隶书" panose="02010800040101010101" pitchFamily="2" charset="-122"/>
+              </a:rPr>
+              <a:t>Office</a:t>
+            </a:r>
+            <a:br>
+              <a:rPr lang="en-US" altLang="zh-CN" sz="4800" dirty="0">
+                <a:latin typeface="华文隶书" panose="02010800040101010101" pitchFamily="2" charset="-122"/>
+                <a:ea typeface="华文隶书" panose="02010800040101010101" pitchFamily="2" charset="-122"/>
+              </a:rPr>
+            </a:br>
+            <a:br>
+              <a:rPr lang="en-US" altLang="zh-CN" sz="4800" dirty="0">
+                <a:latin typeface="华文隶书" panose="02010800040101010101" pitchFamily="2" charset="-122"/>
+                <a:ea typeface="华文隶书" panose="02010800040101010101" pitchFamily="2" charset="-122"/>
+              </a:rPr>
+            </a:br>
+            <a:r>
+              <a:rPr lang="en-US" altLang="zh-CN" sz="4800" dirty="0">
+                <a:latin typeface="华文隶书" panose="02010800040101010101" pitchFamily="2" charset="-122"/>
+                <a:ea typeface="华文隶书" panose="02010800040101010101" pitchFamily="2" charset="-122"/>
+              </a:rPr>
+              <a:t>(Python with Office)</a:t>
+            </a:r>
+            <a:endParaRPr lang="en-US" sz="4800" dirty="0">
+              <a:latin typeface="华文隶书" panose="02010800040101010101" pitchFamily="2" charset="-122"/>
+              <a:ea typeface="华文隶书" panose="02010800040101010101" pitchFamily="2" charset="-122"/>
+            </a:endParaRPr>
+          </a:p>
+        </p:txBody>
+      </p:sp>
+      <p:sp>
+        <p:nvSpPr>
+          <p:cNvPr id="3" name="Content Placeholder 2"/>
+          <p:cNvSpPr>
+            <a:spLocks noGrp="1"/>
+          </p:cNvSpPr>
+          <p:nvPr>
+            <p:ph type="subTitle" idx="1"/>
+          </p:nvPr>
+        </p:nvSpPr>
+        <p:spPr>
+          <a:xfrm>
+            <a:off x="549796" y="3403600"/>
+            <a:ext cx="5544617" cy="2185640"/>
+          </a:xfrm>
+        </p:spPr>
+        <p:txBody>
+          <a:bodyPr>
+            <a:normAutofit/>
+          </a:bodyPr>
+          <a:lstStyle/>
+          <a:p>
+            <a:r>
+              <a:rPr lang="en-US" sz="2800" dirty="0">
+                <a:latin typeface="ADLaM Display" panose="020F0502020204030204" pitchFamily="2" charset="0"/>
+                <a:ea typeface="ADLaM Display" panose="020F0502020204030204" pitchFamily="2" charset="0"/>
+                <a:cs typeface="ADLaM Display" panose="020F0502020204030204" pitchFamily="2" charset="0"/>
+              </a:rPr>
+              <a:t>Chapter 5 Other Knowledge</a:t>
+            </a:r>
+          </a:p>
+          <a:p>
+            <a:r>
+              <a:rPr lang="en-US" sz="2800" dirty="0">
+                <a:latin typeface="ADLaM Display" panose="020F0502020204030204" pitchFamily="2" charset="0"/>
+                <a:ea typeface="ADLaM Display" panose="020F0502020204030204" pitchFamily="2" charset="0"/>
+                <a:cs typeface="ADLaM Display" panose="020F0502020204030204" pitchFamily="2" charset="0"/>
+              </a:rPr>
+              <a:t>5.3 Modules and Packages</a:t>
+            </a:r>
+          </a:p>
+          <a:p>
+            <a:r>
+              <a:rPr lang="zh-CN" altLang="en-US" sz="2800" dirty="0">
+                <a:latin typeface="ADLaM Display" panose="020F0502020204030204" pitchFamily="2" charset="0"/>
+                <a:ea typeface="ADLaM Display" panose="020F0502020204030204" pitchFamily="2" charset="0"/>
+                <a:cs typeface="ADLaM Display" panose="020F0502020204030204" pitchFamily="2" charset="0"/>
+              </a:rPr>
+              <a:t>第五章 其他知识点</a:t>
+            </a:r>
+            <a:endParaRPr lang="en-US" altLang="zh-CN" sz="2800" dirty="0">
+              <a:latin typeface="ADLaM Display" panose="020F0502020204030204" pitchFamily="2" charset="0"/>
+              <a:ea typeface="ADLaM Display" panose="020F0502020204030204" pitchFamily="2" charset="0"/>
+              <a:cs typeface="ADLaM Display" panose="020F0502020204030204" pitchFamily="2" charset="0"/>
+            </a:endParaRPr>
+          </a:p>
+          <a:p>
+            <a:r>
+              <a:rPr lang="en-US" altLang="zh-CN" sz="2800" dirty="0">
+                <a:latin typeface="ADLaM Display" panose="020F0502020204030204" pitchFamily="2" charset="0"/>
+                <a:ea typeface="ADLaM Display" panose="020F0502020204030204" pitchFamily="2" charset="0"/>
+                <a:cs typeface="ADLaM Display" panose="020F0502020204030204" pitchFamily="2" charset="0"/>
+              </a:rPr>
+              <a:t>5.3 </a:t>
+            </a:r>
+            <a:r>
+              <a:rPr lang="zh-CN" altLang="en-US" sz="2800" dirty="0">
+                <a:latin typeface="ADLaM Display" panose="020F0502020204030204" pitchFamily="2" charset="0"/>
+                <a:ea typeface="ADLaM Display" panose="020F0502020204030204" pitchFamily="2" charset="0"/>
+                <a:cs typeface="ADLaM Display" panose="020F0502020204030204" pitchFamily="2" charset="0"/>
+              </a:rPr>
+              <a:t>模块和包</a:t>
+            </a:r>
+            <a:endParaRPr lang="en-US" altLang="zh-CN" sz="2800" dirty="0">
+              <a:latin typeface="ADLaM Display" panose="020F0502020204030204" pitchFamily="2" charset="0"/>
+              <a:ea typeface="ADLaM Display" panose="020F0502020204030204" pitchFamily="2" charset="0"/>
+              <a:cs typeface="ADLaM Display" panose="020F0502020204030204" pitchFamily="2" charset="0"/>
+            </a:endParaRPr>
+          </a:p>
+        </p:txBody>
+      </p:sp>
+      <p:pic>
+        <p:nvPicPr>
+          <p:cNvPr id="5" name="Picture 4">
+            <a:extLst>
+              <a:ext uri="{FF2B5EF4-FFF2-40B4-BE49-F238E27FC236}">
+                <a16:creationId xmlns:a16="http://schemas.microsoft.com/office/drawing/2014/main" id="{4AD8B85C-B359-195F-B78C-C879AB7840B1}"/>
+              </a:ext>
+            </a:extLst>
+          </p:cNvPr>
+          <p:cNvPicPr>
+            <a:picLocks noChangeAspect="1"/>
+          </p:cNvPicPr>
+          <p:nvPr/>
+        </p:nvPicPr>
+        <p:blipFill>
+          <a:blip r:embed="rId3"/>
+          <a:stretch>
+            <a:fillRect/>
+          </a:stretch>
+        </p:blipFill>
+        <p:spPr>
+          <a:xfrm>
+            <a:off x="57601" y="1189856"/>
+            <a:ext cx="1068259" cy="1556792"/>
+          </a:xfrm>
+          <a:prstGeom prst="rect">
+            <a:avLst/>
+          </a:prstGeom>
+          <a:ln>
+            <a:noFill/>
+          </a:ln>
+          <a:effectLst>
+            <a:outerShdw blurRad="292100" dist="139700" dir="2700000" algn="tl" rotWithShape="0">
+              <a:srgbClr val="333333">
+                <a:alpha val="65000"/>
+              </a:srgbClr>
+            </a:outerShdw>
+          </a:effectLst>
+        </p:spPr>
+      </p:pic>
+      <p:sp>
+        <p:nvSpPr>
+          <p:cNvPr id="2" name="TextBox 1">
+            <a:extLst>
+              <a:ext uri="{FF2B5EF4-FFF2-40B4-BE49-F238E27FC236}">
+                <a16:creationId xmlns:a16="http://schemas.microsoft.com/office/drawing/2014/main" id="{CAB2C784-DE74-68FC-7A84-3E6C5D164315}"/>
+              </a:ext>
+            </a:extLst>
+          </p:cNvPr>
+          <p:cNvSpPr txBox="1"/>
+          <p:nvPr/>
+        </p:nvSpPr>
+        <p:spPr>
+          <a:xfrm>
+            <a:off x="405780" y="5722972"/>
+            <a:ext cx="7951216" cy="523220"/>
+          </a:xfrm>
+          <a:prstGeom prst="rect">
+            <a:avLst/>
+          </a:prstGeom>
+          <a:solidFill>
+            <a:schemeClr val="bg1">
+              <a:lumMod val="95000"/>
+            </a:schemeClr>
+          </a:solidFill>
+          <a:ln>
+            <a:solidFill>
+              <a:schemeClr val="bg2"/>
+            </a:solidFill>
+          </a:ln>
+        </p:spPr>
+        <p:txBody>
+          <a:bodyPr wrap="none" rtlCol="0" anchor="ctr" anchorCtr="1">
+            <a:spAutoFit/>
+          </a:bodyPr>
+          <a:lstStyle/>
+          <a:p>
+            <a:r>
+              <a:rPr lang="en-US" sz="2800" dirty="0">
+                <a:hlinkClick r:id="rId4"/>
+              </a:rPr>
+              <a:t>https://github.com/yasenstar/python_with_office</a:t>
+            </a:r>
+            <a:endParaRPr lang="en-US" sz="2800" dirty="0"/>
+          </a:p>
+        </p:txBody>
+      </p:sp>
+      <p:sp>
+        <p:nvSpPr>
+          <p:cNvPr id="9" name="TextBox 8">
+            <a:extLst>
+              <a:ext uri="{FF2B5EF4-FFF2-40B4-BE49-F238E27FC236}">
+                <a16:creationId xmlns:a16="http://schemas.microsoft.com/office/drawing/2014/main" id="{C25C84F5-3AA3-A068-7E2F-9123CA5A7D16}"/>
+              </a:ext>
+            </a:extLst>
+          </p:cNvPr>
+          <p:cNvSpPr txBox="1"/>
+          <p:nvPr/>
+        </p:nvSpPr>
+        <p:spPr>
+          <a:xfrm>
+            <a:off x="405780" y="6246192"/>
+            <a:ext cx="7951216" cy="523220"/>
+          </a:xfrm>
+          <a:prstGeom prst="rect">
+            <a:avLst/>
+          </a:prstGeom>
+          <a:solidFill>
+            <a:schemeClr val="bg1">
+              <a:lumMod val="95000"/>
+            </a:schemeClr>
+          </a:solidFill>
+          <a:ln>
+            <a:solidFill>
+              <a:schemeClr val="bg2"/>
+            </a:solidFill>
+          </a:ln>
+        </p:spPr>
+        <p:txBody>
+          <a:bodyPr wrap="square" rtlCol="0" anchor="ctr" anchorCtr="1">
+            <a:spAutoFit/>
+          </a:bodyPr>
+          <a:lstStyle/>
+          <a:p>
+            <a:r>
+              <a:rPr lang="en-US" sz="2800" dirty="0">
+                <a:hlinkClick r:id="rId5"/>
+              </a:rPr>
+              <a:t>https://gitee.com/yasenstar/python_with_office</a:t>
+            </a:r>
+            <a:endParaRPr lang="en-US" sz="2800" dirty="0"/>
+          </a:p>
+        </p:txBody>
+      </p:sp>
+      <p:pic>
+        <p:nvPicPr>
+          <p:cNvPr id="7" name="Picture 6">
+            <a:extLst>
+              <a:ext uri="{FF2B5EF4-FFF2-40B4-BE49-F238E27FC236}">
+                <a16:creationId xmlns:a16="http://schemas.microsoft.com/office/drawing/2014/main" id="{D77DDD71-BE45-B133-1B94-3F08329D60AA}"/>
+              </a:ext>
+            </a:extLst>
+          </p:cNvPr>
+          <p:cNvPicPr>
+            <a:picLocks noChangeAspect="1"/>
+          </p:cNvPicPr>
+          <p:nvPr/>
+        </p:nvPicPr>
+        <p:blipFill>
+          <a:blip r:embed="rId6"/>
+          <a:stretch>
+            <a:fillRect/>
+          </a:stretch>
+        </p:blipFill>
+        <p:spPr>
+          <a:xfrm>
+            <a:off x="6094412" y="1790700"/>
+            <a:ext cx="5544618" cy="3447744"/>
+          </a:xfrm>
+          <a:prstGeom prst="rect">
+            <a:avLst/>
+          </a:prstGeom>
+          <a:ln>
+            <a:noFill/>
+          </a:ln>
+          <a:effectLst>
+            <a:outerShdw blurRad="292100" dist="139700" dir="2700000" algn="tl" rotWithShape="0">
+              <a:srgbClr val="333333">
+                <a:alpha val="65000"/>
+              </a:srgbClr>
+            </a:outerShdw>
+          </a:effectLst>
+        </p:spPr>
+      </p:pic>
+    </p:spTree>
+    <p:extLst>
+      <p:ext uri="{BB962C8B-B14F-4D97-AF65-F5344CB8AC3E}">
+        <p14:creationId xmlns:p14="http://schemas.microsoft.com/office/powerpoint/2010/main" val="1300917695"/>
+      </p:ext>
+    </p:extLst>
+  </p:cSld>
+  <p:clrMapOvr>
+    <a:masterClrMapping/>
+  </p:clrMapOvr>
+  <mc:AlternateContent xmlns:mc="http://schemas.openxmlformats.org/markup-compatibility/2006" xmlns:p14="http://schemas.microsoft.com/office/powerpoint/2010/main">
+    <mc:Choice Requires="p14">
+      <p:transition spd="med" p14:dur="700">
+        <p:fade/>
+      </p:transition>
+    </mc:Choice>
+    <mc:Fallback xmlns="">
+      <p:transition spd="med">
+        <p:fade/>
+      </p:transition>
+    </mc:Fallback>
+  </mc:AlternateContent>
+</p:sld>
+</file>
+
+<file path=ppt/slides/slide25.xml><?xml version="1.0" encoding="utf-8"?>
+<p:sld xmlns:a="http://schemas.openxmlformats.org/drawingml/2006/main" xmlns:r="http://schemas.openxmlformats.org/officeDocument/2006/relationships" xmlns:p="http://schemas.openxmlformats.org/presentationml/2006/main">
+  <p:cSld>
+    <p:spTree>
+      <p:nvGrpSpPr>
+        <p:cNvPr id="1" name=""/>
+        <p:cNvGrpSpPr/>
+        <p:nvPr/>
+      </p:nvGrpSpPr>
+      <p:grpSpPr>
+        <a:xfrm>
+          <a:off x="0" y="0"/>
+          <a:ext cx="0" cy="0"/>
+          <a:chOff x="0" y="0"/>
+          <a:chExt cx="0" cy="0"/>
+        </a:xfrm>
+      </p:grpSpPr>
+      <p:sp>
+        <p:nvSpPr>
+          <p:cNvPr id="4" name="Title 3"/>
+          <p:cNvSpPr>
+            <a:spLocks noGrp="1"/>
+          </p:cNvSpPr>
+          <p:nvPr>
+            <p:ph type="ctrTitle"/>
+          </p:nvPr>
+        </p:nvSpPr>
+        <p:spPr/>
+        <p:txBody>
+          <a:bodyPr>
+            <a:normAutofit/>
+          </a:bodyPr>
+          <a:lstStyle/>
+          <a:p>
+            <a:pPr algn="ctr"/>
+            <a:r>
+              <a:rPr lang="zh-CN" altLang="en-US" sz="4800" dirty="0">
+                <a:latin typeface="华文隶书" panose="02010800040101010101" pitchFamily="2" charset="-122"/>
+                <a:ea typeface="华文隶书" panose="02010800040101010101" pitchFamily="2" charset="-122"/>
+              </a:rPr>
+              <a:t>让</a:t>
+            </a:r>
+            <a:r>
+              <a:rPr lang="en-US" altLang="zh-CN" sz="4800" dirty="0">
+                <a:latin typeface="华文隶书" panose="02010800040101010101" pitchFamily="2" charset="-122"/>
+                <a:ea typeface="华文隶书" panose="02010800040101010101" pitchFamily="2" charset="-122"/>
+              </a:rPr>
+              <a:t>Python</a:t>
+            </a:r>
+            <a:r>
+              <a:rPr lang="zh-CN" altLang="en-US" sz="4800" dirty="0">
+                <a:latin typeface="华文隶书" panose="02010800040101010101" pitchFamily="2" charset="-122"/>
+                <a:ea typeface="华文隶书" panose="02010800040101010101" pitchFamily="2" charset="-122"/>
+              </a:rPr>
+              <a:t>遇上</a:t>
+            </a:r>
+            <a:r>
+              <a:rPr lang="en-US" altLang="zh-CN" sz="4800" dirty="0">
+                <a:latin typeface="华文隶书" panose="02010800040101010101" pitchFamily="2" charset="-122"/>
+                <a:ea typeface="华文隶书" panose="02010800040101010101" pitchFamily="2" charset="-122"/>
+              </a:rPr>
+              <a:t>Office</a:t>
+            </a:r>
+            <a:br>
+              <a:rPr lang="en-US" altLang="zh-CN" sz="4800" dirty="0">
+                <a:latin typeface="华文隶书" panose="02010800040101010101" pitchFamily="2" charset="-122"/>
+                <a:ea typeface="华文隶书" panose="02010800040101010101" pitchFamily="2" charset="-122"/>
+              </a:rPr>
+            </a:br>
+            <a:br>
+              <a:rPr lang="en-US" altLang="zh-CN" sz="4800" dirty="0">
+                <a:latin typeface="华文隶书" panose="02010800040101010101" pitchFamily="2" charset="-122"/>
+                <a:ea typeface="华文隶书" panose="02010800040101010101" pitchFamily="2" charset="-122"/>
+              </a:rPr>
+            </a:br>
+            <a:r>
+              <a:rPr lang="en-US" altLang="zh-CN" sz="4800" dirty="0">
+                <a:latin typeface="华文隶书" panose="02010800040101010101" pitchFamily="2" charset="-122"/>
+                <a:ea typeface="华文隶书" panose="02010800040101010101" pitchFamily="2" charset="-122"/>
+              </a:rPr>
+              <a:t>(Python with Office)</a:t>
+            </a:r>
+            <a:endParaRPr lang="en-US" sz="4800" dirty="0">
+              <a:latin typeface="华文隶书" panose="02010800040101010101" pitchFamily="2" charset="-122"/>
+              <a:ea typeface="华文隶书" panose="02010800040101010101" pitchFamily="2" charset="-122"/>
+            </a:endParaRPr>
+          </a:p>
+        </p:txBody>
+      </p:sp>
+      <p:sp>
+        <p:nvSpPr>
+          <p:cNvPr id="3" name="Content Placeholder 2"/>
+          <p:cNvSpPr>
+            <a:spLocks noGrp="1"/>
+          </p:cNvSpPr>
+          <p:nvPr>
+            <p:ph type="subTitle" idx="1"/>
+          </p:nvPr>
+        </p:nvSpPr>
+        <p:spPr>
+          <a:xfrm>
+            <a:off x="549796" y="3403600"/>
+            <a:ext cx="5544617" cy="2185640"/>
+          </a:xfrm>
+        </p:spPr>
+        <p:txBody>
+          <a:bodyPr>
+            <a:normAutofit/>
+          </a:bodyPr>
+          <a:lstStyle/>
+          <a:p>
+            <a:r>
+              <a:rPr lang="en-US" sz="2800" dirty="0">
+                <a:latin typeface="ADLaM Display" panose="020F0502020204030204" pitchFamily="2" charset="0"/>
+                <a:ea typeface="ADLaM Display" panose="020F0502020204030204" pitchFamily="2" charset="0"/>
+                <a:cs typeface="ADLaM Display" panose="020F0502020204030204" pitchFamily="2" charset="0"/>
+              </a:rPr>
+              <a:t>Chapter 5 Other Knowledge</a:t>
+            </a:r>
+          </a:p>
+          <a:p>
+            <a:r>
+              <a:rPr lang="en-US" sz="2800" dirty="0">
+                <a:latin typeface="ADLaM Display" panose="020F0502020204030204" pitchFamily="2" charset="0"/>
+                <a:ea typeface="ADLaM Display" panose="020F0502020204030204" pitchFamily="2" charset="0"/>
+                <a:cs typeface="ADLaM Display" panose="020F0502020204030204" pitchFamily="2" charset="0"/>
+              </a:rPr>
+              <a:t>5.4 Common Used Modules</a:t>
+            </a:r>
+          </a:p>
+          <a:p>
+            <a:r>
+              <a:rPr lang="zh-CN" altLang="en-US" sz="2800" dirty="0">
+                <a:latin typeface="ADLaM Display" panose="020F0502020204030204" pitchFamily="2" charset="0"/>
+                <a:ea typeface="ADLaM Display" panose="020F0502020204030204" pitchFamily="2" charset="0"/>
+                <a:cs typeface="ADLaM Display" panose="020F0502020204030204" pitchFamily="2" charset="0"/>
+              </a:rPr>
+              <a:t>第五章 其他知识点</a:t>
+            </a:r>
+            <a:endParaRPr lang="en-US" altLang="zh-CN" sz="2800" dirty="0">
+              <a:latin typeface="ADLaM Display" panose="020F0502020204030204" pitchFamily="2" charset="0"/>
+              <a:ea typeface="ADLaM Display" panose="020F0502020204030204" pitchFamily="2" charset="0"/>
+              <a:cs typeface="ADLaM Display" panose="020F0502020204030204" pitchFamily="2" charset="0"/>
+            </a:endParaRPr>
+          </a:p>
+          <a:p>
+            <a:r>
+              <a:rPr lang="en-US" altLang="zh-CN" sz="2800" dirty="0">
+                <a:latin typeface="ADLaM Display" panose="020F0502020204030204" pitchFamily="2" charset="0"/>
+                <a:ea typeface="ADLaM Display" panose="020F0502020204030204" pitchFamily="2" charset="0"/>
+                <a:cs typeface="ADLaM Display" panose="020F0502020204030204" pitchFamily="2" charset="0"/>
+              </a:rPr>
+              <a:t>5.4 </a:t>
+            </a:r>
+            <a:r>
+              <a:rPr lang="zh-CN" altLang="en-US" sz="2800" dirty="0">
+                <a:latin typeface="ADLaM Display" panose="020F0502020204030204" pitchFamily="2" charset="0"/>
+                <a:ea typeface="ADLaM Display" panose="020F0502020204030204" pitchFamily="2" charset="0"/>
+                <a:cs typeface="ADLaM Display" panose="020F0502020204030204" pitchFamily="2" charset="0"/>
+              </a:rPr>
+              <a:t>常用模块</a:t>
+            </a:r>
+            <a:endParaRPr lang="en-US" altLang="zh-CN" sz="2800" dirty="0">
+              <a:latin typeface="ADLaM Display" panose="020F0502020204030204" pitchFamily="2" charset="0"/>
+              <a:ea typeface="ADLaM Display" panose="020F0502020204030204" pitchFamily="2" charset="0"/>
+              <a:cs typeface="ADLaM Display" panose="020F0502020204030204" pitchFamily="2" charset="0"/>
+            </a:endParaRPr>
+          </a:p>
+        </p:txBody>
+      </p:sp>
+      <p:pic>
+        <p:nvPicPr>
+          <p:cNvPr id="5" name="Picture 4">
+            <a:extLst>
+              <a:ext uri="{FF2B5EF4-FFF2-40B4-BE49-F238E27FC236}">
+                <a16:creationId xmlns:a16="http://schemas.microsoft.com/office/drawing/2014/main" id="{4AD8B85C-B359-195F-B78C-C879AB7840B1}"/>
+              </a:ext>
+            </a:extLst>
+          </p:cNvPr>
+          <p:cNvPicPr>
+            <a:picLocks noChangeAspect="1"/>
+          </p:cNvPicPr>
+          <p:nvPr/>
+        </p:nvPicPr>
+        <p:blipFill>
+          <a:blip r:embed="rId3"/>
+          <a:stretch>
+            <a:fillRect/>
+          </a:stretch>
+        </p:blipFill>
+        <p:spPr>
+          <a:xfrm>
+            <a:off x="57601" y="1189856"/>
+            <a:ext cx="1068259" cy="1556792"/>
+          </a:xfrm>
+          <a:prstGeom prst="rect">
+            <a:avLst/>
+          </a:prstGeom>
+          <a:ln>
+            <a:noFill/>
+          </a:ln>
+          <a:effectLst>
+            <a:outerShdw blurRad="292100" dist="139700" dir="2700000" algn="tl" rotWithShape="0">
+              <a:srgbClr val="333333">
+                <a:alpha val="65000"/>
+              </a:srgbClr>
+            </a:outerShdw>
+          </a:effectLst>
+        </p:spPr>
+      </p:pic>
+      <p:sp>
+        <p:nvSpPr>
+          <p:cNvPr id="2" name="TextBox 1">
+            <a:extLst>
+              <a:ext uri="{FF2B5EF4-FFF2-40B4-BE49-F238E27FC236}">
+                <a16:creationId xmlns:a16="http://schemas.microsoft.com/office/drawing/2014/main" id="{CAB2C784-DE74-68FC-7A84-3E6C5D164315}"/>
+              </a:ext>
+            </a:extLst>
+          </p:cNvPr>
+          <p:cNvSpPr txBox="1"/>
+          <p:nvPr/>
+        </p:nvSpPr>
+        <p:spPr>
+          <a:xfrm>
+            <a:off x="405780" y="5722972"/>
+            <a:ext cx="7951216" cy="523220"/>
+          </a:xfrm>
+          <a:prstGeom prst="rect">
+            <a:avLst/>
+          </a:prstGeom>
+          <a:solidFill>
+            <a:schemeClr val="bg1">
+              <a:lumMod val="95000"/>
+            </a:schemeClr>
+          </a:solidFill>
+          <a:ln>
+            <a:solidFill>
+              <a:schemeClr val="bg2"/>
+            </a:solidFill>
+          </a:ln>
+        </p:spPr>
+        <p:txBody>
+          <a:bodyPr wrap="none" rtlCol="0" anchor="ctr" anchorCtr="1">
+            <a:spAutoFit/>
+          </a:bodyPr>
+          <a:lstStyle/>
+          <a:p>
+            <a:r>
+              <a:rPr lang="en-US" sz="2800" dirty="0">
+                <a:hlinkClick r:id="rId4"/>
+              </a:rPr>
+              <a:t>https://github.com/yasenstar/python_with_office</a:t>
+            </a:r>
+            <a:endParaRPr lang="en-US" sz="2800" dirty="0"/>
+          </a:p>
+        </p:txBody>
+      </p:sp>
+      <p:sp>
+        <p:nvSpPr>
+          <p:cNvPr id="9" name="TextBox 8">
+            <a:extLst>
+              <a:ext uri="{FF2B5EF4-FFF2-40B4-BE49-F238E27FC236}">
+                <a16:creationId xmlns:a16="http://schemas.microsoft.com/office/drawing/2014/main" id="{C25C84F5-3AA3-A068-7E2F-9123CA5A7D16}"/>
+              </a:ext>
+            </a:extLst>
+          </p:cNvPr>
+          <p:cNvSpPr txBox="1"/>
+          <p:nvPr/>
+        </p:nvSpPr>
+        <p:spPr>
+          <a:xfrm>
+            <a:off x="405780" y="6246192"/>
+            <a:ext cx="7951216" cy="523220"/>
+          </a:xfrm>
+          <a:prstGeom prst="rect">
+            <a:avLst/>
+          </a:prstGeom>
+          <a:solidFill>
+            <a:schemeClr val="bg1">
+              <a:lumMod val="95000"/>
+            </a:schemeClr>
+          </a:solidFill>
+          <a:ln>
+            <a:solidFill>
+              <a:schemeClr val="bg2"/>
+            </a:solidFill>
+          </a:ln>
+        </p:spPr>
+        <p:txBody>
+          <a:bodyPr wrap="square" rtlCol="0" anchor="ctr" anchorCtr="1">
+            <a:spAutoFit/>
+          </a:bodyPr>
+          <a:lstStyle/>
+          <a:p>
+            <a:r>
+              <a:rPr lang="en-US" sz="2800" dirty="0">
+                <a:hlinkClick r:id="rId5"/>
+              </a:rPr>
+              <a:t>https://gitee.com/yasenstar/python_with_office</a:t>
+            </a:r>
+            <a:endParaRPr lang="en-US" sz="2800" dirty="0"/>
+          </a:p>
+        </p:txBody>
+      </p:sp>
+      <p:pic>
+        <p:nvPicPr>
+          <p:cNvPr id="7" name="Picture 6">
+            <a:extLst>
+              <a:ext uri="{FF2B5EF4-FFF2-40B4-BE49-F238E27FC236}">
+                <a16:creationId xmlns:a16="http://schemas.microsoft.com/office/drawing/2014/main" id="{A9176D0C-CB8F-5AAF-3FE8-4949AFA11081}"/>
+              </a:ext>
+            </a:extLst>
+          </p:cNvPr>
+          <p:cNvPicPr>
+            <a:picLocks noChangeAspect="1"/>
+          </p:cNvPicPr>
+          <p:nvPr/>
+        </p:nvPicPr>
+        <p:blipFill>
+          <a:blip r:embed="rId6"/>
+          <a:stretch>
+            <a:fillRect/>
+          </a:stretch>
+        </p:blipFill>
+        <p:spPr>
+          <a:xfrm>
+            <a:off x="6104474" y="1707656"/>
+            <a:ext cx="5694925" cy="3593552"/>
+          </a:xfrm>
+          <a:prstGeom prst="rect">
+            <a:avLst/>
+          </a:prstGeom>
+          <a:ln>
+            <a:noFill/>
+          </a:ln>
+          <a:effectLst>
+            <a:outerShdw blurRad="292100" dist="139700" dir="2700000" algn="tl" rotWithShape="0">
+              <a:srgbClr val="333333">
+                <a:alpha val="65000"/>
+              </a:srgbClr>
+            </a:outerShdw>
+          </a:effectLst>
+        </p:spPr>
+      </p:pic>
+    </p:spTree>
+    <p:extLst>
+      <p:ext uri="{BB962C8B-B14F-4D97-AF65-F5344CB8AC3E}">
+        <p14:creationId xmlns:p14="http://schemas.microsoft.com/office/powerpoint/2010/main" val="1906186032"/>
       </p:ext>
     </p:extLst>
   </p:cSld>

--- a/Video_Covers.pptx
+++ b/Video_Covers.pptx
@@ -5,10 +5,10 @@
     <p:sldMasterId id="2147483660" r:id="rId1"/>
   </p:sldMasterIdLst>
   <p:notesMasterIdLst>
-    <p:notesMasterId r:id="rId27"/>
+    <p:notesMasterId r:id="rId28"/>
   </p:notesMasterIdLst>
   <p:handoutMasterIdLst>
-    <p:handoutMasterId r:id="rId28"/>
+    <p:handoutMasterId r:id="rId29"/>
   </p:handoutMasterIdLst>
   <p:sldIdLst>
     <p:sldId id="257" r:id="rId2"/>
@@ -36,6 +36,7 @@
     <p:sldId id="280" r:id="rId24"/>
     <p:sldId id="281" r:id="rId25"/>
     <p:sldId id="279" r:id="rId26"/>
+    <p:sldId id="282" r:id="rId27"/>
   </p:sldIdLst>
   <p:sldSz cx="12188825" cy="6858000"/>
   <p:notesSz cx="6858000" cy="9144000"/>
@@ -2228,6 +2229,90 @@
     <p:extLst>
       <p:ext uri="{BB962C8B-B14F-4D97-AF65-F5344CB8AC3E}">
         <p14:creationId xmlns:p14="http://schemas.microsoft.com/office/powerpoint/2010/main" val="529015424"/>
+      </p:ext>
+    </p:extLst>
+  </p:cSld>
+  <p:clrMapOvr>
+    <a:masterClrMapping/>
+  </p:clrMapOvr>
+</p:notes>
+</file>
+
+<file path=ppt/notesSlides/notesSlide26.xml><?xml version="1.0" encoding="utf-8"?>
+<p:notes xmlns:a="http://schemas.openxmlformats.org/drawingml/2006/main" xmlns:r="http://schemas.openxmlformats.org/officeDocument/2006/relationships" xmlns:p="http://schemas.openxmlformats.org/presentationml/2006/main">
+  <p:cSld>
+    <p:spTree>
+      <p:nvGrpSpPr>
+        <p:cNvPr id="1" name=""/>
+        <p:cNvGrpSpPr/>
+        <p:nvPr/>
+      </p:nvGrpSpPr>
+      <p:grpSpPr>
+        <a:xfrm>
+          <a:off x="0" y="0"/>
+          <a:ext cx="0" cy="0"/>
+          <a:chOff x="0" y="0"/>
+          <a:chExt cx="0" cy="0"/>
+        </a:xfrm>
+      </p:grpSpPr>
+      <p:sp>
+        <p:nvSpPr>
+          <p:cNvPr id="2" name="Slide Image Placeholder 1"/>
+          <p:cNvSpPr>
+            <a:spLocks noGrp="1" noRot="1" noChangeAspect="1"/>
+          </p:cNvSpPr>
+          <p:nvPr>
+            <p:ph type="sldImg"/>
+          </p:nvPr>
+        </p:nvSpPr>
+        <p:spPr/>
+      </p:sp>
+      <p:sp>
+        <p:nvSpPr>
+          <p:cNvPr id="3" name="Notes Placeholder 2"/>
+          <p:cNvSpPr>
+            <a:spLocks noGrp="1"/>
+          </p:cNvSpPr>
+          <p:nvPr>
+            <p:ph type="body" idx="1"/>
+          </p:nvPr>
+        </p:nvSpPr>
+        <p:spPr/>
+        <p:txBody>
+          <a:bodyPr/>
+          <a:lstStyle/>
+          <a:p>
+            <a:endParaRPr lang="en-US" dirty="0"/>
+          </a:p>
+        </p:txBody>
+      </p:sp>
+      <p:sp>
+        <p:nvSpPr>
+          <p:cNvPr id="4" name="Slide Number Placeholder 3"/>
+          <p:cNvSpPr>
+            <a:spLocks noGrp="1"/>
+          </p:cNvSpPr>
+          <p:nvPr>
+            <p:ph type="sldNum" sz="quarter" idx="10"/>
+          </p:nvPr>
+        </p:nvSpPr>
+        <p:spPr/>
+        <p:txBody>
+          <a:bodyPr/>
+          <a:lstStyle/>
+          <a:p>
+            <a:fld id="{6BB98AFB-CB0D-4DFE-87B9-B4B0D0DE73CD}" type="slidenum">
+              <a:rPr lang="en-US" smtClean="0"/>
+              <a:t>26</a:t>
+            </a:fld>
+            <a:endParaRPr lang="en-US" dirty="0"/>
+          </a:p>
+        </p:txBody>
+      </p:sp>
+    </p:spTree>
+    <p:extLst>
+      <p:ext uri="{BB962C8B-B14F-4D97-AF65-F5344CB8AC3E}">
+        <p14:creationId xmlns:p14="http://schemas.microsoft.com/office/powerpoint/2010/main" val="3819698707"/>
       </p:ext>
     </p:extLst>
   </p:cSld>
@@ -12713,6 +12798,378 @@
       </p:transition>
     </mc:Choice>
     <mc:Fallback xmlns="">
+      <p:transition spd="med">
+        <p:fade/>
+      </p:transition>
+    </mc:Fallback>
+  </mc:AlternateContent>
+</p:sld>
+</file>
+
+<file path=ppt/slides/slide26.xml><?xml version="1.0" encoding="utf-8"?>
+<p:sld xmlns:a="http://schemas.openxmlformats.org/drawingml/2006/main" xmlns:r="http://schemas.openxmlformats.org/officeDocument/2006/relationships" xmlns:p="http://schemas.openxmlformats.org/presentationml/2006/main">
+  <p:cSld>
+    <p:spTree>
+      <p:nvGrpSpPr>
+        <p:cNvPr id="1" name=""/>
+        <p:cNvGrpSpPr/>
+        <p:nvPr/>
+      </p:nvGrpSpPr>
+      <p:grpSpPr>
+        <a:xfrm>
+          <a:off x="0" y="0"/>
+          <a:ext cx="0" cy="0"/>
+          <a:chOff x="0" y="0"/>
+          <a:chExt cx="0" cy="0"/>
+        </a:xfrm>
+      </p:grpSpPr>
+      <p:sp>
+        <p:nvSpPr>
+          <p:cNvPr id="4" name="Title 3"/>
+          <p:cNvSpPr>
+            <a:spLocks noGrp="1"/>
+          </p:cNvSpPr>
+          <p:nvPr>
+            <p:ph type="ctrTitle"/>
+          </p:nvPr>
+        </p:nvSpPr>
+        <p:spPr/>
+        <p:txBody>
+          <a:bodyPr>
+            <a:normAutofit/>
+          </a:bodyPr>
+          <a:lstStyle/>
+          <a:p>
+            <a:pPr algn="ctr"/>
+            <a:r>
+              <a:rPr lang="zh-CN" altLang="en-US" sz="4800" dirty="0">
+                <a:latin typeface="华文隶书" panose="02010800040101010101" pitchFamily="2" charset="-122"/>
+                <a:ea typeface="华文隶书" panose="02010800040101010101" pitchFamily="2" charset="-122"/>
+              </a:rPr>
+              <a:t>让</a:t>
+            </a:r>
+            <a:r>
+              <a:rPr lang="en-US" altLang="zh-CN" sz="4800" dirty="0">
+                <a:latin typeface="华文隶书" panose="02010800040101010101" pitchFamily="2" charset="-122"/>
+                <a:ea typeface="华文隶书" panose="02010800040101010101" pitchFamily="2" charset="-122"/>
+              </a:rPr>
+              <a:t>Python</a:t>
+            </a:r>
+            <a:r>
+              <a:rPr lang="zh-CN" altLang="en-US" sz="4800" dirty="0">
+                <a:latin typeface="华文隶书" panose="02010800040101010101" pitchFamily="2" charset="-122"/>
+                <a:ea typeface="华文隶书" panose="02010800040101010101" pitchFamily="2" charset="-122"/>
+              </a:rPr>
+              <a:t>遇上</a:t>
+            </a:r>
+            <a:r>
+              <a:rPr lang="en-US" altLang="zh-CN" sz="4800" dirty="0">
+                <a:latin typeface="华文隶书" panose="02010800040101010101" pitchFamily="2" charset="-122"/>
+                <a:ea typeface="华文隶书" panose="02010800040101010101" pitchFamily="2" charset="-122"/>
+              </a:rPr>
+              <a:t>Office</a:t>
+            </a:r>
+            <a:br>
+              <a:rPr lang="en-US" altLang="zh-CN" sz="4800" dirty="0">
+                <a:latin typeface="华文隶书" panose="02010800040101010101" pitchFamily="2" charset="-122"/>
+                <a:ea typeface="华文隶书" panose="02010800040101010101" pitchFamily="2" charset="-122"/>
+              </a:rPr>
+            </a:br>
+            <a:br>
+              <a:rPr lang="en-US" altLang="zh-CN" sz="4800" dirty="0">
+                <a:latin typeface="华文隶书" panose="02010800040101010101" pitchFamily="2" charset="-122"/>
+                <a:ea typeface="华文隶书" panose="02010800040101010101" pitchFamily="2" charset="-122"/>
+              </a:rPr>
+            </a:br>
+            <a:r>
+              <a:rPr lang="en-US" altLang="zh-CN" sz="4800" dirty="0">
+                <a:latin typeface="华文隶书" panose="02010800040101010101" pitchFamily="2" charset="-122"/>
+                <a:ea typeface="华文隶书" panose="02010800040101010101" pitchFamily="2" charset="-122"/>
+              </a:rPr>
+              <a:t>(Python with Office)</a:t>
+            </a:r>
+            <a:endParaRPr lang="en-US" sz="4800" dirty="0">
+              <a:latin typeface="华文隶书" panose="02010800040101010101" pitchFamily="2" charset="-122"/>
+              <a:ea typeface="华文隶书" panose="02010800040101010101" pitchFamily="2" charset="-122"/>
+            </a:endParaRPr>
+          </a:p>
+        </p:txBody>
+      </p:sp>
+      <p:sp>
+        <p:nvSpPr>
+          <p:cNvPr id="3" name="Content Placeholder 2"/>
+          <p:cNvSpPr>
+            <a:spLocks noGrp="1"/>
+          </p:cNvSpPr>
+          <p:nvPr>
+            <p:ph type="subTitle" idx="1"/>
+          </p:nvPr>
+        </p:nvSpPr>
+        <p:spPr>
+          <a:xfrm>
+            <a:off x="549796" y="3403600"/>
+            <a:ext cx="5544617" cy="2185640"/>
+          </a:xfrm>
+        </p:spPr>
+        <p:txBody>
+          <a:bodyPr>
+            <a:normAutofit/>
+          </a:bodyPr>
+          <a:lstStyle/>
+          <a:p>
+            <a:r>
+              <a:rPr lang="en-US" sz="2800" dirty="0">
+                <a:latin typeface="ADLaM Display" panose="020F0502020204030204" pitchFamily="2" charset="0"/>
+                <a:ea typeface="ADLaM Display" panose="020F0502020204030204" pitchFamily="2" charset="0"/>
+                <a:cs typeface="ADLaM Display" panose="020F0502020204030204" pitchFamily="2" charset="0"/>
+              </a:rPr>
+              <a:t>Chapter 6 Work with Excel</a:t>
+            </a:r>
+          </a:p>
+          <a:p>
+            <a:r>
+              <a:rPr lang="en-US" sz="2800" dirty="0">
+                <a:latin typeface="ADLaM Display" panose="020F0502020204030204" pitchFamily="2" charset="0"/>
+                <a:ea typeface="ADLaM Display" panose="020F0502020204030204" pitchFamily="2" charset="0"/>
+                <a:cs typeface="ADLaM Display" panose="020F0502020204030204" pitchFamily="2" charset="0"/>
+              </a:rPr>
+              <a:t>6.1 openpyxl 6.2 Open/Save</a:t>
+            </a:r>
+          </a:p>
+          <a:p>
+            <a:r>
+              <a:rPr lang="zh-CN" altLang="en-US" sz="2800" dirty="0">
+                <a:latin typeface="ADLaM Display" panose="020F0502020204030204" pitchFamily="2" charset="0"/>
+                <a:ea typeface="ADLaM Display" panose="020F0502020204030204" pitchFamily="2" charset="0"/>
+                <a:cs typeface="ADLaM Display" panose="020F0502020204030204" pitchFamily="2" charset="0"/>
+              </a:rPr>
+              <a:t>第六章 操作</a:t>
+            </a:r>
+            <a:r>
+              <a:rPr lang="en-US" altLang="zh-CN" sz="2800" dirty="0">
+                <a:latin typeface="ADLaM Display" panose="020F0502020204030204" pitchFamily="2" charset="0"/>
+                <a:ea typeface="ADLaM Display" panose="020F0502020204030204" pitchFamily="2" charset="0"/>
+                <a:cs typeface="ADLaM Display" panose="020F0502020204030204" pitchFamily="2" charset="0"/>
+              </a:rPr>
+              <a:t>Excel</a:t>
+            </a:r>
+          </a:p>
+          <a:p>
+            <a:r>
+              <a:rPr lang="en-US" altLang="zh-CN" sz="2800" dirty="0">
+                <a:latin typeface="ADLaM Display" panose="020F0502020204030204" pitchFamily="2" charset="0"/>
+                <a:ea typeface="ADLaM Display" panose="020F0502020204030204" pitchFamily="2" charset="0"/>
+                <a:cs typeface="ADLaM Display" panose="020F0502020204030204" pitchFamily="2" charset="0"/>
+              </a:rPr>
+              <a:t>6.1 openpyxl 6.2 </a:t>
+            </a:r>
+            <a:r>
+              <a:rPr lang="zh-CN" altLang="en-US" sz="2800" dirty="0">
+                <a:latin typeface="ADLaM Display" panose="020F0502020204030204" pitchFamily="2" charset="0"/>
+                <a:ea typeface="ADLaM Display" panose="020F0502020204030204" pitchFamily="2" charset="0"/>
+                <a:cs typeface="ADLaM Display" panose="020F0502020204030204" pitchFamily="2" charset="0"/>
+              </a:rPr>
+              <a:t>打开与保存</a:t>
+            </a:r>
+            <a:endParaRPr lang="en-US" altLang="zh-CN" sz="2800" dirty="0">
+              <a:latin typeface="ADLaM Display" panose="020F0502020204030204" pitchFamily="2" charset="0"/>
+              <a:ea typeface="ADLaM Display" panose="020F0502020204030204" pitchFamily="2" charset="0"/>
+              <a:cs typeface="ADLaM Display" panose="020F0502020204030204" pitchFamily="2" charset="0"/>
+            </a:endParaRPr>
+          </a:p>
+        </p:txBody>
+      </p:sp>
+      <p:pic>
+        <p:nvPicPr>
+          <p:cNvPr id="5" name="Picture 4">
+            <a:extLst>
+              <a:ext uri="{FF2B5EF4-FFF2-40B4-BE49-F238E27FC236}">
+                <a16:creationId xmlns:a16="http://schemas.microsoft.com/office/drawing/2014/main" id="{4AD8B85C-B359-195F-B78C-C879AB7840B1}"/>
+              </a:ext>
+            </a:extLst>
+          </p:cNvPr>
+          <p:cNvPicPr>
+            <a:picLocks noChangeAspect="1"/>
+          </p:cNvPicPr>
+          <p:nvPr/>
+        </p:nvPicPr>
+        <p:blipFill>
+          <a:blip r:embed="rId3"/>
+          <a:stretch>
+            <a:fillRect/>
+          </a:stretch>
+        </p:blipFill>
+        <p:spPr>
+          <a:xfrm>
+            <a:off x="57601" y="1189856"/>
+            <a:ext cx="1068259" cy="1556792"/>
+          </a:xfrm>
+          <a:prstGeom prst="rect">
+            <a:avLst/>
+          </a:prstGeom>
+          <a:ln>
+            <a:noFill/>
+          </a:ln>
+          <a:effectLst>
+            <a:outerShdw blurRad="292100" dist="139700" dir="2700000" algn="tl" rotWithShape="0">
+              <a:srgbClr val="333333">
+                <a:alpha val="65000"/>
+              </a:srgbClr>
+            </a:outerShdw>
+          </a:effectLst>
+        </p:spPr>
+      </p:pic>
+      <p:sp>
+        <p:nvSpPr>
+          <p:cNvPr id="2" name="TextBox 1">
+            <a:extLst>
+              <a:ext uri="{FF2B5EF4-FFF2-40B4-BE49-F238E27FC236}">
+                <a16:creationId xmlns:a16="http://schemas.microsoft.com/office/drawing/2014/main" id="{CAB2C784-DE74-68FC-7A84-3E6C5D164315}"/>
+              </a:ext>
+            </a:extLst>
+          </p:cNvPr>
+          <p:cNvSpPr txBox="1"/>
+          <p:nvPr/>
+        </p:nvSpPr>
+        <p:spPr>
+          <a:xfrm>
+            <a:off x="405780" y="5722972"/>
+            <a:ext cx="7951216" cy="523220"/>
+          </a:xfrm>
+          <a:prstGeom prst="rect">
+            <a:avLst/>
+          </a:prstGeom>
+          <a:solidFill>
+            <a:schemeClr val="bg1">
+              <a:lumMod val="95000"/>
+            </a:schemeClr>
+          </a:solidFill>
+          <a:ln>
+            <a:solidFill>
+              <a:schemeClr val="bg2"/>
+            </a:solidFill>
+          </a:ln>
+        </p:spPr>
+        <p:txBody>
+          <a:bodyPr wrap="none" rtlCol="0" anchor="ctr" anchorCtr="1">
+            <a:spAutoFit/>
+          </a:bodyPr>
+          <a:lstStyle/>
+          <a:p>
+            <a:r>
+              <a:rPr lang="en-US" sz="2800" dirty="0">
+                <a:hlinkClick r:id="rId4"/>
+              </a:rPr>
+              <a:t>https://github.com/yasenstar/python_with_office</a:t>
+            </a:r>
+            <a:endParaRPr lang="en-US" sz="2800" dirty="0"/>
+          </a:p>
+        </p:txBody>
+      </p:sp>
+      <p:sp>
+        <p:nvSpPr>
+          <p:cNvPr id="9" name="TextBox 8">
+            <a:extLst>
+              <a:ext uri="{FF2B5EF4-FFF2-40B4-BE49-F238E27FC236}">
+                <a16:creationId xmlns:a16="http://schemas.microsoft.com/office/drawing/2014/main" id="{C25C84F5-3AA3-A068-7E2F-9123CA5A7D16}"/>
+              </a:ext>
+            </a:extLst>
+          </p:cNvPr>
+          <p:cNvSpPr txBox="1"/>
+          <p:nvPr/>
+        </p:nvSpPr>
+        <p:spPr>
+          <a:xfrm>
+            <a:off x="405780" y="6246192"/>
+            <a:ext cx="7951216" cy="523220"/>
+          </a:xfrm>
+          <a:prstGeom prst="rect">
+            <a:avLst/>
+          </a:prstGeom>
+          <a:solidFill>
+            <a:schemeClr val="bg1">
+              <a:lumMod val="95000"/>
+            </a:schemeClr>
+          </a:solidFill>
+          <a:ln>
+            <a:solidFill>
+              <a:schemeClr val="bg2"/>
+            </a:solidFill>
+          </a:ln>
+        </p:spPr>
+        <p:txBody>
+          <a:bodyPr wrap="square" rtlCol="0" anchor="ctr" anchorCtr="1">
+            <a:spAutoFit/>
+          </a:bodyPr>
+          <a:lstStyle/>
+          <a:p>
+            <a:r>
+              <a:rPr lang="en-US" sz="2800" dirty="0">
+                <a:hlinkClick r:id="rId5"/>
+              </a:rPr>
+              <a:t>https://gitee.com/yasenstar/python_with_office</a:t>
+            </a:r>
+            <a:endParaRPr lang="en-US" sz="2800" dirty="0"/>
+          </a:p>
+        </p:txBody>
+      </p:sp>
+      <p:pic>
+        <p:nvPicPr>
+          <p:cNvPr id="8" name="Picture 7">
+            <a:extLst>
+              <a:ext uri="{FF2B5EF4-FFF2-40B4-BE49-F238E27FC236}">
+                <a16:creationId xmlns:a16="http://schemas.microsoft.com/office/drawing/2014/main" id="{9CE5C146-09E3-A1FF-3ED9-2BAA1573FDE4}"/>
+              </a:ext>
+            </a:extLst>
+          </p:cNvPr>
+          <p:cNvPicPr>
+            <a:picLocks noChangeAspect="1"/>
+          </p:cNvPicPr>
+          <p:nvPr/>
+        </p:nvPicPr>
+        <p:blipFill>
+          <a:blip r:embed="rId6"/>
+          <a:stretch>
+            <a:fillRect/>
+          </a:stretch>
+        </p:blipFill>
+        <p:spPr>
+          <a:xfrm>
+            <a:off x="6022404" y="1978219"/>
+            <a:ext cx="5909398" cy="3221533"/>
+          </a:xfrm>
+          <a:prstGeom prst="rect">
+            <a:avLst/>
+          </a:prstGeom>
+          <a:ln>
+            <a:noFill/>
+          </a:ln>
+          <a:effectLst>
+            <a:outerShdw blurRad="292100" dist="139700" dir="2700000" algn="tl" rotWithShape="0">
+              <a:srgbClr val="333333">
+                <a:alpha val="65000"/>
+              </a:srgbClr>
+            </a:outerShdw>
+          </a:effectLst>
+        </p:spPr>
+      </p:pic>
+    </p:spTree>
+    <p:extLst>
+      <p:ext uri="{BB962C8B-B14F-4D97-AF65-F5344CB8AC3E}">
+        <p14:creationId xmlns:p14="http://schemas.microsoft.com/office/powerpoint/2010/main" val="4186521943"/>
+      </p:ext>
+    </p:extLst>
+  </p:cSld>
+  <p:clrMapOvr>
+    <a:masterClrMapping/>
+  </p:clrMapOvr>
+  <mc:AlternateContent xmlns:mc="http://schemas.openxmlformats.org/markup-compatibility/2006">
+    <mc:Choice xmlns:p14="http://schemas.microsoft.com/office/powerpoint/2010/main" Requires="p14">
+      <p:transition spd="med" p14:dur="700">
+        <p:fade/>
+      </p:transition>
+    </mc:Choice>
+    <mc:Fallback>
       <p:transition spd="med">
         <p:fade/>
       </p:transition>

--- a/Video_Covers.pptx
+++ b/Video_Covers.pptx
@@ -5,10 +5,10 @@
     <p:sldMasterId id="2147483660" r:id="rId1"/>
   </p:sldMasterIdLst>
   <p:notesMasterIdLst>
-    <p:notesMasterId r:id="rId28"/>
+    <p:notesMasterId r:id="rId29"/>
   </p:notesMasterIdLst>
   <p:handoutMasterIdLst>
-    <p:handoutMasterId r:id="rId29"/>
+    <p:handoutMasterId r:id="rId30"/>
   </p:handoutMasterIdLst>
   <p:sldIdLst>
     <p:sldId id="257" r:id="rId2"/>
@@ -37,6 +37,7 @@
     <p:sldId id="281" r:id="rId25"/>
     <p:sldId id="279" r:id="rId26"/>
     <p:sldId id="282" r:id="rId27"/>
+    <p:sldId id="283" r:id="rId28"/>
   </p:sldIdLst>
   <p:sldSz cx="12188825" cy="6858000"/>
   <p:notesSz cx="6858000" cy="9144000"/>
@@ -2313,6 +2314,90 @@
     <p:extLst>
       <p:ext uri="{BB962C8B-B14F-4D97-AF65-F5344CB8AC3E}">
         <p14:creationId xmlns:p14="http://schemas.microsoft.com/office/powerpoint/2010/main" val="3819698707"/>
+      </p:ext>
+    </p:extLst>
+  </p:cSld>
+  <p:clrMapOvr>
+    <a:masterClrMapping/>
+  </p:clrMapOvr>
+</p:notes>
+</file>
+
+<file path=ppt/notesSlides/notesSlide27.xml><?xml version="1.0" encoding="utf-8"?>
+<p:notes xmlns:a="http://schemas.openxmlformats.org/drawingml/2006/main" xmlns:r="http://schemas.openxmlformats.org/officeDocument/2006/relationships" xmlns:p="http://schemas.openxmlformats.org/presentationml/2006/main">
+  <p:cSld>
+    <p:spTree>
+      <p:nvGrpSpPr>
+        <p:cNvPr id="1" name=""/>
+        <p:cNvGrpSpPr/>
+        <p:nvPr/>
+      </p:nvGrpSpPr>
+      <p:grpSpPr>
+        <a:xfrm>
+          <a:off x="0" y="0"/>
+          <a:ext cx="0" cy="0"/>
+          <a:chOff x="0" y="0"/>
+          <a:chExt cx="0" cy="0"/>
+        </a:xfrm>
+      </p:grpSpPr>
+      <p:sp>
+        <p:nvSpPr>
+          <p:cNvPr id="2" name="Slide Image Placeholder 1"/>
+          <p:cNvSpPr>
+            <a:spLocks noGrp="1" noRot="1" noChangeAspect="1"/>
+          </p:cNvSpPr>
+          <p:nvPr>
+            <p:ph type="sldImg"/>
+          </p:nvPr>
+        </p:nvSpPr>
+        <p:spPr/>
+      </p:sp>
+      <p:sp>
+        <p:nvSpPr>
+          <p:cNvPr id="3" name="Notes Placeholder 2"/>
+          <p:cNvSpPr>
+            <a:spLocks noGrp="1"/>
+          </p:cNvSpPr>
+          <p:nvPr>
+            <p:ph type="body" idx="1"/>
+          </p:nvPr>
+        </p:nvSpPr>
+        <p:spPr/>
+        <p:txBody>
+          <a:bodyPr/>
+          <a:lstStyle/>
+          <a:p>
+            <a:endParaRPr lang="en-US" dirty="0"/>
+          </a:p>
+        </p:txBody>
+      </p:sp>
+      <p:sp>
+        <p:nvSpPr>
+          <p:cNvPr id="4" name="Slide Number Placeholder 3"/>
+          <p:cNvSpPr>
+            <a:spLocks noGrp="1"/>
+          </p:cNvSpPr>
+          <p:nvPr>
+            <p:ph type="sldNum" sz="quarter" idx="10"/>
+          </p:nvPr>
+        </p:nvSpPr>
+        <p:spPr/>
+        <p:txBody>
+          <a:bodyPr/>
+          <a:lstStyle/>
+          <a:p>
+            <a:fld id="{6BB98AFB-CB0D-4DFE-87B9-B4B0D0DE73CD}" type="slidenum">
+              <a:rPr lang="en-US" smtClean="0"/>
+              <a:t>27</a:t>
+            </a:fld>
+            <a:endParaRPr lang="en-US" dirty="0"/>
+          </a:p>
+        </p:txBody>
+      </p:sp>
+    </p:spTree>
+    <p:extLst>
+      <p:ext uri="{BB962C8B-B14F-4D97-AF65-F5344CB8AC3E}">
+        <p14:creationId xmlns:p14="http://schemas.microsoft.com/office/powerpoint/2010/main" val="3068973015"/>
       </p:ext>
     </p:extLst>
   </p:cSld>
@@ -13157,6 +13242,378 @@
     <p:extLst>
       <p:ext uri="{BB962C8B-B14F-4D97-AF65-F5344CB8AC3E}">
         <p14:creationId xmlns:p14="http://schemas.microsoft.com/office/powerpoint/2010/main" val="4186521943"/>
+      </p:ext>
+    </p:extLst>
+  </p:cSld>
+  <p:clrMapOvr>
+    <a:masterClrMapping/>
+  </p:clrMapOvr>
+  <mc:AlternateContent xmlns:mc="http://schemas.openxmlformats.org/markup-compatibility/2006">
+    <mc:Choice xmlns:p14="http://schemas.microsoft.com/office/powerpoint/2010/main" Requires="p14">
+      <p:transition spd="med" p14:dur="700">
+        <p:fade/>
+      </p:transition>
+    </mc:Choice>
+    <mc:Fallback>
+      <p:transition spd="med">
+        <p:fade/>
+      </p:transition>
+    </mc:Fallback>
+  </mc:AlternateContent>
+</p:sld>
+</file>
+
+<file path=ppt/slides/slide27.xml><?xml version="1.0" encoding="utf-8"?>
+<p:sld xmlns:a="http://schemas.openxmlformats.org/drawingml/2006/main" xmlns:r="http://schemas.openxmlformats.org/officeDocument/2006/relationships" xmlns:p="http://schemas.openxmlformats.org/presentationml/2006/main">
+  <p:cSld>
+    <p:spTree>
+      <p:nvGrpSpPr>
+        <p:cNvPr id="1" name=""/>
+        <p:cNvGrpSpPr/>
+        <p:nvPr/>
+      </p:nvGrpSpPr>
+      <p:grpSpPr>
+        <a:xfrm>
+          <a:off x="0" y="0"/>
+          <a:ext cx="0" cy="0"/>
+          <a:chOff x="0" y="0"/>
+          <a:chExt cx="0" cy="0"/>
+        </a:xfrm>
+      </p:grpSpPr>
+      <p:sp>
+        <p:nvSpPr>
+          <p:cNvPr id="4" name="Title 3"/>
+          <p:cNvSpPr>
+            <a:spLocks noGrp="1"/>
+          </p:cNvSpPr>
+          <p:nvPr>
+            <p:ph type="ctrTitle"/>
+          </p:nvPr>
+        </p:nvSpPr>
+        <p:spPr/>
+        <p:txBody>
+          <a:bodyPr>
+            <a:normAutofit/>
+          </a:bodyPr>
+          <a:lstStyle/>
+          <a:p>
+            <a:pPr algn="ctr"/>
+            <a:r>
+              <a:rPr lang="zh-CN" altLang="en-US" sz="4800" dirty="0">
+                <a:latin typeface="华文隶书" panose="02010800040101010101" pitchFamily="2" charset="-122"/>
+                <a:ea typeface="华文隶书" panose="02010800040101010101" pitchFamily="2" charset="-122"/>
+              </a:rPr>
+              <a:t>让</a:t>
+            </a:r>
+            <a:r>
+              <a:rPr lang="en-US" altLang="zh-CN" sz="4800" dirty="0">
+                <a:latin typeface="华文隶书" panose="02010800040101010101" pitchFamily="2" charset="-122"/>
+                <a:ea typeface="华文隶书" panose="02010800040101010101" pitchFamily="2" charset="-122"/>
+              </a:rPr>
+              <a:t>Python</a:t>
+            </a:r>
+            <a:r>
+              <a:rPr lang="zh-CN" altLang="en-US" sz="4800" dirty="0">
+                <a:latin typeface="华文隶书" panose="02010800040101010101" pitchFamily="2" charset="-122"/>
+                <a:ea typeface="华文隶书" panose="02010800040101010101" pitchFamily="2" charset="-122"/>
+              </a:rPr>
+              <a:t>遇上</a:t>
+            </a:r>
+            <a:r>
+              <a:rPr lang="en-US" altLang="zh-CN" sz="4800" dirty="0">
+                <a:latin typeface="华文隶书" panose="02010800040101010101" pitchFamily="2" charset="-122"/>
+                <a:ea typeface="华文隶书" panose="02010800040101010101" pitchFamily="2" charset="-122"/>
+              </a:rPr>
+              <a:t>Office</a:t>
+            </a:r>
+            <a:br>
+              <a:rPr lang="en-US" altLang="zh-CN" sz="4800" dirty="0">
+                <a:latin typeface="华文隶书" panose="02010800040101010101" pitchFamily="2" charset="-122"/>
+                <a:ea typeface="华文隶书" panose="02010800040101010101" pitchFamily="2" charset="-122"/>
+              </a:rPr>
+            </a:br>
+            <a:br>
+              <a:rPr lang="en-US" altLang="zh-CN" sz="4800" dirty="0">
+                <a:latin typeface="华文隶书" panose="02010800040101010101" pitchFamily="2" charset="-122"/>
+                <a:ea typeface="华文隶书" panose="02010800040101010101" pitchFamily="2" charset="-122"/>
+              </a:rPr>
+            </a:br>
+            <a:r>
+              <a:rPr lang="en-US" altLang="zh-CN" sz="4800" dirty="0">
+                <a:latin typeface="华文隶书" panose="02010800040101010101" pitchFamily="2" charset="-122"/>
+                <a:ea typeface="华文隶书" panose="02010800040101010101" pitchFamily="2" charset="-122"/>
+              </a:rPr>
+              <a:t>(Python with Office)</a:t>
+            </a:r>
+            <a:endParaRPr lang="en-US" sz="4800" dirty="0">
+              <a:latin typeface="华文隶书" panose="02010800040101010101" pitchFamily="2" charset="-122"/>
+              <a:ea typeface="华文隶书" panose="02010800040101010101" pitchFamily="2" charset="-122"/>
+            </a:endParaRPr>
+          </a:p>
+        </p:txBody>
+      </p:sp>
+      <p:sp>
+        <p:nvSpPr>
+          <p:cNvPr id="3" name="Content Placeholder 2"/>
+          <p:cNvSpPr>
+            <a:spLocks noGrp="1"/>
+          </p:cNvSpPr>
+          <p:nvPr>
+            <p:ph type="subTitle" idx="1"/>
+          </p:nvPr>
+        </p:nvSpPr>
+        <p:spPr>
+          <a:xfrm>
+            <a:off x="549796" y="3403600"/>
+            <a:ext cx="5544617" cy="2185640"/>
+          </a:xfrm>
+        </p:spPr>
+        <p:txBody>
+          <a:bodyPr>
+            <a:normAutofit/>
+          </a:bodyPr>
+          <a:lstStyle/>
+          <a:p>
+            <a:r>
+              <a:rPr lang="en-US" sz="2800" dirty="0">
+                <a:latin typeface="ADLaM Display" panose="020F0502020204030204" pitchFamily="2" charset="0"/>
+                <a:ea typeface="ADLaM Display" panose="020F0502020204030204" pitchFamily="2" charset="0"/>
+                <a:cs typeface="ADLaM Display" panose="020F0502020204030204" pitchFamily="2" charset="0"/>
+              </a:rPr>
+              <a:t>Chapter 6 Work with Excel</a:t>
+            </a:r>
+          </a:p>
+          <a:p>
+            <a:r>
+              <a:rPr lang="en-US" sz="2800" dirty="0">
+                <a:latin typeface="ADLaM Display" panose="020F0502020204030204" pitchFamily="2" charset="0"/>
+                <a:ea typeface="ADLaM Display" panose="020F0502020204030204" pitchFamily="2" charset="0"/>
+                <a:cs typeface="ADLaM Display" panose="020F0502020204030204" pitchFamily="2" charset="0"/>
+              </a:rPr>
+              <a:t>6.3 Operate Worksheets</a:t>
+            </a:r>
+          </a:p>
+          <a:p>
+            <a:r>
+              <a:rPr lang="zh-CN" altLang="en-US" sz="2800" dirty="0">
+                <a:latin typeface="ADLaM Display" panose="020F0502020204030204" pitchFamily="2" charset="0"/>
+                <a:ea typeface="ADLaM Display" panose="020F0502020204030204" pitchFamily="2" charset="0"/>
+                <a:cs typeface="ADLaM Display" panose="020F0502020204030204" pitchFamily="2" charset="0"/>
+              </a:rPr>
+              <a:t>第六章 操作</a:t>
+            </a:r>
+            <a:r>
+              <a:rPr lang="en-US" altLang="zh-CN" sz="2800" dirty="0">
+                <a:latin typeface="ADLaM Display" panose="020F0502020204030204" pitchFamily="2" charset="0"/>
+                <a:ea typeface="ADLaM Display" panose="020F0502020204030204" pitchFamily="2" charset="0"/>
+                <a:cs typeface="ADLaM Display" panose="020F0502020204030204" pitchFamily="2" charset="0"/>
+              </a:rPr>
+              <a:t>Excel</a:t>
+            </a:r>
+          </a:p>
+          <a:p>
+            <a:r>
+              <a:rPr lang="en-US" altLang="zh-CN" sz="2800" dirty="0">
+                <a:latin typeface="ADLaM Display" panose="020F0502020204030204" pitchFamily="2" charset="0"/>
+                <a:ea typeface="ADLaM Display" panose="020F0502020204030204" pitchFamily="2" charset="0"/>
+                <a:cs typeface="ADLaM Display" panose="020F0502020204030204" pitchFamily="2" charset="0"/>
+              </a:rPr>
+              <a:t>6.3 </a:t>
+            </a:r>
+            <a:r>
+              <a:rPr lang="zh-CN" altLang="en-US" sz="2800" dirty="0">
+                <a:latin typeface="ADLaM Display" panose="020F0502020204030204" pitchFamily="2" charset="0"/>
+                <a:ea typeface="ADLaM Display" panose="020F0502020204030204" pitchFamily="2" charset="0"/>
+                <a:cs typeface="ADLaM Display" panose="020F0502020204030204" pitchFamily="2" charset="0"/>
+              </a:rPr>
+              <a:t>操作工作表</a:t>
+            </a:r>
+            <a:endParaRPr lang="en-US" altLang="zh-CN" sz="2800" dirty="0">
+              <a:latin typeface="ADLaM Display" panose="020F0502020204030204" pitchFamily="2" charset="0"/>
+              <a:ea typeface="ADLaM Display" panose="020F0502020204030204" pitchFamily="2" charset="0"/>
+              <a:cs typeface="ADLaM Display" panose="020F0502020204030204" pitchFamily="2" charset="0"/>
+            </a:endParaRPr>
+          </a:p>
+        </p:txBody>
+      </p:sp>
+      <p:pic>
+        <p:nvPicPr>
+          <p:cNvPr id="5" name="Picture 4">
+            <a:extLst>
+              <a:ext uri="{FF2B5EF4-FFF2-40B4-BE49-F238E27FC236}">
+                <a16:creationId xmlns:a16="http://schemas.microsoft.com/office/drawing/2014/main" id="{4AD8B85C-B359-195F-B78C-C879AB7840B1}"/>
+              </a:ext>
+            </a:extLst>
+          </p:cNvPr>
+          <p:cNvPicPr>
+            <a:picLocks noChangeAspect="1"/>
+          </p:cNvPicPr>
+          <p:nvPr/>
+        </p:nvPicPr>
+        <p:blipFill>
+          <a:blip r:embed="rId3"/>
+          <a:stretch>
+            <a:fillRect/>
+          </a:stretch>
+        </p:blipFill>
+        <p:spPr>
+          <a:xfrm>
+            <a:off x="57601" y="1189856"/>
+            <a:ext cx="1068259" cy="1556792"/>
+          </a:xfrm>
+          <a:prstGeom prst="rect">
+            <a:avLst/>
+          </a:prstGeom>
+          <a:ln>
+            <a:noFill/>
+          </a:ln>
+          <a:effectLst>
+            <a:outerShdw blurRad="292100" dist="139700" dir="2700000" algn="tl" rotWithShape="0">
+              <a:srgbClr val="333333">
+                <a:alpha val="65000"/>
+              </a:srgbClr>
+            </a:outerShdw>
+          </a:effectLst>
+        </p:spPr>
+      </p:pic>
+      <p:sp>
+        <p:nvSpPr>
+          <p:cNvPr id="2" name="TextBox 1">
+            <a:extLst>
+              <a:ext uri="{FF2B5EF4-FFF2-40B4-BE49-F238E27FC236}">
+                <a16:creationId xmlns:a16="http://schemas.microsoft.com/office/drawing/2014/main" id="{CAB2C784-DE74-68FC-7A84-3E6C5D164315}"/>
+              </a:ext>
+            </a:extLst>
+          </p:cNvPr>
+          <p:cNvSpPr txBox="1"/>
+          <p:nvPr/>
+        </p:nvSpPr>
+        <p:spPr>
+          <a:xfrm>
+            <a:off x="405780" y="5722972"/>
+            <a:ext cx="7951216" cy="523220"/>
+          </a:xfrm>
+          <a:prstGeom prst="rect">
+            <a:avLst/>
+          </a:prstGeom>
+          <a:solidFill>
+            <a:schemeClr val="bg1">
+              <a:lumMod val="95000"/>
+            </a:schemeClr>
+          </a:solidFill>
+          <a:ln>
+            <a:solidFill>
+              <a:schemeClr val="bg2"/>
+            </a:solidFill>
+          </a:ln>
+        </p:spPr>
+        <p:txBody>
+          <a:bodyPr wrap="none" rtlCol="0" anchor="ctr" anchorCtr="1">
+            <a:spAutoFit/>
+          </a:bodyPr>
+          <a:lstStyle/>
+          <a:p>
+            <a:r>
+              <a:rPr lang="en-US" sz="2800" dirty="0">
+                <a:hlinkClick r:id="rId4"/>
+              </a:rPr>
+              <a:t>https://github.com/yasenstar/python_with_office</a:t>
+            </a:r>
+            <a:endParaRPr lang="en-US" sz="2800" dirty="0"/>
+          </a:p>
+        </p:txBody>
+      </p:sp>
+      <p:sp>
+        <p:nvSpPr>
+          <p:cNvPr id="9" name="TextBox 8">
+            <a:extLst>
+              <a:ext uri="{FF2B5EF4-FFF2-40B4-BE49-F238E27FC236}">
+                <a16:creationId xmlns:a16="http://schemas.microsoft.com/office/drawing/2014/main" id="{C25C84F5-3AA3-A068-7E2F-9123CA5A7D16}"/>
+              </a:ext>
+            </a:extLst>
+          </p:cNvPr>
+          <p:cNvSpPr txBox="1"/>
+          <p:nvPr/>
+        </p:nvSpPr>
+        <p:spPr>
+          <a:xfrm>
+            <a:off x="405780" y="6246192"/>
+            <a:ext cx="7951216" cy="523220"/>
+          </a:xfrm>
+          <a:prstGeom prst="rect">
+            <a:avLst/>
+          </a:prstGeom>
+          <a:solidFill>
+            <a:schemeClr val="bg1">
+              <a:lumMod val="95000"/>
+            </a:schemeClr>
+          </a:solidFill>
+          <a:ln>
+            <a:solidFill>
+              <a:schemeClr val="bg2"/>
+            </a:solidFill>
+          </a:ln>
+        </p:spPr>
+        <p:txBody>
+          <a:bodyPr wrap="square" rtlCol="0" anchor="ctr" anchorCtr="1">
+            <a:spAutoFit/>
+          </a:bodyPr>
+          <a:lstStyle/>
+          <a:p>
+            <a:r>
+              <a:rPr lang="en-US" sz="2800" dirty="0">
+                <a:hlinkClick r:id="rId5"/>
+              </a:rPr>
+              <a:t>https://gitee.com/yasenstar/python_with_office</a:t>
+            </a:r>
+            <a:endParaRPr lang="en-US" sz="2800" dirty="0"/>
+          </a:p>
+        </p:txBody>
+      </p:sp>
+      <p:pic>
+        <p:nvPicPr>
+          <p:cNvPr id="8" name="Picture 7">
+            <a:extLst>
+              <a:ext uri="{FF2B5EF4-FFF2-40B4-BE49-F238E27FC236}">
+                <a16:creationId xmlns:a16="http://schemas.microsoft.com/office/drawing/2014/main" id="{9CE5C146-09E3-A1FF-3ED9-2BAA1573FDE4}"/>
+              </a:ext>
+            </a:extLst>
+          </p:cNvPr>
+          <p:cNvPicPr>
+            <a:picLocks noChangeAspect="1"/>
+          </p:cNvPicPr>
+          <p:nvPr/>
+        </p:nvPicPr>
+        <p:blipFill>
+          <a:blip r:embed="rId6"/>
+          <a:stretch>
+            <a:fillRect/>
+          </a:stretch>
+        </p:blipFill>
+        <p:spPr>
+          <a:xfrm>
+            <a:off x="6022404" y="1978219"/>
+            <a:ext cx="5909398" cy="3221533"/>
+          </a:xfrm>
+          <a:prstGeom prst="rect">
+            <a:avLst/>
+          </a:prstGeom>
+          <a:ln>
+            <a:noFill/>
+          </a:ln>
+          <a:effectLst>
+            <a:outerShdw blurRad="292100" dist="139700" dir="2700000" algn="tl" rotWithShape="0">
+              <a:srgbClr val="333333">
+                <a:alpha val="65000"/>
+              </a:srgbClr>
+            </a:outerShdw>
+          </a:effectLst>
+        </p:spPr>
+      </p:pic>
+    </p:spTree>
+    <p:extLst>
+      <p:ext uri="{BB962C8B-B14F-4D97-AF65-F5344CB8AC3E}">
+        <p14:creationId xmlns:p14="http://schemas.microsoft.com/office/powerpoint/2010/main" val="1912169683"/>
       </p:ext>
     </p:extLst>
   </p:cSld>

--- a/Video_Covers.pptx
+++ b/Video_Covers.pptx
@@ -300,7 +300,7 @@
           <a:p>
             <a:fld id="{24CE221E-83ED-4F6C-BA5F-3F9E6FDB6953}" type="datetimeFigureOut">
               <a:rPr lang="en-US"/>
-              <a:t>11/16/2023</a:t>
+              <a:t>11/27/2023</a:t>
             </a:fld>
             <a:endParaRPr dirty="0"/>
           </a:p>
@@ -465,7 +465,7 @@
           <a:p>
             <a:fld id="{97853E5F-CE67-483C-A264-F17AC70E9CA2}" type="datetimeFigureOut">
               <a:rPr lang="en-US"/>
-              <a:t>11/16/2023</a:t>
+              <a:t>11/27/2023</a:t>
             </a:fld>
             <a:endParaRPr dirty="0"/>
           </a:p>
@@ -3241,7 +3241,7 @@
           <a:p>
             <a:fld id="{3E0FA9E5-6744-4841-888F-9E7CC0C2B7EC}" type="datetimeFigureOut">
               <a:rPr lang="en-US" smtClean="0"/>
-              <a:t>11/16/2023</a:t>
+              <a:t>11/27/2023</a:t>
             </a:fld>
             <a:endParaRPr lang="en-US" dirty="0"/>
           </a:p>
@@ -3431,7 +3431,7 @@
           <a:p>
             <a:fld id="{3E0FA9E5-6744-4841-888F-9E7CC0C2B7EC}" type="datetimeFigureOut">
               <a:rPr lang="en-US" smtClean="0"/>
-              <a:t>11/16/2023</a:t>
+              <a:t>11/27/2023</a:t>
             </a:fld>
             <a:endParaRPr lang="en-US" dirty="0"/>
           </a:p>
@@ -3626,7 +3626,7 @@
           <a:p>
             <a:fld id="{3E0FA9E5-6744-4841-888F-9E7CC0C2B7EC}" type="datetimeFigureOut">
               <a:rPr lang="en-US" smtClean="0"/>
-              <a:t>11/16/2023</a:t>
+              <a:t>11/27/2023</a:t>
             </a:fld>
             <a:endParaRPr lang="en-US" dirty="0"/>
           </a:p>
@@ -3811,7 +3811,7 @@
           <a:p>
             <a:fld id="{3E0FA9E5-6744-4841-888F-9E7CC0C2B7EC}" type="datetimeFigureOut">
               <a:rPr lang="en-US" smtClean="0"/>
-              <a:t>11/16/2023</a:t>
+              <a:t>11/27/2023</a:t>
             </a:fld>
             <a:endParaRPr lang="en-US" dirty="0"/>
           </a:p>
@@ -4080,7 +4080,7 @@
           <a:p>
             <a:fld id="{3E0FA9E5-6744-4841-888F-9E7CC0C2B7EC}" type="datetimeFigureOut">
               <a:rPr lang="en-US" smtClean="0"/>
-              <a:t>11/16/2023</a:t>
+              <a:t>11/27/2023</a:t>
             </a:fld>
             <a:endParaRPr lang="en-US" dirty="0"/>
           </a:p>
@@ -4387,7 +4387,7 @@
           <a:p>
             <a:fld id="{3E0FA9E5-6744-4841-888F-9E7CC0C2B7EC}" type="datetimeFigureOut">
               <a:rPr lang="en-US" smtClean="0"/>
-              <a:t>11/16/2023</a:t>
+              <a:t>11/27/2023</a:t>
             </a:fld>
             <a:endParaRPr lang="en-US" dirty="0"/>
           </a:p>
@@ -4843,7 +4843,7 @@
           <a:p>
             <a:fld id="{3E0FA9E5-6744-4841-888F-9E7CC0C2B7EC}" type="datetimeFigureOut">
               <a:rPr lang="en-US" smtClean="0"/>
-              <a:t>11/16/2023</a:t>
+              <a:t>11/27/2023</a:t>
             </a:fld>
             <a:endParaRPr lang="en-US" dirty="0"/>
           </a:p>
@@ -4976,7 +4976,7 @@
           <a:p>
             <a:fld id="{3E0FA9E5-6744-4841-888F-9E7CC0C2B7EC}" type="datetimeFigureOut">
               <a:rPr lang="en-US" smtClean="0"/>
-              <a:t>11/16/2023</a:t>
+              <a:t>11/27/2023</a:t>
             </a:fld>
             <a:endParaRPr lang="en-US" dirty="0"/>
           </a:p>
@@ -5086,7 +5086,7 @@
           <a:p>
             <a:fld id="{3E0FA9E5-6744-4841-888F-9E7CC0C2B7EC}" type="datetimeFigureOut">
               <a:rPr lang="en-US" smtClean="0"/>
-              <a:t>11/16/2023</a:t>
+              <a:t>11/27/2023</a:t>
             </a:fld>
             <a:endParaRPr lang="en-US" dirty="0"/>
           </a:p>
@@ -5397,7 +5397,7 @@
           <a:p>
             <a:fld id="{3E0FA9E5-6744-4841-888F-9E7CC0C2B7EC}" type="datetimeFigureOut">
               <a:rPr lang="en-US" smtClean="0"/>
-              <a:t>11/16/2023</a:t>
+              <a:t>11/27/2023</a:t>
             </a:fld>
             <a:endParaRPr lang="en-US" dirty="0"/>
           </a:p>
@@ -5874,7 +5874,7 @@
             <a:fld id="{3E0FA9E5-6744-4841-888F-9E7CC0C2B7EC}" type="datetimeFigureOut">
               <a:rPr lang="en-US" smtClean="0"/>
               <a:pPr/>
-              <a:t>11/16/2023</a:t>
+              <a:t>11/27/2023</a:t>
             </a:fld>
             <a:endParaRPr lang="en-US" dirty="0"/>
           </a:p>
@@ -13248,13 +13248,13 @@
   <p:clrMapOvr>
     <a:masterClrMapping/>
   </p:clrMapOvr>
-  <mc:AlternateContent xmlns:mc="http://schemas.openxmlformats.org/markup-compatibility/2006">
-    <mc:Choice xmlns:p14="http://schemas.microsoft.com/office/powerpoint/2010/main" Requires="p14">
+  <mc:AlternateContent xmlns:mc="http://schemas.openxmlformats.org/markup-compatibility/2006" xmlns:p14="http://schemas.microsoft.com/office/powerpoint/2010/main">
+    <mc:Choice Requires="p14">
       <p:transition spd="med" p14:dur="700">
         <p:fade/>
       </p:transition>
     </mc:Choice>
-    <mc:Fallback>
+    <mc:Fallback xmlns="">
       <p:transition spd="med">
         <p:fade/>
       </p:transition>
@@ -13572,10 +13572,10 @@
       </p:sp>
       <p:pic>
         <p:nvPicPr>
-          <p:cNvPr id="8" name="Picture 7">
+          <p:cNvPr id="7" name="Picture 6">
             <a:extLst>
               <a:ext uri="{FF2B5EF4-FFF2-40B4-BE49-F238E27FC236}">
-                <a16:creationId xmlns:a16="http://schemas.microsoft.com/office/drawing/2014/main" id="{9CE5C146-09E3-A1FF-3ED9-2BAA1573FDE4}"/>
+                <a16:creationId xmlns:a16="http://schemas.microsoft.com/office/drawing/2014/main" id="{AF7D92D3-B677-4166-329F-00F509FD6567}"/>
               </a:ext>
             </a:extLst>
           </p:cNvPr>
@@ -13592,8 +13592,8 @@
         </p:blipFill>
         <p:spPr>
           <a:xfrm>
-            <a:off x="6022404" y="1978219"/>
-            <a:ext cx="5909398" cy="3221533"/>
+            <a:off x="6238427" y="1412776"/>
+            <a:ext cx="5544617" cy="4032448"/>
           </a:xfrm>
           <a:prstGeom prst="rect">
             <a:avLst/>
@@ -13620,13 +13620,13 @@
   <p:clrMapOvr>
     <a:masterClrMapping/>
   </p:clrMapOvr>
-  <mc:AlternateContent xmlns:mc="http://schemas.openxmlformats.org/markup-compatibility/2006">
-    <mc:Choice xmlns:p14="http://schemas.microsoft.com/office/powerpoint/2010/main" Requires="p14">
+  <mc:AlternateContent xmlns:mc="http://schemas.openxmlformats.org/markup-compatibility/2006" xmlns:p14="http://schemas.microsoft.com/office/powerpoint/2010/main">
+    <mc:Choice Requires="p14">
       <p:transition spd="med" p14:dur="700">
         <p:fade/>
       </p:transition>
     </mc:Choice>
-    <mc:Fallback>
+    <mc:Fallback xmlns="">
       <p:transition spd="med">
         <p:fade/>
       </p:transition>

--- a/Video_Covers.pptx
+++ b/Video_Covers.pptx
@@ -13426,7 +13426,15 @@
                 <a:ea typeface="ADLaM Display" panose="020F0502020204030204" pitchFamily="2" charset="0"/>
                 <a:cs typeface="ADLaM Display" panose="020F0502020204030204" pitchFamily="2" charset="0"/>
               </a:rPr>
-              <a:t>操作工作表</a:t>
+              <a:t>操作工作表 </a:t>
+            </a:r>
+            <a:r>
+              <a:rPr lang="en-US" altLang="zh-CN" sz="2800">
+                <a:latin typeface="ADLaM Display" panose="020F0502020204030204" pitchFamily="2" charset="0"/>
+                <a:ea typeface="ADLaM Display" panose="020F0502020204030204" pitchFamily="2" charset="0"/>
+                <a:cs typeface="ADLaM Display" panose="020F0502020204030204" pitchFamily="2" charset="0"/>
+              </a:rPr>
+              <a:t>– 6.3.1, 6.3.2</a:t>
             </a:r>
             <a:endParaRPr lang="en-US" altLang="zh-CN" sz="2800" dirty="0">
               <a:latin typeface="ADLaM Display" panose="020F0502020204030204" pitchFamily="2" charset="0"/>
@@ -13610,6 +13618,56 @@
           </a:effectLst>
         </p:spPr>
       </p:pic>
+      <p:sp>
+        <p:nvSpPr>
+          <p:cNvPr id="10" name="Rectangle 9">
+            <a:extLst>
+              <a:ext uri="{FF2B5EF4-FFF2-40B4-BE49-F238E27FC236}">
+                <a16:creationId xmlns:a16="http://schemas.microsoft.com/office/drawing/2014/main" id="{A095635B-FB5B-7080-010C-07C635F4E59D}"/>
+              </a:ext>
+            </a:extLst>
+          </p:cNvPr>
+          <p:cNvSpPr/>
+          <p:nvPr/>
+        </p:nvSpPr>
+        <p:spPr>
+          <a:xfrm>
+            <a:off x="8254652" y="1916832"/>
+            <a:ext cx="3384377" cy="1800200"/>
+          </a:xfrm>
+          <a:prstGeom prst="rect">
+            <a:avLst/>
+          </a:prstGeom>
+          <a:noFill/>
+          <a:ln w="38100">
+            <a:solidFill>
+              <a:srgbClr val="FF0000"/>
+            </a:solidFill>
+          </a:ln>
+        </p:spPr>
+        <p:style>
+          <a:lnRef idx="2">
+            <a:schemeClr val="accent3"/>
+          </a:lnRef>
+          <a:fillRef idx="1">
+            <a:schemeClr val="lt1"/>
+          </a:fillRef>
+          <a:effectRef idx="0">
+            <a:schemeClr val="accent3"/>
+          </a:effectRef>
+          <a:fontRef idx="minor">
+            <a:schemeClr val="dk1"/>
+          </a:fontRef>
+        </p:style>
+        <p:txBody>
+          <a:bodyPr rtlCol="0" anchor="ctr"/>
+          <a:lstStyle/>
+          <a:p>
+            <a:pPr algn="ctr"/>
+            <a:endParaRPr lang="en-US" dirty="0"/>
+          </a:p>
+        </p:txBody>
+      </p:sp>
     </p:spTree>
     <p:extLst>
       <p:ext uri="{BB962C8B-B14F-4D97-AF65-F5344CB8AC3E}">

--- a/Video_Covers.pptx
+++ b/Video_Covers.pptx
@@ -5,10 +5,10 @@
     <p:sldMasterId id="2147483660" r:id="rId1"/>
   </p:sldMasterIdLst>
   <p:notesMasterIdLst>
-    <p:notesMasterId r:id="rId29"/>
+    <p:notesMasterId r:id="rId31"/>
   </p:notesMasterIdLst>
   <p:handoutMasterIdLst>
-    <p:handoutMasterId r:id="rId30"/>
+    <p:handoutMasterId r:id="rId32"/>
   </p:handoutMasterIdLst>
   <p:sldIdLst>
     <p:sldId id="257" r:id="rId2"/>
@@ -38,6 +38,8 @@
     <p:sldId id="279" r:id="rId26"/>
     <p:sldId id="282" r:id="rId27"/>
     <p:sldId id="283" r:id="rId28"/>
+    <p:sldId id="284" r:id="rId29"/>
+    <p:sldId id="285" r:id="rId30"/>
   </p:sldIdLst>
   <p:sldSz cx="12188825" cy="6858000"/>
   <p:notesSz cx="6858000" cy="9144000"/>
@@ -2398,6 +2400,174 @@
     <p:extLst>
       <p:ext uri="{BB962C8B-B14F-4D97-AF65-F5344CB8AC3E}">
         <p14:creationId xmlns:p14="http://schemas.microsoft.com/office/powerpoint/2010/main" val="3068973015"/>
+      </p:ext>
+    </p:extLst>
+  </p:cSld>
+  <p:clrMapOvr>
+    <a:masterClrMapping/>
+  </p:clrMapOvr>
+</p:notes>
+</file>
+
+<file path=ppt/notesSlides/notesSlide28.xml><?xml version="1.0" encoding="utf-8"?>
+<p:notes xmlns:a="http://schemas.openxmlformats.org/drawingml/2006/main" xmlns:r="http://schemas.openxmlformats.org/officeDocument/2006/relationships" xmlns:p="http://schemas.openxmlformats.org/presentationml/2006/main">
+  <p:cSld>
+    <p:spTree>
+      <p:nvGrpSpPr>
+        <p:cNvPr id="1" name=""/>
+        <p:cNvGrpSpPr/>
+        <p:nvPr/>
+      </p:nvGrpSpPr>
+      <p:grpSpPr>
+        <a:xfrm>
+          <a:off x="0" y="0"/>
+          <a:ext cx="0" cy="0"/>
+          <a:chOff x="0" y="0"/>
+          <a:chExt cx="0" cy="0"/>
+        </a:xfrm>
+      </p:grpSpPr>
+      <p:sp>
+        <p:nvSpPr>
+          <p:cNvPr id="2" name="Slide Image Placeholder 1"/>
+          <p:cNvSpPr>
+            <a:spLocks noGrp="1" noRot="1" noChangeAspect="1"/>
+          </p:cNvSpPr>
+          <p:nvPr>
+            <p:ph type="sldImg"/>
+          </p:nvPr>
+        </p:nvSpPr>
+        <p:spPr/>
+      </p:sp>
+      <p:sp>
+        <p:nvSpPr>
+          <p:cNvPr id="3" name="Notes Placeholder 2"/>
+          <p:cNvSpPr>
+            <a:spLocks noGrp="1"/>
+          </p:cNvSpPr>
+          <p:nvPr>
+            <p:ph type="body" idx="1"/>
+          </p:nvPr>
+        </p:nvSpPr>
+        <p:spPr/>
+        <p:txBody>
+          <a:bodyPr/>
+          <a:lstStyle/>
+          <a:p>
+            <a:endParaRPr lang="en-US" dirty="0"/>
+          </a:p>
+        </p:txBody>
+      </p:sp>
+      <p:sp>
+        <p:nvSpPr>
+          <p:cNvPr id="4" name="Slide Number Placeholder 3"/>
+          <p:cNvSpPr>
+            <a:spLocks noGrp="1"/>
+          </p:cNvSpPr>
+          <p:nvPr>
+            <p:ph type="sldNum" sz="quarter" idx="10"/>
+          </p:nvPr>
+        </p:nvSpPr>
+        <p:spPr/>
+        <p:txBody>
+          <a:bodyPr/>
+          <a:lstStyle/>
+          <a:p>
+            <a:fld id="{6BB98AFB-CB0D-4DFE-87B9-B4B0D0DE73CD}" type="slidenum">
+              <a:rPr lang="en-US" smtClean="0"/>
+              <a:t>28</a:t>
+            </a:fld>
+            <a:endParaRPr lang="en-US" dirty="0"/>
+          </a:p>
+        </p:txBody>
+      </p:sp>
+    </p:spTree>
+    <p:extLst>
+      <p:ext uri="{BB962C8B-B14F-4D97-AF65-F5344CB8AC3E}">
+        <p14:creationId xmlns:p14="http://schemas.microsoft.com/office/powerpoint/2010/main" val="2039501996"/>
+      </p:ext>
+    </p:extLst>
+  </p:cSld>
+  <p:clrMapOvr>
+    <a:masterClrMapping/>
+  </p:clrMapOvr>
+</p:notes>
+</file>
+
+<file path=ppt/notesSlides/notesSlide29.xml><?xml version="1.0" encoding="utf-8"?>
+<p:notes xmlns:a="http://schemas.openxmlformats.org/drawingml/2006/main" xmlns:r="http://schemas.openxmlformats.org/officeDocument/2006/relationships" xmlns:p="http://schemas.openxmlformats.org/presentationml/2006/main">
+  <p:cSld>
+    <p:spTree>
+      <p:nvGrpSpPr>
+        <p:cNvPr id="1" name=""/>
+        <p:cNvGrpSpPr/>
+        <p:nvPr/>
+      </p:nvGrpSpPr>
+      <p:grpSpPr>
+        <a:xfrm>
+          <a:off x="0" y="0"/>
+          <a:ext cx="0" cy="0"/>
+          <a:chOff x="0" y="0"/>
+          <a:chExt cx="0" cy="0"/>
+        </a:xfrm>
+      </p:grpSpPr>
+      <p:sp>
+        <p:nvSpPr>
+          <p:cNvPr id="2" name="Slide Image Placeholder 1"/>
+          <p:cNvSpPr>
+            <a:spLocks noGrp="1" noRot="1" noChangeAspect="1"/>
+          </p:cNvSpPr>
+          <p:nvPr>
+            <p:ph type="sldImg"/>
+          </p:nvPr>
+        </p:nvSpPr>
+        <p:spPr/>
+      </p:sp>
+      <p:sp>
+        <p:nvSpPr>
+          <p:cNvPr id="3" name="Notes Placeholder 2"/>
+          <p:cNvSpPr>
+            <a:spLocks noGrp="1"/>
+          </p:cNvSpPr>
+          <p:nvPr>
+            <p:ph type="body" idx="1"/>
+          </p:nvPr>
+        </p:nvSpPr>
+        <p:spPr/>
+        <p:txBody>
+          <a:bodyPr/>
+          <a:lstStyle/>
+          <a:p>
+            <a:endParaRPr lang="en-US" dirty="0"/>
+          </a:p>
+        </p:txBody>
+      </p:sp>
+      <p:sp>
+        <p:nvSpPr>
+          <p:cNvPr id="4" name="Slide Number Placeholder 3"/>
+          <p:cNvSpPr>
+            <a:spLocks noGrp="1"/>
+          </p:cNvSpPr>
+          <p:nvPr>
+            <p:ph type="sldNum" sz="quarter" idx="10"/>
+          </p:nvPr>
+        </p:nvSpPr>
+        <p:spPr/>
+        <p:txBody>
+          <a:bodyPr/>
+          <a:lstStyle/>
+          <a:p>
+            <a:fld id="{6BB98AFB-CB0D-4DFE-87B9-B4B0D0DE73CD}" type="slidenum">
+              <a:rPr lang="en-US" smtClean="0"/>
+              <a:t>29</a:t>
+            </a:fld>
+            <a:endParaRPr lang="en-US" dirty="0"/>
+          </a:p>
+        </p:txBody>
+      </p:sp>
+    </p:spTree>
+    <p:extLst>
+      <p:ext uri="{BB962C8B-B14F-4D97-AF65-F5344CB8AC3E}">
+        <p14:creationId xmlns:p14="http://schemas.microsoft.com/office/powerpoint/2010/main" val="3520279937"/>
       </p:ext>
     </p:extLst>
   </p:cSld>
@@ -13429,18 +13599,13 @@
               <a:t>操作工作表 </a:t>
             </a:r>
             <a:r>
-              <a:rPr lang="en-US" altLang="zh-CN" sz="2800">
+              <a:rPr lang="en-US" altLang="zh-CN" sz="2800" dirty="0">
                 <a:latin typeface="ADLaM Display" panose="020F0502020204030204" pitchFamily="2" charset="0"/>
                 <a:ea typeface="ADLaM Display" panose="020F0502020204030204" pitchFamily="2" charset="0"/>
                 <a:cs typeface="ADLaM Display" panose="020F0502020204030204" pitchFamily="2" charset="0"/>
               </a:rPr>
               <a:t>– 6.3.1, 6.3.2</a:t>
             </a:r>
-            <a:endParaRPr lang="en-US" altLang="zh-CN" sz="2800" dirty="0">
-              <a:latin typeface="ADLaM Display" panose="020F0502020204030204" pitchFamily="2" charset="0"/>
-              <a:ea typeface="ADLaM Display" panose="020F0502020204030204" pitchFamily="2" charset="0"/>
-              <a:cs typeface="ADLaM Display" panose="020F0502020204030204" pitchFamily="2" charset="0"/>
-            </a:endParaRPr>
           </a:p>
         </p:txBody>
       </p:sp>
@@ -13672,6 +13837,853 @@
     <p:extLst>
       <p:ext uri="{BB962C8B-B14F-4D97-AF65-F5344CB8AC3E}">
         <p14:creationId xmlns:p14="http://schemas.microsoft.com/office/powerpoint/2010/main" val="1912169683"/>
+      </p:ext>
+    </p:extLst>
+  </p:cSld>
+  <p:clrMapOvr>
+    <a:masterClrMapping/>
+  </p:clrMapOvr>
+  <mc:AlternateContent xmlns:mc="http://schemas.openxmlformats.org/markup-compatibility/2006" xmlns:p14="http://schemas.microsoft.com/office/powerpoint/2010/main">
+    <mc:Choice Requires="p14">
+      <p:transition spd="med" p14:dur="700">
+        <p:fade/>
+      </p:transition>
+    </mc:Choice>
+    <mc:Fallback xmlns="">
+      <p:transition spd="med">
+        <p:fade/>
+      </p:transition>
+    </mc:Fallback>
+  </mc:AlternateContent>
+</p:sld>
+</file>
+
+<file path=ppt/slides/slide28.xml><?xml version="1.0" encoding="utf-8"?>
+<p:sld xmlns:a="http://schemas.openxmlformats.org/drawingml/2006/main" xmlns:r="http://schemas.openxmlformats.org/officeDocument/2006/relationships" xmlns:p="http://schemas.openxmlformats.org/presentationml/2006/main">
+  <p:cSld>
+    <p:spTree>
+      <p:nvGrpSpPr>
+        <p:cNvPr id="1" name=""/>
+        <p:cNvGrpSpPr/>
+        <p:nvPr/>
+      </p:nvGrpSpPr>
+      <p:grpSpPr>
+        <a:xfrm>
+          <a:off x="0" y="0"/>
+          <a:ext cx="0" cy="0"/>
+          <a:chOff x="0" y="0"/>
+          <a:chExt cx="0" cy="0"/>
+        </a:xfrm>
+      </p:grpSpPr>
+      <p:sp>
+        <p:nvSpPr>
+          <p:cNvPr id="4" name="Title 3"/>
+          <p:cNvSpPr>
+            <a:spLocks noGrp="1"/>
+          </p:cNvSpPr>
+          <p:nvPr>
+            <p:ph type="ctrTitle"/>
+          </p:nvPr>
+        </p:nvSpPr>
+        <p:spPr/>
+        <p:txBody>
+          <a:bodyPr>
+            <a:normAutofit/>
+          </a:bodyPr>
+          <a:lstStyle/>
+          <a:p>
+            <a:pPr algn="ctr"/>
+            <a:r>
+              <a:rPr lang="zh-CN" altLang="en-US" sz="4800" dirty="0">
+                <a:latin typeface="华文隶书" panose="02010800040101010101" pitchFamily="2" charset="-122"/>
+                <a:ea typeface="华文隶书" panose="02010800040101010101" pitchFamily="2" charset="-122"/>
+              </a:rPr>
+              <a:t>让</a:t>
+            </a:r>
+            <a:r>
+              <a:rPr lang="en-US" altLang="zh-CN" sz="4800" dirty="0">
+                <a:latin typeface="华文隶书" panose="02010800040101010101" pitchFamily="2" charset="-122"/>
+                <a:ea typeface="华文隶书" panose="02010800040101010101" pitchFamily="2" charset="-122"/>
+              </a:rPr>
+              <a:t>Python</a:t>
+            </a:r>
+            <a:r>
+              <a:rPr lang="zh-CN" altLang="en-US" sz="4800" dirty="0">
+                <a:latin typeface="华文隶书" panose="02010800040101010101" pitchFamily="2" charset="-122"/>
+                <a:ea typeface="华文隶书" panose="02010800040101010101" pitchFamily="2" charset="-122"/>
+              </a:rPr>
+              <a:t>遇上</a:t>
+            </a:r>
+            <a:r>
+              <a:rPr lang="en-US" altLang="zh-CN" sz="4800" dirty="0">
+                <a:latin typeface="华文隶书" panose="02010800040101010101" pitchFamily="2" charset="-122"/>
+                <a:ea typeface="华文隶书" panose="02010800040101010101" pitchFamily="2" charset="-122"/>
+              </a:rPr>
+              <a:t>Office</a:t>
+            </a:r>
+            <a:br>
+              <a:rPr lang="en-US" altLang="zh-CN" sz="4800" dirty="0">
+                <a:latin typeface="华文隶书" panose="02010800040101010101" pitchFamily="2" charset="-122"/>
+                <a:ea typeface="华文隶书" panose="02010800040101010101" pitchFamily="2" charset="-122"/>
+              </a:rPr>
+            </a:br>
+            <a:br>
+              <a:rPr lang="en-US" altLang="zh-CN" sz="4800" dirty="0">
+                <a:latin typeface="华文隶书" panose="02010800040101010101" pitchFamily="2" charset="-122"/>
+                <a:ea typeface="华文隶书" panose="02010800040101010101" pitchFamily="2" charset="-122"/>
+              </a:rPr>
+            </a:br>
+            <a:r>
+              <a:rPr lang="en-US" altLang="zh-CN" sz="4800" dirty="0">
+                <a:latin typeface="华文隶书" panose="02010800040101010101" pitchFamily="2" charset="-122"/>
+                <a:ea typeface="华文隶书" panose="02010800040101010101" pitchFamily="2" charset="-122"/>
+              </a:rPr>
+              <a:t>(Python with Office)</a:t>
+            </a:r>
+            <a:endParaRPr lang="en-US" sz="4800" dirty="0">
+              <a:latin typeface="华文隶书" panose="02010800040101010101" pitchFamily="2" charset="-122"/>
+              <a:ea typeface="华文隶书" panose="02010800040101010101" pitchFamily="2" charset="-122"/>
+            </a:endParaRPr>
+          </a:p>
+        </p:txBody>
+      </p:sp>
+      <p:sp>
+        <p:nvSpPr>
+          <p:cNvPr id="3" name="Content Placeholder 2"/>
+          <p:cNvSpPr>
+            <a:spLocks noGrp="1"/>
+          </p:cNvSpPr>
+          <p:nvPr>
+            <p:ph type="subTitle" idx="1"/>
+          </p:nvPr>
+        </p:nvSpPr>
+        <p:spPr>
+          <a:xfrm>
+            <a:off x="549796" y="3403600"/>
+            <a:ext cx="5544617" cy="2185640"/>
+          </a:xfrm>
+        </p:spPr>
+        <p:txBody>
+          <a:bodyPr>
+            <a:normAutofit/>
+          </a:bodyPr>
+          <a:lstStyle/>
+          <a:p>
+            <a:r>
+              <a:rPr lang="en-US" sz="2800" dirty="0">
+                <a:latin typeface="ADLaM Display" panose="020F0502020204030204" pitchFamily="2" charset="0"/>
+                <a:ea typeface="ADLaM Display" panose="020F0502020204030204" pitchFamily="2" charset="0"/>
+                <a:cs typeface="ADLaM Display" panose="020F0502020204030204" pitchFamily="2" charset="0"/>
+              </a:rPr>
+              <a:t>Chapter 6 Work with Excel</a:t>
+            </a:r>
+          </a:p>
+          <a:p>
+            <a:r>
+              <a:rPr lang="en-US" sz="2800" dirty="0">
+                <a:latin typeface="ADLaM Display" panose="020F0502020204030204" pitchFamily="2" charset="0"/>
+                <a:ea typeface="ADLaM Display" panose="020F0502020204030204" pitchFamily="2" charset="0"/>
+                <a:cs typeface="ADLaM Display" panose="020F0502020204030204" pitchFamily="2" charset="0"/>
+              </a:rPr>
+              <a:t>6.3 Operate Worksheets</a:t>
+            </a:r>
+          </a:p>
+          <a:p>
+            <a:r>
+              <a:rPr lang="zh-CN" altLang="en-US" sz="2800" dirty="0">
+                <a:latin typeface="ADLaM Display" panose="020F0502020204030204" pitchFamily="2" charset="0"/>
+                <a:ea typeface="ADLaM Display" panose="020F0502020204030204" pitchFamily="2" charset="0"/>
+                <a:cs typeface="ADLaM Display" panose="020F0502020204030204" pitchFamily="2" charset="0"/>
+              </a:rPr>
+              <a:t>第六章 操作</a:t>
+            </a:r>
+            <a:r>
+              <a:rPr lang="en-US" altLang="zh-CN" sz="2800" dirty="0">
+                <a:latin typeface="ADLaM Display" panose="020F0502020204030204" pitchFamily="2" charset="0"/>
+                <a:ea typeface="ADLaM Display" panose="020F0502020204030204" pitchFamily="2" charset="0"/>
+                <a:cs typeface="ADLaM Display" panose="020F0502020204030204" pitchFamily="2" charset="0"/>
+              </a:rPr>
+              <a:t>Excel</a:t>
+            </a:r>
+          </a:p>
+          <a:p>
+            <a:r>
+              <a:rPr lang="en-US" altLang="zh-CN" sz="2800" dirty="0">
+                <a:latin typeface="ADLaM Display" panose="020F0502020204030204" pitchFamily="2" charset="0"/>
+                <a:ea typeface="ADLaM Display" panose="020F0502020204030204" pitchFamily="2" charset="0"/>
+                <a:cs typeface="ADLaM Display" panose="020F0502020204030204" pitchFamily="2" charset="0"/>
+              </a:rPr>
+              <a:t>6.3 </a:t>
+            </a:r>
+            <a:r>
+              <a:rPr lang="zh-CN" altLang="en-US" sz="2800" dirty="0">
+                <a:latin typeface="ADLaM Display" panose="020F0502020204030204" pitchFamily="2" charset="0"/>
+                <a:ea typeface="ADLaM Display" panose="020F0502020204030204" pitchFamily="2" charset="0"/>
+                <a:cs typeface="ADLaM Display" panose="020F0502020204030204" pitchFamily="2" charset="0"/>
+              </a:rPr>
+              <a:t>操作工作表 </a:t>
+            </a:r>
+            <a:r>
+              <a:rPr lang="en-US" altLang="zh-CN" sz="2800" dirty="0">
+                <a:latin typeface="ADLaM Display" panose="020F0502020204030204" pitchFamily="2" charset="0"/>
+                <a:ea typeface="ADLaM Display" panose="020F0502020204030204" pitchFamily="2" charset="0"/>
+                <a:cs typeface="ADLaM Display" panose="020F0502020204030204" pitchFamily="2" charset="0"/>
+              </a:rPr>
+              <a:t>– 6.3.3, 6.3.4</a:t>
+            </a:r>
+          </a:p>
+        </p:txBody>
+      </p:sp>
+      <p:pic>
+        <p:nvPicPr>
+          <p:cNvPr id="5" name="Picture 4">
+            <a:extLst>
+              <a:ext uri="{FF2B5EF4-FFF2-40B4-BE49-F238E27FC236}">
+                <a16:creationId xmlns:a16="http://schemas.microsoft.com/office/drawing/2014/main" id="{4AD8B85C-B359-195F-B78C-C879AB7840B1}"/>
+              </a:ext>
+            </a:extLst>
+          </p:cNvPr>
+          <p:cNvPicPr>
+            <a:picLocks noChangeAspect="1"/>
+          </p:cNvPicPr>
+          <p:nvPr/>
+        </p:nvPicPr>
+        <p:blipFill>
+          <a:blip r:embed="rId3"/>
+          <a:stretch>
+            <a:fillRect/>
+          </a:stretch>
+        </p:blipFill>
+        <p:spPr>
+          <a:xfrm>
+            <a:off x="57601" y="1189856"/>
+            <a:ext cx="1068259" cy="1556792"/>
+          </a:xfrm>
+          <a:prstGeom prst="rect">
+            <a:avLst/>
+          </a:prstGeom>
+          <a:ln>
+            <a:noFill/>
+          </a:ln>
+          <a:effectLst>
+            <a:outerShdw blurRad="292100" dist="139700" dir="2700000" algn="tl" rotWithShape="0">
+              <a:srgbClr val="333333">
+                <a:alpha val="65000"/>
+              </a:srgbClr>
+            </a:outerShdw>
+          </a:effectLst>
+        </p:spPr>
+      </p:pic>
+      <p:sp>
+        <p:nvSpPr>
+          <p:cNvPr id="2" name="TextBox 1">
+            <a:extLst>
+              <a:ext uri="{FF2B5EF4-FFF2-40B4-BE49-F238E27FC236}">
+                <a16:creationId xmlns:a16="http://schemas.microsoft.com/office/drawing/2014/main" id="{CAB2C784-DE74-68FC-7A84-3E6C5D164315}"/>
+              </a:ext>
+            </a:extLst>
+          </p:cNvPr>
+          <p:cNvSpPr txBox="1"/>
+          <p:nvPr/>
+        </p:nvSpPr>
+        <p:spPr>
+          <a:xfrm>
+            <a:off x="405780" y="5722972"/>
+            <a:ext cx="7951216" cy="523220"/>
+          </a:xfrm>
+          <a:prstGeom prst="rect">
+            <a:avLst/>
+          </a:prstGeom>
+          <a:solidFill>
+            <a:schemeClr val="bg1">
+              <a:lumMod val="95000"/>
+            </a:schemeClr>
+          </a:solidFill>
+          <a:ln>
+            <a:solidFill>
+              <a:schemeClr val="bg2"/>
+            </a:solidFill>
+          </a:ln>
+        </p:spPr>
+        <p:txBody>
+          <a:bodyPr wrap="none" rtlCol="0" anchor="ctr" anchorCtr="1">
+            <a:spAutoFit/>
+          </a:bodyPr>
+          <a:lstStyle/>
+          <a:p>
+            <a:r>
+              <a:rPr lang="en-US" sz="2800" dirty="0">
+                <a:hlinkClick r:id="rId4"/>
+              </a:rPr>
+              <a:t>https://github.com/yasenstar/python_with_office</a:t>
+            </a:r>
+            <a:endParaRPr lang="en-US" sz="2800" dirty="0"/>
+          </a:p>
+        </p:txBody>
+      </p:sp>
+      <p:sp>
+        <p:nvSpPr>
+          <p:cNvPr id="9" name="TextBox 8">
+            <a:extLst>
+              <a:ext uri="{FF2B5EF4-FFF2-40B4-BE49-F238E27FC236}">
+                <a16:creationId xmlns:a16="http://schemas.microsoft.com/office/drawing/2014/main" id="{C25C84F5-3AA3-A068-7E2F-9123CA5A7D16}"/>
+              </a:ext>
+            </a:extLst>
+          </p:cNvPr>
+          <p:cNvSpPr txBox="1"/>
+          <p:nvPr/>
+        </p:nvSpPr>
+        <p:spPr>
+          <a:xfrm>
+            <a:off x="405780" y="6246192"/>
+            <a:ext cx="7951216" cy="523220"/>
+          </a:xfrm>
+          <a:prstGeom prst="rect">
+            <a:avLst/>
+          </a:prstGeom>
+          <a:solidFill>
+            <a:schemeClr val="bg1">
+              <a:lumMod val="95000"/>
+            </a:schemeClr>
+          </a:solidFill>
+          <a:ln>
+            <a:solidFill>
+              <a:schemeClr val="bg2"/>
+            </a:solidFill>
+          </a:ln>
+        </p:spPr>
+        <p:txBody>
+          <a:bodyPr wrap="square" rtlCol="0" anchor="ctr" anchorCtr="1">
+            <a:spAutoFit/>
+          </a:bodyPr>
+          <a:lstStyle/>
+          <a:p>
+            <a:r>
+              <a:rPr lang="en-US" sz="2800" dirty="0">
+                <a:hlinkClick r:id="rId5"/>
+              </a:rPr>
+              <a:t>https://gitee.com/yasenstar/python_with_office</a:t>
+            </a:r>
+            <a:endParaRPr lang="en-US" sz="2800" dirty="0"/>
+          </a:p>
+        </p:txBody>
+      </p:sp>
+      <p:pic>
+        <p:nvPicPr>
+          <p:cNvPr id="7" name="Picture 6">
+            <a:extLst>
+              <a:ext uri="{FF2B5EF4-FFF2-40B4-BE49-F238E27FC236}">
+                <a16:creationId xmlns:a16="http://schemas.microsoft.com/office/drawing/2014/main" id="{AF7D92D3-B677-4166-329F-00F509FD6567}"/>
+              </a:ext>
+            </a:extLst>
+          </p:cNvPr>
+          <p:cNvPicPr>
+            <a:picLocks noChangeAspect="1"/>
+          </p:cNvPicPr>
+          <p:nvPr/>
+        </p:nvPicPr>
+        <p:blipFill>
+          <a:blip r:embed="rId6"/>
+          <a:stretch>
+            <a:fillRect/>
+          </a:stretch>
+        </p:blipFill>
+        <p:spPr>
+          <a:xfrm>
+            <a:off x="6238427" y="1412776"/>
+            <a:ext cx="5544617" cy="4032448"/>
+          </a:xfrm>
+          <a:prstGeom prst="rect">
+            <a:avLst/>
+          </a:prstGeom>
+          <a:ln>
+            <a:noFill/>
+          </a:ln>
+          <a:effectLst>
+            <a:outerShdw blurRad="292100" dist="139700" dir="2700000" algn="tl" rotWithShape="0">
+              <a:srgbClr val="333333">
+                <a:alpha val="65000"/>
+              </a:srgbClr>
+            </a:outerShdw>
+          </a:effectLst>
+        </p:spPr>
+      </p:pic>
+      <p:sp>
+        <p:nvSpPr>
+          <p:cNvPr id="6" name="Rectangle 5">
+            <a:extLst>
+              <a:ext uri="{FF2B5EF4-FFF2-40B4-BE49-F238E27FC236}">
+                <a16:creationId xmlns:a16="http://schemas.microsoft.com/office/drawing/2014/main" id="{D09F8F01-88B4-8737-6E40-585AEC0F3D09}"/>
+              </a:ext>
+            </a:extLst>
+          </p:cNvPr>
+          <p:cNvSpPr/>
+          <p:nvPr/>
+        </p:nvSpPr>
+        <p:spPr>
+          <a:xfrm>
+            <a:off x="8254652" y="2348880"/>
+            <a:ext cx="3384377" cy="2088232"/>
+          </a:xfrm>
+          <a:prstGeom prst="rect">
+            <a:avLst/>
+          </a:prstGeom>
+          <a:noFill/>
+          <a:ln w="38100">
+            <a:solidFill>
+              <a:srgbClr val="FF0000"/>
+            </a:solidFill>
+          </a:ln>
+        </p:spPr>
+        <p:style>
+          <a:lnRef idx="2">
+            <a:schemeClr val="accent3"/>
+          </a:lnRef>
+          <a:fillRef idx="1">
+            <a:schemeClr val="lt1"/>
+          </a:fillRef>
+          <a:effectRef idx="0">
+            <a:schemeClr val="accent3"/>
+          </a:effectRef>
+          <a:fontRef idx="minor">
+            <a:schemeClr val="dk1"/>
+          </a:fontRef>
+        </p:style>
+        <p:txBody>
+          <a:bodyPr rtlCol="0" anchor="ctr"/>
+          <a:lstStyle/>
+          <a:p>
+            <a:pPr algn="ctr"/>
+            <a:endParaRPr lang="en-US" dirty="0"/>
+          </a:p>
+        </p:txBody>
+      </p:sp>
+    </p:spTree>
+    <p:extLst>
+      <p:ext uri="{BB962C8B-B14F-4D97-AF65-F5344CB8AC3E}">
+        <p14:creationId xmlns:p14="http://schemas.microsoft.com/office/powerpoint/2010/main" val="363567700"/>
+      </p:ext>
+    </p:extLst>
+  </p:cSld>
+  <p:clrMapOvr>
+    <a:masterClrMapping/>
+  </p:clrMapOvr>
+  <mc:AlternateContent xmlns:mc="http://schemas.openxmlformats.org/markup-compatibility/2006" xmlns:p14="http://schemas.microsoft.com/office/powerpoint/2010/main">
+    <mc:Choice Requires="p14">
+      <p:transition spd="med" p14:dur="700">
+        <p:fade/>
+      </p:transition>
+    </mc:Choice>
+    <mc:Fallback xmlns="">
+      <p:transition spd="med">
+        <p:fade/>
+      </p:transition>
+    </mc:Fallback>
+  </mc:AlternateContent>
+</p:sld>
+</file>
+
+<file path=ppt/slides/slide29.xml><?xml version="1.0" encoding="utf-8"?>
+<p:sld xmlns:a="http://schemas.openxmlformats.org/drawingml/2006/main" xmlns:r="http://schemas.openxmlformats.org/officeDocument/2006/relationships" xmlns:p="http://schemas.openxmlformats.org/presentationml/2006/main">
+  <p:cSld>
+    <p:spTree>
+      <p:nvGrpSpPr>
+        <p:cNvPr id="1" name=""/>
+        <p:cNvGrpSpPr/>
+        <p:nvPr/>
+      </p:nvGrpSpPr>
+      <p:grpSpPr>
+        <a:xfrm>
+          <a:off x="0" y="0"/>
+          <a:ext cx="0" cy="0"/>
+          <a:chOff x="0" y="0"/>
+          <a:chExt cx="0" cy="0"/>
+        </a:xfrm>
+      </p:grpSpPr>
+      <p:sp>
+        <p:nvSpPr>
+          <p:cNvPr id="4" name="Title 3"/>
+          <p:cNvSpPr>
+            <a:spLocks noGrp="1"/>
+          </p:cNvSpPr>
+          <p:nvPr>
+            <p:ph type="ctrTitle"/>
+          </p:nvPr>
+        </p:nvSpPr>
+        <p:spPr/>
+        <p:txBody>
+          <a:bodyPr>
+            <a:normAutofit/>
+          </a:bodyPr>
+          <a:lstStyle/>
+          <a:p>
+            <a:pPr algn="ctr"/>
+            <a:r>
+              <a:rPr lang="zh-CN" altLang="en-US" sz="4800" dirty="0">
+                <a:latin typeface="华文隶书" panose="02010800040101010101" pitchFamily="2" charset="-122"/>
+                <a:ea typeface="华文隶书" panose="02010800040101010101" pitchFamily="2" charset="-122"/>
+              </a:rPr>
+              <a:t>让</a:t>
+            </a:r>
+            <a:r>
+              <a:rPr lang="en-US" altLang="zh-CN" sz="4800" dirty="0">
+                <a:latin typeface="华文隶书" panose="02010800040101010101" pitchFamily="2" charset="-122"/>
+                <a:ea typeface="华文隶书" panose="02010800040101010101" pitchFamily="2" charset="-122"/>
+              </a:rPr>
+              <a:t>Python</a:t>
+            </a:r>
+            <a:r>
+              <a:rPr lang="zh-CN" altLang="en-US" sz="4800" dirty="0">
+                <a:latin typeface="华文隶书" panose="02010800040101010101" pitchFamily="2" charset="-122"/>
+                <a:ea typeface="华文隶书" panose="02010800040101010101" pitchFamily="2" charset="-122"/>
+              </a:rPr>
+              <a:t>遇上</a:t>
+            </a:r>
+            <a:r>
+              <a:rPr lang="en-US" altLang="zh-CN" sz="4800" dirty="0">
+                <a:latin typeface="华文隶书" panose="02010800040101010101" pitchFamily="2" charset="-122"/>
+                <a:ea typeface="华文隶书" panose="02010800040101010101" pitchFamily="2" charset="-122"/>
+              </a:rPr>
+              <a:t>Office</a:t>
+            </a:r>
+            <a:br>
+              <a:rPr lang="en-US" altLang="zh-CN" sz="4800" dirty="0">
+                <a:latin typeface="华文隶书" panose="02010800040101010101" pitchFamily="2" charset="-122"/>
+                <a:ea typeface="华文隶书" panose="02010800040101010101" pitchFamily="2" charset="-122"/>
+              </a:rPr>
+            </a:br>
+            <a:br>
+              <a:rPr lang="en-US" altLang="zh-CN" sz="4800" dirty="0">
+                <a:latin typeface="华文隶书" panose="02010800040101010101" pitchFamily="2" charset="-122"/>
+                <a:ea typeface="华文隶书" panose="02010800040101010101" pitchFamily="2" charset="-122"/>
+              </a:rPr>
+            </a:br>
+            <a:r>
+              <a:rPr lang="en-US" altLang="zh-CN" sz="4800" dirty="0">
+                <a:latin typeface="华文隶书" panose="02010800040101010101" pitchFamily="2" charset="-122"/>
+                <a:ea typeface="华文隶书" panose="02010800040101010101" pitchFamily="2" charset="-122"/>
+              </a:rPr>
+              <a:t>(Python with Office)</a:t>
+            </a:r>
+            <a:endParaRPr lang="en-US" sz="4800" dirty="0">
+              <a:latin typeface="华文隶书" panose="02010800040101010101" pitchFamily="2" charset="-122"/>
+              <a:ea typeface="华文隶书" panose="02010800040101010101" pitchFamily="2" charset="-122"/>
+            </a:endParaRPr>
+          </a:p>
+        </p:txBody>
+      </p:sp>
+      <p:sp>
+        <p:nvSpPr>
+          <p:cNvPr id="3" name="Content Placeholder 2"/>
+          <p:cNvSpPr>
+            <a:spLocks noGrp="1"/>
+          </p:cNvSpPr>
+          <p:nvPr>
+            <p:ph type="subTitle" idx="1"/>
+          </p:nvPr>
+        </p:nvSpPr>
+        <p:spPr>
+          <a:xfrm>
+            <a:off x="549796" y="3403600"/>
+            <a:ext cx="5544617" cy="2185640"/>
+          </a:xfrm>
+        </p:spPr>
+        <p:txBody>
+          <a:bodyPr>
+            <a:normAutofit/>
+          </a:bodyPr>
+          <a:lstStyle/>
+          <a:p>
+            <a:r>
+              <a:rPr lang="en-US" sz="2800" dirty="0">
+                <a:latin typeface="ADLaM Display" panose="020F0502020204030204" pitchFamily="2" charset="0"/>
+                <a:ea typeface="ADLaM Display" panose="020F0502020204030204" pitchFamily="2" charset="0"/>
+                <a:cs typeface="ADLaM Display" panose="020F0502020204030204" pitchFamily="2" charset="0"/>
+              </a:rPr>
+              <a:t>Chapter 6 Work with Excel</a:t>
+            </a:r>
+          </a:p>
+          <a:p>
+            <a:r>
+              <a:rPr lang="en-US" sz="2800" dirty="0">
+                <a:latin typeface="ADLaM Display" panose="020F0502020204030204" pitchFamily="2" charset="0"/>
+                <a:ea typeface="ADLaM Display" panose="020F0502020204030204" pitchFamily="2" charset="0"/>
+                <a:cs typeface="ADLaM Display" panose="020F0502020204030204" pitchFamily="2" charset="0"/>
+              </a:rPr>
+              <a:t>6.3 Operate Worksheets</a:t>
+            </a:r>
+          </a:p>
+          <a:p>
+            <a:r>
+              <a:rPr lang="zh-CN" altLang="en-US" sz="2800" dirty="0">
+                <a:latin typeface="ADLaM Display" panose="020F0502020204030204" pitchFamily="2" charset="0"/>
+                <a:ea typeface="ADLaM Display" panose="020F0502020204030204" pitchFamily="2" charset="0"/>
+                <a:cs typeface="ADLaM Display" panose="020F0502020204030204" pitchFamily="2" charset="0"/>
+              </a:rPr>
+              <a:t>第六章 操作</a:t>
+            </a:r>
+            <a:r>
+              <a:rPr lang="en-US" altLang="zh-CN" sz="2800" dirty="0">
+                <a:latin typeface="ADLaM Display" panose="020F0502020204030204" pitchFamily="2" charset="0"/>
+                <a:ea typeface="ADLaM Display" panose="020F0502020204030204" pitchFamily="2" charset="0"/>
+                <a:cs typeface="ADLaM Display" panose="020F0502020204030204" pitchFamily="2" charset="0"/>
+              </a:rPr>
+              <a:t>Excel</a:t>
+            </a:r>
+          </a:p>
+          <a:p>
+            <a:r>
+              <a:rPr lang="en-US" altLang="zh-CN" sz="2800" dirty="0">
+                <a:latin typeface="ADLaM Display" panose="020F0502020204030204" pitchFamily="2" charset="0"/>
+                <a:ea typeface="ADLaM Display" panose="020F0502020204030204" pitchFamily="2" charset="0"/>
+                <a:cs typeface="ADLaM Display" panose="020F0502020204030204" pitchFamily="2" charset="0"/>
+              </a:rPr>
+              <a:t>6.3 </a:t>
+            </a:r>
+            <a:r>
+              <a:rPr lang="zh-CN" altLang="en-US" sz="2800" dirty="0">
+                <a:latin typeface="ADLaM Display" panose="020F0502020204030204" pitchFamily="2" charset="0"/>
+                <a:ea typeface="ADLaM Display" panose="020F0502020204030204" pitchFamily="2" charset="0"/>
+                <a:cs typeface="ADLaM Display" panose="020F0502020204030204" pitchFamily="2" charset="0"/>
+              </a:rPr>
+              <a:t>操作工作表</a:t>
+            </a:r>
+            <a:endParaRPr lang="en-US" altLang="zh-CN" sz="2800" dirty="0">
+              <a:latin typeface="ADLaM Display" panose="020F0502020204030204" pitchFamily="2" charset="0"/>
+              <a:ea typeface="ADLaM Display" panose="020F0502020204030204" pitchFamily="2" charset="0"/>
+              <a:cs typeface="ADLaM Display" panose="020F0502020204030204" pitchFamily="2" charset="0"/>
+            </a:endParaRPr>
+          </a:p>
+        </p:txBody>
+      </p:sp>
+      <p:pic>
+        <p:nvPicPr>
+          <p:cNvPr id="5" name="Picture 4">
+            <a:extLst>
+              <a:ext uri="{FF2B5EF4-FFF2-40B4-BE49-F238E27FC236}">
+                <a16:creationId xmlns:a16="http://schemas.microsoft.com/office/drawing/2014/main" id="{4AD8B85C-B359-195F-B78C-C879AB7840B1}"/>
+              </a:ext>
+            </a:extLst>
+          </p:cNvPr>
+          <p:cNvPicPr>
+            <a:picLocks noChangeAspect="1"/>
+          </p:cNvPicPr>
+          <p:nvPr/>
+        </p:nvPicPr>
+        <p:blipFill>
+          <a:blip r:embed="rId3"/>
+          <a:stretch>
+            <a:fillRect/>
+          </a:stretch>
+        </p:blipFill>
+        <p:spPr>
+          <a:xfrm>
+            <a:off x="57601" y="1189856"/>
+            <a:ext cx="1068259" cy="1556792"/>
+          </a:xfrm>
+          <a:prstGeom prst="rect">
+            <a:avLst/>
+          </a:prstGeom>
+          <a:ln>
+            <a:noFill/>
+          </a:ln>
+          <a:effectLst>
+            <a:outerShdw blurRad="292100" dist="139700" dir="2700000" algn="tl" rotWithShape="0">
+              <a:srgbClr val="333333">
+                <a:alpha val="65000"/>
+              </a:srgbClr>
+            </a:outerShdw>
+          </a:effectLst>
+        </p:spPr>
+      </p:pic>
+      <p:sp>
+        <p:nvSpPr>
+          <p:cNvPr id="2" name="TextBox 1">
+            <a:extLst>
+              <a:ext uri="{FF2B5EF4-FFF2-40B4-BE49-F238E27FC236}">
+                <a16:creationId xmlns:a16="http://schemas.microsoft.com/office/drawing/2014/main" id="{CAB2C784-DE74-68FC-7A84-3E6C5D164315}"/>
+              </a:ext>
+            </a:extLst>
+          </p:cNvPr>
+          <p:cNvSpPr txBox="1"/>
+          <p:nvPr/>
+        </p:nvSpPr>
+        <p:spPr>
+          <a:xfrm>
+            <a:off x="405780" y="5722972"/>
+            <a:ext cx="7951216" cy="523220"/>
+          </a:xfrm>
+          <a:prstGeom prst="rect">
+            <a:avLst/>
+          </a:prstGeom>
+          <a:solidFill>
+            <a:schemeClr val="bg1">
+              <a:lumMod val="95000"/>
+            </a:schemeClr>
+          </a:solidFill>
+          <a:ln>
+            <a:solidFill>
+              <a:schemeClr val="bg2"/>
+            </a:solidFill>
+          </a:ln>
+        </p:spPr>
+        <p:txBody>
+          <a:bodyPr wrap="none" rtlCol="0" anchor="ctr" anchorCtr="1">
+            <a:spAutoFit/>
+          </a:bodyPr>
+          <a:lstStyle/>
+          <a:p>
+            <a:r>
+              <a:rPr lang="en-US" sz="2800" dirty="0">
+                <a:hlinkClick r:id="rId4"/>
+              </a:rPr>
+              <a:t>https://github.com/yasenstar/python_with_office</a:t>
+            </a:r>
+            <a:endParaRPr lang="en-US" sz="2800" dirty="0"/>
+          </a:p>
+        </p:txBody>
+      </p:sp>
+      <p:sp>
+        <p:nvSpPr>
+          <p:cNvPr id="9" name="TextBox 8">
+            <a:extLst>
+              <a:ext uri="{FF2B5EF4-FFF2-40B4-BE49-F238E27FC236}">
+                <a16:creationId xmlns:a16="http://schemas.microsoft.com/office/drawing/2014/main" id="{C25C84F5-3AA3-A068-7E2F-9123CA5A7D16}"/>
+              </a:ext>
+            </a:extLst>
+          </p:cNvPr>
+          <p:cNvSpPr txBox="1"/>
+          <p:nvPr/>
+        </p:nvSpPr>
+        <p:spPr>
+          <a:xfrm>
+            <a:off x="405780" y="6246192"/>
+            <a:ext cx="7951216" cy="523220"/>
+          </a:xfrm>
+          <a:prstGeom prst="rect">
+            <a:avLst/>
+          </a:prstGeom>
+          <a:solidFill>
+            <a:schemeClr val="bg1">
+              <a:lumMod val="95000"/>
+            </a:schemeClr>
+          </a:solidFill>
+          <a:ln>
+            <a:solidFill>
+              <a:schemeClr val="bg2"/>
+            </a:solidFill>
+          </a:ln>
+        </p:spPr>
+        <p:txBody>
+          <a:bodyPr wrap="square" rtlCol="0" anchor="ctr" anchorCtr="1">
+            <a:spAutoFit/>
+          </a:bodyPr>
+          <a:lstStyle/>
+          <a:p>
+            <a:r>
+              <a:rPr lang="en-US" sz="2800" dirty="0">
+                <a:hlinkClick r:id="rId5"/>
+              </a:rPr>
+              <a:t>https://gitee.com/yasenstar/python_with_office</a:t>
+            </a:r>
+            <a:endParaRPr lang="en-US" sz="2800" dirty="0"/>
+          </a:p>
+        </p:txBody>
+      </p:sp>
+      <p:pic>
+        <p:nvPicPr>
+          <p:cNvPr id="7" name="Picture 6">
+            <a:extLst>
+              <a:ext uri="{FF2B5EF4-FFF2-40B4-BE49-F238E27FC236}">
+                <a16:creationId xmlns:a16="http://schemas.microsoft.com/office/drawing/2014/main" id="{AF7D92D3-B677-4166-329F-00F509FD6567}"/>
+              </a:ext>
+            </a:extLst>
+          </p:cNvPr>
+          <p:cNvPicPr>
+            <a:picLocks noChangeAspect="1"/>
+          </p:cNvPicPr>
+          <p:nvPr/>
+        </p:nvPicPr>
+        <p:blipFill>
+          <a:blip r:embed="rId6"/>
+          <a:stretch>
+            <a:fillRect/>
+          </a:stretch>
+        </p:blipFill>
+        <p:spPr>
+          <a:xfrm>
+            <a:off x="6238427" y="1412776"/>
+            <a:ext cx="5544617" cy="4032448"/>
+          </a:xfrm>
+          <a:prstGeom prst="rect">
+            <a:avLst/>
+          </a:prstGeom>
+          <a:ln>
+            <a:noFill/>
+          </a:ln>
+          <a:effectLst>
+            <a:outerShdw blurRad="292100" dist="139700" dir="2700000" algn="tl" rotWithShape="0">
+              <a:srgbClr val="333333">
+                <a:alpha val="65000"/>
+              </a:srgbClr>
+            </a:outerShdw>
+          </a:effectLst>
+        </p:spPr>
+      </p:pic>
+      <p:sp>
+        <p:nvSpPr>
+          <p:cNvPr id="6" name="Rectangle 5">
+            <a:extLst>
+              <a:ext uri="{FF2B5EF4-FFF2-40B4-BE49-F238E27FC236}">
+                <a16:creationId xmlns:a16="http://schemas.microsoft.com/office/drawing/2014/main" id="{B9D48B81-3C0E-F46D-9F64-C03D1DE668AB}"/>
+              </a:ext>
+            </a:extLst>
+          </p:cNvPr>
+          <p:cNvSpPr/>
+          <p:nvPr/>
+        </p:nvSpPr>
+        <p:spPr>
+          <a:xfrm>
+            <a:off x="8254652" y="4365104"/>
+            <a:ext cx="3384377" cy="1008112"/>
+          </a:xfrm>
+          <a:prstGeom prst="rect">
+            <a:avLst/>
+          </a:prstGeom>
+          <a:noFill/>
+          <a:ln w="38100">
+            <a:solidFill>
+              <a:srgbClr val="FF0000"/>
+            </a:solidFill>
+          </a:ln>
+        </p:spPr>
+        <p:style>
+          <a:lnRef idx="2">
+            <a:schemeClr val="accent3"/>
+          </a:lnRef>
+          <a:fillRef idx="1">
+            <a:schemeClr val="lt1"/>
+          </a:fillRef>
+          <a:effectRef idx="0">
+            <a:schemeClr val="accent3"/>
+          </a:effectRef>
+          <a:fontRef idx="minor">
+            <a:schemeClr val="dk1"/>
+          </a:fontRef>
+        </p:style>
+        <p:txBody>
+          <a:bodyPr rtlCol="0" anchor="ctr"/>
+          <a:lstStyle/>
+          <a:p>
+            <a:pPr algn="ctr"/>
+            <a:endParaRPr lang="en-US" dirty="0"/>
+          </a:p>
+        </p:txBody>
+      </p:sp>
+    </p:spTree>
+    <p:extLst>
+      <p:ext uri="{BB962C8B-B14F-4D97-AF65-F5344CB8AC3E}">
+        <p14:creationId xmlns:p14="http://schemas.microsoft.com/office/powerpoint/2010/main" val="1114009510"/>
       </p:ext>
     </p:extLst>
   </p:cSld>

--- a/Video_Covers.pptx
+++ b/Video_Covers.pptx
@@ -5,10 +5,10 @@
     <p:sldMasterId id="2147483660" r:id="rId1"/>
   </p:sldMasterIdLst>
   <p:notesMasterIdLst>
-    <p:notesMasterId r:id="rId31"/>
+    <p:notesMasterId r:id="rId32"/>
   </p:notesMasterIdLst>
   <p:handoutMasterIdLst>
-    <p:handoutMasterId r:id="rId32"/>
+    <p:handoutMasterId r:id="rId33"/>
   </p:handoutMasterIdLst>
   <p:sldIdLst>
     <p:sldId id="257" r:id="rId2"/>
@@ -40,6 +40,7 @@
     <p:sldId id="283" r:id="rId28"/>
     <p:sldId id="284" r:id="rId29"/>
     <p:sldId id="285" r:id="rId30"/>
+    <p:sldId id="286" r:id="rId31"/>
   </p:sldIdLst>
   <p:sldSz cx="12188825" cy="6858000"/>
   <p:notesSz cx="6858000" cy="9144000"/>
@@ -302,7 +303,7 @@
           <a:p>
             <a:fld id="{24CE221E-83ED-4F6C-BA5F-3F9E6FDB6953}" type="datetimeFigureOut">
               <a:rPr lang="en-US"/>
-              <a:t>11/27/2023</a:t>
+              <a:t>11/28/2023</a:t>
             </a:fld>
             <a:endParaRPr dirty="0"/>
           </a:p>
@@ -467,7 +468,7 @@
           <a:p>
             <a:fld id="{97853E5F-CE67-483C-A264-F17AC70E9CA2}" type="datetimeFigureOut">
               <a:rPr lang="en-US"/>
-              <a:t>11/27/2023</a:t>
+              <a:t>11/28/2023</a:t>
             </a:fld>
             <a:endParaRPr dirty="0"/>
           </a:p>
@@ -2661,6 +2662,90 @@
 </p:notes>
 </file>
 
+<file path=ppt/notesSlides/notesSlide30.xml><?xml version="1.0" encoding="utf-8"?>
+<p:notes xmlns:a="http://schemas.openxmlformats.org/drawingml/2006/main" xmlns:r="http://schemas.openxmlformats.org/officeDocument/2006/relationships" xmlns:p="http://schemas.openxmlformats.org/presentationml/2006/main">
+  <p:cSld>
+    <p:spTree>
+      <p:nvGrpSpPr>
+        <p:cNvPr id="1" name=""/>
+        <p:cNvGrpSpPr/>
+        <p:nvPr/>
+      </p:nvGrpSpPr>
+      <p:grpSpPr>
+        <a:xfrm>
+          <a:off x="0" y="0"/>
+          <a:ext cx="0" cy="0"/>
+          <a:chOff x="0" y="0"/>
+          <a:chExt cx="0" cy="0"/>
+        </a:xfrm>
+      </p:grpSpPr>
+      <p:sp>
+        <p:nvSpPr>
+          <p:cNvPr id="2" name="Slide Image Placeholder 1"/>
+          <p:cNvSpPr>
+            <a:spLocks noGrp="1" noRot="1" noChangeAspect="1"/>
+          </p:cNvSpPr>
+          <p:nvPr>
+            <p:ph type="sldImg"/>
+          </p:nvPr>
+        </p:nvSpPr>
+        <p:spPr/>
+      </p:sp>
+      <p:sp>
+        <p:nvSpPr>
+          <p:cNvPr id="3" name="Notes Placeholder 2"/>
+          <p:cNvSpPr>
+            <a:spLocks noGrp="1"/>
+          </p:cNvSpPr>
+          <p:nvPr>
+            <p:ph type="body" idx="1"/>
+          </p:nvPr>
+        </p:nvSpPr>
+        <p:spPr/>
+        <p:txBody>
+          <a:bodyPr/>
+          <a:lstStyle/>
+          <a:p>
+            <a:endParaRPr lang="en-US" dirty="0"/>
+          </a:p>
+        </p:txBody>
+      </p:sp>
+      <p:sp>
+        <p:nvSpPr>
+          <p:cNvPr id="4" name="Slide Number Placeholder 3"/>
+          <p:cNvSpPr>
+            <a:spLocks noGrp="1"/>
+          </p:cNvSpPr>
+          <p:nvPr>
+            <p:ph type="sldNum" sz="quarter" idx="10"/>
+          </p:nvPr>
+        </p:nvSpPr>
+        <p:spPr/>
+        <p:txBody>
+          <a:bodyPr/>
+          <a:lstStyle/>
+          <a:p>
+            <a:fld id="{6BB98AFB-CB0D-4DFE-87B9-B4B0D0DE73CD}" type="slidenum">
+              <a:rPr lang="en-US" smtClean="0"/>
+              <a:t>30</a:t>
+            </a:fld>
+            <a:endParaRPr lang="en-US" dirty="0"/>
+          </a:p>
+        </p:txBody>
+      </p:sp>
+    </p:spTree>
+    <p:extLst>
+      <p:ext uri="{BB962C8B-B14F-4D97-AF65-F5344CB8AC3E}">
+        <p14:creationId xmlns:p14="http://schemas.microsoft.com/office/powerpoint/2010/main" val="1839673514"/>
+      </p:ext>
+    </p:extLst>
+  </p:cSld>
+  <p:clrMapOvr>
+    <a:masterClrMapping/>
+  </p:clrMapOvr>
+</p:notes>
+</file>
+
 <file path=ppt/notesSlides/notesSlide4.xml><?xml version="1.0" encoding="utf-8"?>
 <p:notes xmlns:a="http://schemas.openxmlformats.org/drawingml/2006/main" xmlns:r="http://schemas.openxmlformats.org/officeDocument/2006/relationships" xmlns:p="http://schemas.openxmlformats.org/presentationml/2006/main">
   <p:cSld>
@@ -3411,7 +3496,7 @@
           <a:p>
             <a:fld id="{3E0FA9E5-6744-4841-888F-9E7CC0C2B7EC}" type="datetimeFigureOut">
               <a:rPr lang="en-US" smtClean="0"/>
-              <a:t>11/27/2023</a:t>
+              <a:t>11/28/2023</a:t>
             </a:fld>
             <a:endParaRPr lang="en-US" dirty="0"/>
           </a:p>
@@ -3601,7 +3686,7 @@
           <a:p>
             <a:fld id="{3E0FA9E5-6744-4841-888F-9E7CC0C2B7EC}" type="datetimeFigureOut">
               <a:rPr lang="en-US" smtClean="0"/>
-              <a:t>11/27/2023</a:t>
+              <a:t>11/28/2023</a:t>
             </a:fld>
             <a:endParaRPr lang="en-US" dirty="0"/>
           </a:p>
@@ -3796,7 +3881,7 @@
           <a:p>
             <a:fld id="{3E0FA9E5-6744-4841-888F-9E7CC0C2B7EC}" type="datetimeFigureOut">
               <a:rPr lang="en-US" smtClean="0"/>
-              <a:t>11/27/2023</a:t>
+              <a:t>11/28/2023</a:t>
             </a:fld>
             <a:endParaRPr lang="en-US" dirty="0"/>
           </a:p>
@@ -3981,7 +4066,7 @@
           <a:p>
             <a:fld id="{3E0FA9E5-6744-4841-888F-9E7CC0C2B7EC}" type="datetimeFigureOut">
               <a:rPr lang="en-US" smtClean="0"/>
-              <a:t>11/27/2023</a:t>
+              <a:t>11/28/2023</a:t>
             </a:fld>
             <a:endParaRPr lang="en-US" dirty="0"/>
           </a:p>
@@ -4250,7 +4335,7 @@
           <a:p>
             <a:fld id="{3E0FA9E5-6744-4841-888F-9E7CC0C2B7EC}" type="datetimeFigureOut">
               <a:rPr lang="en-US" smtClean="0"/>
-              <a:t>11/27/2023</a:t>
+              <a:t>11/28/2023</a:t>
             </a:fld>
             <a:endParaRPr lang="en-US" dirty="0"/>
           </a:p>
@@ -4557,7 +4642,7 @@
           <a:p>
             <a:fld id="{3E0FA9E5-6744-4841-888F-9E7CC0C2B7EC}" type="datetimeFigureOut">
               <a:rPr lang="en-US" smtClean="0"/>
-              <a:t>11/27/2023</a:t>
+              <a:t>11/28/2023</a:t>
             </a:fld>
             <a:endParaRPr lang="en-US" dirty="0"/>
           </a:p>
@@ -5013,7 +5098,7 @@
           <a:p>
             <a:fld id="{3E0FA9E5-6744-4841-888F-9E7CC0C2B7EC}" type="datetimeFigureOut">
               <a:rPr lang="en-US" smtClean="0"/>
-              <a:t>11/27/2023</a:t>
+              <a:t>11/28/2023</a:t>
             </a:fld>
             <a:endParaRPr lang="en-US" dirty="0"/>
           </a:p>
@@ -5146,7 +5231,7 @@
           <a:p>
             <a:fld id="{3E0FA9E5-6744-4841-888F-9E7CC0C2B7EC}" type="datetimeFigureOut">
               <a:rPr lang="en-US" smtClean="0"/>
-              <a:t>11/27/2023</a:t>
+              <a:t>11/28/2023</a:t>
             </a:fld>
             <a:endParaRPr lang="en-US" dirty="0"/>
           </a:p>
@@ -5256,7 +5341,7 @@
           <a:p>
             <a:fld id="{3E0FA9E5-6744-4841-888F-9E7CC0C2B7EC}" type="datetimeFigureOut">
               <a:rPr lang="en-US" smtClean="0"/>
-              <a:t>11/27/2023</a:t>
+              <a:t>11/28/2023</a:t>
             </a:fld>
             <a:endParaRPr lang="en-US" dirty="0"/>
           </a:p>
@@ -5567,7 +5652,7 @@
           <a:p>
             <a:fld id="{3E0FA9E5-6744-4841-888F-9E7CC0C2B7EC}" type="datetimeFigureOut">
               <a:rPr lang="en-US" smtClean="0"/>
-              <a:t>11/27/2023</a:t>
+              <a:t>11/28/2023</a:t>
             </a:fld>
             <a:endParaRPr lang="en-US" dirty="0"/>
           </a:p>
@@ -6044,7 +6129,7 @@
             <a:fld id="{3E0FA9E5-6744-4841-888F-9E7CC0C2B7EC}" type="datetimeFigureOut">
               <a:rPr lang="en-US" smtClean="0"/>
               <a:pPr/>
-              <a:t>11/27/2023</a:t>
+              <a:t>11/28/2023</a:t>
             </a:fld>
             <a:endParaRPr lang="en-US" dirty="0"/>
           </a:p>
@@ -14448,11 +14533,14 @@
               </a:rPr>
               <a:t>操作工作表</a:t>
             </a:r>
-            <a:endParaRPr lang="en-US" altLang="zh-CN" sz="2800" dirty="0">
-              <a:latin typeface="ADLaM Display" panose="020F0502020204030204" pitchFamily="2" charset="0"/>
-              <a:ea typeface="ADLaM Display" panose="020F0502020204030204" pitchFamily="2" charset="0"/>
-              <a:cs typeface="ADLaM Display" panose="020F0502020204030204" pitchFamily="2" charset="0"/>
-            </a:endParaRPr>
+            <a:r>
+              <a:rPr lang="en-US" altLang="zh-CN" sz="2800" dirty="0">
+                <a:latin typeface="ADLaM Display" panose="020F0502020204030204" pitchFamily="2" charset="0"/>
+                <a:ea typeface="ADLaM Display" panose="020F0502020204030204" pitchFamily="2" charset="0"/>
+                <a:cs typeface="ADLaM Display" panose="020F0502020204030204" pitchFamily="2" charset="0"/>
+              </a:rPr>
+              <a:t>: 6.3.5~6.3.7</a:t>
+            </a:r>
           </a:p>
         </p:txBody>
       </p:sp>
@@ -15028,6 +15116,388 @@
     <p:extLst>
       <p:ext uri="{BB962C8B-B14F-4D97-AF65-F5344CB8AC3E}">
         <p14:creationId xmlns:p14="http://schemas.microsoft.com/office/powerpoint/2010/main" val="4068248247"/>
+      </p:ext>
+    </p:extLst>
+  </p:cSld>
+  <p:clrMapOvr>
+    <a:masterClrMapping/>
+  </p:clrMapOvr>
+  <mc:AlternateContent xmlns:mc="http://schemas.openxmlformats.org/markup-compatibility/2006" xmlns:p14="http://schemas.microsoft.com/office/powerpoint/2010/main">
+    <mc:Choice Requires="p14">
+      <p:transition spd="med" p14:dur="700">
+        <p:fade/>
+      </p:transition>
+    </mc:Choice>
+    <mc:Fallback xmlns="">
+      <p:transition spd="med">
+        <p:fade/>
+      </p:transition>
+    </mc:Fallback>
+  </mc:AlternateContent>
+</p:sld>
+</file>
+
+<file path=ppt/slides/slide30.xml><?xml version="1.0" encoding="utf-8"?>
+<p:sld xmlns:a="http://schemas.openxmlformats.org/drawingml/2006/main" xmlns:r="http://schemas.openxmlformats.org/officeDocument/2006/relationships" xmlns:p="http://schemas.openxmlformats.org/presentationml/2006/main">
+  <p:cSld>
+    <p:spTree>
+      <p:nvGrpSpPr>
+        <p:cNvPr id="1" name=""/>
+        <p:cNvGrpSpPr/>
+        <p:nvPr/>
+      </p:nvGrpSpPr>
+      <p:grpSpPr>
+        <a:xfrm>
+          <a:off x="0" y="0"/>
+          <a:ext cx="0" cy="0"/>
+          <a:chOff x="0" y="0"/>
+          <a:chExt cx="0" cy="0"/>
+        </a:xfrm>
+      </p:grpSpPr>
+      <p:sp>
+        <p:nvSpPr>
+          <p:cNvPr id="4" name="Title 3"/>
+          <p:cNvSpPr>
+            <a:spLocks noGrp="1"/>
+          </p:cNvSpPr>
+          <p:nvPr>
+            <p:ph type="ctrTitle"/>
+          </p:nvPr>
+        </p:nvSpPr>
+        <p:spPr/>
+        <p:txBody>
+          <a:bodyPr>
+            <a:normAutofit/>
+          </a:bodyPr>
+          <a:lstStyle/>
+          <a:p>
+            <a:pPr algn="ctr"/>
+            <a:r>
+              <a:rPr lang="zh-CN" altLang="en-US" sz="4800" dirty="0">
+                <a:latin typeface="华文隶书" panose="02010800040101010101" pitchFamily="2" charset="-122"/>
+                <a:ea typeface="华文隶书" panose="02010800040101010101" pitchFamily="2" charset="-122"/>
+              </a:rPr>
+              <a:t>让</a:t>
+            </a:r>
+            <a:r>
+              <a:rPr lang="en-US" altLang="zh-CN" sz="4800" dirty="0">
+                <a:latin typeface="华文隶书" panose="02010800040101010101" pitchFamily="2" charset="-122"/>
+                <a:ea typeface="华文隶书" panose="02010800040101010101" pitchFamily="2" charset="-122"/>
+              </a:rPr>
+              <a:t>Python</a:t>
+            </a:r>
+            <a:r>
+              <a:rPr lang="zh-CN" altLang="en-US" sz="4800" dirty="0">
+                <a:latin typeface="华文隶书" panose="02010800040101010101" pitchFamily="2" charset="-122"/>
+                <a:ea typeface="华文隶书" panose="02010800040101010101" pitchFamily="2" charset="-122"/>
+              </a:rPr>
+              <a:t>遇上</a:t>
+            </a:r>
+            <a:r>
+              <a:rPr lang="en-US" altLang="zh-CN" sz="4800" dirty="0">
+                <a:latin typeface="华文隶书" panose="02010800040101010101" pitchFamily="2" charset="-122"/>
+                <a:ea typeface="华文隶书" panose="02010800040101010101" pitchFamily="2" charset="-122"/>
+              </a:rPr>
+              <a:t>Office</a:t>
+            </a:r>
+            <a:br>
+              <a:rPr lang="en-US" altLang="zh-CN" sz="4800" dirty="0">
+                <a:latin typeface="华文隶书" panose="02010800040101010101" pitchFamily="2" charset="-122"/>
+                <a:ea typeface="华文隶书" panose="02010800040101010101" pitchFamily="2" charset="-122"/>
+              </a:rPr>
+            </a:br>
+            <a:br>
+              <a:rPr lang="en-US" altLang="zh-CN" sz="4800" dirty="0">
+                <a:latin typeface="华文隶书" panose="02010800040101010101" pitchFamily="2" charset="-122"/>
+                <a:ea typeface="华文隶书" panose="02010800040101010101" pitchFamily="2" charset="-122"/>
+              </a:rPr>
+            </a:br>
+            <a:r>
+              <a:rPr lang="en-US" altLang="zh-CN" sz="4800" dirty="0">
+                <a:latin typeface="华文隶书" panose="02010800040101010101" pitchFamily="2" charset="-122"/>
+                <a:ea typeface="华文隶书" panose="02010800040101010101" pitchFamily="2" charset="-122"/>
+              </a:rPr>
+              <a:t>(Python with Office)</a:t>
+            </a:r>
+            <a:endParaRPr lang="en-US" sz="4800" dirty="0">
+              <a:latin typeface="华文隶书" panose="02010800040101010101" pitchFamily="2" charset="-122"/>
+              <a:ea typeface="华文隶书" panose="02010800040101010101" pitchFamily="2" charset="-122"/>
+            </a:endParaRPr>
+          </a:p>
+        </p:txBody>
+      </p:sp>
+      <p:sp>
+        <p:nvSpPr>
+          <p:cNvPr id="3" name="Content Placeholder 2"/>
+          <p:cNvSpPr>
+            <a:spLocks noGrp="1"/>
+          </p:cNvSpPr>
+          <p:nvPr>
+            <p:ph type="subTitle" idx="1"/>
+          </p:nvPr>
+        </p:nvSpPr>
+        <p:spPr>
+          <a:xfrm>
+            <a:off x="549796" y="3403600"/>
+            <a:ext cx="5544617" cy="2185640"/>
+          </a:xfrm>
+        </p:spPr>
+        <p:txBody>
+          <a:bodyPr>
+            <a:normAutofit/>
+          </a:bodyPr>
+          <a:lstStyle/>
+          <a:p>
+            <a:r>
+              <a:rPr lang="en-US" sz="2800" dirty="0">
+                <a:latin typeface="ADLaM Display" panose="020F0502020204030204" pitchFamily="2" charset="0"/>
+                <a:ea typeface="ADLaM Display" panose="020F0502020204030204" pitchFamily="2" charset="0"/>
+                <a:cs typeface="ADLaM Display" panose="020F0502020204030204" pitchFamily="2" charset="0"/>
+              </a:rPr>
+              <a:t>Chapter 6 Work with Excel</a:t>
+            </a:r>
+          </a:p>
+          <a:p>
+            <a:r>
+              <a:rPr lang="en-US" sz="2800" dirty="0">
+                <a:latin typeface="ADLaM Display" panose="020F0502020204030204" pitchFamily="2" charset="0"/>
+                <a:ea typeface="ADLaM Display" panose="020F0502020204030204" pitchFamily="2" charset="0"/>
+                <a:cs typeface="ADLaM Display" panose="020F0502020204030204" pitchFamily="2" charset="0"/>
+              </a:rPr>
+              <a:t>6.4 Access Cells</a:t>
+            </a:r>
+          </a:p>
+          <a:p>
+            <a:r>
+              <a:rPr lang="zh-CN" altLang="en-US" sz="2800" dirty="0">
+                <a:latin typeface="ADLaM Display" panose="020F0502020204030204" pitchFamily="2" charset="0"/>
+                <a:ea typeface="ADLaM Display" panose="020F0502020204030204" pitchFamily="2" charset="0"/>
+                <a:cs typeface="ADLaM Display" panose="020F0502020204030204" pitchFamily="2" charset="0"/>
+              </a:rPr>
+              <a:t>第六章 操作</a:t>
+            </a:r>
+            <a:r>
+              <a:rPr lang="en-US" altLang="zh-CN" sz="2800" dirty="0">
+                <a:latin typeface="ADLaM Display" panose="020F0502020204030204" pitchFamily="2" charset="0"/>
+                <a:ea typeface="ADLaM Display" panose="020F0502020204030204" pitchFamily="2" charset="0"/>
+                <a:cs typeface="ADLaM Display" panose="020F0502020204030204" pitchFamily="2" charset="0"/>
+              </a:rPr>
+              <a:t>Excel</a:t>
+            </a:r>
+          </a:p>
+          <a:p>
+            <a:r>
+              <a:rPr lang="en-US" altLang="zh-CN" sz="2800" dirty="0">
+                <a:latin typeface="ADLaM Display" panose="020F0502020204030204" pitchFamily="2" charset="0"/>
+                <a:ea typeface="ADLaM Display" panose="020F0502020204030204" pitchFamily="2" charset="0"/>
+                <a:cs typeface="ADLaM Display" panose="020F0502020204030204" pitchFamily="2" charset="0"/>
+              </a:rPr>
+              <a:t>6.4 </a:t>
+            </a:r>
+            <a:r>
+              <a:rPr lang="zh-CN" altLang="en-US" sz="2800" dirty="0">
+                <a:latin typeface="ADLaM Display" panose="020F0502020204030204" pitchFamily="2" charset="0"/>
+                <a:ea typeface="ADLaM Display" panose="020F0502020204030204" pitchFamily="2" charset="0"/>
+                <a:cs typeface="ADLaM Display" panose="020F0502020204030204" pitchFamily="2" charset="0"/>
+              </a:rPr>
+              <a:t>访问单元格</a:t>
+            </a:r>
+            <a:endParaRPr lang="en-US" altLang="zh-CN" sz="2800" dirty="0">
+              <a:latin typeface="ADLaM Display" panose="020F0502020204030204" pitchFamily="2" charset="0"/>
+              <a:ea typeface="ADLaM Display" panose="020F0502020204030204" pitchFamily="2" charset="0"/>
+              <a:cs typeface="ADLaM Display" panose="020F0502020204030204" pitchFamily="2" charset="0"/>
+            </a:endParaRPr>
+          </a:p>
+        </p:txBody>
+      </p:sp>
+      <p:pic>
+        <p:nvPicPr>
+          <p:cNvPr id="5" name="Picture 4">
+            <a:extLst>
+              <a:ext uri="{FF2B5EF4-FFF2-40B4-BE49-F238E27FC236}">
+                <a16:creationId xmlns:a16="http://schemas.microsoft.com/office/drawing/2014/main" id="{4AD8B85C-B359-195F-B78C-C879AB7840B1}"/>
+              </a:ext>
+            </a:extLst>
+          </p:cNvPr>
+          <p:cNvPicPr>
+            <a:picLocks noChangeAspect="1"/>
+          </p:cNvPicPr>
+          <p:nvPr/>
+        </p:nvPicPr>
+        <p:blipFill>
+          <a:blip r:embed="rId3"/>
+          <a:stretch>
+            <a:fillRect/>
+          </a:stretch>
+        </p:blipFill>
+        <p:spPr>
+          <a:xfrm>
+            <a:off x="57601" y="1189856"/>
+            <a:ext cx="1068259" cy="1556792"/>
+          </a:xfrm>
+          <a:prstGeom prst="rect">
+            <a:avLst/>
+          </a:prstGeom>
+          <a:ln>
+            <a:noFill/>
+          </a:ln>
+          <a:effectLst>
+            <a:outerShdw blurRad="292100" dist="139700" dir="2700000" algn="tl" rotWithShape="0">
+              <a:srgbClr val="333333">
+                <a:alpha val="65000"/>
+              </a:srgbClr>
+            </a:outerShdw>
+          </a:effectLst>
+        </p:spPr>
+      </p:pic>
+      <p:sp>
+        <p:nvSpPr>
+          <p:cNvPr id="2" name="TextBox 1">
+            <a:extLst>
+              <a:ext uri="{FF2B5EF4-FFF2-40B4-BE49-F238E27FC236}">
+                <a16:creationId xmlns:a16="http://schemas.microsoft.com/office/drawing/2014/main" id="{CAB2C784-DE74-68FC-7A84-3E6C5D164315}"/>
+              </a:ext>
+            </a:extLst>
+          </p:cNvPr>
+          <p:cNvSpPr txBox="1"/>
+          <p:nvPr/>
+        </p:nvSpPr>
+        <p:spPr>
+          <a:xfrm>
+            <a:off x="405780" y="5722972"/>
+            <a:ext cx="7951216" cy="523220"/>
+          </a:xfrm>
+          <a:prstGeom prst="rect">
+            <a:avLst/>
+          </a:prstGeom>
+          <a:solidFill>
+            <a:schemeClr val="bg1">
+              <a:lumMod val="95000"/>
+            </a:schemeClr>
+          </a:solidFill>
+          <a:ln>
+            <a:solidFill>
+              <a:schemeClr val="bg2"/>
+            </a:solidFill>
+          </a:ln>
+        </p:spPr>
+        <p:txBody>
+          <a:bodyPr wrap="none" rtlCol="0" anchor="ctr" anchorCtr="1">
+            <a:spAutoFit/>
+          </a:bodyPr>
+          <a:lstStyle/>
+          <a:p>
+            <a:r>
+              <a:rPr lang="en-US" sz="2800" dirty="0">
+                <a:hlinkClick r:id="rId4"/>
+              </a:rPr>
+              <a:t>https://github.com/yasenstar/python_with_office</a:t>
+            </a:r>
+            <a:endParaRPr lang="en-US" sz="2800" dirty="0"/>
+          </a:p>
+        </p:txBody>
+      </p:sp>
+      <p:sp>
+        <p:nvSpPr>
+          <p:cNvPr id="9" name="TextBox 8">
+            <a:extLst>
+              <a:ext uri="{FF2B5EF4-FFF2-40B4-BE49-F238E27FC236}">
+                <a16:creationId xmlns:a16="http://schemas.microsoft.com/office/drawing/2014/main" id="{C25C84F5-3AA3-A068-7E2F-9123CA5A7D16}"/>
+              </a:ext>
+            </a:extLst>
+          </p:cNvPr>
+          <p:cNvSpPr txBox="1"/>
+          <p:nvPr/>
+        </p:nvSpPr>
+        <p:spPr>
+          <a:xfrm>
+            <a:off x="405780" y="6246192"/>
+            <a:ext cx="7951216" cy="523220"/>
+          </a:xfrm>
+          <a:prstGeom prst="rect">
+            <a:avLst/>
+          </a:prstGeom>
+          <a:solidFill>
+            <a:schemeClr val="bg1">
+              <a:lumMod val="95000"/>
+            </a:schemeClr>
+          </a:solidFill>
+          <a:ln>
+            <a:solidFill>
+              <a:schemeClr val="bg2"/>
+            </a:solidFill>
+          </a:ln>
+        </p:spPr>
+        <p:txBody>
+          <a:bodyPr wrap="square" rtlCol="0" anchor="ctr" anchorCtr="1">
+            <a:spAutoFit/>
+          </a:bodyPr>
+          <a:lstStyle/>
+          <a:p>
+            <a:r>
+              <a:rPr lang="en-US" sz="2800" dirty="0">
+                <a:hlinkClick r:id="rId5"/>
+              </a:rPr>
+              <a:t>https://gitee.com/yasenstar/python_with_office</a:t>
+            </a:r>
+            <a:endParaRPr lang="en-US" sz="2800" dirty="0"/>
+          </a:p>
+        </p:txBody>
+      </p:sp>
+      <p:sp>
+        <p:nvSpPr>
+          <p:cNvPr id="6" name="Rectangle 5">
+            <a:extLst>
+              <a:ext uri="{FF2B5EF4-FFF2-40B4-BE49-F238E27FC236}">
+                <a16:creationId xmlns:a16="http://schemas.microsoft.com/office/drawing/2014/main" id="{B9D48B81-3C0E-F46D-9F64-C03D1DE668AB}"/>
+              </a:ext>
+            </a:extLst>
+          </p:cNvPr>
+          <p:cNvSpPr/>
+          <p:nvPr/>
+        </p:nvSpPr>
+        <p:spPr>
+          <a:xfrm>
+            <a:off x="8254652" y="4365104"/>
+            <a:ext cx="3384377" cy="1008112"/>
+          </a:xfrm>
+          <a:prstGeom prst="rect">
+            <a:avLst/>
+          </a:prstGeom>
+          <a:noFill/>
+          <a:ln w="38100">
+            <a:solidFill>
+              <a:srgbClr val="FF0000"/>
+            </a:solidFill>
+          </a:ln>
+        </p:spPr>
+        <p:style>
+          <a:lnRef idx="2">
+            <a:schemeClr val="accent3"/>
+          </a:lnRef>
+          <a:fillRef idx="1">
+            <a:schemeClr val="lt1"/>
+          </a:fillRef>
+          <a:effectRef idx="0">
+            <a:schemeClr val="accent3"/>
+          </a:effectRef>
+          <a:fontRef idx="minor">
+            <a:schemeClr val="dk1"/>
+          </a:fontRef>
+        </p:style>
+        <p:txBody>
+          <a:bodyPr rtlCol="0" anchor="ctr"/>
+          <a:lstStyle/>
+          <a:p>
+            <a:pPr algn="ctr"/>
+            <a:endParaRPr lang="en-US" dirty="0"/>
+          </a:p>
+        </p:txBody>
+      </p:sp>
+    </p:spTree>
+    <p:extLst>
+      <p:ext uri="{BB962C8B-B14F-4D97-AF65-F5344CB8AC3E}">
+        <p14:creationId xmlns:p14="http://schemas.microsoft.com/office/powerpoint/2010/main" val="3072984293"/>
       </p:ext>
     </p:extLst>
   </p:cSld>

--- a/Video_Covers.pptx
+++ b/Video_Covers.pptx
@@ -5,10 +5,10 @@
     <p:sldMasterId id="2147483660" r:id="rId1"/>
   </p:sldMasterIdLst>
   <p:notesMasterIdLst>
-    <p:notesMasterId r:id="rId32"/>
+    <p:notesMasterId r:id="rId33"/>
   </p:notesMasterIdLst>
   <p:handoutMasterIdLst>
-    <p:handoutMasterId r:id="rId33"/>
+    <p:handoutMasterId r:id="rId34"/>
   </p:handoutMasterIdLst>
   <p:sldIdLst>
     <p:sldId id="257" r:id="rId2"/>
@@ -41,6 +41,7 @@
     <p:sldId id="284" r:id="rId29"/>
     <p:sldId id="285" r:id="rId30"/>
     <p:sldId id="286" r:id="rId31"/>
+    <p:sldId id="287" r:id="rId32"/>
   </p:sldIdLst>
   <p:sldSz cx="12188825" cy="6858000"/>
   <p:notesSz cx="6858000" cy="9144000"/>
@@ -2737,6 +2738,90 @@
     <p:extLst>
       <p:ext uri="{BB962C8B-B14F-4D97-AF65-F5344CB8AC3E}">
         <p14:creationId xmlns:p14="http://schemas.microsoft.com/office/powerpoint/2010/main" val="1839673514"/>
+      </p:ext>
+    </p:extLst>
+  </p:cSld>
+  <p:clrMapOvr>
+    <a:masterClrMapping/>
+  </p:clrMapOvr>
+</p:notes>
+</file>
+
+<file path=ppt/notesSlides/notesSlide31.xml><?xml version="1.0" encoding="utf-8"?>
+<p:notes xmlns:a="http://schemas.openxmlformats.org/drawingml/2006/main" xmlns:r="http://schemas.openxmlformats.org/officeDocument/2006/relationships" xmlns:p="http://schemas.openxmlformats.org/presentationml/2006/main">
+  <p:cSld>
+    <p:spTree>
+      <p:nvGrpSpPr>
+        <p:cNvPr id="1" name=""/>
+        <p:cNvGrpSpPr/>
+        <p:nvPr/>
+      </p:nvGrpSpPr>
+      <p:grpSpPr>
+        <a:xfrm>
+          <a:off x="0" y="0"/>
+          <a:ext cx="0" cy="0"/>
+          <a:chOff x="0" y="0"/>
+          <a:chExt cx="0" cy="0"/>
+        </a:xfrm>
+      </p:grpSpPr>
+      <p:sp>
+        <p:nvSpPr>
+          <p:cNvPr id="2" name="Slide Image Placeholder 1"/>
+          <p:cNvSpPr>
+            <a:spLocks noGrp="1" noRot="1" noChangeAspect="1"/>
+          </p:cNvSpPr>
+          <p:nvPr>
+            <p:ph type="sldImg"/>
+          </p:nvPr>
+        </p:nvSpPr>
+        <p:spPr/>
+      </p:sp>
+      <p:sp>
+        <p:nvSpPr>
+          <p:cNvPr id="3" name="Notes Placeholder 2"/>
+          <p:cNvSpPr>
+            <a:spLocks noGrp="1"/>
+          </p:cNvSpPr>
+          <p:nvPr>
+            <p:ph type="body" idx="1"/>
+          </p:nvPr>
+        </p:nvSpPr>
+        <p:spPr/>
+        <p:txBody>
+          <a:bodyPr/>
+          <a:lstStyle/>
+          <a:p>
+            <a:endParaRPr lang="en-US" dirty="0"/>
+          </a:p>
+        </p:txBody>
+      </p:sp>
+      <p:sp>
+        <p:nvSpPr>
+          <p:cNvPr id="4" name="Slide Number Placeholder 3"/>
+          <p:cNvSpPr>
+            <a:spLocks noGrp="1"/>
+          </p:cNvSpPr>
+          <p:nvPr>
+            <p:ph type="sldNum" sz="quarter" idx="10"/>
+          </p:nvPr>
+        </p:nvSpPr>
+        <p:spPr/>
+        <p:txBody>
+          <a:bodyPr/>
+          <a:lstStyle/>
+          <a:p>
+            <a:fld id="{6BB98AFB-CB0D-4DFE-87B9-B4B0D0DE73CD}" type="slidenum">
+              <a:rPr lang="en-US" smtClean="0"/>
+              <a:t>31</a:t>
+            </a:fld>
+            <a:endParaRPr lang="en-US" dirty="0"/>
+          </a:p>
+        </p:txBody>
+      </p:sp>
+    </p:spTree>
+    <p:extLst>
+      <p:ext uri="{BB962C8B-B14F-4D97-AF65-F5344CB8AC3E}">
+        <p14:creationId xmlns:p14="http://schemas.microsoft.com/office/powerpoint/2010/main" val="1258153236"/>
       </p:ext>
     </p:extLst>
   </p:cSld>
@@ -15444,6 +15529,46 @@
           </a:p>
         </p:txBody>
       </p:sp>
+      <p:pic>
+        <p:nvPicPr>
+          <p:cNvPr id="10" name="Picture 9">
+            <a:extLst>
+              <a:ext uri="{FF2B5EF4-FFF2-40B4-BE49-F238E27FC236}">
+                <a16:creationId xmlns:a16="http://schemas.microsoft.com/office/drawing/2014/main" id="{483613B1-F9B5-47E4-A400-852D979E51D6}"/>
+              </a:ext>
+            </a:extLst>
+          </p:cNvPr>
+          <p:cNvPicPr>
+            <a:picLocks noChangeAspect="1"/>
+          </p:cNvPicPr>
+          <p:nvPr/>
+        </p:nvPicPr>
+        <p:blipFill>
+          <a:blip r:embed="rId6"/>
+          <a:stretch>
+            <a:fillRect/>
+          </a:stretch>
+        </p:blipFill>
+        <p:spPr>
+          <a:xfrm>
+            <a:off x="6238428" y="1484784"/>
+            <a:ext cx="5534822" cy="3773214"/>
+          </a:xfrm>
+          <a:prstGeom prst="rect">
+            <a:avLst/>
+          </a:prstGeom>
+          <a:ln>
+            <a:noFill/>
+          </a:ln>
+          <a:effectLst>
+            <a:outerShdw blurRad="292100" dist="139700" dir="2700000" algn="tl" rotWithShape="0">
+              <a:srgbClr val="333333">
+                <a:alpha val="65000"/>
+              </a:srgbClr>
+            </a:outerShdw>
+          </a:effectLst>
+        </p:spPr>
+      </p:pic>
       <p:sp>
         <p:nvSpPr>
           <p:cNvPr id="6" name="Rectangle 5">
@@ -15458,8 +15583,8 @@
         </p:nvSpPr>
         <p:spPr>
           <a:xfrm>
-            <a:off x="8254652" y="4365104"/>
-            <a:ext cx="3384377" cy="1008112"/>
+            <a:off x="9190756" y="2276872"/>
+            <a:ext cx="2550617" cy="771129"/>
           </a:xfrm>
           <a:prstGeom prst="rect">
             <a:avLst/>
@@ -15498,6 +15623,428 @@
     <p:extLst>
       <p:ext uri="{BB962C8B-B14F-4D97-AF65-F5344CB8AC3E}">
         <p14:creationId xmlns:p14="http://schemas.microsoft.com/office/powerpoint/2010/main" val="3072984293"/>
+      </p:ext>
+    </p:extLst>
+  </p:cSld>
+  <p:clrMapOvr>
+    <a:masterClrMapping/>
+  </p:clrMapOvr>
+  <mc:AlternateContent xmlns:mc="http://schemas.openxmlformats.org/markup-compatibility/2006" xmlns:p14="http://schemas.microsoft.com/office/powerpoint/2010/main">
+    <mc:Choice Requires="p14">
+      <p:transition spd="med" p14:dur="700">
+        <p:fade/>
+      </p:transition>
+    </mc:Choice>
+    <mc:Fallback xmlns="">
+      <p:transition spd="med">
+        <p:fade/>
+      </p:transition>
+    </mc:Fallback>
+  </mc:AlternateContent>
+</p:sld>
+</file>
+
+<file path=ppt/slides/slide31.xml><?xml version="1.0" encoding="utf-8"?>
+<p:sld xmlns:a="http://schemas.openxmlformats.org/drawingml/2006/main" xmlns:r="http://schemas.openxmlformats.org/officeDocument/2006/relationships" xmlns:p="http://schemas.openxmlformats.org/presentationml/2006/main">
+  <p:cSld>
+    <p:spTree>
+      <p:nvGrpSpPr>
+        <p:cNvPr id="1" name=""/>
+        <p:cNvGrpSpPr/>
+        <p:nvPr/>
+      </p:nvGrpSpPr>
+      <p:grpSpPr>
+        <a:xfrm>
+          <a:off x="0" y="0"/>
+          <a:ext cx="0" cy="0"/>
+          <a:chOff x="0" y="0"/>
+          <a:chExt cx="0" cy="0"/>
+        </a:xfrm>
+      </p:grpSpPr>
+      <p:sp>
+        <p:nvSpPr>
+          <p:cNvPr id="4" name="Title 3"/>
+          <p:cNvSpPr>
+            <a:spLocks noGrp="1"/>
+          </p:cNvSpPr>
+          <p:nvPr>
+            <p:ph type="ctrTitle"/>
+          </p:nvPr>
+        </p:nvSpPr>
+        <p:spPr/>
+        <p:txBody>
+          <a:bodyPr>
+            <a:normAutofit/>
+          </a:bodyPr>
+          <a:lstStyle/>
+          <a:p>
+            <a:pPr algn="ctr"/>
+            <a:r>
+              <a:rPr lang="zh-CN" altLang="en-US" sz="4800" dirty="0">
+                <a:latin typeface="华文隶书" panose="02010800040101010101" pitchFamily="2" charset="-122"/>
+                <a:ea typeface="华文隶书" panose="02010800040101010101" pitchFamily="2" charset="-122"/>
+              </a:rPr>
+              <a:t>让</a:t>
+            </a:r>
+            <a:r>
+              <a:rPr lang="en-US" altLang="zh-CN" sz="4800" dirty="0">
+                <a:latin typeface="华文隶书" panose="02010800040101010101" pitchFamily="2" charset="-122"/>
+                <a:ea typeface="华文隶书" panose="02010800040101010101" pitchFamily="2" charset="-122"/>
+              </a:rPr>
+              <a:t>Python</a:t>
+            </a:r>
+            <a:r>
+              <a:rPr lang="zh-CN" altLang="en-US" sz="4800" dirty="0">
+                <a:latin typeface="华文隶书" panose="02010800040101010101" pitchFamily="2" charset="-122"/>
+                <a:ea typeface="华文隶书" panose="02010800040101010101" pitchFamily="2" charset="-122"/>
+              </a:rPr>
+              <a:t>遇上</a:t>
+            </a:r>
+            <a:r>
+              <a:rPr lang="en-US" altLang="zh-CN" sz="4800" dirty="0">
+                <a:latin typeface="华文隶书" panose="02010800040101010101" pitchFamily="2" charset="-122"/>
+                <a:ea typeface="华文隶书" panose="02010800040101010101" pitchFamily="2" charset="-122"/>
+              </a:rPr>
+              <a:t>Office</a:t>
+            </a:r>
+            <a:br>
+              <a:rPr lang="en-US" altLang="zh-CN" sz="4800" dirty="0">
+                <a:latin typeface="华文隶书" panose="02010800040101010101" pitchFamily="2" charset="-122"/>
+                <a:ea typeface="华文隶书" panose="02010800040101010101" pitchFamily="2" charset="-122"/>
+              </a:rPr>
+            </a:br>
+            <a:br>
+              <a:rPr lang="en-US" altLang="zh-CN" sz="4800" dirty="0">
+                <a:latin typeface="华文隶书" panose="02010800040101010101" pitchFamily="2" charset="-122"/>
+                <a:ea typeface="华文隶书" panose="02010800040101010101" pitchFamily="2" charset="-122"/>
+              </a:rPr>
+            </a:br>
+            <a:r>
+              <a:rPr lang="en-US" altLang="zh-CN" sz="4800" dirty="0">
+                <a:latin typeface="华文隶书" panose="02010800040101010101" pitchFamily="2" charset="-122"/>
+                <a:ea typeface="华文隶书" panose="02010800040101010101" pitchFamily="2" charset="-122"/>
+              </a:rPr>
+              <a:t>(Python with Office)</a:t>
+            </a:r>
+            <a:endParaRPr lang="en-US" sz="4800" dirty="0">
+              <a:latin typeface="华文隶书" panose="02010800040101010101" pitchFamily="2" charset="-122"/>
+              <a:ea typeface="华文隶书" panose="02010800040101010101" pitchFamily="2" charset="-122"/>
+            </a:endParaRPr>
+          </a:p>
+        </p:txBody>
+      </p:sp>
+      <p:sp>
+        <p:nvSpPr>
+          <p:cNvPr id="3" name="Content Placeholder 2"/>
+          <p:cNvSpPr>
+            <a:spLocks noGrp="1"/>
+          </p:cNvSpPr>
+          <p:nvPr>
+            <p:ph type="subTitle" idx="1"/>
+          </p:nvPr>
+        </p:nvSpPr>
+        <p:spPr>
+          <a:xfrm>
+            <a:off x="549796" y="3403600"/>
+            <a:ext cx="5544617" cy="2185640"/>
+          </a:xfrm>
+        </p:spPr>
+        <p:txBody>
+          <a:bodyPr>
+            <a:normAutofit/>
+          </a:bodyPr>
+          <a:lstStyle/>
+          <a:p>
+            <a:r>
+              <a:rPr lang="en-US" sz="2800" dirty="0">
+                <a:latin typeface="ADLaM Display" panose="020F0502020204030204" pitchFamily="2" charset="0"/>
+                <a:ea typeface="ADLaM Display" panose="020F0502020204030204" pitchFamily="2" charset="0"/>
+                <a:cs typeface="ADLaM Display" panose="020F0502020204030204" pitchFamily="2" charset="0"/>
+              </a:rPr>
+              <a:t>Chapter 6 Work with Excel</a:t>
+            </a:r>
+          </a:p>
+          <a:p>
+            <a:r>
+              <a:rPr lang="en-US" sz="2800" dirty="0">
+                <a:latin typeface="ADLaM Display" panose="020F0502020204030204" pitchFamily="2" charset="0"/>
+                <a:ea typeface="ADLaM Display" panose="020F0502020204030204" pitchFamily="2" charset="0"/>
+                <a:cs typeface="ADLaM Display" panose="020F0502020204030204" pitchFamily="2" charset="0"/>
+              </a:rPr>
+              <a:t>6.4 Access Cells</a:t>
+            </a:r>
+          </a:p>
+          <a:p>
+            <a:r>
+              <a:rPr lang="zh-CN" altLang="en-US" sz="2800" dirty="0">
+                <a:latin typeface="ADLaM Display" panose="020F0502020204030204" pitchFamily="2" charset="0"/>
+                <a:ea typeface="ADLaM Display" panose="020F0502020204030204" pitchFamily="2" charset="0"/>
+                <a:cs typeface="ADLaM Display" panose="020F0502020204030204" pitchFamily="2" charset="0"/>
+              </a:rPr>
+              <a:t>第六章 操作</a:t>
+            </a:r>
+            <a:r>
+              <a:rPr lang="en-US" altLang="zh-CN" sz="2800" dirty="0">
+                <a:latin typeface="ADLaM Display" panose="020F0502020204030204" pitchFamily="2" charset="0"/>
+                <a:ea typeface="ADLaM Display" panose="020F0502020204030204" pitchFamily="2" charset="0"/>
+                <a:cs typeface="ADLaM Display" panose="020F0502020204030204" pitchFamily="2" charset="0"/>
+              </a:rPr>
+              <a:t>Excel</a:t>
+            </a:r>
+          </a:p>
+          <a:p>
+            <a:r>
+              <a:rPr lang="en-US" altLang="zh-CN" sz="2800" dirty="0">
+                <a:latin typeface="ADLaM Display" panose="020F0502020204030204" pitchFamily="2" charset="0"/>
+                <a:ea typeface="ADLaM Display" panose="020F0502020204030204" pitchFamily="2" charset="0"/>
+                <a:cs typeface="ADLaM Display" panose="020F0502020204030204" pitchFamily="2" charset="0"/>
+              </a:rPr>
+              <a:t>6.4 </a:t>
+            </a:r>
+            <a:r>
+              <a:rPr lang="zh-CN" altLang="en-US" sz="2800" dirty="0">
+                <a:latin typeface="ADLaM Display" panose="020F0502020204030204" pitchFamily="2" charset="0"/>
+                <a:ea typeface="ADLaM Display" panose="020F0502020204030204" pitchFamily="2" charset="0"/>
+                <a:cs typeface="ADLaM Display" panose="020F0502020204030204" pitchFamily="2" charset="0"/>
+              </a:rPr>
+              <a:t>访问单元格</a:t>
+            </a:r>
+            <a:endParaRPr lang="en-US" altLang="zh-CN" sz="2800" dirty="0">
+              <a:latin typeface="ADLaM Display" panose="020F0502020204030204" pitchFamily="2" charset="0"/>
+              <a:ea typeface="ADLaM Display" panose="020F0502020204030204" pitchFamily="2" charset="0"/>
+              <a:cs typeface="ADLaM Display" panose="020F0502020204030204" pitchFamily="2" charset="0"/>
+            </a:endParaRPr>
+          </a:p>
+        </p:txBody>
+      </p:sp>
+      <p:pic>
+        <p:nvPicPr>
+          <p:cNvPr id="5" name="Picture 4">
+            <a:extLst>
+              <a:ext uri="{FF2B5EF4-FFF2-40B4-BE49-F238E27FC236}">
+                <a16:creationId xmlns:a16="http://schemas.microsoft.com/office/drawing/2014/main" id="{4AD8B85C-B359-195F-B78C-C879AB7840B1}"/>
+              </a:ext>
+            </a:extLst>
+          </p:cNvPr>
+          <p:cNvPicPr>
+            <a:picLocks noChangeAspect="1"/>
+          </p:cNvPicPr>
+          <p:nvPr/>
+        </p:nvPicPr>
+        <p:blipFill>
+          <a:blip r:embed="rId3"/>
+          <a:stretch>
+            <a:fillRect/>
+          </a:stretch>
+        </p:blipFill>
+        <p:spPr>
+          <a:xfrm>
+            <a:off x="57601" y="1189856"/>
+            <a:ext cx="1068259" cy="1556792"/>
+          </a:xfrm>
+          <a:prstGeom prst="rect">
+            <a:avLst/>
+          </a:prstGeom>
+          <a:ln>
+            <a:noFill/>
+          </a:ln>
+          <a:effectLst>
+            <a:outerShdw blurRad="292100" dist="139700" dir="2700000" algn="tl" rotWithShape="0">
+              <a:srgbClr val="333333">
+                <a:alpha val="65000"/>
+              </a:srgbClr>
+            </a:outerShdw>
+          </a:effectLst>
+        </p:spPr>
+      </p:pic>
+      <p:sp>
+        <p:nvSpPr>
+          <p:cNvPr id="2" name="TextBox 1">
+            <a:extLst>
+              <a:ext uri="{FF2B5EF4-FFF2-40B4-BE49-F238E27FC236}">
+                <a16:creationId xmlns:a16="http://schemas.microsoft.com/office/drawing/2014/main" id="{CAB2C784-DE74-68FC-7A84-3E6C5D164315}"/>
+              </a:ext>
+            </a:extLst>
+          </p:cNvPr>
+          <p:cNvSpPr txBox="1"/>
+          <p:nvPr/>
+        </p:nvSpPr>
+        <p:spPr>
+          <a:xfrm>
+            <a:off x="405780" y="5722972"/>
+            <a:ext cx="7951216" cy="523220"/>
+          </a:xfrm>
+          <a:prstGeom prst="rect">
+            <a:avLst/>
+          </a:prstGeom>
+          <a:solidFill>
+            <a:schemeClr val="bg1">
+              <a:lumMod val="95000"/>
+            </a:schemeClr>
+          </a:solidFill>
+          <a:ln>
+            <a:solidFill>
+              <a:schemeClr val="bg2"/>
+            </a:solidFill>
+          </a:ln>
+        </p:spPr>
+        <p:txBody>
+          <a:bodyPr wrap="none" rtlCol="0" anchor="ctr" anchorCtr="1">
+            <a:spAutoFit/>
+          </a:bodyPr>
+          <a:lstStyle/>
+          <a:p>
+            <a:r>
+              <a:rPr lang="en-US" sz="2800" dirty="0">
+                <a:hlinkClick r:id="rId4"/>
+              </a:rPr>
+              <a:t>https://github.com/yasenstar/python_with_office</a:t>
+            </a:r>
+            <a:endParaRPr lang="en-US" sz="2800" dirty="0"/>
+          </a:p>
+        </p:txBody>
+      </p:sp>
+      <p:sp>
+        <p:nvSpPr>
+          <p:cNvPr id="9" name="TextBox 8">
+            <a:extLst>
+              <a:ext uri="{FF2B5EF4-FFF2-40B4-BE49-F238E27FC236}">
+                <a16:creationId xmlns:a16="http://schemas.microsoft.com/office/drawing/2014/main" id="{C25C84F5-3AA3-A068-7E2F-9123CA5A7D16}"/>
+              </a:ext>
+            </a:extLst>
+          </p:cNvPr>
+          <p:cNvSpPr txBox="1"/>
+          <p:nvPr/>
+        </p:nvSpPr>
+        <p:spPr>
+          <a:xfrm>
+            <a:off x="405780" y="6246192"/>
+            <a:ext cx="7951216" cy="523220"/>
+          </a:xfrm>
+          <a:prstGeom prst="rect">
+            <a:avLst/>
+          </a:prstGeom>
+          <a:solidFill>
+            <a:schemeClr val="bg1">
+              <a:lumMod val="95000"/>
+            </a:schemeClr>
+          </a:solidFill>
+          <a:ln>
+            <a:solidFill>
+              <a:schemeClr val="bg2"/>
+            </a:solidFill>
+          </a:ln>
+        </p:spPr>
+        <p:txBody>
+          <a:bodyPr wrap="square" rtlCol="0" anchor="ctr" anchorCtr="1">
+            <a:spAutoFit/>
+          </a:bodyPr>
+          <a:lstStyle/>
+          <a:p>
+            <a:r>
+              <a:rPr lang="en-US" sz="2800" dirty="0">
+                <a:hlinkClick r:id="rId5"/>
+              </a:rPr>
+              <a:t>https://gitee.com/yasenstar/python_with_office</a:t>
+            </a:r>
+            <a:endParaRPr lang="en-US" sz="2800" dirty="0"/>
+          </a:p>
+        </p:txBody>
+      </p:sp>
+      <p:pic>
+        <p:nvPicPr>
+          <p:cNvPr id="10" name="Picture 9">
+            <a:extLst>
+              <a:ext uri="{FF2B5EF4-FFF2-40B4-BE49-F238E27FC236}">
+                <a16:creationId xmlns:a16="http://schemas.microsoft.com/office/drawing/2014/main" id="{483613B1-F9B5-47E4-A400-852D979E51D6}"/>
+              </a:ext>
+            </a:extLst>
+          </p:cNvPr>
+          <p:cNvPicPr>
+            <a:picLocks noChangeAspect="1"/>
+          </p:cNvPicPr>
+          <p:nvPr/>
+        </p:nvPicPr>
+        <p:blipFill>
+          <a:blip r:embed="rId6"/>
+          <a:stretch>
+            <a:fillRect/>
+          </a:stretch>
+        </p:blipFill>
+        <p:spPr>
+          <a:xfrm>
+            <a:off x="6238428" y="1484784"/>
+            <a:ext cx="5534822" cy="3773214"/>
+          </a:xfrm>
+          <a:prstGeom prst="rect">
+            <a:avLst/>
+          </a:prstGeom>
+          <a:ln>
+            <a:noFill/>
+          </a:ln>
+          <a:effectLst>
+            <a:outerShdw blurRad="292100" dist="139700" dir="2700000" algn="tl" rotWithShape="0">
+              <a:srgbClr val="333333">
+                <a:alpha val="65000"/>
+              </a:srgbClr>
+            </a:outerShdw>
+          </a:effectLst>
+        </p:spPr>
+      </p:pic>
+      <p:sp>
+        <p:nvSpPr>
+          <p:cNvPr id="6" name="Rectangle 5">
+            <a:extLst>
+              <a:ext uri="{FF2B5EF4-FFF2-40B4-BE49-F238E27FC236}">
+                <a16:creationId xmlns:a16="http://schemas.microsoft.com/office/drawing/2014/main" id="{B9D48B81-3C0E-F46D-9F64-C03D1DE668AB}"/>
+              </a:ext>
+            </a:extLst>
+          </p:cNvPr>
+          <p:cNvSpPr/>
+          <p:nvPr/>
+        </p:nvSpPr>
+        <p:spPr>
+          <a:xfrm>
+            <a:off x="9190756" y="3048001"/>
+            <a:ext cx="2550617" cy="236984"/>
+          </a:xfrm>
+          <a:prstGeom prst="rect">
+            <a:avLst/>
+          </a:prstGeom>
+          <a:noFill/>
+          <a:ln w="38100">
+            <a:solidFill>
+              <a:srgbClr val="FF0000"/>
+            </a:solidFill>
+          </a:ln>
+        </p:spPr>
+        <p:style>
+          <a:lnRef idx="2">
+            <a:schemeClr val="accent3"/>
+          </a:lnRef>
+          <a:fillRef idx="1">
+            <a:schemeClr val="lt1"/>
+          </a:fillRef>
+          <a:effectRef idx="0">
+            <a:schemeClr val="accent3"/>
+          </a:effectRef>
+          <a:fontRef idx="minor">
+            <a:schemeClr val="dk1"/>
+          </a:fontRef>
+        </p:style>
+        <p:txBody>
+          <a:bodyPr rtlCol="0" anchor="ctr"/>
+          <a:lstStyle/>
+          <a:p>
+            <a:pPr algn="ctr"/>
+            <a:endParaRPr lang="en-US" dirty="0"/>
+          </a:p>
+        </p:txBody>
+      </p:sp>
+    </p:spTree>
+    <p:extLst>
+      <p:ext uri="{BB962C8B-B14F-4D97-AF65-F5344CB8AC3E}">
+        <p14:creationId xmlns:p14="http://schemas.microsoft.com/office/powerpoint/2010/main" val="3718883856"/>
       </p:ext>
     </p:extLst>
   </p:cSld>
